--- a/bra_presentasjon.pptx
+++ b/bra_presentasjon.pptx
@@ -7,9 +7,13 @@
   <p:sldIdLst>
     <p:sldId id="256" r:id="rId2"/>
     <p:sldId id="259" r:id="rId3"/>
-    <p:sldId id="260" r:id="rId4"/>
-    <p:sldId id="261" r:id="rId5"/>
-    <p:sldId id="262" r:id="rId6"/>
+    <p:sldId id="266" r:id="rId4"/>
+    <p:sldId id="260" r:id="rId5"/>
+    <p:sldId id="267" r:id="rId6"/>
+    <p:sldId id="264" r:id="rId7"/>
+    <p:sldId id="265" r:id="rId8"/>
+    <p:sldId id="261" r:id="rId9"/>
+    <p:sldId id="262" r:id="rId10"/>
   </p:sldIdLst>
   <p:sldSz cx="9144000" cy="6858000" type="screen4x3"/>
   <p:notesSz cx="6858000" cy="9144000"/>
@@ -3090,6 +3094,146 @@
           <p:cNvPr id="2" name="Tittel 1">
             <a:extLst>
               <a:ext uri="{FF2B5EF4-FFF2-40B4-BE49-F238E27FC236}">
+                <a16:creationId xmlns:a16="http://schemas.microsoft.com/office/drawing/2014/main" id="{4556845F-256E-EC46-8798-D086CF23C793}"/>
+              </a:ext>
+            </a:extLst>
+          </p:cNvPr>
+          <p:cNvSpPr>
+            <a:spLocks noGrp="1"/>
+          </p:cNvSpPr>
+          <p:nvPr>
+            <p:ph type="title"/>
+          </p:nvPr>
+        </p:nvSpPr>
+        <p:spPr/>
+        <p:txBody>
+          <a:bodyPr/>
+          <a:lstStyle/>
+          <a:p>
+            <a:r>
+              <a:rPr lang="en-US" dirty="0"/>
+              <a:t>Lax-Friedrichs </a:t>
+            </a:r>
+            <a:endParaRPr lang="nb-NO" dirty="0"/>
+          </a:p>
+        </p:txBody>
+      </p:sp>
+      <p:pic>
+        <p:nvPicPr>
+          <p:cNvPr id="15" name="Plassholder for innhold 14">
+            <a:extLst>
+              <a:ext uri="{FF2B5EF4-FFF2-40B4-BE49-F238E27FC236}">
+                <a16:creationId xmlns:a16="http://schemas.microsoft.com/office/drawing/2014/main" id="{7E819717-7B1A-B146-9C71-E5EEFB86957E}"/>
+              </a:ext>
+            </a:extLst>
+          </p:cNvPr>
+          <p:cNvPicPr>
+            <a:picLocks noGrp="1" noChangeAspect="1"/>
+          </p:cNvPicPr>
+          <p:nvPr>
+            <p:ph idx="1"/>
+          </p:nvPr>
+        </p:nvPicPr>
+        <p:blipFill>
+          <a:blip r:embed="rId2"/>
+          <a:stretch>
+            <a:fillRect/>
+          </a:stretch>
+        </p:blipFill>
+        <p:spPr>
+          <a:xfrm>
+            <a:off x="533400" y="1691481"/>
+            <a:ext cx="8077200" cy="4343400"/>
+          </a:xfrm>
+        </p:spPr>
+      </p:pic>
+      <p:sp>
+        <p:nvSpPr>
+          <p:cNvPr id="16" name="Tittel 3">
+            <a:extLst>
+              <a:ext uri="{FF2B5EF4-FFF2-40B4-BE49-F238E27FC236}">
+                <a16:creationId xmlns:a16="http://schemas.microsoft.com/office/drawing/2014/main" id="{0085D2D9-160C-E245-AAB2-FADD6BC3A54B}"/>
+              </a:ext>
+            </a:extLst>
+          </p:cNvPr>
+          <p:cNvSpPr txBox="1">
+            <a:spLocks/>
+          </p:cNvSpPr>
+          <p:nvPr/>
+        </p:nvSpPr>
+        <p:spPr>
+          <a:xfrm>
+            <a:off x="457200" y="1189278"/>
+            <a:ext cx="4163786" cy="651868"/>
+          </a:xfrm>
+          <a:prstGeom prst="rect">
+            <a:avLst/>
+          </a:prstGeom>
+        </p:spPr>
+        <p:txBody>
+          <a:bodyPr vert="horz" lIns="91440" tIns="45720" rIns="91440" bIns="45720" rtlCol="0" anchor="ctr">
+            <a:normAutofit/>
+          </a:bodyPr>
+          <a:lstStyle>
+            <a:lvl1pPr algn="l" defTabSz="457200" rtl="0" eaLnBrk="1" latinLnBrk="0" hangingPunct="1">
+              <a:spcBef>
+                <a:spcPct val="0"/>
+              </a:spcBef>
+              <a:buNone/>
+              <a:defRPr sz="3600" b="1" i="0" kern="1200">
+                <a:solidFill>
+                  <a:schemeClr val="tx1"/>
+                </a:solidFill>
+                <a:latin typeface="Arial"/>
+                <a:ea typeface="+mj-ea"/>
+                <a:cs typeface="Arial"/>
+              </a:defRPr>
+            </a:lvl1pPr>
+          </a:lstStyle>
+          <a:p>
+            <a:r>
+              <a:rPr lang="en-US" sz="2400" b="0" dirty="0"/>
+              <a:t>Density of vehicles per meter</a:t>
+            </a:r>
+            <a:endParaRPr lang="nb-NO" sz="2400" b="0" dirty="0"/>
+          </a:p>
+        </p:txBody>
+      </p:sp>
+    </p:spTree>
+    <p:extLst>
+      <p:ext uri="{BB962C8B-B14F-4D97-AF65-F5344CB8AC3E}">
+        <p14:creationId xmlns:p14="http://schemas.microsoft.com/office/powerpoint/2010/main" val="339795192"/>
+      </p:ext>
+    </p:extLst>
+  </p:cSld>
+  <p:clrMapOvr>
+    <a:masterClrMapping/>
+  </p:clrMapOvr>
+</p:sld>
+</file>
+
+<file path=ppt/slides/slide4.xml><?xml version="1.0" encoding="utf-8"?>
+<p:sld xmlns:a="http://schemas.openxmlformats.org/drawingml/2006/main" xmlns:r="http://schemas.openxmlformats.org/officeDocument/2006/relationships" xmlns:p="http://schemas.openxmlformats.org/presentationml/2006/main">
+  <p:cSld>
+    <p:spTree>
+      <p:nvGrpSpPr>
+        <p:cNvPr id="1" name=""/>
+        <p:cNvGrpSpPr/>
+        <p:nvPr/>
+      </p:nvGrpSpPr>
+      <p:grpSpPr>
+        <a:xfrm>
+          <a:off x="0" y="0"/>
+          <a:ext cx="0" cy="0"/>
+          <a:chOff x="0" y="0"/>
+          <a:chExt cx="0" cy="0"/>
+        </a:xfrm>
+      </p:grpSpPr>
+      <p:sp>
+        <p:nvSpPr>
+          <p:cNvPr id="2" name="Tittel 1">
+            <a:extLst>
+              <a:ext uri="{FF2B5EF4-FFF2-40B4-BE49-F238E27FC236}">
                 <a16:creationId xmlns:a16="http://schemas.microsoft.com/office/drawing/2014/main" id="{427236F5-CBF4-C343-BB05-C83D38F2FE9D}"/>
               </a:ext>
             </a:extLst>
@@ -3114,12 +3258,464 @@
           </a:p>
         </p:txBody>
       </p:sp>
+      <mc:AlternateContent xmlns:mc="http://schemas.openxmlformats.org/markup-compatibility/2006">
+        <mc:Choice xmlns:a14="http://schemas.microsoft.com/office/drawing/2010/main" Requires="a14">
+          <p:sp>
+            <p:nvSpPr>
+              <p:cNvPr id="3" name="Plassholder for innhold 2">
+                <a:extLst>
+                  <a:ext uri="{FF2B5EF4-FFF2-40B4-BE49-F238E27FC236}">
+                    <a16:creationId xmlns:a16="http://schemas.microsoft.com/office/drawing/2014/main" id="{CAF08C35-A940-8C4A-8809-9D7225513730}"/>
+                  </a:ext>
+                </a:extLst>
+              </p:cNvPr>
+              <p:cNvSpPr>
+                <a:spLocks noGrp="1"/>
+              </p:cNvSpPr>
+              <p:nvPr>
+                <p:ph idx="1"/>
+              </p:nvPr>
+            </p:nvSpPr>
+            <p:spPr/>
+            <p:txBody>
+              <a:bodyPr/>
+              <a:lstStyle/>
+              <a:p>
+                <a14:m>
+                  <m:oMath xmlns:m="http://schemas.openxmlformats.org/officeDocument/2006/math">
+                    <m:sSubSup>
+                      <m:sSubSupPr>
+                        <m:ctrlPr>
+                          <a:rPr lang="nb-NO" i="1" smtClean="0">
+                            <a:latin typeface="Cambria Math" panose="02040503050406030204" pitchFamily="18" charset="0"/>
+                          </a:rPr>
+                        </m:ctrlPr>
+                      </m:sSubSupPr>
+                      <m:e>
+                        <m:r>
+                          <a:rPr lang="en-US" b="0" i="1" smtClean="0">
+                            <a:latin typeface="Cambria Math" panose="02040503050406030204" pitchFamily="18" charset="0"/>
+                          </a:rPr>
+                          <m:t>𝑢</m:t>
+                        </m:r>
+                      </m:e>
+                      <m:sub>
+                        <m:r>
+                          <a:rPr lang="en-US" b="0" i="1" smtClean="0">
+                            <a:latin typeface="Cambria Math" panose="02040503050406030204" pitchFamily="18" charset="0"/>
+                          </a:rPr>
+                          <m:t>𝑚</m:t>
+                        </m:r>
+                      </m:sub>
+                      <m:sup>
+                        <m:r>
+                          <a:rPr lang="en-US" b="0" i="1" smtClean="0">
+                            <a:latin typeface="Cambria Math" panose="02040503050406030204" pitchFamily="18" charset="0"/>
+                          </a:rPr>
+                          <m:t>𝑛</m:t>
+                        </m:r>
+                        <m:r>
+                          <a:rPr lang="en-US" b="0" i="1" smtClean="0">
+                            <a:latin typeface="Cambria Math" panose="02040503050406030204" pitchFamily="18" charset="0"/>
+                          </a:rPr>
+                          <m:t>+1</m:t>
+                        </m:r>
+                      </m:sup>
+                    </m:sSubSup>
+                    <m:r>
+                      <a:rPr lang="en-US" b="0" i="1" smtClean="0">
+                        <a:latin typeface="Cambria Math" panose="02040503050406030204" pitchFamily="18" charset="0"/>
+                      </a:rPr>
+                      <m:t>=</m:t>
+                    </m:r>
+                    <m:f>
+                      <m:fPr>
+                        <m:ctrlPr>
+                          <a:rPr lang="en-US" b="0" i="1" smtClean="0">
+                            <a:latin typeface="Cambria Math" panose="02040503050406030204" pitchFamily="18" charset="0"/>
+                          </a:rPr>
+                        </m:ctrlPr>
+                      </m:fPr>
+                      <m:num>
+                        <m:sSubSup>
+                          <m:sSubSupPr>
+                            <m:ctrlPr>
+                              <a:rPr lang="en-US" b="0" i="1" smtClean="0">
+                                <a:latin typeface="Cambria Math" panose="02040503050406030204" pitchFamily="18" charset="0"/>
+                              </a:rPr>
+                            </m:ctrlPr>
+                          </m:sSubSupPr>
+                          <m:e>
+                            <m:r>
+                              <a:rPr lang="en-US" b="0" i="1" smtClean="0">
+                                <a:latin typeface="Cambria Math" panose="02040503050406030204" pitchFamily="18" charset="0"/>
+                              </a:rPr>
+                              <m:t>𝑢</m:t>
+                            </m:r>
+                          </m:e>
+                          <m:sub>
+                            <m:r>
+                              <a:rPr lang="en-US" b="0" i="1" smtClean="0">
+                                <a:latin typeface="Cambria Math" panose="02040503050406030204" pitchFamily="18" charset="0"/>
+                              </a:rPr>
+                              <m:t>𝑚</m:t>
+                            </m:r>
+                            <m:r>
+                              <a:rPr lang="en-US" b="0" i="1" smtClean="0">
+                                <a:latin typeface="Cambria Math" panose="02040503050406030204" pitchFamily="18" charset="0"/>
+                              </a:rPr>
+                              <m:t>−1</m:t>
+                            </m:r>
+                          </m:sub>
+                          <m:sup>
+                            <m:r>
+                              <a:rPr lang="en-US" b="0" i="1" smtClean="0">
+                                <a:latin typeface="Cambria Math" panose="02040503050406030204" pitchFamily="18" charset="0"/>
+                              </a:rPr>
+                              <m:t>𝑛</m:t>
+                            </m:r>
+                          </m:sup>
+                        </m:sSubSup>
+                        <m:r>
+                          <a:rPr lang="en-US" b="0" i="1" smtClean="0">
+                            <a:latin typeface="Cambria Math" panose="02040503050406030204" pitchFamily="18" charset="0"/>
+                          </a:rPr>
+                          <m:t>+</m:t>
+                        </m:r>
+                        <m:sSubSup>
+                          <m:sSubSupPr>
+                            <m:ctrlPr>
+                              <a:rPr lang="en-US" b="0" i="1" smtClean="0">
+                                <a:latin typeface="Cambria Math" panose="02040503050406030204" pitchFamily="18" charset="0"/>
+                              </a:rPr>
+                            </m:ctrlPr>
+                          </m:sSubSupPr>
+                          <m:e>
+                            <m:r>
+                              <a:rPr lang="en-US" b="0" i="1" smtClean="0">
+                                <a:latin typeface="Cambria Math" panose="02040503050406030204" pitchFamily="18" charset="0"/>
+                              </a:rPr>
+                              <m:t>𝑢</m:t>
+                            </m:r>
+                          </m:e>
+                          <m:sub>
+                            <m:r>
+                              <a:rPr lang="en-US" b="0" i="1" smtClean="0">
+                                <a:latin typeface="Cambria Math" panose="02040503050406030204" pitchFamily="18" charset="0"/>
+                              </a:rPr>
+                              <m:t>𝑚</m:t>
+                            </m:r>
+                            <m:r>
+                              <a:rPr lang="en-US" b="0" i="1" smtClean="0">
+                                <a:latin typeface="Cambria Math" panose="02040503050406030204" pitchFamily="18" charset="0"/>
+                              </a:rPr>
+                              <m:t>+1</m:t>
+                            </m:r>
+                          </m:sub>
+                          <m:sup>
+                            <m:r>
+                              <a:rPr lang="en-US" b="0" i="1" smtClean="0">
+                                <a:latin typeface="Cambria Math" panose="02040503050406030204" pitchFamily="18" charset="0"/>
+                              </a:rPr>
+                              <m:t>𝑛</m:t>
+                            </m:r>
+                          </m:sup>
+                        </m:sSubSup>
+                      </m:num>
+                      <m:den>
+                        <m:r>
+                          <a:rPr lang="en-US" b="0" i="1" smtClean="0">
+                            <a:latin typeface="Cambria Math" panose="02040503050406030204" pitchFamily="18" charset="0"/>
+                          </a:rPr>
+                          <m:t>2</m:t>
+                        </m:r>
+                      </m:den>
+                    </m:f>
+                    <m:r>
+                      <a:rPr lang="en-US" b="0" i="1" smtClean="0">
+                        <a:latin typeface="Cambria Math" panose="02040503050406030204" pitchFamily="18" charset="0"/>
+                      </a:rPr>
+                      <m:t>−</m:t>
+                    </m:r>
+                    <m:f>
+                      <m:fPr>
+                        <m:ctrlPr>
+                          <a:rPr lang="en-US" b="0" i="1" smtClean="0">
+                            <a:latin typeface="Cambria Math" panose="02040503050406030204" pitchFamily="18" charset="0"/>
+                          </a:rPr>
+                        </m:ctrlPr>
+                      </m:fPr>
+                      <m:num>
+                        <m:r>
+                          <a:rPr lang="en-US" b="0" i="1" smtClean="0">
+                            <a:latin typeface="Cambria Math" panose="02040503050406030204" pitchFamily="18" charset="0"/>
+                          </a:rPr>
+                          <m:t>𝑘</m:t>
+                        </m:r>
+                      </m:num>
+                      <m:den>
+                        <m:r>
+                          <a:rPr lang="en-US" b="0" i="1" smtClean="0">
+                            <a:latin typeface="Cambria Math" panose="02040503050406030204" pitchFamily="18" charset="0"/>
+                          </a:rPr>
+                          <m:t>2</m:t>
+                        </m:r>
+                        <m:r>
+                          <a:rPr lang="en-US" b="0" i="1" smtClean="0">
+                            <a:latin typeface="Cambria Math" panose="02040503050406030204" pitchFamily="18" charset="0"/>
+                          </a:rPr>
+                          <m:t>h</m:t>
+                        </m:r>
+                      </m:den>
+                    </m:f>
+                    <m:d>
+                      <m:dPr>
+                        <m:ctrlPr>
+                          <a:rPr lang="en-US" b="0" i="1" smtClean="0">
+                            <a:latin typeface="Cambria Math" panose="02040503050406030204" pitchFamily="18" charset="0"/>
+                          </a:rPr>
+                        </m:ctrlPr>
+                      </m:dPr>
+                      <m:e>
+                        <m:sSubSup>
+                          <m:sSubSupPr>
+                            <m:ctrlPr>
+                              <a:rPr lang="en-US" b="0" i="1" smtClean="0">
+                                <a:latin typeface="Cambria Math" panose="02040503050406030204" pitchFamily="18" charset="0"/>
+                              </a:rPr>
+                            </m:ctrlPr>
+                          </m:sSubSupPr>
+                          <m:e>
+                            <m:r>
+                              <a:rPr lang="en-US" b="0" i="1" smtClean="0">
+                                <a:latin typeface="Cambria Math" panose="02040503050406030204" pitchFamily="18" charset="0"/>
+                              </a:rPr>
+                              <m:t>𝑓</m:t>
+                            </m:r>
+                          </m:e>
+                          <m:sub>
+                            <m:r>
+                              <a:rPr lang="en-US" b="0" i="1" smtClean="0">
+                                <a:latin typeface="Cambria Math" panose="02040503050406030204" pitchFamily="18" charset="0"/>
+                              </a:rPr>
+                              <m:t>𝑚</m:t>
+                            </m:r>
+                            <m:r>
+                              <a:rPr lang="en-US" b="0" i="1" smtClean="0">
+                                <a:latin typeface="Cambria Math" panose="02040503050406030204" pitchFamily="18" charset="0"/>
+                              </a:rPr>
+                              <m:t>+1</m:t>
+                            </m:r>
+                          </m:sub>
+                          <m:sup>
+                            <m:r>
+                              <a:rPr lang="en-US" b="0" i="1" smtClean="0">
+                                <a:latin typeface="Cambria Math" panose="02040503050406030204" pitchFamily="18" charset="0"/>
+                              </a:rPr>
+                              <m:t>𝑛</m:t>
+                            </m:r>
+                          </m:sup>
+                        </m:sSubSup>
+                        <m:r>
+                          <a:rPr lang="en-US" b="0" i="1" smtClean="0">
+                            <a:latin typeface="Cambria Math" panose="02040503050406030204" pitchFamily="18" charset="0"/>
+                          </a:rPr>
+                          <m:t>−</m:t>
+                        </m:r>
+                        <m:sSubSup>
+                          <m:sSubSupPr>
+                            <m:ctrlPr>
+                              <a:rPr lang="en-US" b="0" i="1" smtClean="0">
+                                <a:latin typeface="Cambria Math" panose="02040503050406030204" pitchFamily="18" charset="0"/>
+                              </a:rPr>
+                            </m:ctrlPr>
+                          </m:sSubSupPr>
+                          <m:e>
+                            <m:r>
+                              <a:rPr lang="en-US" b="0" i="1" smtClean="0">
+                                <a:latin typeface="Cambria Math" panose="02040503050406030204" pitchFamily="18" charset="0"/>
+                              </a:rPr>
+                              <m:t>𝑓</m:t>
+                            </m:r>
+                          </m:e>
+                          <m:sub>
+                            <m:r>
+                              <a:rPr lang="en-US" b="0" i="1" smtClean="0">
+                                <a:latin typeface="Cambria Math" panose="02040503050406030204" pitchFamily="18" charset="0"/>
+                              </a:rPr>
+                              <m:t>𝑚</m:t>
+                            </m:r>
+                            <m:r>
+                              <a:rPr lang="en-US" b="0" i="1" smtClean="0">
+                                <a:latin typeface="Cambria Math" panose="02040503050406030204" pitchFamily="18" charset="0"/>
+                              </a:rPr>
+                              <m:t>−1</m:t>
+                            </m:r>
+                          </m:sub>
+                          <m:sup>
+                            <m:r>
+                              <a:rPr lang="en-US" b="0" i="1" smtClean="0">
+                                <a:latin typeface="Cambria Math" panose="02040503050406030204" pitchFamily="18" charset="0"/>
+                              </a:rPr>
+                              <m:t>𝑛</m:t>
+                            </m:r>
+                          </m:sup>
+                        </m:sSubSup>
+                      </m:e>
+                    </m:d>
+                    <m:r>
+                      <a:rPr lang="en-US" b="0" i="1" smtClean="0">
+                        <a:latin typeface="Cambria Math" panose="02040503050406030204" pitchFamily="18" charset="0"/>
+                      </a:rPr>
+                      <m:t>+</m:t>
+                    </m:r>
+                    <m:r>
+                      <a:rPr lang="en-US" b="0" i="1" smtClean="0">
+                        <a:latin typeface="Cambria Math" panose="02040503050406030204" pitchFamily="18" charset="0"/>
+                      </a:rPr>
+                      <m:t>𝑘</m:t>
+                    </m:r>
+                    <m:sSubSup>
+                      <m:sSubSupPr>
+                        <m:ctrlPr>
+                          <a:rPr lang="en-US" b="0" i="1" smtClean="0">
+                            <a:latin typeface="Cambria Math" panose="02040503050406030204" pitchFamily="18" charset="0"/>
+                          </a:rPr>
+                        </m:ctrlPr>
+                      </m:sSubSupPr>
+                      <m:e>
+                        <m:r>
+                          <a:rPr lang="en-US" b="0" i="1" smtClean="0">
+                            <a:latin typeface="Cambria Math" panose="02040503050406030204" pitchFamily="18" charset="0"/>
+                          </a:rPr>
+                          <m:t>𝑠</m:t>
+                        </m:r>
+                      </m:e>
+                      <m:sub>
+                        <m:r>
+                          <a:rPr lang="en-US" b="0" i="1" smtClean="0">
+                            <a:latin typeface="Cambria Math" panose="02040503050406030204" pitchFamily="18" charset="0"/>
+                          </a:rPr>
+                          <m:t>𝑗</m:t>
+                        </m:r>
+                      </m:sub>
+                      <m:sup>
+                        <m:r>
+                          <a:rPr lang="en-US" b="0" i="1" smtClean="0">
+                            <a:latin typeface="Cambria Math" panose="02040503050406030204" pitchFamily="18" charset="0"/>
+                          </a:rPr>
+                          <m:t>𝑛</m:t>
+                        </m:r>
+                      </m:sup>
+                    </m:sSubSup>
+                  </m:oMath>
+                </a14:m>
+                <a:endParaRPr lang="nb-NO" dirty="0"/>
+              </a:p>
+            </p:txBody>
+          </p:sp>
+        </mc:Choice>
+        <mc:Fallback>
+          <p:sp>
+            <p:nvSpPr>
+              <p:cNvPr id="3" name="Plassholder for innhold 2">
+                <a:extLst>
+                  <a:ext uri="{FF2B5EF4-FFF2-40B4-BE49-F238E27FC236}">
+                    <a16:creationId xmlns:a16="http://schemas.microsoft.com/office/drawing/2014/main" id="{CAF08C35-A940-8C4A-8809-9D7225513730}"/>
+                  </a:ext>
+                </a:extLst>
+              </p:cNvPr>
+              <p:cNvSpPr>
+                <a:spLocks noGrp="1" noRot="1" noChangeAspect="1" noMove="1" noResize="1" noEditPoints="1" noAdjustHandles="1" noChangeArrowheads="1" noChangeShapeType="1" noTextEdit="1"/>
+              </p:cNvSpPr>
+              <p:nvPr>
+                <p:ph idx="1"/>
+              </p:nvPr>
+            </p:nvSpPr>
+            <p:spPr>
+              <a:blipFill>
+                <a:blip r:embed="rId2"/>
+                <a:stretch>
+                  <a:fillRect l="-1080"/>
+                </a:stretch>
+              </a:blipFill>
+            </p:spPr>
+            <p:txBody>
+              <a:bodyPr/>
+              <a:lstStyle/>
+              <a:p>
+                <a:r>
+                  <a:rPr lang="nb-NO">
+                    <a:noFill/>
+                  </a:rPr>
+                  <a:t> </a:t>
+                </a:r>
+              </a:p>
+            </p:txBody>
+          </p:sp>
+        </mc:Fallback>
+      </mc:AlternateContent>
+    </p:spTree>
+    <p:extLst>
+      <p:ext uri="{BB962C8B-B14F-4D97-AF65-F5344CB8AC3E}">
+        <p14:creationId xmlns:p14="http://schemas.microsoft.com/office/powerpoint/2010/main" val="2146305719"/>
+      </p:ext>
+    </p:extLst>
+  </p:cSld>
+  <p:clrMapOvr>
+    <a:masterClrMapping/>
+  </p:clrMapOvr>
+</p:sld>
+</file>
+
+<file path=ppt/slides/slide5.xml><?xml version="1.0" encoding="utf-8"?>
+<p:sld xmlns:a="http://schemas.openxmlformats.org/drawingml/2006/main" xmlns:r="http://schemas.openxmlformats.org/officeDocument/2006/relationships" xmlns:p="http://schemas.openxmlformats.org/presentationml/2006/main">
+  <p:cSld>
+    <p:spTree>
+      <p:nvGrpSpPr>
+        <p:cNvPr id="1" name=""/>
+        <p:cNvGrpSpPr/>
+        <p:nvPr/>
+      </p:nvGrpSpPr>
+      <p:grpSpPr>
+        <a:xfrm>
+          <a:off x="0" y="0"/>
+          <a:ext cx="0" cy="0"/>
+          <a:chOff x="0" y="0"/>
+          <a:chExt cx="0" cy="0"/>
+        </a:xfrm>
+      </p:grpSpPr>
+      <p:sp>
+        <p:nvSpPr>
+          <p:cNvPr id="2" name="Tittel 1">
+            <a:extLst>
+              <a:ext uri="{FF2B5EF4-FFF2-40B4-BE49-F238E27FC236}">
+                <a16:creationId xmlns:a16="http://schemas.microsoft.com/office/drawing/2014/main" id="{16E6011C-42C0-4D41-81B0-FD540CA16C2D}"/>
+              </a:ext>
+            </a:extLst>
+          </p:cNvPr>
+          <p:cNvSpPr>
+            <a:spLocks noGrp="1"/>
+          </p:cNvSpPr>
+          <p:nvPr>
+            <p:ph type="title"/>
+          </p:nvPr>
+        </p:nvSpPr>
+        <p:spPr/>
+        <p:txBody>
+          <a:bodyPr/>
+          <a:lstStyle/>
+          <a:p>
+            <a:endParaRPr lang="nb-NO"/>
+          </a:p>
+        </p:txBody>
+      </p:sp>
       <p:sp>
         <p:nvSpPr>
           <p:cNvPr id="3" name="Plassholder for innhold 2">
             <a:extLst>
               <a:ext uri="{FF2B5EF4-FFF2-40B4-BE49-F238E27FC236}">
-                <a16:creationId xmlns:a16="http://schemas.microsoft.com/office/drawing/2014/main" id="{CAF08C35-A940-8C4A-8809-9D7225513730}"/>
+                <a16:creationId xmlns:a16="http://schemas.microsoft.com/office/drawing/2014/main" id="{355C0154-EF3A-6E4A-8CFB-9F20E7DEC0A3}"/>
               </a:ext>
             </a:extLst>
           </p:cNvPr>
@@ -3142,7 +3738,7 @@
     </p:spTree>
     <p:extLst>
       <p:ext uri="{BB962C8B-B14F-4D97-AF65-F5344CB8AC3E}">
-        <p14:creationId xmlns:p14="http://schemas.microsoft.com/office/powerpoint/2010/main" val="2146305719"/>
+        <p14:creationId xmlns:p14="http://schemas.microsoft.com/office/powerpoint/2010/main" val="1886652239"/>
       </p:ext>
     </p:extLst>
   </p:cSld>
@@ -3152,7 +3748,553 @@
 </p:sld>
 </file>
 
-<file path=ppt/slides/slide4.xml><?xml version="1.0" encoding="utf-8"?>
+<file path=ppt/slides/slide6.xml><?xml version="1.0" encoding="utf-8"?>
+<p:sld xmlns:a="http://schemas.openxmlformats.org/drawingml/2006/main" xmlns:r="http://schemas.openxmlformats.org/officeDocument/2006/relationships" xmlns:p="http://schemas.openxmlformats.org/presentationml/2006/main">
+  <p:cSld>
+    <p:spTree>
+      <p:nvGrpSpPr>
+        <p:cNvPr id="1" name=""/>
+        <p:cNvGrpSpPr/>
+        <p:nvPr/>
+      </p:nvGrpSpPr>
+      <p:grpSpPr>
+        <a:xfrm>
+          <a:off x="0" y="0"/>
+          <a:ext cx="0" cy="0"/>
+          <a:chOff x="0" y="0"/>
+          <a:chExt cx="0" cy="0"/>
+        </a:xfrm>
+      </p:grpSpPr>
+      <p:sp>
+        <p:nvSpPr>
+          <p:cNvPr id="4" name="Tittel 3">
+            <a:extLst>
+              <a:ext uri="{FF2B5EF4-FFF2-40B4-BE49-F238E27FC236}">
+                <a16:creationId xmlns:a16="http://schemas.microsoft.com/office/drawing/2014/main" id="{68328E26-3789-DF48-B213-859BC7A7B437}"/>
+              </a:ext>
+            </a:extLst>
+          </p:cNvPr>
+          <p:cNvSpPr>
+            <a:spLocks noGrp="1"/>
+          </p:cNvSpPr>
+          <p:nvPr>
+            <p:ph type="title"/>
+          </p:nvPr>
+        </p:nvSpPr>
+        <p:spPr/>
+        <p:txBody>
+          <a:bodyPr/>
+          <a:lstStyle/>
+          <a:p>
+            <a:r>
+              <a:rPr lang="en-US" dirty="0"/>
+              <a:t>Lax-</a:t>
+            </a:r>
+            <a:r>
+              <a:rPr lang="en-US" dirty="0" err="1"/>
+              <a:t>Wendroff</a:t>
+            </a:r>
+            <a:r>
+              <a:rPr lang="en-US" dirty="0"/>
+              <a:t> </a:t>
+            </a:r>
+            <a:endParaRPr lang="nb-NO" dirty="0"/>
+          </a:p>
+        </p:txBody>
+      </p:sp>
+      <p:pic>
+        <p:nvPicPr>
+          <p:cNvPr id="12" name="Plassholder for innhold 11">
+            <a:extLst>
+              <a:ext uri="{FF2B5EF4-FFF2-40B4-BE49-F238E27FC236}">
+                <a16:creationId xmlns:a16="http://schemas.microsoft.com/office/drawing/2014/main" id="{EDAD7794-1633-134C-99C8-E0F3DB2A8ACF}"/>
+              </a:ext>
+            </a:extLst>
+          </p:cNvPr>
+          <p:cNvPicPr>
+            <a:picLocks noGrp="1" noChangeAspect="1"/>
+          </p:cNvPicPr>
+          <p:nvPr>
+            <p:ph idx="1"/>
+          </p:nvPr>
+        </p:nvPicPr>
+        <p:blipFill>
+          <a:blip r:embed="rId2"/>
+          <a:stretch>
+            <a:fillRect/>
+          </a:stretch>
+        </p:blipFill>
+        <p:spPr>
+          <a:xfrm>
+            <a:off x="1651000" y="1691481"/>
+            <a:ext cx="5842000" cy="4343400"/>
+          </a:xfrm>
+        </p:spPr>
+      </p:pic>
+      <p:sp>
+        <p:nvSpPr>
+          <p:cNvPr id="16" name="Tittel 3">
+            <a:extLst>
+              <a:ext uri="{FF2B5EF4-FFF2-40B4-BE49-F238E27FC236}">
+                <a16:creationId xmlns:a16="http://schemas.microsoft.com/office/drawing/2014/main" id="{73866985-C537-5F48-94C6-A11060B094C9}"/>
+              </a:ext>
+            </a:extLst>
+          </p:cNvPr>
+          <p:cNvSpPr txBox="1">
+            <a:spLocks/>
+          </p:cNvSpPr>
+          <p:nvPr/>
+        </p:nvSpPr>
+        <p:spPr>
+          <a:xfrm>
+            <a:off x="914400" y="983060"/>
+            <a:ext cx="8229600" cy="1143000"/>
+          </a:xfrm>
+          <a:prstGeom prst="rect">
+            <a:avLst/>
+          </a:prstGeom>
+        </p:spPr>
+        <p:txBody>
+          <a:bodyPr vert="horz" lIns="91440" tIns="45720" rIns="91440" bIns="45720" rtlCol="0" anchor="ctr">
+            <a:normAutofit/>
+          </a:bodyPr>
+          <a:lstStyle>
+            <a:lvl1pPr algn="l" defTabSz="457200" rtl="0" eaLnBrk="1" latinLnBrk="0" hangingPunct="1">
+              <a:spcBef>
+                <a:spcPct val="0"/>
+              </a:spcBef>
+              <a:buNone/>
+              <a:defRPr sz="3600" b="1" i="0" kern="1200">
+                <a:solidFill>
+                  <a:schemeClr val="tx1"/>
+                </a:solidFill>
+                <a:latin typeface="Arial"/>
+                <a:ea typeface="+mj-ea"/>
+                <a:cs typeface="Arial"/>
+              </a:defRPr>
+            </a:lvl1pPr>
+          </a:lstStyle>
+          <a:p>
+            <a:r>
+              <a:rPr lang="en-US" dirty="0"/>
+              <a:t> </a:t>
+            </a:r>
+            <a:endParaRPr lang="nb-NO" dirty="0"/>
+          </a:p>
+        </p:txBody>
+      </p:sp>
+      <p:sp>
+        <p:nvSpPr>
+          <p:cNvPr id="17" name="Tittel 3">
+            <a:extLst>
+              <a:ext uri="{FF2B5EF4-FFF2-40B4-BE49-F238E27FC236}">
+                <a16:creationId xmlns:a16="http://schemas.microsoft.com/office/drawing/2014/main" id="{DBA9EC6A-B4E7-7340-B434-47BC57496E6D}"/>
+              </a:ext>
+            </a:extLst>
+          </p:cNvPr>
+          <p:cNvSpPr txBox="1">
+            <a:spLocks/>
+          </p:cNvSpPr>
+          <p:nvPr/>
+        </p:nvSpPr>
+        <p:spPr>
+          <a:xfrm>
+            <a:off x="457200" y="1189278"/>
+            <a:ext cx="4163786" cy="651868"/>
+          </a:xfrm>
+          <a:prstGeom prst="rect">
+            <a:avLst/>
+          </a:prstGeom>
+        </p:spPr>
+        <p:txBody>
+          <a:bodyPr vert="horz" lIns="91440" tIns="45720" rIns="91440" bIns="45720" rtlCol="0" anchor="ctr">
+            <a:normAutofit/>
+          </a:bodyPr>
+          <a:lstStyle>
+            <a:lvl1pPr algn="l" defTabSz="457200" rtl="0" eaLnBrk="1" latinLnBrk="0" hangingPunct="1">
+              <a:spcBef>
+                <a:spcPct val="0"/>
+              </a:spcBef>
+              <a:buNone/>
+              <a:defRPr sz="3600" b="1" i="0" kern="1200">
+                <a:solidFill>
+                  <a:schemeClr val="tx1"/>
+                </a:solidFill>
+                <a:latin typeface="Arial"/>
+                <a:ea typeface="+mj-ea"/>
+                <a:cs typeface="Arial"/>
+              </a:defRPr>
+            </a:lvl1pPr>
+          </a:lstStyle>
+          <a:p>
+            <a:r>
+              <a:rPr lang="en-US" sz="2400" b="0" dirty="0"/>
+              <a:t>Density of vehicles per meter</a:t>
+            </a:r>
+            <a:endParaRPr lang="nb-NO" sz="2400" b="0" dirty="0"/>
+          </a:p>
+        </p:txBody>
+      </p:sp>
+    </p:spTree>
+    <p:extLst>
+      <p:ext uri="{BB962C8B-B14F-4D97-AF65-F5344CB8AC3E}">
+        <p14:creationId xmlns:p14="http://schemas.microsoft.com/office/powerpoint/2010/main" val="698698992"/>
+      </p:ext>
+    </p:extLst>
+  </p:cSld>
+  <p:clrMapOvr>
+    <a:masterClrMapping/>
+  </p:clrMapOvr>
+</p:sld>
+</file>
+
+<file path=ppt/slides/slide7.xml><?xml version="1.0" encoding="utf-8"?>
+<p:sld xmlns:a="http://schemas.openxmlformats.org/drawingml/2006/main" xmlns:r="http://schemas.openxmlformats.org/officeDocument/2006/relationships" xmlns:p="http://schemas.openxmlformats.org/presentationml/2006/main">
+  <p:cSld>
+    <p:spTree>
+      <p:nvGrpSpPr>
+        <p:cNvPr id="1" name=""/>
+        <p:cNvGrpSpPr/>
+        <p:nvPr/>
+      </p:nvGrpSpPr>
+      <p:grpSpPr>
+        <a:xfrm>
+          <a:off x="0" y="0"/>
+          <a:ext cx="0" cy="0"/>
+          <a:chOff x="0" y="0"/>
+          <a:chExt cx="0" cy="0"/>
+        </a:xfrm>
+      </p:grpSpPr>
+      <p:sp>
+        <p:nvSpPr>
+          <p:cNvPr id="5" name="Tittel 4">
+            <a:extLst>
+              <a:ext uri="{FF2B5EF4-FFF2-40B4-BE49-F238E27FC236}">
+                <a16:creationId xmlns:a16="http://schemas.microsoft.com/office/drawing/2014/main" id="{2A2F2AA2-E624-5647-BC00-AC70C38CFE8C}"/>
+              </a:ext>
+            </a:extLst>
+          </p:cNvPr>
+          <p:cNvSpPr>
+            <a:spLocks noGrp="1"/>
+          </p:cNvSpPr>
+          <p:nvPr>
+            <p:ph type="title"/>
+          </p:nvPr>
+        </p:nvSpPr>
+        <p:spPr/>
+        <p:txBody>
+          <a:bodyPr/>
+          <a:lstStyle/>
+          <a:p>
+            <a:r>
+              <a:rPr lang="nb-NO" dirty="0" err="1"/>
+              <a:t>Lax-Wendroff</a:t>
+            </a:r>
+            <a:endParaRPr lang="nb-NO" dirty="0"/>
+          </a:p>
+        </p:txBody>
+      </p:sp>
+      <mc:AlternateContent xmlns:mc="http://schemas.openxmlformats.org/markup-compatibility/2006">
+        <mc:Choice xmlns:a14="http://schemas.microsoft.com/office/drawing/2010/main" Requires="a14">
+          <p:sp>
+            <p:nvSpPr>
+              <p:cNvPr id="6" name="Plassholder for innhold 5">
+                <a:extLst>
+                  <a:ext uri="{FF2B5EF4-FFF2-40B4-BE49-F238E27FC236}">
+                    <a16:creationId xmlns:a16="http://schemas.microsoft.com/office/drawing/2014/main" id="{219025EE-EA4F-A540-9C07-B193DE1F9D04}"/>
+                  </a:ext>
+                </a:extLst>
+              </p:cNvPr>
+              <p:cNvSpPr>
+                <a:spLocks noGrp="1"/>
+              </p:cNvSpPr>
+              <p:nvPr>
+                <p:ph idx="1"/>
+              </p:nvPr>
+            </p:nvSpPr>
+            <p:spPr/>
+            <p:txBody>
+              <a:bodyPr/>
+              <a:lstStyle/>
+              <a:p>
+                <a:endParaRPr lang="en-US" i="1" dirty="0">
+                  <a:latin typeface="Cambria Math" panose="02040503050406030204" pitchFamily="18" charset="0"/>
+                </a:endParaRPr>
+              </a:p>
+              <a:p>
+                <a14:m>
+                  <m:oMath xmlns:m="http://schemas.openxmlformats.org/officeDocument/2006/math">
+                    <m:sSubSup>
+                      <m:sSubSupPr>
+                        <m:ctrlPr>
+                          <a:rPr lang="nb-NO" i="1" smtClean="0">
+                            <a:latin typeface="Cambria Math" panose="02040503050406030204" pitchFamily="18" charset="0"/>
+                          </a:rPr>
+                        </m:ctrlPr>
+                      </m:sSubSupPr>
+                      <m:e>
+                        <m:r>
+                          <a:rPr lang="nb-NO" i="1">
+                            <a:latin typeface="Cambria Math" panose="02040503050406030204" pitchFamily="18" charset="0"/>
+                          </a:rPr>
+                          <m:t>𝜏</m:t>
+                        </m:r>
+                      </m:e>
+                      <m:sub>
+                        <m:r>
+                          <a:rPr lang="en-US" b="0" i="1" smtClean="0">
+                            <a:latin typeface="Cambria Math" panose="02040503050406030204" pitchFamily="18" charset="0"/>
+                          </a:rPr>
+                          <m:t>𝑚</m:t>
+                        </m:r>
+                      </m:sub>
+                      <m:sup>
+                        <m:r>
+                          <a:rPr lang="en-US" b="0" i="1" smtClean="0">
+                            <a:latin typeface="Cambria Math" panose="02040503050406030204" pitchFamily="18" charset="0"/>
+                          </a:rPr>
+                          <m:t>𝑛</m:t>
+                        </m:r>
+                      </m:sup>
+                    </m:sSubSup>
+                  </m:oMath>
+                </a14:m>
+                <a:r>
+                  <a:rPr lang="nb-NO" dirty="0"/>
+                  <a:t>=O(</a:t>
+                </a:r>
+                <a14:m>
+                  <m:oMath xmlns:m="http://schemas.openxmlformats.org/officeDocument/2006/math">
+                    <m:sSup>
+                      <m:sSupPr>
+                        <m:ctrlPr>
+                          <a:rPr lang="nb-NO" i="1" smtClean="0">
+                            <a:latin typeface="Cambria Math" panose="02040503050406030204" pitchFamily="18" charset="0"/>
+                          </a:rPr>
+                        </m:ctrlPr>
+                      </m:sSupPr>
+                      <m:e>
+                        <m:r>
+                          <a:rPr lang="en-US" b="0" i="1" smtClean="0">
+                            <a:latin typeface="Cambria Math" panose="02040503050406030204" pitchFamily="18" charset="0"/>
+                          </a:rPr>
+                          <m:t>𝑘</m:t>
+                        </m:r>
+                      </m:e>
+                      <m:sup>
+                        <m:r>
+                          <a:rPr lang="en-US" b="0" i="1" smtClean="0">
+                            <a:latin typeface="Cambria Math" panose="02040503050406030204" pitchFamily="18" charset="0"/>
+                          </a:rPr>
+                          <m:t>2</m:t>
+                        </m:r>
+                      </m:sup>
+                    </m:sSup>
+                    <m:r>
+                      <a:rPr lang="en-US" b="0" i="1" smtClean="0">
+                        <a:latin typeface="Cambria Math" panose="02040503050406030204" pitchFamily="18" charset="0"/>
+                      </a:rPr>
+                      <m:t>)+</m:t>
+                    </m:r>
+                    <m:r>
+                      <m:rPr>
+                        <m:nor/>
+                      </m:rPr>
+                      <a:rPr lang="nb-NO" dirty="0"/>
+                      <m:t>O</m:t>
+                    </m:r>
+                    <m:sSup>
+                      <m:sSupPr>
+                        <m:ctrlPr>
+                          <a:rPr lang="en-US" b="0" i="1" smtClean="0">
+                            <a:latin typeface="Cambria Math" panose="02040503050406030204" pitchFamily="18" charset="0"/>
+                          </a:rPr>
+                        </m:ctrlPr>
+                      </m:sSupPr>
+                      <m:e>
+                        <m:r>
+                          <a:rPr lang="en-US" b="0" i="1" smtClean="0">
+                            <a:latin typeface="Cambria Math" panose="02040503050406030204" pitchFamily="18" charset="0"/>
+                          </a:rPr>
+                          <m:t>(</m:t>
+                        </m:r>
+                        <m:r>
+                          <a:rPr lang="en-US" b="0" i="1" smtClean="0">
+                            <a:latin typeface="Cambria Math" panose="02040503050406030204" pitchFamily="18" charset="0"/>
+                          </a:rPr>
+                          <m:t>h</m:t>
+                        </m:r>
+                      </m:e>
+                      <m:sup>
+                        <m:r>
+                          <a:rPr lang="en-US" b="0" i="1" smtClean="0">
+                            <a:latin typeface="Cambria Math" panose="02040503050406030204" pitchFamily="18" charset="0"/>
+                          </a:rPr>
+                          <m:t>2</m:t>
+                        </m:r>
+                      </m:sup>
+                    </m:sSup>
+                  </m:oMath>
+                </a14:m>
+                <a:r>
+                  <a:rPr lang="nb-NO" dirty="0"/>
+                  <a:t>)+ O(</a:t>
+                </a:r>
+                <a14:m>
+                  <m:oMath xmlns:m="http://schemas.openxmlformats.org/officeDocument/2006/math">
+                    <m:r>
+                      <a:rPr lang="en-US" i="1">
+                        <a:latin typeface="Cambria Math" panose="02040503050406030204" pitchFamily="18" charset="0"/>
+                      </a:rPr>
+                      <m:t>𝑘</m:t>
+                    </m:r>
+                    <m:r>
+                      <a:rPr lang="en-US" i="1">
+                        <a:latin typeface="Cambria Math" panose="02040503050406030204" pitchFamily="18" charset="0"/>
+                      </a:rPr>
+                      <m:t> </m:t>
+                    </m:r>
+                    <m:sSup>
+                      <m:sSupPr>
+                        <m:ctrlPr>
+                          <a:rPr lang="nb-NO" i="1" smtClean="0">
+                            <a:latin typeface="Cambria Math" panose="02040503050406030204" pitchFamily="18" charset="0"/>
+                          </a:rPr>
+                        </m:ctrlPr>
+                      </m:sSupPr>
+                      <m:e>
+                        <m:r>
+                          <a:rPr lang="en-US" b="0" i="1" smtClean="0">
+                            <a:latin typeface="Cambria Math" panose="02040503050406030204" pitchFamily="18" charset="0"/>
+                          </a:rPr>
+                          <m:t>h</m:t>
+                        </m:r>
+                      </m:e>
+                      <m:sup>
+                        <m:r>
+                          <a:rPr lang="en-US" b="0" i="1" smtClean="0">
+                            <a:latin typeface="Cambria Math" panose="02040503050406030204" pitchFamily="18" charset="0"/>
+                          </a:rPr>
+                          <m:t>2</m:t>
+                        </m:r>
+                      </m:sup>
+                    </m:sSup>
+                  </m:oMath>
+                </a14:m>
+                <a:r>
+                  <a:rPr lang="nb-NO" dirty="0"/>
+                  <a:t>)</a:t>
+                </a:r>
+              </a:p>
+            </p:txBody>
+          </p:sp>
+        </mc:Choice>
+        <mc:Fallback>
+          <p:sp>
+            <p:nvSpPr>
+              <p:cNvPr id="6" name="Plassholder for innhold 5">
+                <a:extLst>
+                  <a:ext uri="{FF2B5EF4-FFF2-40B4-BE49-F238E27FC236}">
+                    <a16:creationId xmlns:a16="http://schemas.microsoft.com/office/drawing/2014/main" id="{219025EE-EA4F-A540-9C07-B193DE1F9D04}"/>
+                  </a:ext>
+                </a:extLst>
+              </p:cNvPr>
+              <p:cNvSpPr>
+                <a:spLocks noGrp="1" noRot="1" noChangeAspect="1" noMove="1" noResize="1" noEditPoints="1" noAdjustHandles="1" noChangeArrowheads="1" noChangeShapeType="1" noTextEdit="1"/>
+              </p:cNvSpPr>
+              <p:nvPr>
+                <p:ph idx="1"/>
+              </p:nvPr>
+            </p:nvSpPr>
+            <p:spPr>
+              <a:blipFill>
+                <a:blip r:embed="rId2"/>
+                <a:stretch>
+                  <a:fillRect l="-1080"/>
+                </a:stretch>
+              </a:blipFill>
+            </p:spPr>
+            <p:txBody>
+              <a:bodyPr/>
+              <a:lstStyle/>
+              <a:p>
+                <a:r>
+                  <a:rPr lang="nb-NO">
+                    <a:noFill/>
+                  </a:rPr>
+                  <a:t> </a:t>
+                </a:r>
+              </a:p>
+            </p:txBody>
+          </p:sp>
+        </mc:Fallback>
+      </mc:AlternateContent>
+      <p:sp>
+        <p:nvSpPr>
+          <p:cNvPr id="7" name="Tittel 3">
+            <a:extLst>
+              <a:ext uri="{FF2B5EF4-FFF2-40B4-BE49-F238E27FC236}">
+                <a16:creationId xmlns:a16="http://schemas.microsoft.com/office/drawing/2014/main" id="{BA17C547-E506-F44B-994F-9A0FA1855AC3}"/>
+              </a:ext>
+            </a:extLst>
+          </p:cNvPr>
+          <p:cNvSpPr txBox="1">
+            <a:spLocks/>
+          </p:cNvSpPr>
+          <p:nvPr/>
+        </p:nvSpPr>
+        <p:spPr>
+          <a:xfrm>
+            <a:off x="457200" y="1189278"/>
+            <a:ext cx="4163786" cy="651868"/>
+          </a:xfrm>
+          <a:prstGeom prst="rect">
+            <a:avLst/>
+          </a:prstGeom>
+        </p:spPr>
+        <p:txBody>
+          <a:bodyPr vert="horz" lIns="91440" tIns="45720" rIns="91440" bIns="45720" rtlCol="0" anchor="ctr">
+            <a:normAutofit/>
+          </a:bodyPr>
+          <a:lstStyle>
+            <a:lvl1pPr algn="l" defTabSz="457200" rtl="0" eaLnBrk="1" latinLnBrk="0" hangingPunct="1">
+              <a:spcBef>
+                <a:spcPct val="0"/>
+              </a:spcBef>
+              <a:buNone/>
+              <a:defRPr sz="3600" b="1" i="0" kern="1200">
+                <a:solidFill>
+                  <a:schemeClr val="tx1"/>
+                </a:solidFill>
+                <a:latin typeface="Arial"/>
+                <a:ea typeface="+mj-ea"/>
+                <a:cs typeface="Arial"/>
+              </a:defRPr>
+            </a:lvl1pPr>
+          </a:lstStyle>
+          <a:p>
+            <a:r>
+              <a:rPr lang="en-US" sz="2400" b="0" dirty="0"/>
+              <a:t>Analysis</a:t>
+            </a:r>
+            <a:endParaRPr lang="nb-NO" sz="2400" b="0" dirty="0"/>
+          </a:p>
+        </p:txBody>
+      </p:sp>
+    </p:spTree>
+    <p:extLst>
+      <p:ext uri="{BB962C8B-B14F-4D97-AF65-F5344CB8AC3E}">
+        <p14:creationId xmlns:p14="http://schemas.microsoft.com/office/powerpoint/2010/main" val="3026782929"/>
+      </p:ext>
+    </p:extLst>
+  </p:cSld>
+  <p:clrMapOvr>
+    <a:masterClrMapping/>
+  </p:clrMapOvr>
+</p:sld>
+</file>
+
+<file path=ppt/slides/slide8.xml><?xml version="1.0" encoding="utf-8"?>
 <p:sld xmlns:a="http://schemas.openxmlformats.org/drawingml/2006/main" xmlns:r="http://schemas.openxmlformats.org/officeDocument/2006/relationships" xmlns:p="http://schemas.openxmlformats.org/presentationml/2006/main">
   <p:cSld>
     <p:spTree>
@@ -3206,28 +4348,84 @@
           </a:p>
         </p:txBody>
       </p:sp>
-      <p:sp>
-        <p:nvSpPr>
-          <p:cNvPr id="3" name="Plassholder for innhold 2">
+      <p:pic>
+        <p:nvPicPr>
+          <p:cNvPr id="18" name="Plassholder for innhold 17">
             <a:extLst>
               <a:ext uri="{FF2B5EF4-FFF2-40B4-BE49-F238E27FC236}">
-                <a16:creationId xmlns:a16="http://schemas.microsoft.com/office/drawing/2014/main" id="{D4D7C529-1698-BE4C-8498-669013366FCC}"/>
+                <a16:creationId xmlns:a16="http://schemas.microsoft.com/office/drawing/2014/main" id="{0FC4DAD9-6348-3846-9284-AA83755BD437}"/>
               </a:ext>
             </a:extLst>
           </p:cNvPr>
-          <p:cNvSpPr>
-            <a:spLocks noGrp="1"/>
-          </p:cNvSpPr>
+          <p:cNvPicPr>
+            <a:picLocks noGrp="1" noChangeAspect="1"/>
+          </p:cNvPicPr>
           <p:nvPr>
             <p:ph idx="1"/>
           </p:nvPr>
+        </p:nvPicPr>
+        <p:blipFill>
+          <a:blip r:embed="rId2"/>
+          <a:stretch>
+            <a:fillRect/>
+          </a:stretch>
+        </p:blipFill>
+        <p:spPr>
+          <a:xfrm>
+            <a:off x="1651000" y="1691481"/>
+            <a:ext cx="5842000" cy="4343400"/>
+          </a:xfrm>
+        </p:spPr>
+      </p:pic>
+      <p:sp>
+        <p:nvSpPr>
+          <p:cNvPr id="19" name="Tittel 3">
+            <a:extLst>
+              <a:ext uri="{FF2B5EF4-FFF2-40B4-BE49-F238E27FC236}">
+                <a16:creationId xmlns:a16="http://schemas.microsoft.com/office/drawing/2014/main" id="{82E934B2-3630-1A40-BECE-E18227CD074C}"/>
+              </a:ext>
+            </a:extLst>
+          </p:cNvPr>
+          <p:cNvSpPr txBox="1">
+            <a:spLocks/>
+          </p:cNvSpPr>
+          <p:nvPr/>
         </p:nvSpPr>
-        <p:spPr/>
+        <p:spPr>
+          <a:xfrm>
+            <a:off x="457200" y="1189278"/>
+            <a:ext cx="4163786" cy="651868"/>
+          </a:xfrm>
+          <a:prstGeom prst="rect">
+            <a:avLst/>
+          </a:prstGeom>
+        </p:spPr>
         <p:txBody>
-          <a:bodyPr/>
-          <a:lstStyle/>
-          <a:p>
-            <a:endParaRPr lang="nb-NO"/>
+          <a:bodyPr vert="horz" lIns="91440" tIns="45720" rIns="91440" bIns="45720" rtlCol="0" anchor="ctr">
+            <a:normAutofit/>
+          </a:bodyPr>
+          <a:lstStyle>
+            <a:lvl1pPr algn="l" defTabSz="457200" rtl="0" eaLnBrk="1" latinLnBrk="0" hangingPunct="1">
+              <a:spcBef>
+                <a:spcPct val="0"/>
+              </a:spcBef>
+              <a:buNone/>
+              <a:defRPr sz="3600" b="1" i="0" kern="1200">
+                <a:solidFill>
+                  <a:schemeClr val="tx1"/>
+                </a:solidFill>
+                <a:latin typeface="Arial"/>
+                <a:ea typeface="+mj-ea"/>
+                <a:cs typeface="Arial"/>
+              </a:defRPr>
+            </a:lvl1pPr>
+          </a:lstStyle>
+          <a:p>
+            <a:r>
+              <a:rPr lang="en-US" sz="2400" b="0" dirty="0"/>
+              <a:t>Convergence plot</a:t>
+            </a:r>
+            <a:endParaRPr lang="nb-NO" sz="2400" b="0" dirty="0"/>
           </a:p>
         </p:txBody>
       </p:sp>
@@ -3244,7 +4442,7 @@
 </p:sld>
 </file>
 
-<file path=ppt/slides/slide5.xml><?xml version="1.0" encoding="utf-8"?>
+<file path=ppt/slides/slide9.xml><?xml version="1.0" encoding="utf-8"?>
 <p:sld xmlns:a="http://schemas.openxmlformats.org/drawingml/2006/main" xmlns:r="http://schemas.openxmlformats.org/officeDocument/2006/relationships" xmlns:p="http://schemas.openxmlformats.org/presentationml/2006/main">
   <p:cSld>
     <p:spTree>
@@ -3311,7 +4509,180 @@
           <a:bodyPr/>
           <a:lstStyle/>
           <a:p>
-            <a:endParaRPr lang="nb-NO"/>
+            <a:r>
+              <a:rPr lang="nb-NO" dirty="0"/>
+              <a:t>Lee, H.Y., Lee, H.-W. &amp; Kim, D., (1999), </a:t>
+            </a:r>
+            <a:r>
+              <a:rPr lang="nb-NO" dirty="0" err="1"/>
+              <a:t>Dynamic</a:t>
+            </a:r>
+            <a:r>
+              <a:rPr lang="nb-NO" dirty="0"/>
+              <a:t> </a:t>
+            </a:r>
+            <a:r>
+              <a:rPr lang="nb-NO" dirty="0" err="1"/>
+              <a:t>states</a:t>
+            </a:r>
+            <a:r>
+              <a:rPr lang="nb-NO" dirty="0"/>
+              <a:t> </a:t>
+            </a:r>
+            <a:r>
+              <a:rPr lang="nb-NO" dirty="0" err="1"/>
+              <a:t>of</a:t>
+            </a:r>
+            <a:r>
+              <a:rPr lang="nb-NO" dirty="0"/>
+              <a:t> a </a:t>
+            </a:r>
+            <a:r>
+              <a:rPr lang="nb-NO" dirty="0" err="1"/>
+              <a:t>continuum</a:t>
+            </a:r>
+            <a:r>
+              <a:rPr lang="nb-NO" dirty="0"/>
+              <a:t> </a:t>
+            </a:r>
+            <a:r>
+              <a:rPr lang="nb-NO" dirty="0" err="1"/>
+              <a:t>traffic</a:t>
+            </a:r>
+            <a:r>
+              <a:rPr lang="nb-NO" dirty="0"/>
+              <a:t> </a:t>
+            </a:r>
+            <a:r>
+              <a:rPr lang="nb-NO" dirty="0" err="1"/>
+              <a:t>equation</a:t>
+            </a:r>
+            <a:r>
+              <a:rPr lang="nb-NO" dirty="0"/>
+              <a:t> </a:t>
+            </a:r>
+            <a:r>
+              <a:rPr lang="nb-NO" dirty="0" err="1"/>
+              <a:t>with</a:t>
+            </a:r>
+            <a:r>
+              <a:rPr lang="nb-NO" dirty="0"/>
+              <a:t> on-ramp, </a:t>
+            </a:r>
+            <a:r>
+              <a:rPr lang="nb-NO" dirty="0" err="1"/>
+              <a:t>Physical</a:t>
+            </a:r>
+            <a:r>
+              <a:rPr lang="nb-NO" dirty="0"/>
+              <a:t> </a:t>
+            </a:r>
+            <a:r>
+              <a:rPr lang="nb-NO" dirty="0" err="1"/>
+              <a:t>Review</a:t>
+            </a:r>
+            <a:r>
+              <a:rPr lang="nb-NO" dirty="0"/>
+              <a:t>, 59(5)</a:t>
+            </a:r>
+          </a:p>
+          <a:p>
+            <a:r>
+              <a:rPr lang="nb-NO" dirty="0" err="1"/>
+              <a:t>Helbing</a:t>
+            </a:r>
+            <a:r>
+              <a:rPr lang="nb-NO" dirty="0"/>
+              <a:t>, H., </a:t>
+            </a:r>
+            <a:r>
+              <a:rPr lang="nb-NO" dirty="0" err="1"/>
+              <a:t>Treiber</a:t>
+            </a:r>
+            <a:r>
+              <a:rPr lang="nb-NO" dirty="0"/>
+              <a:t> M., (1999), </a:t>
+            </a:r>
+            <a:r>
+              <a:rPr lang="nb-NO" dirty="0" err="1"/>
+              <a:t>Simulation</a:t>
+            </a:r>
+            <a:r>
+              <a:rPr lang="nb-NO" dirty="0"/>
+              <a:t> </a:t>
+            </a:r>
+            <a:r>
+              <a:rPr lang="nb-NO" dirty="0" err="1"/>
+              <a:t>of</a:t>
+            </a:r>
+            <a:r>
+              <a:rPr lang="nb-NO" dirty="0"/>
+              <a:t> </a:t>
+            </a:r>
+            <a:r>
+              <a:rPr lang="nb-NO" dirty="0" err="1"/>
+              <a:t>Macroscopic</a:t>
+            </a:r>
+            <a:r>
+              <a:rPr lang="nb-NO" dirty="0"/>
+              <a:t> </a:t>
+            </a:r>
+            <a:r>
+              <a:rPr lang="nb-NO" dirty="0" err="1"/>
+              <a:t>Traffic</a:t>
+            </a:r>
+            <a:r>
+              <a:rPr lang="nb-NO" dirty="0"/>
+              <a:t> Equations, </a:t>
+            </a:r>
+            <a:r>
+              <a:rPr lang="nb-NO" dirty="0" err="1"/>
+              <a:t>Institute</a:t>
+            </a:r>
+            <a:r>
+              <a:rPr lang="nb-NO" dirty="0"/>
+              <a:t> </a:t>
+            </a:r>
+            <a:r>
+              <a:rPr lang="nb-NO" dirty="0" err="1"/>
+              <a:t>of</a:t>
+            </a:r>
+            <a:r>
+              <a:rPr lang="nb-NO" dirty="0"/>
+              <a:t> </a:t>
+            </a:r>
+            <a:r>
+              <a:rPr lang="nb-NO" dirty="0" err="1"/>
+              <a:t>Theoretical</a:t>
+            </a:r>
+            <a:r>
+              <a:rPr lang="nb-NO" dirty="0"/>
+              <a:t> </a:t>
+            </a:r>
+            <a:r>
+              <a:rPr lang="nb-NO" dirty="0" err="1"/>
+              <a:t>Physics</a:t>
+            </a:r>
+            <a:r>
+              <a:rPr lang="nb-NO" dirty="0"/>
+              <a:t>, </a:t>
+            </a:r>
+            <a:r>
+              <a:rPr lang="nb-NO" dirty="0" err="1"/>
+              <a:t>University</a:t>
+            </a:r>
+            <a:r>
+              <a:rPr lang="nb-NO" dirty="0"/>
+              <a:t> </a:t>
+            </a:r>
+            <a:r>
+              <a:rPr lang="nb-NO" dirty="0" err="1"/>
+              <a:t>of</a:t>
+            </a:r>
+            <a:r>
+              <a:rPr lang="nb-NO" dirty="0"/>
+              <a:t> Stuttgart</a:t>
+            </a:r>
           </a:p>
         </p:txBody>
       </p:sp>

--- a/bra_presentasjon.pptx
+++ b/bra_presentasjon.pptx
@@ -4,16 +4,23 @@
   <p:sldMasterIdLst>
     <p:sldMasterId id="2147483648" r:id="rId1"/>
   </p:sldMasterIdLst>
+  <p:notesMasterIdLst>
+    <p:notesMasterId r:id="rId15"/>
+  </p:notesMasterIdLst>
   <p:sldIdLst>
     <p:sldId id="256" r:id="rId2"/>
     <p:sldId id="259" r:id="rId3"/>
-    <p:sldId id="266" r:id="rId4"/>
-    <p:sldId id="260" r:id="rId5"/>
-    <p:sldId id="267" r:id="rId6"/>
-    <p:sldId id="264" r:id="rId7"/>
-    <p:sldId id="265" r:id="rId8"/>
-    <p:sldId id="261" r:id="rId9"/>
-    <p:sldId id="262" r:id="rId10"/>
+    <p:sldId id="268" r:id="rId4"/>
+    <p:sldId id="269" r:id="rId5"/>
+    <p:sldId id="274" r:id="rId6"/>
+    <p:sldId id="266" r:id="rId7"/>
+    <p:sldId id="270" r:id="rId8"/>
+    <p:sldId id="272" r:id="rId9"/>
+    <p:sldId id="264" r:id="rId10"/>
+    <p:sldId id="271" r:id="rId11"/>
+    <p:sldId id="261" r:id="rId12"/>
+    <p:sldId id="273" r:id="rId13"/>
+    <p:sldId id="262" r:id="rId14"/>
   </p:sldIdLst>
   <p:sldSz cx="9144000" cy="6858000" type="screen4x3"/>
   <p:notesSz cx="6858000" cy="9144000"/>
@@ -129,6 +136,741 @@
     </p:ext>
   </p:extLst>
 </p:presentation>
+</file>
+
+<file path=ppt/notesMasters/notesMaster1.xml><?xml version="1.0" encoding="utf-8"?>
+<p:notesMaster xmlns:a="http://schemas.openxmlformats.org/drawingml/2006/main" xmlns:r="http://schemas.openxmlformats.org/officeDocument/2006/relationships" xmlns:p="http://schemas.openxmlformats.org/presentationml/2006/main">
+  <p:cSld>
+    <p:bg>
+      <p:bgRef idx="1001">
+        <a:schemeClr val="bg1"/>
+      </p:bgRef>
+    </p:bg>
+    <p:spTree>
+      <p:nvGrpSpPr>
+        <p:cNvPr id="1" name=""/>
+        <p:cNvGrpSpPr/>
+        <p:nvPr/>
+      </p:nvGrpSpPr>
+      <p:grpSpPr>
+        <a:xfrm>
+          <a:off x="0" y="0"/>
+          <a:ext cx="0" cy="0"/>
+          <a:chOff x="0" y="0"/>
+          <a:chExt cx="0" cy="0"/>
+        </a:xfrm>
+      </p:grpSpPr>
+      <p:sp>
+        <p:nvSpPr>
+          <p:cNvPr id="2" name="Plassholder for topptekst 1"/>
+          <p:cNvSpPr>
+            <a:spLocks noGrp="1"/>
+          </p:cNvSpPr>
+          <p:nvPr>
+            <p:ph type="hdr" sz="quarter"/>
+          </p:nvPr>
+        </p:nvSpPr>
+        <p:spPr>
+          <a:xfrm>
+            <a:off x="0" y="0"/>
+            <a:ext cx="2971800" cy="458788"/>
+          </a:xfrm>
+          <a:prstGeom prst="rect">
+            <a:avLst/>
+          </a:prstGeom>
+        </p:spPr>
+        <p:txBody>
+          <a:bodyPr vert="horz" lIns="91440" tIns="45720" rIns="91440" bIns="45720" rtlCol="0"/>
+          <a:lstStyle>
+            <a:lvl1pPr algn="l">
+              <a:defRPr sz="1200"/>
+            </a:lvl1pPr>
+          </a:lstStyle>
+          <a:p>
+            <a:endParaRPr lang="nb-NO"/>
+          </a:p>
+        </p:txBody>
+      </p:sp>
+      <p:sp>
+        <p:nvSpPr>
+          <p:cNvPr id="3" name="Plassholder for dato 2"/>
+          <p:cNvSpPr>
+            <a:spLocks noGrp="1"/>
+          </p:cNvSpPr>
+          <p:nvPr>
+            <p:ph type="dt" idx="1"/>
+          </p:nvPr>
+        </p:nvSpPr>
+        <p:spPr>
+          <a:xfrm>
+            <a:off x="3884613" y="0"/>
+            <a:ext cx="2971800" cy="458788"/>
+          </a:xfrm>
+          <a:prstGeom prst="rect">
+            <a:avLst/>
+          </a:prstGeom>
+        </p:spPr>
+        <p:txBody>
+          <a:bodyPr vert="horz" lIns="91440" tIns="45720" rIns="91440" bIns="45720" rtlCol="0"/>
+          <a:lstStyle>
+            <a:lvl1pPr algn="r">
+              <a:defRPr sz="1200"/>
+            </a:lvl1pPr>
+          </a:lstStyle>
+          <a:p>
+            <a:fld id="{49CEB545-242B-E147-972C-4673586BFFA2}" type="datetimeFigureOut">
+              <a:rPr lang="nb-NO" smtClean="0"/>
+              <a:t>16.04.2018</a:t>
+            </a:fld>
+            <a:endParaRPr lang="nb-NO"/>
+          </a:p>
+        </p:txBody>
+      </p:sp>
+      <p:sp>
+        <p:nvSpPr>
+          <p:cNvPr id="4" name="Plassholder for lysbilde 3"/>
+          <p:cNvSpPr>
+            <a:spLocks noGrp="1" noRot="1" noChangeAspect="1"/>
+          </p:cNvSpPr>
+          <p:nvPr>
+            <p:ph type="sldImg" idx="2"/>
+          </p:nvPr>
+        </p:nvSpPr>
+        <p:spPr>
+          <a:xfrm>
+            <a:off x="1371600" y="1143000"/>
+            <a:ext cx="4114800" cy="3086100"/>
+          </a:xfrm>
+          <a:prstGeom prst="rect">
+            <a:avLst/>
+          </a:prstGeom>
+          <a:noFill/>
+          <a:ln w="12700">
+            <a:solidFill>
+              <a:prstClr val="black"/>
+            </a:solidFill>
+          </a:ln>
+        </p:spPr>
+        <p:txBody>
+          <a:bodyPr vert="horz" lIns="91440" tIns="45720" rIns="91440" bIns="45720" rtlCol="0" anchor="ctr"/>
+          <a:lstStyle/>
+          <a:p>
+            <a:endParaRPr lang="nb-NO"/>
+          </a:p>
+        </p:txBody>
+      </p:sp>
+      <p:sp>
+        <p:nvSpPr>
+          <p:cNvPr id="5" name="Plassholder for notater 4"/>
+          <p:cNvSpPr>
+            <a:spLocks noGrp="1"/>
+          </p:cNvSpPr>
+          <p:nvPr>
+            <p:ph type="body" sz="quarter" idx="3"/>
+          </p:nvPr>
+        </p:nvSpPr>
+        <p:spPr>
+          <a:xfrm>
+            <a:off x="685800" y="4400550"/>
+            <a:ext cx="5486400" cy="3600450"/>
+          </a:xfrm>
+          <a:prstGeom prst="rect">
+            <a:avLst/>
+          </a:prstGeom>
+        </p:spPr>
+        <p:txBody>
+          <a:bodyPr vert="horz" lIns="91440" tIns="45720" rIns="91440" bIns="45720" rtlCol="0"/>
+          <a:lstStyle/>
+          <a:p>
+            <a:pPr lvl="0"/>
+            <a:r>
+              <a:rPr lang="nb-NO"/>
+              <a:t>Rediger tekststiler i malen</a:t>
+            </a:r>
+          </a:p>
+          <a:p>
+            <a:pPr lvl="1"/>
+            <a:r>
+              <a:rPr lang="nb-NO"/>
+              <a:t>Andre nivå</a:t>
+            </a:r>
+          </a:p>
+          <a:p>
+            <a:pPr lvl="2"/>
+            <a:r>
+              <a:rPr lang="nb-NO"/>
+              <a:t>Tredje nivå</a:t>
+            </a:r>
+          </a:p>
+          <a:p>
+            <a:pPr lvl="3"/>
+            <a:r>
+              <a:rPr lang="nb-NO"/>
+              <a:t>Fjerde nivå</a:t>
+            </a:r>
+          </a:p>
+          <a:p>
+            <a:pPr lvl="4"/>
+            <a:r>
+              <a:rPr lang="nb-NO"/>
+              <a:t>Femte nivå</a:t>
+            </a:r>
+          </a:p>
+        </p:txBody>
+      </p:sp>
+      <p:sp>
+        <p:nvSpPr>
+          <p:cNvPr id="6" name="Plassholder for bunntekst 5"/>
+          <p:cNvSpPr>
+            <a:spLocks noGrp="1"/>
+          </p:cNvSpPr>
+          <p:nvPr>
+            <p:ph type="ftr" sz="quarter" idx="4"/>
+          </p:nvPr>
+        </p:nvSpPr>
+        <p:spPr>
+          <a:xfrm>
+            <a:off x="0" y="8685213"/>
+            <a:ext cx="2971800" cy="458787"/>
+          </a:xfrm>
+          <a:prstGeom prst="rect">
+            <a:avLst/>
+          </a:prstGeom>
+        </p:spPr>
+        <p:txBody>
+          <a:bodyPr vert="horz" lIns="91440" tIns="45720" rIns="91440" bIns="45720" rtlCol="0" anchor="b"/>
+          <a:lstStyle>
+            <a:lvl1pPr algn="l">
+              <a:defRPr sz="1200"/>
+            </a:lvl1pPr>
+          </a:lstStyle>
+          <a:p>
+            <a:endParaRPr lang="nb-NO"/>
+          </a:p>
+        </p:txBody>
+      </p:sp>
+      <p:sp>
+        <p:nvSpPr>
+          <p:cNvPr id="7" name="Plassholder for lysbildenummer 6"/>
+          <p:cNvSpPr>
+            <a:spLocks noGrp="1"/>
+          </p:cNvSpPr>
+          <p:nvPr>
+            <p:ph type="sldNum" sz="quarter" idx="5"/>
+          </p:nvPr>
+        </p:nvSpPr>
+        <p:spPr>
+          <a:xfrm>
+            <a:off x="3884613" y="8685213"/>
+            <a:ext cx="2971800" cy="458787"/>
+          </a:xfrm>
+          <a:prstGeom prst="rect">
+            <a:avLst/>
+          </a:prstGeom>
+        </p:spPr>
+        <p:txBody>
+          <a:bodyPr vert="horz" lIns="91440" tIns="45720" rIns="91440" bIns="45720" rtlCol="0" anchor="b"/>
+          <a:lstStyle>
+            <a:lvl1pPr algn="r">
+              <a:defRPr sz="1200"/>
+            </a:lvl1pPr>
+          </a:lstStyle>
+          <a:p>
+            <a:fld id="{65D79118-6C10-4547-B40E-B3609A63AF49}" type="slidenum">
+              <a:rPr lang="nb-NO" smtClean="0"/>
+              <a:t>‹#›</a:t>
+            </a:fld>
+            <a:endParaRPr lang="nb-NO"/>
+          </a:p>
+        </p:txBody>
+      </p:sp>
+    </p:spTree>
+    <p:extLst>
+      <p:ext uri="{BB962C8B-B14F-4D97-AF65-F5344CB8AC3E}">
+        <p14:creationId xmlns:p14="http://schemas.microsoft.com/office/powerpoint/2010/main" val="1428675724"/>
+      </p:ext>
+    </p:extLst>
+  </p:cSld>
+  <p:clrMap bg1="lt1" tx1="dk1" bg2="lt2" tx2="dk2" accent1="accent1" accent2="accent2" accent3="accent3" accent4="accent4" accent5="accent5" accent6="accent6" hlink="hlink" folHlink="folHlink"/>
+  <p:notesStyle>
+    <a:lvl1pPr marL="0" algn="l" defTabSz="914400" rtl="0" eaLnBrk="1" latinLnBrk="0" hangingPunct="1">
+      <a:defRPr sz="1200" kern="1200">
+        <a:solidFill>
+          <a:schemeClr val="tx1"/>
+        </a:solidFill>
+        <a:latin typeface="+mn-lt"/>
+        <a:ea typeface="+mn-ea"/>
+        <a:cs typeface="+mn-cs"/>
+      </a:defRPr>
+    </a:lvl1pPr>
+    <a:lvl2pPr marL="457200" algn="l" defTabSz="914400" rtl="0" eaLnBrk="1" latinLnBrk="0" hangingPunct="1">
+      <a:defRPr sz="1200" kern="1200">
+        <a:solidFill>
+          <a:schemeClr val="tx1"/>
+        </a:solidFill>
+        <a:latin typeface="+mn-lt"/>
+        <a:ea typeface="+mn-ea"/>
+        <a:cs typeface="+mn-cs"/>
+      </a:defRPr>
+    </a:lvl2pPr>
+    <a:lvl3pPr marL="914400" algn="l" defTabSz="914400" rtl="0" eaLnBrk="1" latinLnBrk="0" hangingPunct="1">
+      <a:defRPr sz="1200" kern="1200">
+        <a:solidFill>
+          <a:schemeClr val="tx1"/>
+        </a:solidFill>
+        <a:latin typeface="+mn-lt"/>
+        <a:ea typeface="+mn-ea"/>
+        <a:cs typeface="+mn-cs"/>
+      </a:defRPr>
+    </a:lvl3pPr>
+    <a:lvl4pPr marL="1371600" algn="l" defTabSz="914400" rtl="0" eaLnBrk="1" latinLnBrk="0" hangingPunct="1">
+      <a:defRPr sz="1200" kern="1200">
+        <a:solidFill>
+          <a:schemeClr val="tx1"/>
+        </a:solidFill>
+        <a:latin typeface="+mn-lt"/>
+        <a:ea typeface="+mn-ea"/>
+        <a:cs typeface="+mn-cs"/>
+      </a:defRPr>
+    </a:lvl4pPr>
+    <a:lvl5pPr marL="1828800" algn="l" defTabSz="914400" rtl="0" eaLnBrk="1" latinLnBrk="0" hangingPunct="1">
+      <a:defRPr sz="1200" kern="1200">
+        <a:solidFill>
+          <a:schemeClr val="tx1"/>
+        </a:solidFill>
+        <a:latin typeface="+mn-lt"/>
+        <a:ea typeface="+mn-ea"/>
+        <a:cs typeface="+mn-cs"/>
+      </a:defRPr>
+    </a:lvl5pPr>
+    <a:lvl6pPr marL="2286000" algn="l" defTabSz="914400" rtl="0" eaLnBrk="1" latinLnBrk="0" hangingPunct="1">
+      <a:defRPr sz="1200" kern="1200">
+        <a:solidFill>
+          <a:schemeClr val="tx1"/>
+        </a:solidFill>
+        <a:latin typeface="+mn-lt"/>
+        <a:ea typeface="+mn-ea"/>
+        <a:cs typeface="+mn-cs"/>
+      </a:defRPr>
+    </a:lvl6pPr>
+    <a:lvl7pPr marL="2743200" algn="l" defTabSz="914400" rtl="0" eaLnBrk="1" latinLnBrk="0" hangingPunct="1">
+      <a:defRPr sz="1200" kern="1200">
+        <a:solidFill>
+          <a:schemeClr val="tx1"/>
+        </a:solidFill>
+        <a:latin typeface="+mn-lt"/>
+        <a:ea typeface="+mn-ea"/>
+        <a:cs typeface="+mn-cs"/>
+      </a:defRPr>
+    </a:lvl7pPr>
+    <a:lvl8pPr marL="3200400" algn="l" defTabSz="914400" rtl="0" eaLnBrk="1" latinLnBrk="0" hangingPunct="1">
+      <a:defRPr sz="1200" kern="1200">
+        <a:solidFill>
+          <a:schemeClr val="tx1"/>
+        </a:solidFill>
+        <a:latin typeface="+mn-lt"/>
+        <a:ea typeface="+mn-ea"/>
+        <a:cs typeface="+mn-cs"/>
+      </a:defRPr>
+    </a:lvl8pPr>
+    <a:lvl9pPr marL="3657600" algn="l" defTabSz="914400" rtl="0" eaLnBrk="1" latinLnBrk="0" hangingPunct="1">
+      <a:defRPr sz="1200" kern="1200">
+        <a:solidFill>
+          <a:schemeClr val="tx1"/>
+        </a:solidFill>
+        <a:latin typeface="+mn-lt"/>
+        <a:ea typeface="+mn-ea"/>
+        <a:cs typeface="+mn-cs"/>
+      </a:defRPr>
+    </a:lvl9pPr>
+  </p:notesStyle>
+</p:notesMaster>
+</file>
+
+<file path=ppt/notesSlides/notesSlide1.xml><?xml version="1.0" encoding="utf-8"?>
+<p:notes xmlns:a="http://schemas.openxmlformats.org/drawingml/2006/main" xmlns:r="http://schemas.openxmlformats.org/officeDocument/2006/relationships" xmlns:p="http://schemas.openxmlformats.org/presentationml/2006/main">
+  <p:cSld>
+    <p:spTree>
+      <p:nvGrpSpPr>
+        <p:cNvPr id="1" name=""/>
+        <p:cNvGrpSpPr/>
+        <p:nvPr/>
+      </p:nvGrpSpPr>
+      <p:grpSpPr>
+        <a:xfrm>
+          <a:off x="0" y="0"/>
+          <a:ext cx="0" cy="0"/>
+          <a:chOff x="0" y="0"/>
+          <a:chExt cx="0" cy="0"/>
+        </a:xfrm>
+      </p:grpSpPr>
+      <p:sp>
+        <p:nvSpPr>
+          <p:cNvPr id="2" name="Plassholder for lysbilde 1"/>
+          <p:cNvSpPr>
+            <a:spLocks noGrp="1" noRot="1" noChangeAspect="1"/>
+          </p:cNvSpPr>
+          <p:nvPr>
+            <p:ph type="sldImg"/>
+          </p:nvPr>
+        </p:nvSpPr>
+        <p:spPr/>
+      </p:sp>
+      <mc:AlternateContent xmlns:mc="http://schemas.openxmlformats.org/markup-compatibility/2006">
+        <mc:Choice xmlns:a14="http://schemas.microsoft.com/office/drawing/2010/main" Requires="a14">
+          <p:sp>
+            <p:nvSpPr>
+              <p:cNvPr id="3" name="Plassholder for notater 2"/>
+              <p:cNvSpPr>
+                <a:spLocks noGrp="1"/>
+              </p:cNvSpPr>
+              <p:nvPr>
+                <p:ph type="body" idx="1"/>
+              </p:nvPr>
+            </p:nvSpPr>
+            <p:spPr/>
+            <p:txBody>
+              <a:bodyPr/>
+              <a:lstStyle/>
+              <a:p>
+                <a:pPr marL="0" marR="0" lvl="0" indent="0" algn="l" defTabSz="914400" rtl="0" eaLnBrk="1" fontAlgn="auto" latinLnBrk="0" hangingPunct="1">
+                  <a:lnSpc>
+                    <a:spcPct val="100000"/>
+                  </a:lnSpc>
+                  <a:spcBef>
+                    <a:spcPts val="0"/>
+                  </a:spcBef>
+                  <a:spcAft>
+                    <a:spcPts val="0"/>
+                  </a:spcAft>
+                  <a:buClrTx/>
+                  <a:buSzTx/>
+                  <a:buFontTx/>
+                  <a:buNone/>
+                  <a:tabLst/>
+                  <a:defRPr/>
+                </a:pPr>
+                <a14:m>
+                  <m:oMath xmlns:m="http://schemas.openxmlformats.org/officeDocument/2006/math">
+                    <m:r>
+                      <a:rPr lang="en-US" b="0" i="1" smtClean="0">
+                        <a:latin typeface="Cambria Math" panose="02040503050406030204" pitchFamily="18" charset="0"/>
+                      </a:rPr>
+                      <m:t>ɸ</m:t>
+                    </m:r>
+                  </m:oMath>
+                </a14:m>
+                <a:r>
+                  <a:rPr lang="nb-NO" dirty="0"/>
+                  <a:t>(x) is a </a:t>
+                </a:r>
+                <a:r>
+                  <a:rPr lang="nb-NO" dirty="0" err="1"/>
+                  <a:t>normaldistribution</a:t>
+                </a:r>
+                <a:endParaRPr lang="nb-NO" dirty="0"/>
+              </a:p>
+              <a:p>
+                <a:r>
+                  <a:rPr lang="nb-NO" dirty="0"/>
+                  <a:t> </a:t>
+                </a:r>
+                <a14:m>
+                  <m:oMath xmlns:m="http://schemas.openxmlformats.org/officeDocument/2006/math">
+                    <m:r>
+                      <a:rPr lang="en-US" b="0" i="1" smtClean="0">
+                        <a:latin typeface="Cambria Math" panose="02040503050406030204" pitchFamily="18" charset="0"/>
+                      </a:rPr>
+                      <m:t>𝑞</m:t>
+                    </m:r>
+                    <m:d>
+                      <m:dPr>
+                        <m:ctrlPr>
+                          <a:rPr lang="en-US" b="0" i="1" smtClean="0">
+                            <a:latin typeface="Cambria Math" panose="02040503050406030204" pitchFamily="18" charset="0"/>
+                          </a:rPr>
+                        </m:ctrlPr>
+                      </m:dPr>
+                      <m:e>
+                        <m:r>
+                          <a:rPr lang="en-US" b="0" i="1" smtClean="0">
+                            <a:latin typeface="Cambria Math" panose="02040503050406030204" pitchFamily="18" charset="0"/>
+                          </a:rPr>
+                          <m:t>𝑡</m:t>
+                        </m:r>
+                      </m:e>
+                    </m:d>
+                  </m:oMath>
+                </a14:m>
+                <a:r>
+                  <a:rPr lang="nb-NO" dirty="0"/>
+                  <a:t> is </a:t>
+                </a:r>
+                <a:r>
+                  <a:rPr lang="nb-NO" dirty="0" err="1"/>
+                  <a:t>the</a:t>
+                </a:r>
+                <a:r>
+                  <a:rPr lang="nb-NO" dirty="0"/>
+                  <a:t> </a:t>
+                </a:r>
+                <a:r>
+                  <a:rPr lang="nb-NO" dirty="0" err="1"/>
+                  <a:t>entry</a:t>
+                </a:r>
+                <a:r>
+                  <a:rPr lang="nb-NO" dirty="0"/>
+                  <a:t> speed </a:t>
+                </a:r>
+                <a:r>
+                  <a:rPr lang="nb-NO" dirty="0" err="1"/>
+                  <a:t>of</a:t>
+                </a:r>
+                <a:r>
+                  <a:rPr lang="nb-NO" dirty="0"/>
+                  <a:t> </a:t>
+                </a:r>
+                <a:r>
+                  <a:rPr lang="nb-NO" dirty="0" err="1"/>
+                  <a:t>the</a:t>
+                </a:r>
+                <a:r>
+                  <a:rPr lang="nb-NO" dirty="0"/>
+                  <a:t> </a:t>
+                </a:r>
+                <a:r>
+                  <a:rPr lang="nb-NO" dirty="0" err="1"/>
+                  <a:t>vehicles</a:t>
+                </a:r>
+                <a:endParaRPr lang="nb-NO" dirty="0"/>
+              </a:p>
+            </p:txBody>
+          </p:sp>
+        </mc:Choice>
+        <mc:Fallback>
+          <p:sp>
+            <p:nvSpPr>
+              <p:cNvPr id="3" name="Plassholder for notater 2"/>
+              <p:cNvSpPr>
+                <a:spLocks noGrp="1"/>
+              </p:cNvSpPr>
+              <p:nvPr>
+                <p:ph type="body" idx="1"/>
+              </p:nvPr>
+            </p:nvSpPr>
+            <p:spPr/>
+            <p:txBody>
+              <a:bodyPr/>
+              <a:lstStyle/>
+              <a:p>
+                <a:pPr marL="0" marR="0" lvl="0" indent="0" algn="l" defTabSz="914400" rtl="0" eaLnBrk="1" fontAlgn="auto" latinLnBrk="0" hangingPunct="1">
+                  <a:lnSpc>
+                    <a:spcPct val="100000"/>
+                  </a:lnSpc>
+                  <a:spcBef>
+                    <a:spcPts val="0"/>
+                  </a:spcBef>
+                  <a:spcAft>
+                    <a:spcPts val="0"/>
+                  </a:spcAft>
+                  <a:buClrTx/>
+                  <a:buSzTx/>
+                  <a:buFontTx/>
+                  <a:buNone/>
+                  <a:tabLst/>
+                  <a:defRPr/>
+                </a:pPr>
+                <a:r>
+                  <a:rPr lang="en-US" b="0" i="0">
+                    <a:latin typeface="Cambria Math" panose="02040503050406030204" pitchFamily="18" charset="0"/>
+                  </a:rPr>
+                  <a:t>ɸ</a:t>
+                </a:r>
+                <a:r>
+                  <a:rPr lang="nb-NO" dirty="0"/>
+                  <a:t>(x) is a </a:t>
+                </a:r>
+                <a:r>
+                  <a:rPr lang="nb-NO" dirty="0" err="1"/>
+                  <a:t>normaldistribution</a:t>
+                </a:r>
+                <a:endParaRPr lang="nb-NO" dirty="0"/>
+              </a:p>
+              <a:p>
+                <a:r>
+                  <a:rPr lang="nb-NO" dirty="0"/>
+                  <a:t> </a:t>
+                </a:r>
+                <a:r>
+                  <a:rPr lang="en-US" b="0" i="0">
+                    <a:latin typeface="Cambria Math" panose="02040503050406030204" pitchFamily="18" charset="0"/>
+                  </a:rPr>
+                  <a:t>𝑞(𝑡)</a:t>
+                </a:r>
+                <a:r>
+                  <a:rPr lang="nb-NO" dirty="0"/>
+                  <a:t> is </a:t>
+                </a:r>
+                <a:r>
+                  <a:rPr lang="nb-NO" dirty="0" err="1"/>
+                  <a:t>the</a:t>
+                </a:r>
+                <a:r>
+                  <a:rPr lang="nb-NO" dirty="0"/>
+                  <a:t> </a:t>
+                </a:r>
+                <a:r>
+                  <a:rPr lang="nb-NO" dirty="0" err="1"/>
+                  <a:t>entry</a:t>
+                </a:r>
+                <a:r>
+                  <a:rPr lang="nb-NO" dirty="0"/>
+                  <a:t> speed </a:t>
+                </a:r>
+                <a:r>
+                  <a:rPr lang="nb-NO" dirty="0" err="1"/>
+                  <a:t>of</a:t>
+                </a:r>
+                <a:r>
+                  <a:rPr lang="nb-NO" dirty="0"/>
+                  <a:t> </a:t>
+                </a:r>
+                <a:r>
+                  <a:rPr lang="nb-NO" dirty="0" err="1"/>
+                  <a:t>the</a:t>
+                </a:r>
+                <a:r>
+                  <a:rPr lang="nb-NO" dirty="0"/>
+                  <a:t> </a:t>
+                </a:r>
+                <a:r>
+                  <a:rPr lang="nb-NO" dirty="0" err="1"/>
+                  <a:t>vehicles</a:t>
+                </a:r>
+                <a:endParaRPr lang="nb-NO" dirty="0"/>
+              </a:p>
+            </p:txBody>
+          </p:sp>
+        </mc:Fallback>
+      </mc:AlternateContent>
+      <p:sp>
+        <p:nvSpPr>
+          <p:cNvPr id="4" name="Plassholder for lysbildenummer 3"/>
+          <p:cNvSpPr>
+            <a:spLocks noGrp="1"/>
+          </p:cNvSpPr>
+          <p:nvPr>
+            <p:ph type="sldNum" sz="quarter" idx="10"/>
+          </p:nvPr>
+        </p:nvSpPr>
+        <p:spPr/>
+        <p:txBody>
+          <a:bodyPr/>
+          <a:lstStyle/>
+          <a:p>
+            <a:fld id="{65D79118-6C10-4547-B40E-B3609A63AF49}" type="slidenum">
+              <a:rPr lang="nb-NO" smtClean="0"/>
+              <a:t>2</a:t>
+            </a:fld>
+            <a:endParaRPr lang="nb-NO"/>
+          </a:p>
+        </p:txBody>
+      </p:sp>
+    </p:spTree>
+    <p:extLst>
+      <p:ext uri="{BB962C8B-B14F-4D97-AF65-F5344CB8AC3E}">
+        <p14:creationId xmlns:p14="http://schemas.microsoft.com/office/powerpoint/2010/main" val="1850145322"/>
+      </p:ext>
+    </p:extLst>
+  </p:cSld>
+  <p:clrMapOvr>
+    <a:masterClrMapping/>
+  </p:clrMapOvr>
+</p:notes>
+</file>
+
+<file path=ppt/notesSlides/notesSlide2.xml><?xml version="1.0" encoding="utf-8"?>
+<p:notes xmlns:a="http://schemas.openxmlformats.org/drawingml/2006/main" xmlns:r="http://schemas.openxmlformats.org/officeDocument/2006/relationships" xmlns:p="http://schemas.openxmlformats.org/presentationml/2006/main">
+  <p:cSld>
+    <p:spTree>
+      <p:nvGrpSpPr>
+        <p:cNvPr id="1" name=""/>
+        <p:cNvGrpSpPr/>
+        <p:nvPr/>
+      </p:nvGrpSpPr>
+      <p:grpSpPr>
+        <a:xfrm>
+          <a:off x="0" y="0"/>
+          <a:ext cx="0" cy="0"/>
+          <a:chOff x="0" y="0"/>
+          <a:chExt cx="0" cy="0"/>
+        </a:xfrm>
+      </p:grpSpPr>
+      <p:sp>
+        <p:nvSpPr>
+          <p:cNvPr id="2" name="Plassholder for lysbilde 1"/>
+          <p:cNvSpPr>
+            <a:spLocks noGrp="1" noRot="1" noChangeAspect="1"/>
+          </p:cNvSpPr>
+          <p:nvPr>
+            <p:ph type="sldImg"/>
+          </p:nvPr>
+        </p:nvSpPr>
+        <p:spPr/>
+      </p:sp>
+      <p:sp>
+        <p:nvSpPr>
+          <p:cNvPr id="3" name="Plassholder for notater 2"/>
+          <p:cNvSpPr>
+            <a:spLocks noGrp="1"/>
+          </p:cNvSpPr>
+          <p:nvPr>
+            <p:ph type="body" idx="1"/>
+          </p:nvPr>
+        </p:nvSpPr>
+        <p:spPr/>
+        <p:txBody>
+          <a:bodyPr/>
+          <a:lstStyle/>
+          <a:p>
+            <a:endParaRPr lang="nb-NO" dirty="0"/>
+          </a:p>
+        </p:txBody>
+      </p:sp>
+      <p:sp>
+        <p:nvSpPr>
+          <p:cNvPr id="4" name="Plassholder for lysbildenummer 3"/>
+          <p:cNvSpPr>
+            <a:spLocks noGrp="1"/>
+          </p:cNvSpPr>
+          <p:nvPr>
+            <p:ph type="sldNum" sz="quarter" idx="10"/>
+          </p:nvPr>
+        </p:nvSpPr>
+        <p:spPr/>
+        <p:txBody>
+          <a:bodyPr/>
+          <a:lstStyle/>
+          <a:p>
+            <a:fld id="{65D79118-6C10-4547-B40E-B3609A63AF49}" type="slidenum">
+              <a:rPr lang="nb-NO" smtClean="0"/>
+              <a:t>12</a:t>
+            </a:fld>
+            <a:endParaRPr lang="nb-NO"/>
+          </a:p>
+        </p:txBody>
+      </p:sp>
+    </p:spTree>
+    <p:extLst>
+      <p:ext uri="{BB962C8B-B14F-4D97-AF65-F5344CB8AC3E}">
+        <p14:creationId xmlns:p14="http://schemas.microsoft.com/office/powerpoint/2010/main" val="2612531912"/>
+      </p:ext>
+    </p:extLst>
+  </p:cSld>
+  <p:clrMapOvr>
+    <a:masterClrMapping/>
+  </p:clrMapOvr>
+</p:notes>
 </file>
 
 <file path=ppt/slideLayouts/slideLayout1.xml><?xml version="1.0" encoding="utf-8"?>
@@ -2604,6 +3346,707 @@
 </p:sld>
 </file>
 
+<file path=ppt/slides/slide10.xml><?xml version="1.0" encoding="utf-8"?>
+<p:sld xmlns:a="http://schemas.openxmlformats.org/drawingml/2006/main" xmlns:r="http://schemas.openxmlformats.org/officeDocument/2006/relationships" xmlns:p="http://schemas.openxmlformats.org/presentationml/2006/main">
+  <p:cSld>
+    <p:spTree>
+      <p:nvGrpSpPr>
+        <p:cNvPr id="1" name=""/>
+        <p:cNvGrpSpPr/>
+        <p:nvPr/>
+      </p:nvGrpSpPr>
+      <p:grpSpPr>
+        <a:xfrm>
+          <a:off x="0" y="0"/>
+          <a:ext cx="0" cy="0"/>
+          <a:chOff x="0" y="0"/>
+          <a:chExt cx="0" cy="0"/>
+        </a:xfrm>
+      </p:grpSpPr>
+      <p:sp>
+        <p:nvSpPr>
+          <p:cNvPr id="2" name="Tittel 1">
+            <a:extLst>
+              <a:ext uri="{FF2B5EF4-FFF2-40B4-BE49-F238E27FC236}">
+                <a16:creationId xmlns:a16="http://schemas.microsoft.com/office/drawing/2014/main" id="{19204A6D-9819-B44E-A651-ED1F5B17F5EE}"/>
+              </a:ext>
+            </a:extLst>
+          </p:cNvPr>
+          <p:cNvSpPr>
+            <a:spLocks noGrp="1"/>
+          </p:cNvSpPr>
+          <p:nvPr>
+            <p:ph type="title"/>
+          </p:nvPr>
+        </p:nvSpPr>
+        <p:spPr/>
+        <p:txBody>
+          <a:bodyPr/>
+          <a:lstStyle/>
+          <a:p>
+            <a:r>
+              <a:rPr lang="en-US" dirty="0"/>
+              <a:t>Lax-</a:t>
+            </a:r>
+            <a:r>
+              <a:rPr lang="en-US" dirty="0" err="1"/>
+              <a:t>Wendroff</a:t>
+            </a:r>
+            <a:r>
+              <a:rPr lang="en-US" dirty="0"/>
+              <a:t> </a:t>
+            </a:r>
+            <a:endParaRPr lang="nb-NO" dirty="0"/>
+          </a:p>
+        </p:txBody>
+      </p:sp>
+      <p:sp>
+        <p:nvSpPr>
+          <p:cNvPr id="7" name="Tittel 3">
+            <a:extLst>
+              <a:ext uri="{FF2B5EF4-FFF2-40B4-BE49-F238E27FC236}">
+                <a16:creationId xmlns:a16="http://schemas.microsoft.com/office/drawing/2014/main" id="{4147B2E6-E43E-934D-B397-D42673C4615F}"/>
+              </a:ext>
+            </a:extLst>
+          </p:cNvPr>
+          <p:cNvSpPr txBox="1">
+            <a:spLocks/>
+          </p:cNvSpPr>
+          <p:nvPr/>
+        </p:nvSpPr>
+        <p:spPr>
+          <a:xfrm>
+            <a:off x="457200" y="1189278"/>
+            <a:ext cx="4163786" cy="651868"/>
+          </a:xfrm>
+          <a:prstGeom prst="rect">
+            <a:avLst/>
+          </a:prstGeom>
+        </p:spPr>
+        <p:txBody>
+          <a:bodyPr vert="horz" lIns="91440" tIns="45720" rIns="91440" bIns="45720" rtlCol="0" anchor="ctr">
+            <a:normAutofit/>
+          </a:bodyPr>
+          <a:lstStyle>
+            <a:lvl1pPr algn="l" defTabSz="457200" rtl="0" eaLnBrk="1" latinLnBrk="0" hangingPunct="1">
+              <a:spcBef>
+                <a:spcPct val="0"/>
+              </a:spcBef>
+              <a:buNone/>
+              <a:defRPr sz="3600" b="1" i="0" kern="1200">
+                <a:solidFill>
+                  <a:schemeClr val="tx1"/>
+                </a:solidFill>
+                <a:latin typeface="Arial"/>
+                <a:ea typeface="+mj-ea"/>
+                <a:cs typeface="Arial"/>
+              </a:defRPr>
+            </a:lvl1pPr>
+          </a:lstStyle>
+          <a:p>
+            <a:r>
+              <a:rPr lang="en-US" sz="2400" b="0" dirty="0"/>
+              <a:t>Speed of vehicles</a:t>
+            </a:r>
+            <a:endParaRPr lang="nb-NO" sz="2400" b="0" dirty="0"/>
+          </a:p>
+        </p:txBody>
+      </p:sp>
+      <p:pic>
+        <p:nvPicPr>
+          <p:cNvPr id="8" name="Plassholder for innhold 7">
+            <a:extLst>
+              <a:ext uri="{FF2B5EF4-FFF2-40B4-BE49-F238E27FC236}">
+                <a16:creationId xmlns:a16="http://schemas.microsoft.com/office/drawing/2014/main" id="{0246BF0B-65FC-7D43-BB2F-1DE890505C2F}"/>
+              </a:ext>
+            </a:extLst>
+          </p:cNvPr>
+          <p:cNvPicPr>
+            <a:picLocks noGrp="1" noChangeAspect="1"/>
+          </p:cNvPicPr>
+          <p:nvPr>
+            <p:ph idx="1"/>
+          </p:nvPr>
+        </p:nvPicPr>
+        <p:blipFill>
+          <a:blip r:embed="rId2"/>
+          <a:stretch>
+            <a:fillRect/>
+          </a:stretch>
+        </p:blipFill>
+        <p:spPr>
+          <a:xfrm>
+            <a:off x="1651000" y="1691481"/>
+            <a:ext cx="5842000" cy="4343400"/>
+          </a:xfrm>
+        </p:spPr>
+      </p:pic>
+    </p:spTree>
+    <p:extLst>
+      <p:ext uri="{BB962C8B-B14F-4D97-AF65-F5344CB8AC3E}">
+        <p14:creationId xmlns:p14="http://schemas.microsoft.com/office/powerpoint/2010/main" val="3626423699"/>
+      </p:ext>
+    </p:extLst>
+  </p:cSld>
+  <p:clrMapOvr>
+    <a:masterClrMapping/>
+  </p:clrMapOvr>
+</p:sld>
+</file>
+
+<file path=ppt/slides/slide11.xml><?xml version="1.0" encoding="utf-8"?>
+<p:sld xmlns:a="http://schemas.openxmlformats.org/drawingml/2006/main" xmlns:r="http://schemas.openxmlformats.org/officeDocument/2006/relationships" xmlns:p="http://schemas.openxmlformats.org/presentationml/2006/main">
+  <p:cSld>
+    <p:spTree>
+      <p:nvGrpSpPr>
+        <p:cNvPr id="1" name=""/>
+        <p:cNvGrpSpPr/>
+        <p:nvPr/>
+      </p:nvGrpSpPr>
+      <p:grpSpPr>
+        <a:xfrm>
+          <a:off x="0" y="0"/>
+          <a:ext cx="0" cy="0"/>
+          <a:chOff x="0" y="0"/>
+          <a:chExt cx="0" cy="0"/>
+        </a:xfrm>
+      </p:grpSpPr>
+      <p:sp>
+        <p:nvSpPr>
+          <p:cNvPr id="2" name="Tittel 1">
+            <a:extLst>
+              <a:ext uri="{FF2B5EF4-FFF2-40B4-BE49-F238E27FC236}">
+                <a16:creationId xmlns:a16="http://schemas.microsoft.com/office/drawing/2014/main" id="{A2F1B926-E632-3945-95C9-E6FC355C7B49}"/>
+              </a:ext>
+            </a:extLst>
+          </p:cNvPr>
+          <p:cNvSpPr>
+            <a:spLocks noGrp="1"/>
+          </p:cNvSpPr>
+          <p:nvPr>
+            <p:ph type="title"/>
+          </p:nvPr>
+        </p:nvSpPr>
+        <p:spPr/>
+        <p:txBody>
+          <a:bodyPr/>
+          <a:lstStyle/>
+          <a:p>
+            <a:r>
+              <a:rPr lang="en-US" dirty="0"/>
+              <a:t>Lax-</a:t>
+            </a:r>
+            <a:r>
+              <a:rPr lang="en-US" dirty="0" err="1"/>
+              <a:t>Wendroff</a:t>
+            </a:r>
+            <a:r>
+              <a:rPr lang="en-US" dirty="0"/>
+              <a:t> </a:t>
+            </a:r>
+            <a:endParaRPr lang="nb-NO" dirty="0"/>
+          </a:p>
+        </p:txBody>
+      </p:sp>
+      <p:pic>
+        <p:nvPicPr>
+          <p:cNvPr id="18" name="Plassholder for innhold 17">
+            <a:extLst>
+              <a:ext uri="{FF2B5EF4-FFF2-40B4-BE49-F238E27FC236}">
+                <a16:creationId xmlns:a16="http://schemas.microsoft.com/office/drawing/2014/main" id="{0FC4DAD9-6348-3846-9284-AA83755BD437}"/>
+              </a:ext>
+            </a:extLst>
+          </p:cNvPr>
+          <p:cNvPicPr>
+            <a:picLocks noGrp="1" noChangeAspect="1"/>
+          </p:cNvPicPr>
+          <p:nvPr>
+            <p:ph idx="1"/>
+          </p:nvPr>
+        </p:nvPicPr>
+        <p:blipFill>
+          <a:blip r:embed="rId2"/>
+          <a:stretch>
+            <a:fillRect/>
+          </a:stretch>
+        </p:blipFill>
+        <p:spPr>
+          <a:xfrm>
+            <a:off x="1651000" y="1691481"/>
+            <a:ext cx="5842000" cy="4343400"/>
+          </a:xfrm>
+        </p:spPr>
+      </p:pic>
+      <p:sp>
+        <p:nvSpPr>
+          <p:cNvPr id="19" name="Tittel 3">
+            <a:extLst>
+              <a:ext uri="{FF2B5EF4-FFF2-40B4-BE49-F238E27FC236}">
+                <a16:creationId xmlns:a16="http://schemas.microsoft.com/office/drawing/2014/main" id="{82E934B2-3630-1A40-BECE-E18227CD074C}"/>
+              </a:ext>
+            </a:extLst>
+          </p:cNvPr>
+          <p:cNvSpPr txBox="1">
+            <a:spLocks/>
+          </p:cNvSpPr>
+          <p:nvPr/>
+        </p:nvSpPr>
+        <p:spPr>
+          <a:xfrm>
+            <a:off x="457200" y="1189278"/>
+            <a:ext cx="4163786" cy="651868"/>
+          </a:xfrm>
+          <a:prstGeom prst="rect">
+            <a:avLst/>
+          </a:prstGeom>
+        </p:spPr>
+        <p:txBody>
+          <a:bodyPr vert="horz" lIns="91440" tIns="45720" rIns="91440" bIns="45720" rtlCol="0" anchor="ctr">
+            <a:normAutofit/>
+          </a:bodyPr>
+          <a:lstStyle>
+            <a:lvl1pPr algn="l" defTabSz="457200" rtl="0" eaLnBrk="1" latinLnBrk="0" hangingPunct="1">
+              <a:spcBef>
+                <a:spcPct val="0"/>
+              </a:spcBef>
+              <a:buNone/>
+              <a:defRPr sz="3600" b="1" i="0" kern="1200">
+                <a:solidFill>
+                  <a:schemeClr val="tx1"/>
+                </a:solidFill>
+                <a:latin typeface="Arial"/>
+                <a:ea typeface="+mj-ea"/>
+                <a:cs typeface="Arial"/>
+              </a:defRPr>
+            </a:lvl1pPr>
+          </a:lstStyle>
+          <a:p>
+            <a:r>
+              <a:rPr lang="en-US" sz="2400" b="0" dirty="0"/>
+              <a:t>Convergence in time</a:t>
+            </a:r>
+            <a:endParaRPr lang="nb-NO" sz="2400" b="0" dirty="0"/>
+          </a:p>
+        </p:txBody>
+      </p:sp>
+    </p:spTree>
+    <p:extLst>
+      <p:ext uri="{BB962C8B-B14F-4D97-AF65-F5344CB8AC3E}">
+        <p14:creationId xmlns:p14="http://schemas.microsoft.com/office/powerpoint/2010/main" val="3090891517"/>
+      </p:ext>
+    </p:extLst>
+  </p:cSld>
+  <p:clrMapOvr>
+    <a:masterClrMapping/>
+  </p:clrMapOvr>
+</p:sld>
+</file>
+
+<file path=ppt/slides/slide12.xml><?xml version="1.0" encoding="utf-8"?>
+<p:sld xmlns:a="http://schemas.openxmlformats.org/drawingml/2006/main" xmlns:r="http://schemas.openxmlformats.org/officeDocument/2006/relationships" xmlns:p="http://schemas.openxmlformats.org/presentationml/2006/main">
+  <p:cSld>
+    <p:spTree>
+      <p:nvGrpSpPr>
+        <p:cNvPr id="1" name=""/>
+        <p:cNvGrpSpPr/>
+        <p:nvPr/>
+      </p:nvGrpSpPr>
+      <p:grpSpPr>
+        <a:xfrm>
+          <a:off x="0" y="0"/>
+          <a:ext cx="0" cy="0"/>
+          <a:chOff x="0" y="0"/>
+          <a:chExt cx="0" cy="0"/>
+        </a:xfrm>
+      </p:grpSpPr>
+      <p:sp>
+        <p:nvSpPr>
+          <p:cNvPr id="2" name="Tittel 1">
+            <a:extLst>
+              <a:ext uri="{FF2B5EF4-FFF2-40B4-BE49-F238E27FC236}">
+                <a16:creationId xmlns:a16="http://schemas.microsoft.com/office/drawing/2014/main" id="{62571D71-2CA9-9D4D-9676-3196EE81A270}"/>
+              </a:ext>
+            </a:extLst>
+          </p:cNvPr>
+          <p:cNvSpPr>
+            <a:spLocks noGrp="1"/>
+          </p:cNvSpPr>
+          <p:nvPr>
+            <p:ph type="title"/>
+          </p:nvPr>
+        </p:nvSpPr>
+        <p:spPr/>
+        <p:txBody>
+          <a:bodyPr/>
+          <a:lstStyle/>
+          <a:p>
+            <a:r>
+              <a:rPr lang="en-US" dirty="0"/>
+              <a:t>Lax-</a:t>
+            </a:r>
+            <a:r>
+              <a:rPr lang="en-US" dirty="0" err="1"/>
+              <a:t>Wendroff</a:t>
+            </a:r>
+            <a:r>
+              <a:rPr lang="en-US" dirty="0"/>
+              <a:t> </a:t>
+            </a:r>
+            <a:endParaRPr lang="nb-NO" dirty="0"/>
+          </a:p>
+        </p:txBody>
+      </p:sp>
+      <p:pic>
+        <p:nvPicPr>
+          <p:cNvPr id="5" name="Plassholder for innhold 4">
+            <a:extLst>
+              <a:ext uri="{FF2B5EF4-FFF2-40B4-BE49-F238E27FC236}">
+                <a16:creationId xmlns:a16="http://schemas.microsoft.com/office/drawing/2014/main" id="{3B3EA4A5-9FB2-034B-B0D0-ABD6147F1685}"/>
+              </a:ext>
+            </a:extLst>
+          </p:cNvPr>
+          <p:cNvPicPr>
+            <a:picLocks noGrp="1" noChangeAspect="1"/>
+          </p:cNvPicPr>
+          <p:nvPr>
+            <p:ph idx="1"/>
+          </p:nvPr>
+        </p:nvPicPr>
+        <p:blipFill>
+          <a:blip r:embed="rId3"/>
+          <a:stretch>
+            <a:fillRect/>
+          </a:stretch>
+        </p:blipFill>
+        <p:spPr>
+          <a:xfrm>
+            <a:off x="1922145" y="1591514"/>
+            <a:ext cx="5299710" cy="3923429"/>
+          </a:xfrm>
+        </p:spPr>
+      </p:pic>
+      <p:sp>
+        <p:nvSpPr>
+          <p:cNvPr id="7" name="Tittel 3">
+            <a:extLst>
+              <a:ext uri="{FF2B5EF4-FFF2-40B4-BE49-F238E27FC236}">
+                <a16:creationId xmlns:a16="http://schemas.microsoft.com/office/drawing/2014/main" id="{B161BA67-845A-9248-8FA6-A933372D9ED3}"/>
+              </a:ext>
+            </a:extLst>
+          </p:cNvPr>
+          <p:cNvSpPr txBox="1">
+            <a:spLocks/>
+          </p:cNvSpPr>
+          <p:nvPr/>
+        </p:nvSpPr>
+        <p:spPr>
+          <a:xfrm>
+            <a:off x="457200" y="1189278"/>
+            <a:ext cx="4163786" cy="651868"/>
+          </a:xfrm>
+          <a:prstGeom prst="rect">
+            <a:avLst/>
+          </a:prstGeom>
+        </p:spPr>
+        <p:txBody>
+          <a:bodyPr vert="horz" lIns="91440" tIns="45720" rIns="91440" bIns="45720" rtlCol="0" anchor="ctr">
+            <a:normAutofit/>
+          </a:bodyPr>
+          <a:lstStyle>
+            <a:lvl1pPr algn="l" defTabSz="457200" rtl="0" eaLnBrk="1" latinLnBrk="0" hangingPunct="1">
+              <a:spcBef>
+                <a:spcPct val="0"/>
+              </a:spcBef>
+              <a:buNone/>
+              <a:defRPr sz="3600" b="1" i="0" kern="1200">
+                <a:solidFill>
+                  <a:schemeClr val="tx1"/>
+                </a:solidFill>
+                <a:latin typeface="Arial"/>
+                <a:ea typeface="+mj-ea"/>
+                <a:cs typeface="Arial"/>
+              </a:defRPr>
+            </a:lvl1pPr>
+          </a:lstStyle>
+          <a:p>
+            <a:r>
+              <a:rPr lang="en-US" sz="2400" b="0" dirty="0"/>
+              <a:t>Convergence in space</a:t>
+            </a:r>
+            <a:endParaRPr lang="nb-NO" sz="2400" b="0" dirty="0"/>
+          </a:p>
+        </p:txBody>
+      </p:sp>
+    </p:spTree>
+    <p:extLst>
+      <p:ext uri="{BB962C8B-B14F-4D97-AF65-F5344CB8AC3E}">
+        <p14:creationId xmlns:p14="http://schemas.microsoft.com/office/powerpoint/2010/main" val="1064372889"/>
+      </p:ext>
+    </p:extLst>
+  </p:cSld>
+  <p:clrMapOvr>
+    <a:masterClrMapping/>
+  </p:clrMapOvr>
+</p:sld>
+</file>
+
+<file path=ppt/slides/slide13.xml><?xml version="1.0" encoding="utf-8"?>
+<p:sld xmlns:a="http://schemas.openxmlformats.org/drawingml/2006/main" xmlns:r="http://schemas.openxmlformats.org/officeDocument/2006/relationships" xmlns:p="http://schemas.openxmlformats.org/presentationml/2006/main">
+  <p:cSld>
+    <p:spTree>
+      <p:nvGrpSpPr>
+        <p:cNvPr id="1" name=""/>
+        <p:cNvGrpSpPr/>
+        <p:nvPr/>
+      </p:nvGrpSpPr>
+      <p:grpSpPr>
+        <a:xfrm>
+          <a:off x="0" y="0"/>
+          <a:ext cx="0" cy="0"/>
+          <a:chOff x="0" y="0"/>
+          <a:chExt cx="0" cy="0"/>
+        </a:xfrm>
+      </p:grpSpPr>
+      <p:sp>
+        <p:nvSpPr>
+          <p:cNvPr id="2" name="Tittel 1">
+            <a:extLst>
+              <a:ext uri="{FF2B5EF4-FFF2-40B4-BE49-F238E27FC236}">
+                <a16:creationId xmlns:a16="http://schemas.microsoft.com/office/drawing/2014/main" id="{11437100-8E15-2F43-8A51-89700639DDA8}"/>
+              </a:ext>
+            </a:extLst>
+          </p:cNvPr>
+          <p:cNvSpPr>
+            <a:spLocks noGrp="1"/>
+          </p:cNvSpPr>
+          <p:nvPr>
+            <p:ph type="title"/>
+          </p:nvPr>
+        </p:nvSpPr>
+        <p:spPr/>
+        <p:txBody>
+          <a:bodyPr/>
+          <a:lstStyle/>
+          <a:p>
+            <a:r>
+              <a:rPr lang="en-US" dirty="0"/>
+              <a:t>References </a:t>
+            </a:r>
+            <a:endParaRPr lang="nb-NO" dirty="0"/>
+          </a:p>
+        </p:txBody>
+      </p:sp>
+      <p:sp>
+        <p:nvSpPr>
+          <p:cNvPr id="3" name="Plassholder for innhold 2">
+            <a:extLst>
+              <a:ext uri="{FF2B5EF4-FFF2-40B4-BE49-F238E27FC236}">
+                <a16:creationId xmlns:a16="http://schemas.microsoft.com/office/drawing/2014/main" id="{1400DA9B-2FD8-DB46-88BC-AA6BC53C2EFD}"/>
+              </a:ext>
+            </a:extLst>
+          </p:cNvPr>
+          <p:cNvSpPr>
+            <a:spLocks noGrp="1"/>
+          </p:cNvSpPr>
+          <p:nvPr>
+            <p:ph idx="1"/>
+          </p:nvPr>
+        </p:nvSpPr>
+        <p:spPr/>
+        <p:txBody>
+          <a:bodyPr/>
+          <a:lstStyle/>
+          <a:p>
+            <a:r>
+              <a:rPr lang="nb-NO" dirty="0"/>
+              <a:t>Lee, H.Y., Lee, H.-W. &amp; Kim, D., (1999), </a:t>
+            </a:r>
+            <a:r>
+              <a:rPr lang="nb-NO" dirty="0" err="1"/>
+              <a:t>Dynamic</a:t>
+            </a:r>
+            <a:r>
+              <a:rPr lang="nb-NO" dirty="0"/>
+              <a:t> </a:t>
+            </a:r>
+            <a:r>
+              <a:rPr lang="nb-NO" dirty="0" err="1"/>
+              <a:t>states</a:t>
+            </a:r>
+            <a:r>
+              <a:rPr lang="nb-NO" dirty="0"/>
+              <a:t> </a:t>
+            </a:r>
+            <a:r>
+              <a:rPr lang="nb-NO" dirty="0" err="1"/>
+              <a:t>of</a:t>
+            </a:r>
+            <a:r>
+              <a:rPr lang="nb-NO" dirty="0"/>
+              <a:t> a </a:t>
+            </a:r>
+            <a:r>
+              <a:rPr lang="nb-NO" dirty="0" err="1"/>
+              <a:t>continuum</a:t>
+            </a:r>
+            <a:r>
+              <a:rPr lang="nb-NO" dirty="0"/>
+              <a:t> </a:t>
+            </a:r>
+            <a:r>
+              <a:rPr lang="nb-NO" dirty="0" err="1"/>
+              <a:t>traffic</a:t>
+            </a:r>
+            <a:r>
+              <a:rPr lang="nb-NO" dirty="0"/>
+              <a:t> </a:t>
+            </a:r>
+            <a:r>
+              <a:rPr lang="nb-NO" dirty="0" err="1"/>
+              <a:t>equation</a:t>
+            </a:r>
+            <a:r>
+              <a:rPr lang="nb-NO" dirty="0"/>
+              <a:t> </a:t>
+            </a:r>
+            <a:r>
+              <a:rPr lang="nb-NO" dirty="0" err="1"/>
+              <a:t>with</a:t>
+            </a:r>
+            <a:r>
+              <a:rPr lang="nb-NO" dirty="0"/>
+              <a:t> on-ramp, </a:t>
+            </a:r>
+            <a:r>
+              <a:rPr lang="nb-NO" dirty="0" err="1"/>
+              <a:t>Physical</a:t>
+            </a:r>
+            <a:r>
+              <a:rPr lang="nb-NO" dirty="0"/>
+              <a:t> </a:t>
+            </a:r>
+            <a:r>
+              <a:rPr lang="nb-NO" dirty="0" err="1"/>
+              <a:t>Review</a:t>
+            </a:r>
+            <a:r>
+              <a:rPr lang="nb-NO" dirty="0"/>
+              <a:t>, 59(5)</a:t>
+            </a:r>
+          </a:p>
+          <a:p>
+            <a:r>
+              <a:rPr lang="nb-NO" dirty="0" err="1"/>
+              <a:t>Helbing</a:t>
+            </a:r>
+            <a:r>
+              <a:rPr lang="nb-NO" dirty="0"/>
+              <a:t>, H., </a:t>
+            </a:r>
+            <a:r>
+              <a:rPr lang="nb-NO" dirty="0" err="1"/>
+              <a:t>Treiber</a:t>
+            </a:r>
+            <a:r>
+              <a:rPr lang="nb-NO" dirty="0"/>
+              <a:t> M., (1999), </a:t>
+            </a:r>
+            <a:r>
+              <a:rPr lang="nb-NO" dirty="0" err="1"/>
+              <a:t>Simulation</a:t>
+            </a:r>
+            <a:r>
+              <a:rPr lang="nb-NO" dirty="0"/>
+              <a:t> </a:t>
+            </a:r>
+            <a:r>
+              <a:rPr lang="nb-NO" dirty="0" err="1"/>
+              <a:t>of</a:t>
+            </a:r>
+            <a:r>
+              <a:rPr lang="nb-NO" dirty="0"/>
+              <a:t> </a:t>
+            </a:r>
+            <a:r>
+              <a:rPr lang="nb-NO" dirty="0" err="1"/>
+              <a:t>Macroscopic</a:t>
+            </a:r>
+            <a:r>
+              <a:rPr lang="nb-NO" dirty="0"/>
+              <a:t> </a:t>
+            </a:r>
+            <a:r>
+              <a:rPr lang="nb-NO" dirty="0" err="1"/>
+              <a:t>Traffic</a:t>
+            </a:r>
+            <a:r>
+              <a:rPr lang="nb-NO" dirty="0"/>
+              <a:t> Equations, </a:t>
+            </a:r>
+            <a:r>
+              <a:rPr lang="nb-NO" dirty="0" err="1"/>
+              <a:t>Institute</a:t>
+            </a:r>
+            <a:r>
+              <a:rPr lang="nb-NO" dirty="0"/>
+              <a:t> </a:t>
+            </a:r>
+            <a:r>
+              <a:rPr lang="nb-NO" dirty="0" err="1"/>
+              <a:t>of</a:t>
+            </a:r>
+            <a:r>
+              <a:rPr lang="nb-NO" dirty="0"/>
+              <a:t> </a:t>
+            </a:r>
+            <a:r>
+              <a:rPr lang="nb-NO" dirty="0" err="1"/>
+              <a:t>Theoretical</a:t>
+            </a:r>
+            <a:r>
+              <a:rPr lang="nb-NO" dirty="0"/>
+              <a:t> </a:t>
+            </a:r>
+            <a:r>
+              <a:rPr lang="nb-NO" dirty="0" err="1"/>
+              <a:t>Physics</a:t>
+            </a:r>
+            <a:r>
+              <a:rPr lang="nb-NO" dirty="0"/>
+              <a:t>, </a:t>
+            </a:r>
+            <a:r>
+              <a:rPr lang="nb-NO" dirty="0" err="1"/>
+              <a:t>University</a:t>
+            </a:r>
+            <a:r>
+              <a:rPr lang="nb-NO" dirty="0"/>
+              <a:t> </a:t>
+            </a:r>
+            <a:r>
+              <a:rPr lang="nb-NO" dirty="0" err="1"/>
+              <a:t>of</a:t>
+            </a:r>
+            <a:r>
+              <a:rPr lang="nb-NO" dirty="0"/>
+              <a:t> Stuttgart</a:t>
+            </a:r>
+          </a:p>
+        </p:txBody>
+      </p:sp>
+    </p:spTree>
+    <p:extLst>
+      <p:ext uri="{BB962C8B-B14F-4D97-AF65-F5344CB8AC3E}">
+        <p14:creationId xmlns:p14="http://schemas.microsoft.com/office/powerpoint/2010/main" val="2036449813"/>
+      </p:ext>
+    </p:extLst>
+  </p:cSld>
+  <p:clrMapOvr>
+    <a:masterClrMapping/>
+  </p:clrMapOvr>
+</p:sld>
+</file>
+
 <file path=ppt/slides/slide2.xml><?xml version="1.0" encoding="utf-8"?>
 <p:sld xmlns:a="http://schemas.openxmlformats.org/drawingml/2006/main" xmlns:r="http://schemas.openxmlformats.org/officeDocument/2006/relationships" xmlns:p="http://schemas.openxmlformats.org/presentationml/2006/main">
   <p:cSld>
@@ -2638,7 +4081,7 @@
           <a:p>
             <a:r>
               <a:rPr lang="nb-NO" dirty="0"/>
-              <a:t>The Equations </a:t>
+              <a:t>The Equation </a:t>
             </a:r>
           </a:p>
         </p:txBody>
@@ -2655,11 +4098,23 @@
                 <p:ph idx="1"/>
               </p:nvPr>
             </p:nvSpPr>
-            <p:spPr/>
+            <p:spPr>
+              <a:xfrm>
+                <a:off x="457200" y="1563624"/>
+                <a:ext cx="8229600" cy="4525963"/>
+              </a:xfrm>
+            </p:spPr>
             <p:txBody>
               <a:bodyPr/>
               <a:lstStyle/>
               <a:p>
+                <a:pPr marL="0" indent="0">
+                  <a:buNone/>
+                </a:pPr>
+                <a:r>
+                  <a:rPr lang="nb-NO" dirty="0"/>
+                  <a:t>1) </a:t>
+                </a:r>
                 <a14:m>
                   <m:oMath xmlns:m="http://schemas.openxmlformats.org/officeDocument/2006/math">
                     <m:sSub>
@@ -2775,6 +4230,13 @@
                 </a:r>
               </a:p>
               <a:p>
+                <a:pPr marL="0" indent="0">
+                  <a:buNone/>
+                </a:pPr>
+                <a:r>
+                  <a:rPr lang="nb-NO" dirty="0"/>
+                  <a:t>2) </a:t>
+                </a:r>
                 <a:r>
                   <a:rPr lang="nb-NO" dirty="0" err="1"/>
                   <a:t>ρ</a:t>
@@ -3022,6 +4484,68 @@
                 </a14:m>
                 <a:endParaRPr lang="nb-NO" dirty="0"/>
               </a:p>
+              <a:p>
+                <a14:m>
+                  <m:oMath xmlns:m="http://schemas.openxmlformats.org/officeDocument/2006/math">
+                    <m:r>
+                      <m:rPr>
+                        <m:nor/>
+                      </m:rPr>
+                      <a:rPr lang="nb-NO" dirty="0" smtClean="0"/>
+                      <m:t>ρ</m:t>
+                    </m:r>
+                  </m:oMath>
+                </a14:m>
+                <a:r>
+                  <a:rPr lang="nb-NO" dirty="0"/>
+                  <a:t> = </a:t>
+                </a:r>
+                <a:r>
+                  <a:rPr lang="nb-NO" dirty="0" err="1"/>
+                  <a:t>density</a:t>
+                </a:r>
+                <a:r>
+                  <a:rPr lang="nb-NO" dirty="0"/>
+                  <a:t> </a:t>
+                </a:r>
+                <a:r>
+                  <a:rPr lang="nb-NO" dirty="0" err="1"/>
+                  <a:t>of</a:t>
+                </a:r>
+                <a:r>
+                  <a:rPr lang="nb-NO" dirty="0"/>
+                  <a:t> </a:t>
+                </a:r>
+                <a:r>
+                  <a:rPr lang="nb-NO" dirty="0" err="1"/>
+                  <a:t>vehicles</a:t>
+                </a:r>
+                <a:endParaRPr lang="nb-NO" dirty="0"/>
+              </a:p>
+              <a:p>
+                <a14:m>
+                  <m:oMath xmlns:m="http://schemas.openxmlformats.org/officeDocument/2006/math">
+                    <m:r>
+                      <a:rPr lang="en-US" i="1">
+                        <a:latin typeface="Cambria Math" panose="02040503050406030204" pitchFamily="18" charset="0"/>
+                      </a:rPr>
+                      <m:t>𝜈</m:t>
+                    </m:r>
+                  </m:oMath>
+                </a14:m>
+                <a:r>
+                  <a:rPr lang="nb-NO" dirty="0"/>
+                  <a:t> = </a:t>
+                </a:r>
+                <a:r>
+                  <a:rPr lang="nb-NO" dirty="0" err="1"/>
+                  <a:t>vehicle</a:t>
+                </a:r>
+                <a:r>
+                  <a:rPr lang="nb-NO" dirty="0"/>
+                  <a:t> speed</a:t>
+                </a:r>
+              </a:p>
             </p:txBody>
           </p:sp>
         </mc:Choice>
@@ -3037,6 +4561,698 @@
               </p:nvPr>
             </p:nvSpPr>
             <p:spPr>
+              <a:xfrm>
+                <a:off x="457200" y="1563624"/>
+                <a:ext cx="8229600" cy="4525963"/>
+              </a:xfrm>
+              <a:blipFill>
+                <a:blip r:embed="rId3"/>
+                <a:stretch>
+                  <a:fillRect l="-1235" t="-840"/>
+                </a:stretch>
+              </a:blipFill>
+            </p:spPr>
+            <p:txBody>
+              <a:bodyPr/>
+              <a:lstStyle/>
+              <a:p>
+                <a:r>
+                  <a:rPr lang="nb-NO">
+                    <a:noFill/>
+                  </a:rPr>
+                  <a:t> </a:t>
+                </a:r>
+              </a:p>
+            </p:txBody>
+          </p:sp>
+        </mc:Fallback>
+      </mc:AlternateContent>
+      <p:pic>
+        <p:nvPicPr>
+          <p:cNvPr id="5" name="Bilde 4">
+            <a:extLst>
+              <a:ext uri="{FF2B5EF4-FFF2-40B4-BE49-F238E27FC236}">
+                <a16:creationId xmlns:a16="http://schemas.microsoft.com/office/drawing/2014/main" id="{B4254512-3D67-D045-95F2-72D87667FAFF}"/>
+              </a:ext>
+            </a:extLst>
+          </p:cNvPr>
+          <p:cNvPicPr>
+            <a:picLocks noChangeAspect="1"/>
+          </p:cNvPicPr>
+          <p:nvPr/>
+        </p:nvPicPr>
+        <p:blipFill>
+          <a:blip r:embed="rId4"/>
+          <a:stretch>
+            <a:fillRect/>
+          </a:stretch>
+        </p:blipFill>
+        <p:spPr>
+          <a:xfrm>
+            <a:off x="4443984" y="3021179"/>
+            <a:ext cx="3694176" cy="2709062"/>
+          </a:xfrm>
+          <a:prstGeom prst="rect">
+            <a:avLst/>
+          </a:prstGeom>
+        </p:spPr>
+      </p:pic>
+    </p:spTree>
+    <p:extLst>
+      <p:ext uri="{BB962C8B-B14F-4D97-AF65-F5344CB8AC3E}">
+        <p14:creationId xmlns:p14="http://schemas.microsoft.com/office/powerpoint/2010/main" val="314013529"/>
+      </p:ext>
+    </p:extLst>
+  </p:cSld>
+  <p:clrMapOvr>
+    <a:masterClrMapping/>
+  </p:clrMapOvr>
+</p:sld>
+</file>
+
+<file path=ppt/slides/slide3.xml><?xml version="1.0" encoding="utf-8"?>
+<p:sld xmlns:a="http://schemas.openxmlformats.org/drawingml/2006/main" xmlns:r="http://schemas.openxmlformats.org/officeDocument/2006/relationships" xmlns:p="http://schemas.openxmlformats.org/presentationml/2006/main">
+  <p:cSld>
+    <p:spTree>
+      <p:nvGrpSpPr>
+        <p:cNvPr id="1" name=""/>
+        <p:cNvGrpSpPr/>
+        <p:nvPr/>
+      </p:nvGrpSpPr>
+      <p:grpSpPr>
+        <a:xfrm>
+          <a:off x="0" y="0"/>
+          <a:ext cx="0" cy="0"/>
+          <a:chOff x="0" y="0"/>
+          <a:chExt cx="0" cy="0"/>
+        </a:xfrm>
+      </p:grpSpPr>
+      <p:sp>
+        <p:nvSpPr>
+          <p:cNvPr id="2" name="Tittel 1">
+            <a:extLst>
+              <a:ext uri="{FF2B5EF4-FFF2-40B4-BE49-F238E27FC236}">
+                <a16:creationId xmlns:a16="http://schemas.microsoft.com/office/drawing/2014/main" id="{D4183CED-2CB0-EF45-94DA-E2E4FC177845}"/>
+              </a:ext>
+            </a:extLst>
+          </p:cNvPr>
+          <p:cNvSpPr>
+            <a:spLocks noGrp="1"/>
+          </p:cNvSpPr>
+          <p:nvPr>
+            <p:ph type="title"/>
+          </p:nvPr>
+        </p:nvSpPr>
+        <p:spPr/>
+        <p:txBody>
+          <a:bodyPr/>
+          <a:lstStyle/>
+          <a:p>
+            <a:endParaRPr lang="nb-NO" dirty="0"/>
+          </a:p>
+        </p:txBody>
+      </p:sp>
+      <mc:AlternateContent xmlns:mc="http://schemas.openxmlformats.org/markup-compatibility/2006">
+        <mc:Choice xmlns:a14="http://schemas.microsoft.com/office/drawing/2010/main" Requires="a14">
+          <p:sp>
+            <p:nvSpPr>
+              <p:cNvPr id="3" name="Plassholder for innhold 2">
+                <a:extLst>
+                  <a:ext uri="{FF2B5EF4-FFF2-40B4-BE49-F238E27FC236}">
+                    <a16:creationId xmlns:a16="http://schemas.microsoft.com/office/drawing/2014/main" id="{C46A7982-C96E-3D41-9C79-09AD0B0D4B53}"/>
+                  </a:ext>
+                </a:extLst>
+              </p:cNvPr>
+              <p:cNvSpPr>
+                <a:spLocks noGrp="1"/>
+              </p:cNvSpPr>
+              <p:nvPr>
+                <p:ph idx="1"/>
+              </p:nvPr>
+            </p:nvSpPr>
+            <p:spPr>
+              <a:xfrm>
+                <a:off x="457200" y="846138"/>
+                <a:ext cx="8229600" cy="4525963"/>
+              </a:xfrm>
+            </p:spPr>
+            <p:txBody>
+              <a:bodyPr>
+                <a:normAutofit/>
+              </a:bodyPr>
+              <a:lstStyle/>
+              <a:p>
+                <a14:m>
+                  <m:oMath xmlns:m="http://schemas.openxmlformats.org/officeDocument/2006/math">
+                    <m:sSub>
+                      <m:sSubPr>
+                        <m:ctrlPr>
+                          <a:rPr lang="en-US" b="0" i="1" smtClean="0">
+                            <a:latin typeface="Cambria Math" panose="02040503050406030204" pitchFamily="18" charset="0"/>
+                          </a:rPr>
+                        </m:ctrlPr>
+                      </m:sSubPr>
+                      <m:e>
+                        <m:r>
+                          <a:rPr lang="en-US" b="0" i="1" smtClean="0">
+                            <a:latin typeface="Cambria Math" panose="02040503050406030204" pitchFamily="18" charset="0"/>
+                          </a:rPr>
+                          <m:t>𝑢</m:t>
+                        </m:r>
+                      </m:e>
+                      <m:sub>
+                        <m:r>
+                          <a:rPr lang="en-US" b="0" i="1" smtClean="0">
+                            <a:latin typeface="Cambria Math" panose="02040503050406030204" pitchFamily="18" charset="0"/>
+                          </a:rPr>
+                          <m:t>𝑡</m:t>
+                        </m:r>
+                      </m:sub>
+                    </m:sSub>
+                    <m:r>
+                      <a:rPr lang="en-US" b="0" i="1" smtClean="0">
+                        <a:latin typeface="Cambria Math" panose="02040503050406030204" pitchFamily="18" charset="0"/>
+                      </a:rPr>
+                      <m:t>+</m:t>
+                    </m:r>
+                    <m:sSub>
+                      <m:sSubPr>
+                        <m:ctrlPr>
+                          <a:rPr lang="en-US" b="0" i="1" smtClean="0">
+                            <a:latin typeface="Cambria Math" panose="02040503050406030204" pitchFamily="18" charset="0"/>
+                          </a:rPr>
+                        </m:ctrlPr>
+                      </m:sSubPr>
+                      <m:e>
+                        <m:r>
+                          <a:rPr lang="en-US" b="0" i="1" smtClean="0">
+                            <a:latin typeface="Cambria Math" panose="02040503050406030204" pitchFamily="18" charset="0"/>
+                          </a:rPr>
+                          <m:t>𝑓</m:t>
+                        </m:r>
+                        <m:r>
+                          <a:rPr lang="en-US" b="0" i="1" smtClean="0">
+                            <a:latin typeface="Cambria Math" panose="02040503050406030204" pitchFamily="18" charset="0"/>
+                          </a:rPr>
+                          <m:t>(</m:t>
+                        </m:r>
+                        <m:r>
+                          <a:rPr lang="en-US" b="0" i="1" smtClean="0">
+                            <a:latin typeface="Cambria Math" panose="02040503050406030204" pitchFamily="18" charset="0"/>
+                          </a:rPr>
+                          <m:t>𝑢</m:t>
+                        </m:r>
+                        <m:r>
+                          <a:rPr lang="en-US" b="0" i="1" smtClean="0">
+                            <a:latin typeface="Cambria Math" panose="02040503050406030204" pitchFamily="18" charset="0"/>
+                          </a:rPr>
+                          <m:t>)</m:t>
+                        </m:r>
+                      </m:e>
+                      <m:sub>
+                        <m:r>
+                          <a:rPr lang="en-US" b="0" i="1" smtClean="0">
+                            <a:latin typeface="Cambria Math" panose="02040503050406030204" pitchFamily="18" charset="0"/>
+                          </a:rPr>
+                          <m:t>𝑥</m:t>
+                        </m:r>
+                      </m:sub>
+                    </m:sSub>
+                    <m:r>
+                      <a:rPr lang="en-US" b="0" i="1" smtClean="0">
+                        <a:latin typeface="Cambria Math" panose="02040503050406030204" pitchFamily="18" charset="0"/>
+                      </a:rPr>
+                      <m:t>=</m:t>
+                    </m:r>
+                    <m:r>
+                      <a:rPr lang="en-US" b="0" i="1" smtClean="0">
+                        <a:latin typeface="Cambria Math" panose="02040503050406030204" pitchFamily="18" charset="0"/>
+                      </a:rPr>
+                      <m:t>𝑠</m:t>
+                    </m:r>
+                  </m:oMath>
+                </a14:m>
+                <a:r>
+                  <a:rPr lang="en-US" b="0" dirty="0"/>
+                  <a:t>(</a:t>
+                </a:r>
+                <a14:m>
+                  <m:oMath xmlns:m="http://schemas.openxmlformats.org/officeDocument/2006/math">
+                    <m:r>
+                      <a:rPr lang="en-US" b="0" i="1" dirty="0" smtClean="0">
+                        <a:latin typeface="Cambria Math" panose="02040503050406030204" pitchFamily="18" charset="0"/>
+                      </a:rPr>
+                      <m:t>𝑢</m:t>
+                    </m:r>
+                  </m:oMath>
+                </a14:m>
+                <a:r>
+                  <a:rPr lang="en-US" b="0" dirty="0"/>
+                  <a:t>)</a:t>
+                </a:r>
+              </a:p>
+              <a:p>
+                <a14:m>
+                  <m:oMath xmlns:m="http://schemas.openxmlformats.org/officeDocument/2006/math">
+                    <m:r>
+                      <a:rPr lang="en-US" b="0" i="1" smtClean="0">
+                        <a:latin typeface="Cambria Math" panose="02040503050406030204" pitchFamily="18" charset="0"/>
+                      </a:rPr>
+                      <m:t>𝑢</m:t>
+                    </m:r>
+                    <m:r>
+                      <a:rPr lang="en-US" b="0" i="1" smtClean="0">
+                        <a:latin typeface="Cambria Math" panose="02040503050406030204" pitchFamily="18" charset="0"/>
+                      </a:rPr>
+                      <m:t>=</m:t>
+                    </m:r>
+                    <m:d>
+                      <m:dPr>
+                        <m:ctrlPr>
+                          <a:rPr lang="en-US" b="0" i="1" smtClean="0">
+                            <a:latin typeface="Cambria Math" panose="02040503050406030204" pitchFamily="18" charset="0"/>
+                          </a:rPr>
+                        </m:ctrlPr>
+                      </m:dPr>
+                      <m:e>
+                        <m:f>
+                          <m:fPr>
+                            <m:type m:val="noBar"/>
+                            <m:ctrlPr>
+                              <a:rPr lang="en-US" b="0" i="1" smtClean="0">
+                                <a:latin typeface="Cambria Math" panose="02040503050406030204" pitchFamily="18" charset="0"/>
+                              </a:rPr>
+                            </m:ctrlPr>
+                          </m:fPr>
+                          <m:num>
+                            <m:r>
+                              <a:rPr lang="en-US" b="0" i="1" smtClean="0">
+                                <a:latin typeface="Cambria Math" panose="02040503050406030204" pitchFamily="18" charset="0"/>
+                              </a:rPr>
+                              <m:t>⍴</m:t>
+                            </m:r>
+                          </m:num>
+                          <m:den>
+                            <m:r>
+                              <a:rPr lang="en-US" b="0" i="1" smtClean="0">
+                                <a:latin typeface="Cambria Math" panose="02040503050406030204" pitchFamily="18" charset="0"/>
+                              </a:rPr>
+                              <m:t>𝜈</m:t>
+                            </m:r>
+                          </m:den>
+                        </m:f>
+                      </m:e>
+                    </m:d>
+                    <m:r>
+                      <a:rPr lang="en-US" b="0" i="1" smtClean="0">
+                        <a:latin typeface="Cambria Math" panose="02040503050406030204" pitchFamily="18" charset="0"/>
+                      </a:rPr>
+                      <m:t> </m:t>
+                    </m:r>
+                  </m:oMath>
+                </a14:m>
+                <a:endParaRPr lang="en-US" b="0" i="1" dirty="0">
+                  <a:latin typeface="Cambria Math" panose="02040503050406030204" pitchFamily="18" charset="0"/>
+                </a:endParaRPr>
+              </a:p>
+              <a:p>
+                <a14:m>
+                  <m:oMath xmlns:m="http://schemas.openxmlformats.org/officeDocument/2006/math">
+                    <m:r>
+                      <a:rPr lang="en-US" b="0" i="1" smtClean="0">
+                        <a:latin typeface="Cambria Math" panose="02040503050406030204" pitchFamily="18" charset="0"/>
+                      </a:rPr>
+                      <m:t>𝑓</m:t>
+                    </m:r>
+                    <m:d>
+                      <m:dPr>
+                        <m:ctrlPr>
+                          <a:rPr lang="en-US" b="0" i="1" smtClean="0">
+                            <a:latin typeface="Cambria Math" panose="02040503050406030204" pitchFamily="18" charset="0"/>
+                          </a:rPr>
+                        </m:ctrlPr>
+                      </m:dPr>
+                      <m:e>
+                        <m:r>
+                          <a:rPr lang="en-US" b="0" i="1" smtClean="0">
+                            <a:latin typeface="Cambria Math" panose="02040503050406030204" pitchFamily="18" charset="0"/>
+                          </a:rPr>
+                          <m:t>𝑢</m:t>
+                        </m:r>
+                      </m:e>
+                    </m:d>
+                    <m:r>
+                      <a:rPr lang="en-US" b="0" i="1" smtClean="0">
+                        <a:latin typeface="Cambria Math" panose="02040503050406030204" pitchFamily="18" charset="0"/>
+                      </a:rPr>
+                      <m:t>=</m:t>
+                    </m:r>
+                    <m:d>
+                      <m:dPr>
+                        <m:ctrlPr>
+                          <a:rPr lang="en-US" b="0" i="1" smtClean="0">
+                            <a:latin typeface="Cambria Math" panose="02040503050406030204" pitchFamily="18" charset="0"/>
+                          </a:rPr>
+                        </m:ctrlPr>
+                      </m:dPr>
+                      <m:e>
+                        <m:f>
+                          <m:fPr>
+                            <m:type m:val="noBar"/>
+                            <m:ctrlPr>
+                              <a:rPr lang="en-US" b="0" i="1" smtClean="0">
+                                <a:latin typeface="Cambria Math" panose="02040503050406030204" pitchFamily="18" charset="0"/>
+                              </a:rPr>
+                            </m:ctrlPr>
+                          </m:fPr>
+                          <m:num>
+                            <m:r>
+                              <a:rPr lang="nb-NO" b="0" i="1" smtClean="0">
+                                <a:latin typeface="Cambria Math" panose="02040503050406030204" pitchFamily="18" charset="0"/>
+                              </a:rPr>
+                              <m:t>⍴</m:t>
+                            </m:r>
+                          </m:num>
+                          <m:den>
+                            <m:f>
+                              <m:fPr>
+                                <m:ctrlPr>
+                                  <a:rPr lang="en-US" b="0" i="1" smtClean="0">
+                                    <a:latin typeface="Cambria Math" panose="02040503050406030204" pitchFamily="18" charset="0"/>
+                                  </a:rPr>
+                                </m:ctrlPr>
+                              </m:fPr>
+                              <m:num>
+                                <m:r>
+                                  <a:rPr lang="nb-NO" b="0" i="1" smtClean="0">
+                                    <a:latin typeface="Cambria Math" panose="02040503050406030204" pitchFamily="18" charset="0"/>
+                                  </a:rPr>
+                                  <m:t>1</m:t>
+                                </m:r>
+                              </m:num>
+                              <m:den>
+                                <m:r>
+                                  <a:rPr lang="nb-NO" b="0" i="1" smtClean="0">
+                                    <a:latin typeface="Cambria Math" panose="02040503050406030204" pitchFamily="18" charset="0"/>
+                                  </a:rPr>
+                                  <m:t>2</m:t>
+                                </m:r>
+                              </m:den>
+                            </m:f>
+                            <m:sSup>
+                              <m:sSupPr>
+                                <m:ctrlPr>
+                                  <a:rPr lang="en-US" b="0" i="1" smtClean="0">
+                                    <a:latin typeface="Cambria Math" panose="02040503050406030204" pitchFamily="18" charset="0"/>
+                                  </a:rPr>
+                                </m:ctrlPr>
+                              </m:sSupPr>
+                              <m:e>
+                                <m:r>
+                                  <a:rPr lang="en-US" b="0" i="1" smtClean="0">
+                                    <a:latin typeface="Cambria Math" panose="02040503050406030204" pitchFamily="18" charset="0"/>
+                                  </a:rPr>
+                                  <m:t> </m:t>
+                                </m:r>
+                                <m:r>
+                                  <a:rPr lang="en-US" b="0" i="1" smtClean="0">
+                                    <a:latin typeface="Cambria Math" panose="02040503050406030204" pitchFamily="18" charset="0"/>
+                                  </a:rPr>
+                                  <m:t>𝜈</m:t>
+                                </m:r>
+                              </m:e>
+                              <m:sup>
+                                <m:r>
+                                  <a:rPr lang="en-US" b="0" i="1" smtClean="0">
+                                    <a:latin typeface="Cambria Math" panose="02040503050406030204" pitchFamily="18" charset="0"/>
+                                  </a:rPr>
+                                  <m:t>2</m:t>
+                                </m:r>
+                              </m:sup>
+                            </m:sSup>
+                            <m:r>
+                              <a:rPr lang="en-US" b="0" i="1" smtClean="0">
+                                <a:latin typeface="Cambria Math" panose="02040503050406030204" pitchFamily="18" charset="0"/>
+                              </a:rPr>
+                              <m:t>+</m:t>
+                            </m:r>
+                            <m:sSubSup>
+                              <m:sSubSupPr>
+                                <m:ctrlPr>
+                                  <a:rPr lang="en-US" b="0" i="1" smtClean="0">
+                                    <a:latin typeface="Cambria Math" panose="02040503050406030204" pitchFamily="18" charset="0"/>
+                                  </a:rPr>
+                                </m:ctrlPr>
+                              </m:sSubSupPr>
+                              <m:e>
+                                <m:r>
+                                  <a:rPr lang="en-US" b="0" i="1" smtClean="0">
+                                    <a:latin typeface="Cambria Math" panose="02040503050406030204" pitchFamily="18" charset="0"/>
+                                  </a:rPr>
+                                  <m:t>𝑐</m:t>
+                                </m:r>
+                              </m:e>
+                              <m:sub>
+                                <m:r>
+                                  <a:rPr lang="en-US" b="0" i="1" smtClean="0">
+                                    <a:latin typeface="Cambria Math" panose="02040503050406030204" pitchFamily="18" charset="0"/>
+                                  </a:rPr>
+                                  <m:t>0</m:t>
+                                </m:r>
+                              </m:sub>
+                              <m:sup>
+                                <m:r>
+                                  <a:rPr lang="en-US" b="0" i="1" smtClean="0">
+                                    <a:latin typeface="Cambria Math" panose="02040503050406030204" pitchFamily="18" charset="0"/>
+                                  </a:rPr>
+                                  <m:t>2</m:t>
+                                </m:r>
+                              </m:sup>
+                            </m:sSubSup>
+                            <m:r>
+                              <a:rPr lang="en-US" b="0" i="0" smtClean="0">
+                                <a:latin typeface="Cambria Math" panose="02040503050406030204" pitchFamily="18" charset="0"/>
+                              </a:rPr>
+                              <m:t> </m:t>
+                            </m:r>
+                            <m:r>
+                              <m:rPr>
+                                <m:sty m:val="p"/>
+                              </m:rPr>
+                              <a:rPr lang="en-US" b="0" i="0" smtClean="0">
+                                <a:latin typeface="Cambria Math" panose="02040503050406030204" pitchFamily="18" charset="0"/>
+                              </a:rPr>
+                              <m:t>ln</m:t>
+                            </m:r>
+                            <m:r>
+                              <a:rPr lang="en-US" b="0" i="1" smtClean="0">
+                                <a:latin typeface="Cambria Math" panose="02040503050406030204" pitchFamily="18" charset="0"/>
+                              </a:rPr>
+                              <m:t>⁡(⍴)</m:t>
+                            </m:r>
+                          </m:den>
+                        </m:f>
+                      </m:e>
+                    </m:d>
+                  </m:oMath>
+                </a14:m>
+                <a:endParaRPr lang="en-US" b="0" i="1" dirty="0">
+                  <a:latin typeface="Cambria Math" panose="02040503050406030204" pitchFamily="18" charset="0"/>
+                </a:endParaRPr>
+              </a:p>
+              <a:p>
+                <a14:m>
+                  <m:oMath xmlns:m="http://schemas.openxmlformats.org/officeDocument/2006/math">
+                    <m:r>
+                      <a:rPr lang="en-US" b="0" i="1" smtClean="0">
+                        <a:latin typeface="Cambria Math" panose="02040503050406030204" pitchFamily="18" charset="0"/>
+                      </a:rPr>
+                      <m:t>𝑠</m:t>
+                    </m:r>
+                    <m:d>
+                      <m:dPr>
+                        <m:ctrlPr>
+                          <a:rPr lang="en-US" b="0" i="1" smtClean="0">
+                            <a:latin typeface="Cambria Math" panose="02040503050406030204" pitchFamily="18" charset="0"/>
+                          </a:rPr>
+                        </m:ctrlPr>
+                      </m:dPr>
+                      <m:e>
+                        <m:r>
+                          <a:rPr lang="en-US" b="0" i="1" smtClean="0">
+                            <a:latin typeface="Cambria Math" panose="02040503050406030204" pitchFamily="18" charset="0"/>
+                          </a:rPr>
+                          <m:t>𝑢</m:t>
+                        </m:r>
+                      </m:e>
+                    </m:d>
+                    <m:r>
+                      <a:rPr lang="en-US" b="0" i="1" smtClean="0">
+                        <a:latin typeface="Cambria Math" panose="02040503050406030204" pitchFamily="18" charset="0"/>
+                      </a:rPr>
+                      <m:t>=</m:t>
+                    </m:r>
+                    <m:d>
+                      <m:dPr>
+                        <m:ctrlPr>
+                          <a:rPr lang="en-US" b="0" i="1" smtClean="0">
+                            <a:latin typeface="Cambria Math" panose="02040503050406030204" pitchFamily="18" charset="0"/>
+                          </a:rPr>
+                        </m:ctrlPr>
+                      </m:dPr>
+                      <m:e>
+                        <m:f>
+                          <m:fPr>
+                            <m:type m:val="noBar"/>
+                            <m:ctrlPr>
+                              <a:rPr lang="en-US" b="0" i="1" smtClean="0">
+                                <a:latin typeface="Cambria Math" panose="02040503050406030204" pitchFamily="18" charset="0"/>
+                              </a:rPr>
+                            </m:ctrlPr>
+                          </m:fPr>
+                          <m:num>
+                            <m:r>
+                              <a:rPr lang="en-US" b="0" i="1" smtClean="0">
+                                <a:latin typeface="Cambria Math" panose="02040503050406030204" pitchFamily="18" charset="0"/>
+                              </a:rPr>
+                              <m:t>𝑞</m:t>
+                            </m:r>
+                            <m:d>
+                              <m:dPr>
+                                <m:ctrlPr>
+                                  <a:rPr lang="en-US" b="0" i="1" smtClean="0">
+                                    <a:latin typeface="Cambria Math" panose="02040503050406030204" pitchFamily="18" charset="0"/>
+                                  </a:rPr>
+                                </m:ctrlPr>
+                              </m:dPr>
+                              <m:e>
+                                <m:r>
+                                  <a:rPr lang="en-US" b="0" i="1" smtClean="0">
+                                    <a:latin typeface="Cambria Math" panose="02040503050406030204" pitchFamily="18" charset="0"/>
+                                  </a:rPr>
+                                  <m:t>𝑡</m:t>
+                                </m:r>
+                              </m:e>
+                            </m:d>
+                            <m:r>
+                              <a:rPr lang="en-US" b="0" i="1" smtClean="0">
+                                <a:latin typeface="Cambria Math" panose="02040503050406030204" pitchFamily="18" charset="0"/>
+                              </a:rPr>
+                              <m:t>ɸ(</m:t>
+                            </m:r>
+                            <m:r>
+                              <a:rPr lang="en-US" b="0" i="1" smtClean="0">
+                                <a:latin typeface="Cambria Math" panose="02040503050406030204" pitchFamily="18" charset="0"/>
+                              </a:rPr>
+                              <m:t>𝑥</m:t>
+                            </m:r>
+                            <m:r>
+                              <a:rPr lang="en-US" b="0" i="1" smtClean="0">
+                                <a:latin typeface="Cambria Math" panose="02040503050406030204" pitchFamily="18" charset="0"/>
+                              </a:rPr>
+                              <m:t>)</m:t>
+                            </m:r>
+                          </m:num>
+                          <m:den>
+                            <m:f>
+                              <m:fPr>
+                                <m:ctrlPr>
+                                  <a:rPr lang="en-US" b="0" i="1" smtClean="0">
+                                    <a:latin typeface="Cambria Math" panose="02040503050406030204" pitchFamily="18" charset="0"/>
+                                  </a:rPr>
+                                </m:ctrlPr>
+                              </m:fPr>
+                              <m:num>
+                                <m:r>
+                                  <a:rPr lang="en-US" b="0" i="1" smtClean="0">
+                                    <a:latin typeface="Cambria Math" panose="02040503050406030204" pitchFamily="18" charset="0"/>
+                                  </a:rPr>
+                                  <m:t>1</m:t>
+                                </m:r>
+                              </m:num>
+                              <m:den>
+                                <m:r>
+                                  <a:rPr lang="en-US" b="0" i="1" smtClean="0">
+                                    <a:latin typeface="Cambria Math" panose="02040503050406030204" pitchFamily="18" charset="0"/>
+                                  </a:rPr>
+                                  <m:t>𝜏</m:t>
+                                </m:r>
+                              </m:den>
+                            </m:f>
+                            <m:r>
+                              <a:rPr lang="en-US" b="0" i="1" smtClean="0">
+                                <a:latin typeface="Cambria Math" panose="02040503050406030204" pitchFamily="18" charset="0"/>
+                              </a:rPr>
+                              <m:t> </m:t>
+                            </m:r>
+                            <m:r>
+                              <a:rPr lang="en-US" b="0" i="1" smtClean="0">
+                                <a:latin typeface="Cambria Math" panose="02040503050406030204" pitchFamily="18" charset="0"/>
+                              </a:rPr>
+                              <m:t>𝑉</m:t>
+                            </m:r>
+                            <m:d>
+                              <m:dPr>
+                                <m:ctrlPr>
+                                  <a:rPr lang="en-US" b="0" i="1" smtClean="0">
+                                    <a:latin typeface="Cambria Math" panose="02040503050406030204" pitchFamily="18" charset="0"/>
+                                  </a:rPr>
+                                </m:ctrlPr>
+                              </m:dPr>
+                              <m:e>
+                                <m:r>
+                                  <a:rPr lang="en-US" b="0" i="1" smtClean="0">
+                                    <a:latin typeface="Cambria Math" panose="02040503050406030204" pitchFamily="18" charset="0"/>
+                                  </a:rPr>
+                                  <m:t>⍴</m:t>
+                                </m:r>
+                              </m:e>
+                            </m:d>
+                            <m:r>
+                              <a:rPr lang="en-US" b="0" i="1" smtClean="0">
+                                <a:latin typeface="Cambria Math" panose="02040503050406030204" pitchFamily="18" charset="0"/>
+                              </a:rPr>
+                              <m:t>−</m:t>
+                            </m:r>
+                            <m:r>
+                              <a:rPr lang="en-US" b="0" i="1" smtClean="0">
+                                <a:latin typeface="Cambria Math" panose="02040503050406030204" pitchFamily="18" charset="0"/>
+                              </a:rPr>
+                              <m:t>𝜈</m:t>
+                            </m:r>
+                          </m:den>
+                        </m:f>
+                      </m:e>
+                    </m:d>
+                  </m:oMath>
+                </a14:m>
+                <a:endParaRPr lang="en-US" b="0" dirty="0"/>
+              </a:p>
+            </p:txBody>
+          </p:sp>
+        </mc:Choice>
+        <mc:Fallback>
+          <p:sp>
+            <p:nvSpPr>
+              <p:cNvPr id="3" name="Plassholder for innhold 2">
+                <a:extLst>
+                  <a:ext uri="{FF2B5EF4-FFF2-40B4-BE49-F238E27FC236}">
+                    <a16:creationId xmlns:a16="http://schemas.microsoft.com/office/drawing/2014/main" id="{C46A7982-C96E-3D41-9C79-09AD0B0D4B53}"/>
+                  </a:ext>
+                </a:extLst>
+              </p:cNvPr>
+              <p:cNvSpPr>
+                <a:spLocks noGrp="1" noRot="1" noChangeAspect="1" noMove="1" noResize="1" noEditPoints="1" noAdjustHandles="1" noChangeArrowheads="1" noChangeShapeType="1" noTextEdit="1"/>
+              </p:cNvSpPr>
+              <p:nvPr>
+                <p:ph idx="1"/>
+              </p:nvPr>
+            </p:nvSpPr>
+            <p:spPr>
+              <a:xfrm>
+                <a:off x="457200" y="846138"/>
+                <a:ext cx="8229600" cy="4525963"/>
+              </a:xfrm>
               <a:blipFill>
                 <a:blip r:embed="rId2"/>
                 <a:stretch>
@@ -3062,7 +5278,7 @@
     </p:spTree>
     <p:extLst>
       <p:ext uri="{BB962C8B-B14F-4D97-AF65-F5344CB8AC3E}">
-        <p14:creationId xmlns:p14="http://schemas.microsoft.com/office/powerpoint/2010/main" val="314013529"/>
+        <p14:creationId xmlns:p14="http://schemas.microsoft.com/office/powerpoint/2010/main" val="3276747595"/>
       </p:ext>
     </p:extLst>
   </p:cSld>
@@ -3072,7 +5288,3816 @@
 </p:sld>
 </file>
 
-<file path=ppt/slides/slide3.xml><?xml version="1.0" encoding="utf-8"?>
+<file path=ppt/slides/slide4.xml><?xml version="1.0" encoding="utf-8"?>
+<p:sld xmlns:a="http://schemas.openxmlformats.org/drawingml/2006/main" xmlns:r="http://schemas.openxmlformats.org/officeDocument/2006/relationships" xmlns:p="http://schemas.openxmlformats.org/presentationml/2006/main">
+  <p:cSld>
+    <p:spTree>
+      <p:nvGrpSpPr>
+        <p:cNvPr id="1" name=""/>
+        <p:cNvGrpSpPr/>
+        <p:nvPr/>
+      </p:nvGrpSpPr>
+      <p:grpSpPr>
+        <a:xfrm>
+          <a:off x="0" y="0"/>
+          <a:ext cx="0" cy="0"/>
+          <a:chOff x="0" y="0"/>
+          <a:chExt cx="0" cy="0"/>
+        </a:xfrm>
+      </p:grpSpPr>
+      <p:sp>
+        <p:nvSpPr>
+          <p:cNvPr id="2" name="Tittel 1">
+            <a:extLst>
+              <a:ext uri="{FF2B5EF4-FFF2-40B4-BE49-F238E27FC236}">
+                <a16:creationId xmlns:a16="http://schemas.microsoft.com/office/drawing/2014/main" id="{D4183CED-2CB0-EF45-94DA-E2E4FC177845}"/>
+              </a:ext>
+            </a:extLst>
+          </p:cNvPr>
+          <p:cNvSpPr>
+            <a:spLocks noGrp="1"/>
+          </p:cNvSpPr>
+          <p:nvPr>
+            <p:ph type="title"/>
+          </p:nvPr>
+        </p:nvSpPr>
+        <p:spPr/>
+        <p:txBody>
+          <a:bodyPr/>
+          <a:lstStyle/>
+          <a:p>
+            <a:endParaRPr lang="nb-NO" dirty="0"/>
+          </a:p>
+        </p:txBody>
+      </p:sp>
+      <mc:AlternateContent xmlns:mc="http://schemas.openxmlformats.org/markup-compatibility/2006">
+        <mc:Choice xmlns:a14="http://schemas.microsoft.com/office/drawing/2010/main" Requires="a14">
+          <p:sp>
+            <p:nvSpPr>
+              <p:cNvPr id="3" name="Plassholder for innhold 2">
+                <a:extLst>
+                  <a:ext uri="{FF2B5EF4-FFF2-40B4-BE49-F238E27FC236}">
+                    <a16:creationId xmlns:a16="http://schemas.microsoft.com/office/drawing/2014/main" id="{C46A7982-C96E-3D41-9C79-09AD0B0D4B53}"/>
+                  </a:ext>
+                </a:extLst>
+              </p:cNvPr>
+              <p:cNvSpPr>
+                <a:spLocks noGrp="1"/>
+              </p:cNvSpPr>
+              <p:nvPr>
+                <p:ph idx="1"/>
+              </p:nvPr>
+            </p:nvSpPr>
+            <p:spPr>
+              <a:xfrm>
+                <a:off x="457200" y="978408"/>
+                <a:ext cx="8229600" cy="4525963"/>
+              </a:xfrm>
+            </p:spPr>
+            <p:txBody>
+              <a:bodyPr>
+                <a:normAutofit fontScale="92500" lnSpcReduction="20000"/>
+              </a:bodyPr>
+              <a:lstStyle/>
+              <a:p>
+                <a:pPr marL="0" indent="0">
+                  <a:buNone/>
+                </a:pPr>
+                <a:r>
+                  <a:rPr lang="en-US" b="0" dirty="0">
+                    <a:latin typeface="Arial" panose="020B0604020202020204" pitchFamily="34" charset="0"/>
+                    <a:cs typeface="Arial" panose="020B0604020202020204" pitchFamily="34" charset="0"/>
+                  </a:rPr>
+                  <a:t>Lax-Friedrich:</a:t>
+                </a:r>
+              </a:p>
+              <a:p>
+                <a14:m>
+                  <m:oMath xmlns:m="http://schemas.openxmlformats.org/officeDocument/2006/math">
+                    <m:sSub>
+                      <m:sSubPr>
+                        <m:ctrlPr>
+                          <a:rPr lang="en-US" b="0" i="1" smtClean="0">
+                            <a:latin typeface="Cambria Math" panose="02040503050406030204" pitchFamily="18" charset="0"/>
+                          </a:rPr>
+                        </m:ctrlPr>
+                      </m:sSubPr>
+                      <m:e>
+                        <m:r>
+                          <a:rPr lang="en-US" b="0" i="1" smtClean="0">
+                            <a:latin typeface="Cambria Math" panose="02040503050406030204" pitchFamily="18" charset="0"/>
+                          </a:rPr>
+                          <m:t>𝑢</m:t>
+                        </m:r>
+                      </m:e>
+                      <m:sub>
+                        <m:r>
+                          <a:rPr lang="en-US" b="0" i="1" smtClean="0">
+                            <a:latin typeface="Cambria Math" panose="02040503050406030204" pitchFamily="18" charset="0"/>
+                          </a:rPr>
+                          <m:t>𝑡</m:t>
+                        </m:r>
+                      </m:sub>
+                    </m:sSub>
+                    <m:r>
+                      <a:rPr lang="en-US" b="0" i="1" smtClean="0">
+                        <a:latin typeface="Cambria Math" panose="02040503050406030204" pitchFamily="18" charset="0"/>
+                      </a:rPr>
+                      <m:t>+</m:t>
+                    </m:r>
+                    <m:sSub>
+                      <m:sSubPr>
+                        <m:ctrlPr>
+                          <a:rPr lang="en-US" b="0" i="1" smtClean="0">
+                            <a:latin typeface="Cambria Math" panose="02040503050406030204" pitchFamily="18" charset="0"/>
+                          </a:rPr>
+                        </m:ctrlPr>
+                      </m:sSubPr>
+                      <m:e>
+                        <m:r>
+                          <a:rPr lang="en-US" b="0" i="1" smtClean="0">
+                            <a:latin typeface="Cambria Math" panose="02040503050406030204" pitchFamily="18" charset="0"/>
+                          </a:rPr>
+                          <m:t>𝑓</m:t>
+                        </m:r>
+                        <m:r>
+                          <a:rPr lang="en-US" b="0" i="1" smtClean="0">
+                            <a:latin typeface="Cambria Math" panose="02040503050406030204" pitchFamily="18" charset="0"/>
+                          </a:rPr>
+                          <m:t>(</m:t>
+                        </m:r>
+                        <m:r>
+                          <a:rPr lang="en-US" b="0" i="1" smtClean="0">
+                            <a:latin typeface="Cambria Math" panose="02040503050406030204" pitchFamily="18" charset="0"/>
+                          </a:rPr>
+                          <m:t>𝑢</m:t>
+                        </m:r>
+                        <m:r>
+                          <a:rPr lang="en-US" b="0" i="1" smtClean="0">
+                            <a:latin typeface="Cambria Math" panose="02040503050406030204" pitchFamily="18" charset="0"/>
+                          </a:rPr>
+                          <m:t>)</m:t>
+                        </m:r>
+                      </m:e>
+                      <m:sub>
+                        <m:r>
+                          <a:rPr lang="en-US" b="0" i="1" smtClean="0">
+                            <a:latin typeface="Cambria Math" panose="02040503050406030204" pitchFamily="18" charset="0"/>
+                          </a:rPr>
+                          <m:t>𝑥</m:t>
+                        </m:r>
+                      </m:sub>
+                    </m:sSub>
+                    <m:r>
+                      <a:rPr lang="en-US" b="0" i="1" smtClean="0">
+                        <a:latin typeface="Cambria Math" panose="02040503050406030204" pitchFamily="18" charset="0"/>
+                      </a:rPr>
+                      <m:t>=</m:t>
+                    </m:r>
+                    <m:r>
+                      <a:rPr lang="en-US" b="0" i="1" smtClean="0">
+                        <a:latin typeface="Cambria Math" panose="02040503050406030204" pitchFamily="18" charset="0"/>
+                      </a:rPr>
+                      <m:t>𝑠</m:t>
+                    </m:r>
+                  </m:oMath>
+                </a14:m>
+                <a:r>
+                  <a:rPr lang="en-US" b="0" dirty="0"/>
+                  <a:t>(</a:t>
+                </a:r>
+                <a14:m>
+                  <m:oMath xmlns:m="http://schemas.openxmlformats.org/officeDocument/2006/math">
+                    <m:r>
+                      <a:rPr lang="en-US" b="0" i="1" dirty="0" smtClean="0">
+                        <a:latin typeface="Cambria Math" panose="02040503050406030204" pitchFamily="18" charset="0"/>
+                      </a:rPr>
+                      <m:t>𝑢</m:t>
+                    </m:r>
+                  </m:oMath>
+                </a14:m>
+                <a:r>
+                  <a:rPr lang="en-US" b="0" dirty="0"/>
+                  <a:t>)</a:t>
+                </a:r>
+              </a:p>
+              <a:p>
+                <a14:m>
+                  <m:oMath xmlns:m="http://schemas.openxmlformats.org/officeDocument/2006/math">
+                    <m:r>
+                      <a:rPr lang="en-US" b="0" i="1" smtClean="0">
+                        <a:latin typeface="Cambria Math" panose="02040503050406030204" pitchFamily="18" charset="0"/>
+                      </a:rPr>
+                      <m:t>𝑢</m:t>
+                    </m:r>
+                    <m:r>
+                      <a:rPr lang="en-US" b="0" i="1" smtClean="0">
+                        <a:latin typeface="Cambria Math" panose="02040503050406030204" pitchFamily="18" charset="0"/>
+                      </a:rPr>
+                      <m:t>=</m:t>
+                    </m:r>
+                    <m:d>
+                      <m:dPr>
+                        <m:ctrlPr>
+                          <a:rPr lang="en-US" b="0" i="1" smtClean="0">
+                            <a:latin typeface="Cambria Math" panose="02040503050406030204" pitchFamily="18" charset="0"/>
+                          </a:rPr>
+                        </m:ctrlPr>
+                      </m:dPr>
+                      <m:e>
+                        <m:f>
+                          <m:fPr>
+                            <m:type m:val="noBar"/>
+                            <m:ctrlPr>
+                              <a:rPr lang="en-US" b="0" i="1" smtClean="0">
+                                <a:latin typeface="Cambria Math" panose="02040503050406030204" pitchFamily="18" charset="0"/>
+                              </a:rPr>
+                            </m:ctrlPr>
+                          </m:fPr>
+                          <m:num>
+                            <m:r>
+                              <a:rPr lang="en-US" b="0" i="1" smtClean="0">
+                                <a:latin typeface="Cambria Math" panose="02040503050406030204" pitchFamily="18" charset="0"/>
+                              </a:rPr>
+                              <m:t>⍴</m:t>
+                            </m:r>
+                          </m:num>
+                          <m:den>
+                            <m:r>
+                              <a:rPr lang="en-US" b="0" i="1" smtClean="0">
+                                <a:latin typeface="Cambria Math" panose="02040503050406030204" pitchFamily="18" charset="0"/>
+                              </a:rPr>
+                              <m:t>𝜈</m:t>
+                            </m:r>
+                          </m:den>
+                        </m:f>
+                      </m:e>
+                    </m:d>
+                    <m:r>
+                      <a:rPr lang="en-US" b="0" i="1" smtClean="0">
+                        <a:latin typeface="Cambria Math" panose="02040503050406030204" pitchFamily="18" charset="0"/>
+                      </a:rPr>
+                      <m:t>, </m:t>
+                    </m:r>
+                    <m:r>
+                      <a:rPr lang="en-US" b="0" i="1" smtClean="0">
+                        <a:latin typeface="Cambria Math" panose="02040503050406030204" pitchFamily="18" charset="0"/>
+                      </a:rPr>
+                      <m:t>𝑓</m:t>
+                    </m:r>
+                    <m:d>
+                      <m:dPr>
+                        <m:ctrlPr>
+                          <a:rPr lang="en-US" b="0" i="1" smtClean="0">
+                            <a:latin typeface="Cambria Math" panose="02040503050406030204" pitchFamily="18" charset="0"/>
+                          </a:rPr>
+                        </m:ctrlPr>
+                      </m:dPr>
+                      <m:e>
+                        <m:r>
+                          <a:rPr lang="en-US" b="0" i="1" smtClean="0">
+                            <a:latin typeface="Cambria Math" panose="02040503050406030204" pitchFamily="18" charset="0"/>
+                          </a:rPr>
+                          <m:t>𝑢</m:t>
+                        </m:r>
+                      </m:e>
+                    </m:d>
+                    <m:r>
+                      <a:rPr lang="en-US" b="0" i="1" smtClean="0">
+                        <a:latin typeface="Cambria Math" panose="02040503050406030204" pitchFamily="18" charset="0"/>
+                      </a:rPr>
+                      <m:t>=</m:t>
+                    </m:r>
+                    <m:d>
+                      <m:dPr>
+                        <m:ctrlPr>
+                          <a:rPr lang="en-US" b="0" i="1" smtClean="0">
+                            <a:latin typeface="Cambria Math" panose="02040503050406030204" pitchFamily="18" charset="0"/>
+                          </a:rPr>
+                        </m:ctrlPr>
+                      </m:dPr>
+                      <m:e>
+                        <m:f>
+                          <m:fPr>
+                            <m:type m:val="noBar"/>
+                            <m:ctrlPr>
+                              <a:rPr lang="en-US" b="0" i="1" smtClean="0">
+                                <a:latin typeface="Cambria Math" panose="02040503050406030204" pitchFamily="18" charset="0"/>
+                              </a:rPr>
+                            </m:ctrlPr>
+                          </m:fPr>
+                          <m:num>
+                            <m:r>
+                              <a:rPr lang="nb-NO" b="0" i="1" smtClean="0">
+                                <a:latin typeface="Cambria Math" panose="02040503050406030204" pitchFamily="18" charset="0"/>
+                              </a:rPr>
+                              <m:t>⍴</m:t>
+                            </m:r>
+                          </m:num>
+                          <m:den>
+                            <m:f>
+                              <m:fPr>
+                                <m:ctrlPr>
+                                  <a:rPr lang="en-US" b="0" i="1" smtClean="0">
+                                    <a:latin typeface="Cambria Math" panose="02040503050406030204" pitchFamily="18" charset="0"/>
+                                  </a:rPr>
+                                </m:ctrlPr>
+                              </m:fPr>
+                              <m:num>
+                                <m:r>
+                                  <a:rPr lang="nb-NO" b="0" i="1" smtClean="0">
+                                    <a:latin typeface="Cambria Math" panose="02040503050406030204" pitchFamily="18" charset="0"/>
+                                  </a:rPr>
+                                  <m:t>1</m:t>
+                                </m:r>
+                              </m:num>
+                              <m:den>
+                                <m:r>
+                                  <a:rPr lang="nb-NO" b="0" i="1" smtClean="0">
+                                    <a:latin typeface="Cambria Math" panose="02040503050406030204" pitchFamily="18" charset="0"/>
+                                  </a:rPr>
+                                  <m:t>2</m:t>
+                                </m:r>
+                              </m:den>
+                            </m:f>
+                            <m:sSup>
+                              <m:sSupPr>
+                                <m:ctrlPr>
+                                  <a:rPr lang="en-US" b="0" i="1" smtClean="0">
+                                    <a:latin typeface="Cambria Math" panose="02040503050406030204" pitchFamily="18" charset="0"/>
+                                  </a:rPr>
+                                </m:ctrlPr>
+                              </m:sSupPr>
+                              <m:e>
+                                <m:r>
+                                  <a:rPr lang="en-US" b="0" i="1" smtClean="0">
+                                    <a:latin typeface="Cambria Math" panose="02040503050406030204" pitchFamily="18" charset="0"/>
+                                  </a:rPr>
+                                  <m:t> </m:t>
+                                </m:r>
+                                <m:r>
+                                  <a:rPr lang="en-US" b="0" i="1" smtClean="0">
+                                    <a:latin typeface="Cambria Math" panose="02040503050406030204" pitchFamily="18" charset="0"/>
+                                  </a:rPr>
+                                  <m:t>𝜈</m:t>
+                                </m:r>
+                              </m:e>
+                              <m:sup>
+                                <m:r>
+                                  <a:rPr lang="en-US" b="0" i="1" smtClean="0">
+                                    <a:latin typeface="Cambria Math" panose="02040503050406030204" pitchFamily="18" charset="0"/>
+                                  </a:rPr>
+                                  <m:t>2</m:t>
+                                </m:r>
+                              </m:sup>
+                            </m:sSup>
+                            <m:r>
+                              <a:rPr lang="en-US" b="0" i="1" smtClean="0">
+                                <a:latin typeface="Cambria Math" panose="02040503050406030204" pitchFamily="18" charset="0"/>
+                              </a:rPr>
+                              <m:t>+</m:t>
+                            </m:r>
+                            <m:sSubSup>
+                              <m:sSubSupPr>
+                                <m:ctrlPr>
+                                  <a:rPr lang="en-US" b="0" i="1" smtClean="0">
+                                    <a:latin typeface="Cambria Math" panose="02040503050406030204" pitchFamily="18" charset="0"/>
+                                  </a:rPr>
+                                </m:ctrlPr>
+                              </m:sSubSupPr>
+                              <m:e>
+                                <m:r>
+                                  <a:rPr lang="en-US" b="0" i="1" smtClean="0">
+                                    <a:latin typeface="Cambria Math" panose="02040503050406030204" pitchFamily="18" charset="0"/>
+                                  </a:rPr>
+                                  <m:t>𝑐</m:t>
+                                </m:r>
+                              </m:e>
+                              <m:sub>
+                                <m:r>
+                                  <a:rPr lang="en-US" b="0" i="1" smtClean="0">
+                                    <a:latin typeface="Cambria Math" panose="02040503050406030204" pitchFamily="18" charset="0"/>
+                                  </a:rPr>
+                                  <m:t>0</m:t>
+                                </m:r>
+                              </m:sub>
+                              <m:sup>
+                                <m:r>
+                                  <a:rPr lang="en-US" b="0" i="1" smtClean="0">
+                                    <a:latin typeface="Cambria Math" panose="02040503050406030204" pitchFamily="18" charset="0"/>
+                                  </a:rPr>
+                                  <m:t>2</m:t>
+                                </m:r>
+                              </m:sup>
+                            </m:sSubSup>
+                            <m:r>
+                              <a:rPr lang="en-US" b="0" i="0" smtClean="0">
+                                <a:latin typeface="Cambria Math" panose="02040503050406030204" pitchFamily="18" charset="0"/>
+                              </a:rPr>
+                              <m:t> </m:t>
+                            </m:r>
+                            <m:r>
+                              <m:rPr>
+                                <m:sty m:val="p"/>
+                              </m:rPr>
+                              <a:rPr lang="en-US" b="0" i="0" smtClean="0">
+                                <a:latin typeface="Cambria Math" panose="02040503050406030204" pitchFamily="18" charset="0"/>
+                              </a:rPr>
+                              <m:t>ln</m:t>
+                            </m:r>
+                            <m:r>
+                              <a:rPr lang="en-US" b="0" i="1" smtClean="0">
+                                <a:latin typeface="Cambria Math" panose="02040503050406030204" pitchFamily="18" charset="0"/>
+                              </a:rPr>
+                              <m:t>⁡(⍴)</m:t>
+                            </m:r>
+                          </m:den>
+                        </m:f>
+                      </m:e>
+                    </m:d>
+                  </m:oMath>
+                </a14:m>
+                <a:r>
+                  <a:rPr lang="en-US" b="0" dirty="0"/>
+                  <a:t>, </a:t>
+                </a:r>
+                <a14:m>
+                  <m:oMath xmlns:m="http://schemas.openxmlformats.org/officeDocument/2006/math">
+                    <m:r>
+                      <a:rPr lang="en-US" b="0" i="1" smtClean="0">
+                        <a:latin typeface="Cambria Math" panose="02040503050406030204" pitchFamily="18" charset="0"/>
+                      </a:rPr>
+                      <m:t>𝑠</m:t>
+                    </m:r>
+                    <m:d>
+                      <m:dPr>
+                        <m:ctrlPr>
+                          <a:rPr lang="en-US" b="0" i="1" smtClean="0">
+                            <a:latin typeface="Cambria Math" panose="02040503050406030204" pitchFamily="18" charset="0"/>
+                          </a:rPr>
+                        </m:ctrlPr>
+                      </m:dPr>
+                      <m:e>
+                        <m:r>
+                          <a:rPr lang="en-US" b="0" i="1" smtClean="0">
+                            <a:latin typeface="Cambria Math" panose="02040503050406030204" pitchFamily="18" charset="0"/>
+                          </a:rPr>
+                          <m:t>𝑢</m:t>
+                        </m:r>
+                      </m:e>
+                    </m:d>
+                    <m:r>
+                      <a:rPr lang="en-US" b="0" i="1" smtClean="0">
+                        <a:latin typeface="Cambria Math" panose="02040503050406030204" pitchFamily="18" charset="0"/>
+                      </a:rPr>
+                      <m:t>=</m:t>
+                    </m:r>
+                    <m:d>
+                      <m:dPr>
+                        <m:ctrlPr>
+                          <a:rPr lang="en-US" b="0" i="1" smtClean="0">
+                            <a:latin typeface="Cambria Math" panose="02040503050406030204" pitchFamily="18" charset="0"/>
+                          </a:rPr>
+                        </m:ctrlPr>
+                      </m:dPr>
+                      <m:e>
+                        <m:f>
+                          <m:fPr>
+                            <m:type m:val="noBar"/>
+                            <m:ctrlPr>
+                              <a:rPr lang="en-US" b="0" i="1" smtClean="0">
+                                <a:latin typeface="Cambria Math" panose="02040503050406030204" pitchFamily="18" charset="0"/>
+                              </a:rPr>
+                            </m:ctrlPr>
+                          </m:fPr>
+                          <m:num>
+                            <m:r>
+                              <a:rPr lang="en-US" b="0" i="1" smtClean="0">
+                                <a:latin typeface="Cambria Math" panose="02040503050406030204" pitchFamily="18" charset="0"/>
+                              </a:rPr>
+                              <m:t>𝑞</m:t>
+                            </m:r>
+                            <m:d>
+                              <m:dPr>
+                                <m:ctrlPr>
+                                  <a:rPr lang="en-US" b="0" i="1" smtClean="0">
+                                    <a:latin typeface="Cambria Math" panose="02040503050406030204" pitchFamily="18" charset="0"/>
+                                  </a:rPr>
+                                </m:ctrlPr>
+                              </m:dPr>
+                              <m:e>
+                                <m:r>
+                                  <a:rPr lang="en-US" b="0" i="1" smtClean="0">
+                                    <a:latin typeface="Cambria Math" panose="02040503050406030204" pitchFamily="18" charset="0"/>
+                                  </a:rPr>
+                                  <m:t>𝑡</m:t>
+                                </m:r>
+                              </m:e>
+                            </m:d>
+                            <m:r>
+                              <a:rPr lang="en-US" b="0" i="1" smtClean="0">
+                                <a:latin typeface="Cambria Math" panose="02040503050406030204" pitchFamily="18" charset="0"/>
+                              </a:rPr>
+                              <m:t>ɸ(</m:t>
+                            </m:r>
+                            <m:r>
+                              <a:rPr lang="en-US" b="0" i="1" smtClean="0">
+                                <a:latin typeface="Cambria Math" panose="02040503050406030204" pitchFamily="18" charset="0"/>
+                              </a:rPr>
+                              <m:t>𝑥</m:t>
+                            </m:r>
+                            <m:r>
+                              <a:rPr lang="en-US" b="0" i="1" smtClean="0">
+                                <a:latin typeface="Cambria Math" panose="02040503050406030204" pitchFamily="18" charset="0"/>
+                              </a:rPr>
+                              <m:t>)</m:t>
+                            </m:r>
+                          </m:num>
+                          <m:den>
+                            <m:f>
+                              <m:fPr>
+                                <m:ctrlPr>
+                                  <a:rPr lang="en-US" b="0" i="1" smtClean="0">
+                                    <a:latin typeface="Cambria Math" panose="02040503050406030204" pitchFamily="18" charset="0"/>
+                                  </a:rPr>
+                                </m:ctrlPr>
+                              </m:fPr>
+                              <m:num>
+                                <m:r>
+                                  <a:rPr lang="en-US" b="0" i="1" smtClean="0">
+                                    <a:latin typeface="Cambria Math" panose="02040503050406030204" pitchFamily="18" charset="0"/>
+                                  </a:rPr>
+                                  <m:t>1</m:t>
+                                </m:r>
+                              </m:num>
+                              <m:den>
+                                <m:r>
+                                  <a:rPr lang="en-US" b="0" i="1" smtClean="0">
+                                    <a:latin typeface="Cambria Math" panose="02040503050406030204" pitchFamily="18" charset="0"/>
+                                  </a:rPr>
+                                  <m:t>𝜏</m:t>
+                                </m:r>
+                              </m:den>
+                            </m:f>
+                            <m:r>
+                              <a:rPr lang="en-US" b="0" i="1" smtClean="0">
+                                <a:latin typeface="Cambria Math" panose="02040503050406030204" pitchFamily="18" charset="0"/>
+                              </a:rPr>
+                              <m:t> </m:t>
+                            </m:r>
+                            <m:r>
+                              <a:rPr lang="en-US" b="0" i="1" smtClean="0">
+                                <a:latin typeface="Cambria Math" panose="02040503050406030204" pitchFamily="18" charset="0"/>
+                              </a:rPr>
+                              <m:t>𝑉</m:t>
+                            </m:r>
+                            <m:d>
+                              <m:dPr>
+                                <m:ctrlPr>
+                                  <a:rPr lang="en-US" b="0" i="1" smtClean="0">
+                                    <a:latin typeface="Cambria Math" panose="02040503050406030204" pitchFamily="18" charset="0"/>
+                                  </a:rPr>
+                                </m:ctrlPr>
+                              </m:dPr>
+                              <m:e>
+                                <m:r>
+                                  <a:rPr lang="en-US" b="0" i="1" smtClean="0">
+                                    <a:latin typeface="Cambria Math" panose="02040503050406030204" pitchFamily="18" charset="0"/>
+                                  </a:rPr>
+                                  <m:t>⍴</m:t>
+                                </m:r>
+                              </m:e>
+                            </m:d>
+                            <m:r>
+                              <a:rPr lang="en-US" b="0" i="1" smtClean="0">
+                                <a:latin typeface="Cambria Math" panose="02040503050406030204" pitchFamily="18" charset="0"/>
+                              </a:rPr>
+                              <m:t>−</m:t>
+                            </m:r>
+                            <m:r>
+                              <a:rPr lang="en-US" b="0" i="1" smtClean="0">
+                                <a:latin typeface="Cambria Math" panose="02040503050406030204" pitchFamily="18" charset="0"/>
+                              </a:rPr>
+                              <m:t>𝜈</m:t>
+                            </m:r>
+                          </m:den>
+                        </m:f>
+                      </m:e>
+                    </m:d>
+                  </m:oMath>
+                </a14:m>
+                <a:endParaRPr lang="en-US" b="0" dirty="0"/>
+              </a:p>
+              <a:p>
+                <a14:m>
+                  <m:oMath xmlns:m="http://schemas.openxmlformats.org/officeDocument/2006/math">
+                    <m:sSubSup>
+                      <m:sSubSupPr>
+                        <m:ctrlPr>
+                          <a:rPr lang="nb-NO" i="1" smtClean="0">
+                            <a:latin typeface="Cambria Math" panose="02040503050406030204" pitchFamily="18" charset="0"/>
+                          </a:rPr>
+                        </m:ctrlPr>
+                      </m:sSubSupPr>
+                      <m:e>
+                        <m:r>
+                          <a:rPr lang="en-US" b="0" i="1" smtClean="0">
+                            <a:latin typeface="Cambria Math" panose="02040503050406030204" pitchFamily="18" charset="0"/>
+                          </a:rPr>
+                          <m:t>𝑢</m:t>
+                        </m:r>
+                      </m:e>
+                      <m:sub>
+                        <m:r>
+                          <a:rPr lang="en-US" b="0" i="1" smtClean="0">
+                            <a:latin typeface="Cambria Math" panose="02040503050406030204" pitchFamily="18" charset="0"/>
+                          </a:rPr>
+                          <m:t>𝑚</m:t>
+                        </m:r>
+                      </m:sub>
+                      <m:sup>
+                        <m:r>
+                          <a:rPr lang="en-US" b="0" i="1" smtClean="0">
+                            <a:latin typeface="Cambria Math" panose="02040503050406030204" pitchFamily="18" charset="0"/>
+                          </a:rPr>
+                          <m:t>𝑛</m:t>
+                        </m:r>
+                        <m:r>
+                          <a:rPr lang="en-US" b="0" i="1" smtClean="0">
+                            <a:latin typeface="Cambria Math" panose="02040503050406030204" pitchFamily="18" charset="0"/>
+                          </a:rPr>
+                          <m:t>+1</m:t>
+                        </m:r>
+                      </m:sup>
+                    </m:sSubSup>
+                    <m:r>
+                      <a:rPr lang="en-US" b="0" i="1" smtClean="0">
+                        <a:latin typeface="Cambria Math" panose="02040503050406030204" pitchFamily="18" charset="0"/>
+                      </a:rPr>
+                      <m:t>=</m:t>
+                    </m:r>
+                    <m:f>
+                      <m:fPr>
+                        <m:ctrlPr>
+                          <a:rPr lang="en-US" b="0" i="1" smtClean="0">
+                            <a:latin typeface="Cambria Math" panose="02040503050406030204" pitchFamily="18" charset="0"/>
+                          </a:rPr>
+                        </m:ctrlPr>
+                      </m:fPr>
+                      <m:num>
+                        <m:sSubSup>
+                          <m:sSubSupPr>
+                            <m:ctrlPr>
+                              <a:rPr lang="en-US" b="0" i="1" smtClean="0">
+                                <a:latin typeface="Cambria Math" panose="02040503050406030204" pitchFamily="18" charset="0"/>
+                              </a:rPr>
+                            </m:ctrlPr>
+                          </m:sSubSupPr>
+                          <m:e>
+                            <m:r>
+                              <a:rPr lang="en-US" b="0" i="1" smtClean="0">
+                                <a:latin typeface="Cambria Math" panose="02040503050406030204" pitchFamily="18" charset="0"/>
+                              </a:rPr>
+                              <m:t>𝑢</m:t>
+                            </m:r>
+                          </m:e>
+                          <m:sub>
+                            <m:r>
+                              <a:rPr lang="en-US" b="0" i="1" smtClean="0">
+                                <a:latin typeface="Cambria Math" panose="02040503050406030204" pitchFamily="18" charset="0"/>
+                              </a:rPr>
+                              <m:t>𝑚</m:t>
+                            </m:r>
+                            <m:r>
+                              <a:rPr lang="en-US" b="0" i="1" smtClean="0">
+                                <a:latin typeface="Cambria Math" panose="02040503050406030204" pitchFamily="18" charset="0"/>
+                              </a:rPr>
+                              <m:t>−1</m:t>
+                            </m:r>
+                          </m:sub>
+                          <m:sup>
+                            <m:r>
+                              <a:rPr lang="en-US" b="0" i="1" smtClean="0">
+                                <a:latin typeface="Cambria Math" panose="02040503050406030204" pitchFamily="18" charset="0"/>
+                              </a:rPr>
+                              <m:t>𝑛</m:t>
+                            </m:r>
+                          </m:sup>
+                        </m:sSubSup>
+                        <m:r>
+                          <a:rPr lang="en-US" b="0" i="1" smtClean="0">
+                            <a:latin typeface="Cambria Math" panose="02040503050406030204" pitchFamily="18" charset="0"/>
+                          </a:rPr>
+                          <m:t>+</m:t>
+                        </m:r>
+                        <m:sSubSup>
+                          <m:sSubSupPr>
+                            <m:ctrlPr>
+                              <a:rPr lang="en-US" b="0" i="1" smtClean="0">
+                                <a:latin typeface="Cambria Math" panose="02040503050406030204" pitchFamily="18" charset="0"/>
+                              </a:rPr>
+                            </m:ctrlPr>
+                          </m:sSubSupPr>
+                          <m:e>
+                            <m:r>
+                              <a:rPr lang="en-US" b="0" i="1" smtClean="0">
+                                <a:latin typeface="Cambria Math" panose="02040503050406030204" pitchFamily="18" charset="0"/>
+                              </a:rPr>
+                              <m:t>𝑢</m:t>
+                            </m:r>
+                          </m:e>
+                          <m:sub>
+                            <m:r>
+                              <a:rPr lang="en-US" b="0" i="1" smtClean="0">
+                                <a:latin typeface="Cambria Math" panose="02040503050406030204" pitchFamily="18" charset="0"/>
+                              </a:rPr>
+                              <m:t>𝑚</m:t>
+                            </m:r>
+                            <m:r>
+                              <a:rPr lang="en-US" b="0" i="1" smtClean="0">
+                                <a:latin typeface="Cambria Math" panose="02040503050406030204" pitchFamily="18" charset="0"/>
+                              </a:rPr>
+                              <m:t>+1</m:t>
+                            </m:r>
+                          </m:sub>
+                          <m:sup>
+                            <m:r>
+                              <a:rPr lang="en-US" b="0" i="1" smtClean="0">
+                                <a:latin typeface="Cambria Math" panose="02040503050406030204" pitchFamily="18" charset="0"/>
+                              </a:rPr>
+                              <m:t>𝑛</m:t>
+                            </m:r>
+                          </m:sup>
+                        </m:sSubSup>
+                      </m:num>
+                      <m:den>
+                        <m:r>
+                          <a:rPr lang="en-US" b="0" i="1" smtClean="0">
+                            <a:latin typeface="Cambria Math" panose="02040503050406030204" pitchFamily="18" charset="0"/>
+                          </a:rPr>
+                          <m:t>2</m:t>
+                        </m:r>
+                      </m:den>
+                    </m:f>
+                    <m:r>
+                      <a:rPr lang="en-US" b="0" i="1" smtClean="0">
+                        <a:latin typeface="Cambria Math" panose="02040503050406030204" pitchFamily="18" charset="0"/>
+                      </a:rPr>
+                      <m:t>−</m:t>
+                    </m:r>
+                    <m:f>
+                      <m:fPr>
+                        <m:ctrlPr>
+                          <a:rPr lang="en-US" b="0" i="1" smtClean="0">
+                            <a:latin typeface="Cambria Math" panose="02040503050406030204" pitchFamily="18" charset="0"/>
+                          </a:rPr>
+                        </m:ctrlPr>
+                      </m:fPr>
+                      <m:num>
+                        <m:r>
+                          <a:rPr lang="en-US" b="0" i="1" smtClean="0">
+                            <a:latin typeface="Cambria Math" panose="02040503050406030204" pitchFamily="18" charset="0"/>
+                          </a:rPr>
+                          <m:t>𝑘</m:t>
+                        </m:r>
+                      </m:num>
+                      <m:den>
+                        <m:r>
+                          <a:rPr lang="en-US" b="0" i="1" smtClean="0">
+                            <a:latin typeface="Cambria Math" panose="02040503050406030204" pitchFamily="18" charset="0"/>
+                          </a:rPr>
+                          <m:t>2</m:t>
+                        </m:r>
+                        <m:r>
+                          <a:rPr lang="en-US" b="0" i="1" smtClean="0">
+                            <a:latin typeface="Cambria Math" panose="02040503050406030204" pitchFamily="18" charset="0"/>
+                          </a:rPr>
+                          <m:t>h</m:t>
+                        </m:r>
+                      </m:den>
+                    </m:f>
+                    <m:d>
+                      <m:dPr>
+                        <m:ctrlPr>
+                          <a:rPr lang="en-US" b="0" i="1" smtClean="0">
+                            <a:latin typeface="Cambria Math" panose="02040503050406030204" pitchFamily="18" charset="0"/>
+                          </a:rPr>
+                        </m:ctrlPr>
+                      </m:dPr>
+                      <m:e>
+                        <m:sSubSup>
+                          <m:sSubSupPr>
+                            <m:ctrlPr>
+                              <a:rPr lang="en-US" b="0" i="1" smtClean="0">
+                                <a:latin typeface="Cambria Math" panose="02040503050406030204" pitchFamily="18" charset="0"/>
+                              </a:rPr>
+                            </m:ctrlPr>
+                          </m:sSubSupPr>
+                          <m:e>
+                            <m:r>
+                              <a:rPr lang="en-US" b="0" i="1" smtClean="0">
+                                <a:latin typeface="Cambria Math" panose="02040503050406030204" pitchFamily="18" charset="0"/>
+                              </a:rPr>
+                              <m:t>𝑓</m:t>
+                            </m:r>
+                          </m:e>
+                          <m:sub>
+                            <m:r>
+                              <a:rPr lang="en-US" b="0" i="1" smtClean="0">
+                                <a:latin typeface="Cambria Math" panose="02040503050406030204" pitchFamily="18" charset="0"/>
+                              </a:rPr>
+                              <m:t>𝑚</m:t>
+                            </m:r>
+                            <m:r>
+                              <a:rPr lang="en-US" b="0" i="1" smtClean="0">
+                                <a:latin typeface="Cambria Math" panose="02040503050406030204" pitchFamily="18" charset="0"/>
+                              </a:rPr>
+                              <m:t>+1</m:t>
+                            </m:r>
+                          </m:sub>
+                          <m:sup>
+                            <m:r>
+                              <a:rPr lang="en-US" b="0" i="1" smtClean="0">
+                                <a:latin typeface="Cambria Math" panose="02040503050406030204" pitchFamily="18" charset="0"/>
+                              </a:rPr>
+                              <m:t>𝑛</m:t>
+                            </m:r>
+                          </m:sup>
+                        </m:sSubSup>
+                        <m:r>
+                          <a:rPr lang="en-US" b="0" i="1" smtClean="0">
+                            <a:latin typeface="Cambria Math" panose="02040503050406030204" pitchFamily="18" charset="0"/>
+                          </a:rPr>
+                          <m:t>−</m:t>
+                        </m:r>
+                        <m:sSubSup>
+                          <m:sSubSupPr>
+                            <m:ctrlPr>
+                              <a:rPr lang="en-US" b="0" i="1" smtClean="0">
+                                <a:latin typeface="Cambria Math" panose="02040503050406030204" pitchFamily="18" charset="0"/>
+                              </a:rPr>
+                            </m:ctrlPr>
+                          </m:sSubSupPr>
+                          <m:e>
+                            <m:r>
+                              <a:rPr lang="en-US" b="0" i="1" smtClean="0">
+                                <a:latin typeface="Cambria Math" panose="02040503050406030204" pitchFamily="18" charset="0"/>
+                              </a:rPr>
+                              <m:t>𝑓</m:t>
+                            </m:r>
+                          </m:e>
+                          <m:sub>
+                            <m:r>
+                              <a:rPr lang="en-US" b="0" i="1" smtClean="0">
+                                <a:latin typeface="Cambria Math" panose="02040503050406030204" pitchFamily="18" charset="0"/>
+                              </a:rPr>
+                              <m:t>𝑚</m:t>
+                            </m:r>
+                            <m:r>
+                              <a:rPr lang="en-US" b="0" i="1" smtClean="0">
+                                <a:latin typeface="Cambria Math" panose="02040503050406030204" pitchFamily="18" charset="0"/>
+                              </a:rPr>
+                              <m:t>−1</m:t>
+                            </m:r>
+                          </m:sub>
+                          <m:sup>
+                            <m:r>
+                              <a:rPr lang="en-US" b="0" i="1" smtClean="0">
+                                <a:latin typeface="Cambria Math" panose="02040503050406030204" pitchFamily="18" charset="0"/>
+                              </a:rPr>
+                              <m:t>𝑛</m:t>
+                            </m:r>
+                          </m:sup>
+                        </m:sSubSup>
+                      </m:e>
+                    </m:d>
+                    <m:r>
+                      <a:rPr lang="en-US" b="0" i="1" smtClean="0">
+                        <a:latin typeface="Cambria Math" panose="02040503050406030204" pitchFamily="18" charset="0"/>
+                      </a:rPr>
+                      <m:t>+</m:t>
+                    </m:r>
+                    <m:r>
+                      <a:rPr lang="en-US" b="0" i="1" smtClean="0">
+                        <a:latin typeface="Cambria Math" panose="02040503050406030204" pitchFamily="18" charset="0"/>
+                      </a:rPr>
+                      <m:t>𝑘</m:t>
+                    </m:r>
+                    <m:sSubSup>
+                      <m:sSubSupPr>
+                        <m:ctrlPr>
+                          <a:rPr lang="en-US" b="0" i="1" smtClean="0">
+                            <a:latin typeface="Cambria Math" panose="02040503050406030204" pitchFamily="18" charset="0"/>
+                          </a:rPr>
+                        </m:ctrlPr>
+                      </m:sSubSupPr>
+                      <m:e>
+                        <m:r>
+                          <a:rPr lang="en-US" b="0" i="1" smtClean="0">
+                            <a:latin typeface="Cambria Math" panose="02040503050406030204" pitchFamily="18" charset="0"/>
+                          </a:rPr>
+                          <m:t>𝑠</m:t>
+                        </m:r>
+                      </m:e>
+                      <m:sub>
+                        <m:r>
+                          <a:rPr lang="en-US" b="0" i="1" smtClean="0">
+                            <a:latin typeface="Cambria Math" panose="02040503050406030204" pitchFamily="18" charset="0"/>
+                          </a:rPr>
+                          <m:t>𝑚</m:t>
+                        </m:r>
+                      </m:sub>
+                      <m:sup>
+                        <m:r>
+                          <a:rPr lang="en-US" b="0" i="1" smtClean="0">
+                            <a:latin typeface="Cambria Math" panose="02040503050406030204" pitchFamily="18" charset="0"/>
+                          </a:rPr>
+                          <m:t>𝑛</m:t>
+                        </m:r>
+                      </m:sup>
+                    </m:sSubSup>
+                  </m:oMath>
+                </a14:m>
+                <a:endParaRPr lang="en-US" b="0" dirty="0"/>
+              </a:p>
+              <a:p>
+                <a:endParaRPr lang="nb-NO" dirty="0"/>
+              </a:p>
+              <a:p>
+                <a:pPr marL="0" indent="0">
+                  <a:buNone/>
+                </a:pPr>
+                <a:r>
+                  <a:rPr lang="nb-NO" dirty="0" err="1"/>
+                  <a:t>Lax-Wendroff</a:t>
+                </a:r>
+                <a:r>
+                  <a:rPr lang="nb-NO" dirty="0"/>
+                  <a:t>:</a:t>
+                </a:r>
+              </a:p>
+              <a:p>
+                <a14:m>
+                  <m:oMath xmlns:m="http://schemas.openxmlformats.org/officeDocument/2006/math">
+                    <m:sSubSup>
+                      <m:sSubSupPr>
+                        <m:ctrlPr>
+                          <a:rPr lang="nb-NO" i="1" smtClean="0">
+                            <a:latin typeface="Cambria Math" panose="02040503050406030204" pitchFamily="18" charset="0"/>
+                          </a:rPr>
+                        </m:ctrlPr>
+                      </m:sSubSupPr>
+                      <m:e>
+                        <m:r>
+                          <a:rPr lang="en-US" b="0" i="1" smtClean="0">
+                            <a:latin typeface="Cambria Math" panose="02040503050406030204" pitchFamily="18" charset="0"/>
+                          </a:rPr>
+                          <m:t>𝑢</m:t>
+                        </m:r>
+                      </m:e>
+                      <m:sub>
+                        <m:r>
+                          <a:rPr lang="en-US" b="0" i="1" smtClean="0">
+                            <a:latin typeface="Cambria Math" panose="02040503050406030204" pitchFamily="18" charset="0"/>
+                          </a:rPr>
+                          <m:t>𝑚</m:t>
+                        </m:r>
+                        <m:r>
+                          <a:rPr lang="en-US" b="0" i="1" smtClean="0">
+                            <a:latin typeface="Cambria Math" panose="02040503050406030204" pitchFamily="18" charset="0"/>
+                          </a:rPr>
+                          <m:t>+</m:t>
+                        </m:r>
+                        <m:f>
+                          <m:fPr>
+                            <m:ctrlPr>
+                              <a:rPr lang="en-US" b="0" i="1" smtClean="0">
+                                <a:latin typeface="Cambria Math" panose="02040503050406030204" pitchFamily="18" charset="0"/>
+                              </a:rPr>
+                            </m:ctrlPr>
+                          </m:fPr>
+                          <m:num>
+                            <m:r>
+                              <a:rPr lang="en-US" b="0" i="1" smtClean="0">
+                                <a:latin typeface="Cambria Math" panose="02040503050406030204" pitchFamily="18" charset="0"/>
+                              </a:rPr>
+                              <m:t>1</m:t>
+                            </m:r>
+                          </m:num>
+                          <m:den>
+                            <m:r>
+                              <a:rPr lang="en-US" b="0" i="1" smtClean="0">
+                                <a:latin typeface="Cambria Math" panose="02040503050406030204" pitchFamily="18" charset="0"/>
+                              </a:rPr>
+                              <m:t>2</m:t>
+                            </m:r>
+                          </m:den>
+                        </m:f>
+                      </m:sub>
+                      <m:sup>
+                        <m:r>
+                          <a:rPr lang="en-US" b="0" i="1" smtClean="0">
+                            <a:latin typeface="Cambria Math" panose="02040503050406030204" pitchFamily="18" charset="0"/>
+                          </a:rPr>
+                          <m:t>𝑛</m:t>
+                        </m:r>
+                        <m:r>
+                          <a:rPr lang="en-US" b="0" i="1" smtClean="0">
+                            <a:latin typeface="Cambria Math" panose="02040503050406030204" pitchFamily="18" charset="0"/>
+                          </a:rPr>
+                          <m:t>+</m:t>
+                        </m:r>
+                        <m:f>
+                          <m:fPr>
+                            <m:ctrlPr>
+                              <a:rPr lang="en-US" b="0" i="1" smtClean="0">
+                                <a:latin typeface="Cambria Math" panose="02040503050406030204" pitchFamily="18" charset="0"/>
+                              </a:rPr>
+                            </m:ctrlPr>
+                          </m:fPr>
+                          <m:num>
+                            <m:r>
+                              <a:rPr lang="en-US" b="0" i="1" smtClean="0">
+                                <a:latin typeface="Cambria Math" panose="02040503050406030204" pitchFamily="18" charset="0"/>
+                              </a:rPr>
+                              <m:t>1</m:t>
+                            </m:r>
+                          </m:num>
+                          <m:den>
+                            <m:r>
+                              <a:rPr lang="en-US" b="0" i="1" smtClean="0">
+                                <a:latin typeface="Cambria Math" panose="02040503050406030204" pitchFamily="18" charset="0"/>
+                              </a:rPr>
+                              <m:t>2</m:t>
+                            </m:r>
+                          </m:den>
+                        </m:f>
+                      </m:sup>
+                    </m:sSubSup>
+                    <m:r>
+                      <a:rPr lang="en-US" b="0" i="1" smtClean="0">
+                        <a:latin typeface="Cambria Math" panose="02040503050406030204" pitchFamily="18" charset="0"/>
+                      </a:rPr>
+                      <m:t>= </m:t>
+                    </m:r>
+                    <m:f>
+                      <m:fPr>
+                        <m:ctrlPr>
+                          <a:rPr lang="en-US" b="0" i="1" smtClean="0">
+                            <a:latin typeface="Cambria Math" panose="02040503050406030204" pitchFamily="18" charset="0"/>
+                          </a:rPr>
+                        </m:ctrlPr>
+                      </m:fPr>
+                      <m:num>
+                        <m:r>
+                          <a:rPr lang="en-US" b="0" i="1" smtClean="0">
+                            <a:latin typeface="Cambria Math" panose="02040503050406030204" pitchFamily="18" charset="0"/>
+                          </a:rPr>
+                          <m:t>1</m:t>
+                        </m:r>
+                      </m:num>
+                      <m:den>
+                        <m:r>
+                          <a:rPr lang="en-US" b="0" i="1" smtClean="0">
+                            <a:latin typeface="Cambria Math" panose="02040503050406030204" pitchFamily="18" charset="0"/>
+                          </a:rPr>
+                          <m:t>2</m:t>
+                        </m:r>
+                      </m:den>
+                    </m:f>
+                    <m:d>
+                      <m:dPr>
+                        <m:begChr m:val="["/>
+                        <m:endChr m:val="]"/>
+                        <m:ctrlPr>
+                          <a:rPr lang="en-US" b="0" i="1" smtClean="0">
+                            <a:latin typeface="Cambria Math" panose="02040503050406030204" pitchFamily="18" charset="0"/>
+                          </a:rPr>
+                        </m:ctrlPr>
+                      </m:dPr>
+                      <m:e>
+                        <m:sSubSup>
+                          <m:sSubSupPr>
+                            <m:ctrlPr>
+                              <a:rPr lang="en-US" i="1">
+                                <a:latin typeface="Cambria Math" panose="02040503050406030204" pitchFamily="18" charset="0"/>
+                              </a:rPr>
+                            </m:ctrlPr>
+                          </m:sSubSupPr>
+                          <m:e>
+                            <m:r>
+                              <a:rPr lang="en-US" i="1">
+                                <a:latin typeface="Cambria Math" panose="02040503050406030204" pitchFamily="18" charset="0"/>
+                              </a:rPr>
+                              <m:t>𝑢</m:t>
+                            </m:r>
+                          </m:e>
+                          <m:sub>
+                            <m:r>
+                              <a:rPr lang="en-US" b="0" i="1" smtClean="0">
+                                <a:latin typeface="Cambria Math" panose="02040503050406030204" pitchFamily="18" charset="0"/>
+                              </a:rPr>
+                              <m:t>𝑚</m:t>
+                            </m:r>
+                            <m:r>
+                              <a:rPr lang="en-US" i="1">
+                                <a:latin typeface="Cambria Math" panose="02040503050406030204" pitchFamily="18" charset="0"/>
+                              </a:rPr>
+                              <m:t>−1</m:t>
+                            </m:r>
+                          </m:sub>
+                          <m:sup>
+                            <m:r>
+                              <a:rPr lang="en-US" i="1">
+                                <a:latin typeface="Cambria Math" panose="02040503050406030204" pitchFamily="18" charset="0"/>
+                              </a:rPr>
+                              <m:t>𝑛</m:t>
+                            </m:r>
+                          </m:sup>
+                        </m:sSubSup>
+                        <m:r>
+                          <a:rPr lang="en-US" i="1">
+                            <a:latin typeface="Cambria Math" panose="02040503050406030204" pitchFamily="18" charset="0"/>
+                          </a:rPr>
+                          <m:t>+</m:t>
+                        </m:r>
+                        <m:sSubSup>
+                          <m:sSubSupPr>
+                            <m:ctrlPr>
+                              <a:rPr lang="en-US" i="1">
+                                <a:latin typeface="Cambria Math" panose="02040503050406030204" pitchFamily="18" charset="0"/>
+                              </a:rPr>
+                            </m:ctrlPr>
+                          </m:sSubSupPr>
+                          <m:e>
+                            <m:r>
+                              <a:rPr lang="en-US" i="1">
+                                <a:latin typeface="Cambria Math" panose="02040503050406030204" pitchFamily="18" charset="0"/>
+                              </a:rPr>
+                              <m:t>𝑢</m:t>
+                            </m:r>
+                          </m:e>
+                          <m:sub>
+                            <m:r>
+                              <a:rPr lang="en-US" b="0" i="1" smtClean="0">
+                                <a:latin typeface="Cambria Math" panose="02040503050406030204" pitchFamily="18" charset="0"/>
+                              </a:rPr>
+                              <m:t>𝑚</m:t>
+                            </m:r>
+                            <m:r>
+                              <a:rPr lang="en-US" i="1">
+                                <a:latin typeface="Cambria Math" panose="02040503050406030204" pitchFamily="18" charset="0"/>
+                              </a:rPr>
+                              <m:t>+1</m:t>
+                            </m:r>
+                          </m:sub>
+                          <m:sup>
+                            <m:r>
+                              <a:rPr lang="en-US" i="1">
+                                <a:latin typeface="Cambria Math" panose="02040503050406030204" pitchFamily="18" charset="0"/>
+                              </a:rPr>
+                              <m:t>𝑛</m:t>
+                            </m:r>
+                          </m:sup>
+                        </m:sSubSup>
+                        <m:r>
+                          <a:rPr lang="en-US" b="0" i="1" smtClean="0">
+                            <a:latin typeface="Cambria Math" panose="02040503050406030204" pitchFamily="18" charset="0"/>
+                          </a:rPr>
+                          <m:t>−</m:t>
+                        </m:r>
+                        <m:f>
+                          <m:fPr>
+                            <m:ctrlPr>
+                              <a:rPr lang="en-US" b="0" i="1" smtClean="0">
+                                <a:latin typeface="Cambria Math" panose="02040503050406030204" pitchFamily="18" charset="0"/>
+                              </a:rPr>
+                            </m:ctrlPr>
+                          </m:fPr>
+                          <m:num>
+                            <m:r>
+                              <a:rPr lang="en-US" b="0" i="1" smtClean="0">
+                                <a:latin typeface="Cambria Math" panose="02040503050406030204" pitchFamily="18" charset="0"/>
+                              </a:rPr>
+                              <m:t>𝑘</m:t>
+                            </m:r>
+                          </m:num>
+                          <m:den>
+                            <m:r>
+                              <a:rPr lang="en-US" b="0" i="1" smtClean="0">
+                                <a:latin typeface="Cambria Math" panose="02040503050406030204" pitchFamily="18" charset="0"/>
+                              </a:rPr>
+                              <m:t>h</m:t>
+                            </m:r>
+                          </m:den>
+                        </m:f>
+                        <m:d>
+                          <m:dPr>
+                            <m:ctrlPr>
+                              <a:rPr lang="en-US" b="0" i="1" smtClean="0">
+                                <a:latin typeface="Cambria Math" panose="02040503050406030204" pitchFamily="18" charset="0"/>
+                              </a:rPr>
+                            </m:ctrlPr>
+                          </m:dPr>
+                          <m:e>
+                            <m:sSubSup>
+                              <m:sSubSupPr>
+                                <m:ctrlPr>
+                                  <a:rPr lang="en-US" i="1">
+                                    <a:latin typeface="Cambria Math" panose="02040503050406030204" pitchFamily="18" charset="0"/>
+                                  </a:rPr>
+                                </m:ctrlPr>
+                              </m:sSubSupPr>
+                              <m:e>
+                                <m:r>
+                                  <a:rPr lang="en-US" i="1">
+                                    <a:latin typeface="Cambria Math" panose="02040503050406030204" pitchFamily="18" charset="0"/>
+                                  </a:rPr>
+                                  <m:t>𝑓</m:t>
+                                </m:r>
+                              </m:e>
+                              <m:sub>
+                                <m:r>
+                                  <a:rPr lang="en-US" b="0" i="1" smtClean="0">
+                                    <a:latin typeface="Cambria Math" panose="02040503050406030204" pitchFamily="18" charset="0"/>
+                                  </a:rPr>
+                                  <m:t>𝑚</m:t>
+                                </m:r>
+                                <m:r>
+                                  <a:rPr lang="en-US" i="1">
+                                    <a:latin typeface="Cambria Math" panose="02040503050406030204" pitchFamily="18" charset="0"/>
+                                  </a:rPr>
+                                  <m:t>+1</m:t>
+                                </m:r>
+                              </m:sub>
+                              <m:sup>
+                                <m:r>
+                                  <a:rPr lang="en-US" i="1">
+                                    <a:latin typeface="Cambria Math" panose="02040503050406030204" pitchFamily="18" charset="0"/>
+                                  </a:rPr>
+                                  <m:t>𝑛</m:t>
+                                </m:r>
+                              </m:sup>
+                            </m:sSubSup>
+                            <m:r>
+                              <a:rPr lang="en-US" i="1">
+                                <a:latin typeface="Cambria Math" panose="02040503050406030204" pitchFamily="18" charset="0"/>
+                              </a:rPr>
+                              <m:t>−</m:t>
+                            </m:r>
+                            <m:sSubSup>
+                              <m:sSubSupPr>
+                                <m:ctrlPr>
+                                  <a:rPr lang="en-US" i="1">
+                                    <a:latin typeface="Cambria Math" panose="02040503050406030204" pitchFamily="18" charset="0"/>
+                                  </a:rPr>
+                                </m:ctrlPr>
+                              </m:sSubSupPr>
+                              <m:e>
+                                <m:r>
+                                  <a:rPr lang="en-US" i="1">
+                                    <a:latin typeface="Cambria Math" panose="02040503050406030204" pitchFamily="18" charset="0"/>
+                                  </a:rPr>
+                                  <m:t>𝑓</m:t>
+                                </m:r>
+                              </m:e>
+                              <m:sub>
+                                <m:r>
+                                  <a:rPr lang="en-US" b="0" i="1" smtClean="0">
+                                    <a:latin typeface="Cambria Math" panose="02040503050406030204" pitchFamily="18" charset="0"/>
+                                  </a:rPr>
+                                  <m:t>𝑚</m:t>
+                                </m:r>
+                              </m:sub>
+                              <m:sup>
+                                <m:r>
+                                  <a:rPr lang="en-US" i="1">
+                                    <a:latin typeface="Cambria Math" panose="02040503050406030204" pitchFamily="18" charset="0"/>
+                                  </a:rPr>
+                                  <m:t>𝑛</m:t>
+                                </m:r>
+                              </m:sup>
+                            </m:sSubSup>
+                          </m:e>
+                        </m:d>
+                        <m:r>
+                          <a:rPr lang="en-US" b="0" i="1" smtClean="0">
+                            <a:latin typeface="Cambria Math" panose="02040503050406030204" pitchFamily="18" charset="0"/>
+                          </a:rPr>
+                          <m:t>+</m:t>
+                        </m:r>
+                        <m:f>
+                          <m:fPr>
+                            <m:ctrlPr>
+                              <a:rPr lang="en-US" b="0" i="1" smtClean="0">
+                                <a:latin typeface="Cambria Math" panose="02040503050406030204" pitchFamily="18" charset="0"/>
+                              </a:rPr>
+                            </m:ctrlPr>
+                          </m:fPr>
+                          <m:num>
+                            <m:r>
+                              <a:rPr lang="en-US" b="0" i="1" smtClean="0">
+                                <a:latin typeface="Cambria Math" panose="02040503050406030204" pitchFamily="18" charset="0"/>
+                              </a:rPr>
+                              <m:t>𝑘</m:t>
+                            </m:r>
+                          </m:num>
+                          <m:den>
+                            <m:r>
+                              <a:rPr lang="en-US" b="0" i="1" smtClean="0">
+                                <a:latin typeface="Cambria Math" panose="02040503050406030204" pitchFamily="18" charset="0"/>
+                              </a:rPr>
+                              <m:t>2</m:t>
+                            </m:r>
+                          </m:den>
+                        </m:f>
+                        <m:d>
+                          <m:dPr>
+                            <m:ctrlPr>
+                              <a:rPr lang="en-US" b="0" i="1" smtClean="0">
+                                <a:latin typeface="Cambria Math" panose="02040503050406030204" pitchFamily="18" charset="0"/>
+                              </a:rPr>
+                            </m:ctrlPr>
+                          </m:dPr>
+                          <m:e>
+                            <m:sSubSup>
+                              <m:sSubSupPr>
+                                <m:ctrlPr>
+                                  <a:rPr lang="en-US" b="0" i="1" smtClean="0">
+                                    <a:latin typeface="Cambria Math" panose="02040503050406030204" pitchFamily="18" charset="0"/>
+                                  </a:rPr>
+                                </m:ctrlPr>
+                              </m:sSubSupPr>
+                              <m:e>
+                                <m:r>
+                                  <a:rPr lang="en-US" b="0" i="1" smtClean="0">
+                                    <a:latin typeface="Cambria Math" panose="02040503050406030204" pitchFamily="18" charset="0"/>
+                                  </a:rPr>
+                                  <m:t>𝑠</m:t>
+                                </m:r>
+                              </m:e>
+                              <m:sub>
+                                <m:r>
+                                  <a:rPr lang="en-US" b="0" i="1" smtClean="0">
+                                    <a:latin typeface="Cambria Math" panose="02040503050406030204" pitchFamily="18" charset="0"/>
+                                  </a:rPr>
+                                  <m:t>𝑚</m:t>
+                                </m:r>
+                              </m:sub>
+                              <m:sup>
+                                <m:r>
+                                  <a:rPr lang="en-US" b="0" i="1" smtClean="0">
+                                    <a:latin typeface="Cambria Math" panose="02040503050406030204" pitchFamily="18" charset="0"/>
+                                  </a:rPr>
+                                  <m:t>𝑛</m:t>
+                                </m:r>
+                              </m:sup>
+                            </m:sSubSup>
+                            <m:r>
+                              <a:rPr lang="en-US" b="0" i="1" smtClean="0">
+                                <a:latin typeface="Cambria Math" panose="02040503050406030204" pitchFamily="18" charset="0"/>
+                              </a:rPr>
+                              <m:t>+</m:t>
+                            </m:r>
+                            <m:sSubSup>
+                              <m:sSubSupPr>
+                                <m:ctrlPr>
+                                  <a:rPr lang="en-US" b="0" i="1" smtClean="0">
+                                    <a:latin typeface="Cambria Math" panose="02040503050406030204" pitchFamily="18" charset="0"/>
+                                  </a:rPr>
+                                </m:ctrlPr>
+                              </m:sSubSupPr>
+                              <m:e>
+                                <m:r>
+                                  <a:rPr lang="en-US" b="0" i="1" smtClean="0">
+                                    <a:latin typeface="Cambria Math" panose="02040503050406030204" pitchFamily="18" charset="0"/>
+                                  </a:rPr>
+                                  <m:t>𝑠</m:t>
+                                </m:r>
+                              </m:e>
+                              <m:sub>
+                                <m:r>
+                                  <a:rPr lang="en-US" b="0" i="1" smtClean="0">
+                                    <a:latin typeface="Cambria Math" panose="02040503050406030204" pitchFamily="18" charset="0"/>
+                                  </a:rPr>
+                                  <m:t>𝑚</m:t>
+                                </m:r>
+                                <m:r>
+                                  <a:rPr lang="en-US" b="0" i="1" smtClean="0">
+                                    <a:latin typeface="Cambria Math" panose="02040503050406030204" pitchFamily="18" charset="0"/>
+                                  </a:rPr>
+                                  <m:t>+1</m:t>
+                                </m:r>
+                              </m:sub>
+                              <m:sup>
+                                <m:r>
+                                  <a:rPr lang="en-US" b="0" i="1" smtClean="0">
+                                    <a:latin typeface="Cambria Math" panose="02040503050406030204" pitchFamily="18" charset="0"/>
+                                  </a:rPr>
+                                  <m:t>𝑛</m:t>
+                                </m:r>
+                              </m:sup>
+                            </m:sSubSup>
+                          </m:e>
+                        </m:d>
+                      </m:e>
+                    </m:d>
+                  </m:oMath>
+                </a14:m>
+                <a:endParaRPr lang="en-US" b="0" dirty="0"/>
+              </a:p>
+              <a:p>
+                <a14:m>
+                  <m:oMath xmlns:m="http://schemas.openxmlformats.org/officeDocument/2006/math">
+                    <m:sSubSup>
+                      <m:sSubSupPr>
+                        <m:ctrlPr>
+                          <a:rPr lang="nb-NO" i="1">
+                            <a:latin typeface="Cambria Math" panose="02040503050406030204" pitchFamily="18" charset="0"/>
+                          </a:rPr>
+                        </m:ctrlPr>
+                      </m:sSubSupPr>
+                      <m:e>
+                        <m:r>
+                          <a:rPr lang="en-US" i="1">
+                            <a:latin typeface="Cambria Math" panose="02040503050406030204" pitchFamily="18" charset="0"/>
+                          </a:rPr>
+                          <m:t>𝑢</m:t>
+                        </m:r>
+                      </m:e>
+                      <m:sub>
+                        <m:r>
+                          <a:rPr lang="en-US" b="0" i="1" smtClean="0">
+                            <a:latin typeface="Cambria Math" panose="02040503050406030204" pitchFamily="18" charset="0"/>
+                          </a:rPr>
+                          <m:t>𝑚</m:t>
+                        </m:r>
+                      </m:sub>
+                      <m:sup>
+                        <m:r>
+                          <a:rPr lang="en-US" i="1">
+                            <a:latin typeface="Cambria Math" panose="02040503050406030204" pitchFamily="18" charset="0"/>
+                          </a:rPr>
+                          <m:t>𝑛</m:t>
+                        </m:r>
+                        <m:r>
+                          <a:rPr lang="en-US" i="1">
+                            <a:latin typeface="Cambria Math" panose="02040503050406030204" pitchFamily="18" charset="0"/>
+                          </a:rPr>
+                          <m:t>+1</m:t>
+                        </m:r>
+                      </m:sup>
+                    </m:sSubSup>
+                  </m:oMath>
+                </a14:m>
+                <a:r>
+                  <a:rPr lang="nb-NO" dirty="0"/>
+                  <a:t> = </a:t>
+                </a:r>
+                <a14:m>
+                  <m:oMath xmlns:m="http://schemas.openxmlformats.org/officeDocument/2006/math">
+                    <m:sSubSup>
+                      <m:sSubSupPr>
+                        <m:ctrlPr>
+                          <a:rPr lang="nb-NO" i="1">
+                            <a:latin typeface="Cambria Math" panose="02040503050406030204" pitchFamily="18" charset="0"/>
+                          </a:rPr>
+                        </m:ctrlPr>
+                      </m:sSubSupPr>
+                      <m:e>
+                        <m:r>
+                          <a:rPr lang="en-US" i="1">
+                            <a:latin typeface="Cambria Math" panose="02040503050406030204" pitchFamily="18" charset="0"/>
+                          </a:rPr>
+                          <m:t>𝑢</m:t>
+                        </m:r>
+                      </m:e>
+                      <m:sub>
+                        <m:r>
+                          <a:rPr lang="en-US" b="0" i="1" smtClean="0">
+                            <a:latin typeface="Cambria Math" panose="02040503050406030204" pitchFamily="18" charset="0"/>
+                          </a:rPr>
+                          <m:t>𝑚</m:t>
+                        </m:r>
+                      </m:sub>
+                      <m:sup>
+                        <m:r>
+                          <a:rPr lang="en-US" i="1">
+                            <a:latin typeface="Cambria Math" panose="02040503050406030204" pitchFamily="18" charset="0"/>
+                          </a:rPr>
+                          <m:t>𝑛</m:t>
+                        </m:r>
+                      </m:sup>
+                    </m:sSubSup>
+                    <m:r>
+                      <a:rPr lang="en-US" b="0" i="1" smtClean="0">
+                        <a:latin typeface="Cambria Math" panose="02040503050406030204" pitchFamily="18" charset="0"/>
+                      </a:rPr>
+                      <m:t>−</m:t>
+                    </m:r>
+                  </m:oMath>
+                </a14:m>
+                <a:r>
+                  <a:rPr lang="en-US" dirty="0"/>
+                  <a:t> </a:t>
+                </a:r>
+                <a14:m>
+                  <m:oMath xmlns:m="http://schemas.openxmlformats.org/officeDocument/2006/math">
+                    <m:f>
+                      <m:fPr>
+                        <m:ctrlPr>
+                          <a:rPr lang="en-US" i="1">
+                            <a:latin typeface="Cambria Math" panose="02040503050406030204" pitchFamily="18" charset="0"/>
+                          </a:rPr>
+                        </m:ctrlPr>
+                      </m:fPr>
+                      <m:num>
+                        <m:r>
+                          <a:rPr lang="en-US" i="1">
+                            <a:latin typeface="Cambria Math" panose="02040503050406030204" pitchFamily="18" charset="0"/>
+                          </a:rPr>
+                          <m:t>𝑘</m:t>
+                        </m:r>
+                      </m:num>
+                      <m:den>
+                        <m:r>
+                          <a:rPr lang="en-US" i="1">
+                            <a:latin typeface="Cambria Math" panose="02040503050406030204" pitchFamily="18" charset="0"/>
+                          </a:rPr>
+                          <m:t>h</m:t>
+                        </m:r>
+                      </m:den>
+                    </m:f>
+                    <m:d>
+                      <m:dPr>
+                        <m:begChr m:val="["/>
+                        <m:endChr m:val="]"/>
+                        <m:ctrlPr>
+                          <a:rPr lang="en-US" i="1" smtClean="0">
+                            <a:latin typeface="Cambria Math" panose="02040503050406030204" pitchFamily="18" charset="0"/>
+                          </a:rPr>
+                        </m:ctrlPr>
+                      </m:dPr>
+                      <m:e>
+                        <m:sSubSup>
+                          <m:sSubSupPr>
+                            <m:ctrlPr>
+                              <a:rPr lang="en-US" i="1">
+                                <a:latin typeface="Cambria Math" panose="02040503050406030204" pitchFamily="18" charset="0"/>
+                              </a:rPr>
+                            </m:ctrlPr>
+                          </m:sSubSupPr>
+                          <m:e>
+                            <m:r>
+                              <a:rPr lang="en-US" i="1">
+                                <a:latin typeface="Cambria Math" panose="02040503050406030204" pitchFamily="18" charset="0"/>
+                              </a:rPr>
+                              <m:t>𝑓</m:t>
+                            </m:r>
+                          </m:e>
+                          <m:sub>
+                            <m:r>
+                              <a:rPr lang="en-US" b="0" i="1" smtClean="0">
+                                <a:latin typeface="Cambria Math" panose="02040503050406030204" pitchFamily="18" charset="0"/>
+                              </a:rPr>
+                              <m:t>𝑚</m:t>
+                            </m:r>
+                            <m:r>
+                              <a:rPr lang="en-US" i="1">
+                                <a:latin typeface="Cambria Math" panose="02040503050406030204" pitchFamily="18" charset="0"/>
+                              </a:rPr>
+                              <m:t>+</m:t>
+                            </m:r>
+                            <m:f>
+                              <m:fPr>
+                                <m:ctrlPr>
+                                  <a:rPr lang="en-US" i="1" smtClean="0">
+                                    <a:latin typeface="Cambria Math" panose="02040503050406030204" pitchFamily="18" charset="0"/>
+                                  </a:rPr>
+                                </m:ctrlPr>
+                              </m:fPr>
+                              <m:num>
+                                <m:r>
+                                  <a:rPr lang="en-US" b="0" i="1" smtClean="0">
+                                    <a:latin typeface="Cambria Math" panose="02040503050406030204" pitchFamily="18" charset="0"/>
+                                  </a:rPr>
+                                  <m:t>1</m:t>
+                                </m:r>
+                              </m:num>
+                              <m:den>
+                                <m:r>
+                                  <a:rPr lang="en-US" b="0" i="1" smtClean="0">
+                                    <a:latin typeface="Cambria Math" panose="02040503050406030204" pitchFamily="18" charset="0"/>
+                                  </a:rPr>
+                                  <m:t>2</m:t>
+                                </m:r>
+                              </m:den>
+                            </m:f>
+                          </m:sub>
+                          <m:sup>
+                            <m:r>
+                              <a:rPr lang="en-US" i="1">
+                                <a:latin typeface="Cambria Math" panose="02040503050406030204" pitchFamily="18" charset="0"/>
+                              </a:rPr>
+                              <m:t>𝑛</m:t>
+                            </m:r>
+                            <m:r>
+                              <a:rPr lang="en-US" b="0" i="1" smtClean="0">
+                                <a:latin typeface="Cambria Math" panose="02040503050406030204" pitchFamily="18" charset="0"/>
+                              </a:rPr>
+                              <m:t>+</m:t>
+                            </m:r>
+                            <m:f>
+                              <m:fPr>
+                                <m:ctrlPr>
+                                  <a:rPr lang="en-US" b="0" i="1" smtClean="0">
+                                    <a:latin typeface="Cambria Math" panose="02040503050406030204" pitchFamily="18" charset="0"/>
+                                  </a:rPr>
+                                </m:ctrlPr>
+                              </m:fPr>
+                              <m:num>
+                                <m:r>
+                                  <a:rPr lang="en-US" b="0" i="1" smtClean="0">
+                                    <a:latin typeface="Cambria Math" panose="02040503050406030204" pitchFamily="18" charset="0"/>
+                                  </a:rPr>
+                                  <m:t>1</m:t>
+                                </m:r>
+                              </m:num>
+                              <m:den>
+                                <m:r>
+                                  <a:rPr lang="en-US" b="0" i="1" smtClean="0">
+                                    <a:latin typeface="Cambria Math" panose="02040503050406030204" pitchFamily="18" charset="0"/>
+                                  </a:rPr>
+                                  <m:t>2</m:t>
+                                </m:r>
+                              </m:den>
+                            </m:f>
+                          </m:sup>
+                        </m:sSubSup>
+                        <m:r>
+                          <a:rPr lang="en-US" i="1">
+                            <a:latin typeface="Cambria Math" panose="02040503050406030204" pitchFamily="18" charset="0"/>
+                          </a:rPr>
+                          <m:t>−</m:t>
+                        </m:r>
+                        <m:sSubSup>
+                          <m:sSubSupPr>
+                            <m:ctrlPr>
+                              <a:rPr lang="en-US" i="1">
+                                <a:latin typeface="Cambria Math" panose="02040503050406030204" pitchFamily="18" charset="0"/>
+                              </a:rPr>
+                            </m:ctrlPr>
+                          </m:sSubSupPr>
+                          <m:e>
+                            <m:r>
+                              <a:rPr lang="en-US" i="1">
+                                <a:latin typeface="Cambria Math" panose="02040503050406030204" pitchFamily="18" charset="0"/>
+                              </a:rPr>
+                              <m:t>𝑓</m:t>
+                            </m:r>
+                          </m:e>
+                          <m:sub>
+                            <m:r>
+                              <a:rPr lang="en-US" b="0" i="1" smtClean="0">
+                                <a:latin typeface="Cambria Math" panose="02040503050406030204" pitchFamily="18" charset="0"/>
+                              </a:rPr>
+                              <m:t>𝑚</m:t>
+                            </m:r>
+                            <m:r>
+                              <a:rPr lang="en-US" b="0" i="1" smtClean="0">
+                                <a:latin typeface="Cambria Math" panose="02040503050406030204" pitchFamily="18" charset="0"/>
+                              </a:rPr>
+                              <m:t>−</m:t>
+                            </m:r>
+                            <m:f>
+                              <m:fPr>
+                                <m:ctrlPr>
+                                  <a:rPr lang="en-US" i="1">
+                                    <a:latin typeface="Cambria Math" panose="02040503050406030204" pitchFamily="18" charset="0"/>
+                                  </a:rPr>
+                                </m:ctrlPr>
+                              </m:fPr>
+                              <m:num>
+                                <m:r>
+                                  <a:rPr lang="en-US" i="1">
+                                    <a:latin typeface="Cambria Math" panose="02040503050406030204" pitchFamily="18" charset="0"/>
+                                  </a:rPr>
+                                  <m:t>1</m:t>
+                                </m:r>
+                              </m:num>
+                              <m:den>
+                                <m:r>
+                                  <a:rPr lang="en-US" i="1">
+                                    <a:latin typeface="Cambria Math" panose="02040503050406030204" pitchFamily="18" charset="0"/>
+                                  </a:rPr>
+                                  <m:t>2</m:t>
+                                </m:r>
+                              </m:den>
+                            </m:f>
+                          </m:sub>
+                          <m:sup>
+                            <m:r>
+                              <a:rPr lang="en-US" i="1">
+                                <a:latin typeface="Cambria Math" panose="02040503050406030204" pitchFamily="18" charset="0"/>
+                              </a:rPr>
+                              <m:t>𝑛</m:t>
+                            </m:r>
+                            <m:r>
+                              <a:rPr lang="en-US" i="1">
+                                <a:latin typeface="Cambria Math" panose="02040503050406030204" pitchFamily="18" charset="0"/>
+                              </a:rPr>
+                              <m:t>+</m:t>
+                            </m:r>
+                            <m:f>
+                              <m:fPr>
+                                <m:ctrlPr>
+                                  <a:rPr lang="en-US" i="1">
+                                    <a:latin typeface="Cambria Math" panose="02040503050406030204" pitchFamily="18" charset="0"/>
+                                  </a:rPr>
+                                </m:ctrlPr>
+                              </m:fPr>
+                              <m:num>
+                                <m:r>
+                                  <a:rPr lang="en-US" i="1">
+                                    <a:latin typeface="Cambria Math" panose="02040503050406030204" pitchFamily="18" charset="0"/>
+                                  </a:rPr>
+                                  <m:t>1</m:t>
+                                </m:r>
+                              </m:num>
+                              <m:den>
+                                <m:r>
+                                  <a:rPr lang="en-US" i="1">
+                                    <a:latin typeface="Cambria Math" panose="02040503050406030204" pitchFamily="18" charset="0"/>
+                                  </a:rPr>
+                                  <m:t>2</m:t>
+                                </m:r>
+                              </m:den>
+                            </m:f>
+                          </m:sup>
+                        </m:sSubSup>
+                      </m:e>
+                    </m:d>
+                    <m:r>
+                      <a:rPr lang="en-US" b="0" i="1" smtClean="0">
+                        <a:latin typeface="Cambria Math" panose="02040503050406030204" pitchFamily="18" charset="0"/>
+                      </a:rPr>
+                      <m:t>+</m:t>
+                    </m:r>
+                    <m:f>
+                      <m:fPr>
+                        <m:ctrlPr>
+                          <a:rPr lang="en-US" b="0" i="1" smtClean="0">
+                            <a:latin typeface="Cambria Math" panose="02040503050406030204" pitchFamily="18" charset="0"/>
+                          </a:rPr>
+                        </m:ctrlPr>
+                      </m:fPr>
+                      <m:num>
+                        <m:r>
+                          <a:rPr lang="en-US" b="0" i="1" smtClean="0">
+                            <a:latin typeface="Cambria Math" panose="02040503050406030204" pitchFamily="18" charset="0"/>
+                          </a:rPr>
+                          <m:t>𝑘</m:t>
+                        </m:r>
+                      </m:num>
+                      <m:den>
+                        <m:r>
+                          <a:rPr lang="en-US" b="0" i="1" smtClean="0">
+                            <a:latin typeface="Cambria Math" panose="02040503050406030204" pitchFamily="18" charset="0"/>
+                          </a:rPr>
+                          <m:t>2</m:t>
+                        </m:r>
+                      </m:den>
+                    </m:f>
+                    <m:d>
+                      <m:dPr>
+                        <m:begChr m:val="["/>
+                        <m:endChr m:val="]"/>
+                        <m:ctrlPr>
+                          <a:rPr lang="en-US" b="0" i="1" smtClean="0">
+                            <a:latin typeface="Cambria Math" panose="02040503050406030204" pitchFamily="18" charset="0"/>
+                          </a:rPr>
+                        </m:ctrlPr>
+                      </m:dPr>
+                      <m:e>
+                        <m:sSubSup>
+                          <m:sSubSupPr>
+                            <m:ctrlPr>
+                              <a:rPr lang="en-US" i="1">
+                                <a:latin typeface="Cambria Math" panose="02040503050406030204" pitchFamily="18" charset="0"/>
+                              </a:rPr>
+                            </m:ctrlPr>
+                          </m:sSubSupPr>
+                          <m:e>
+                            <m:r>
+                              <a:rPr lang="en-US" b="0" i="1" smtClean="0">
+                                <a:latin typeface="Cambria Math" panose="02040503050406030204" pitchFamily="18" charset="0"/>
+                              </a:rPr>
+                              <m:t>𝑠</m:t>
+                            </m:r>
+                          </m:e>
+                          <m:sub>
+                            <m:r>
+                              <a:rPr lang="en-US" b="0" i="1" smtClean="0">
+                                <a:latin typeface="Cambria Math" panose="02040503050406030204" pitchFamily="18" charset="0"/>
+                              </a:rPr>
+                              <m:t>𝑚</m:t>
+                            </m:r>
+                            <m:r>
+                              <a:rPr lang="en-US" i="1">
+                                <a:latin typeface="Cambria Math" panose="02040503050406030204" pitchFamily="18" charset="0"/>
+                              </a:rPr>
+                              <m:t>+</m:t>
+                            </m:r>
+                            <m:f>
+                              <m:fPr>
+                                <m:ctrlPr>
+                                  <a:rPr lang="en-US" i="1">
+                                    <a:latin typeface="Cambria Math" panose="02040503050406030204" pitchFamily="18" charset="0"/>
+                                  </a:rPr>
+                                </m:ctrlPr>
+                              </m:fPr>
+                              <m:num>
+                                <m:r>
+                                  <a:rPr lang="en-US" i="1">
+                                    <a:latin typeface="Cambria Math" panose="02040503050406030204" pitchFamily="18" charset="0"/>
+                                  </a:rPr>
+                                  <m:t>1</m:t>
+                                </m:r>
+                              </m:num>
+                              <m:den>
+                                <m:r>
+                                  <a:rPr lang="en-US" i="1">
+                                    <a:latin typeface="Cambria Math" panose="02040503050406030204" pitchFamily="18" charset="0"/>
+                                  </a:rPr>
+                                  <m:t>2</m:t>
+                                </m:r>
+                              </m:den>
+                            </m:f>
+                          </m:sub>
+                          <m:sup>
+                            <m:r>
+                              <a:rPr lang="en-US" i="1">
+                                <a:latin typeface="Cambria Math" panose="02040503050406030204" pitchFamily="18" charset="0"/>
+                              </a:rPr>
+                              <m:t>𝑛</m:t>
+                            </m:r>
+                            <m:r>
+                              <a:rPr lang="en-US" i="1">
+                                <a:latin typeface="Cambria Math" panose="02040503050406030204" pitchFamily="18" charset="0"/>
+                              </a:rPr>
+                              <m:t>+</m:t>
+                            </m:r>
+                            <m:f>
+                              <m:fPr>
+                                <m:ctrlPr>
+                                  <a:rPr lang="en-US" i="1">
+                                    <a:latin typeface="Cambria Math" panose="02040503050406030204" pitchFamily="18" charset="0"/>
+                                  </a:rPr>
+                                </m:ctrlPr>
+                              </m:fPr>
+                              <m:num>
+                                <m:r>
+                                  <a:rPr lang="en-US" i="1">
+                                    <a:latin typeface="Cambria Math" panose="02040503050406030204" pitchFamily="18" charset="0"/>
+                                  </a:rPr>
+                                  <m:t>1</m:t>
+                                </m:r>
+                              </m:num>
+                              <m:den>
+                                <m:r>
+                                  <a:rPr lang="en-US" i="1">
+                                    <a:latin typeface="Cambria Math" panose="02040503050406030204" pitchFamily="18" charset="0"/>
+                                  </a:rPr>
+                                  <m:t>2</m:t>
+                                </m:r>
+                              </m:den>
+                            </m:f>
+                          </m:sup>
+                        </m:sSubSup>
+                        <m:r>
+                          <a:rPr lang="en-US" b="0" i="1" smtClean="0">
+                            <a:latin typeface="Cambria Math" panose="02040503050406030204" pitchFamily="18" charset="0"/>
+                          </a:rPr>
+                          <m:t>+</m:t>
+                        </m:r>
+                        <m:sSubSup>
+                          <m:sSubSupPr>
+                            <m:ctrlPr>
+                              <a:rPr lang="en-US" i="1">
+                                <a:latin typeface="Cambria Math" panose="02040503050406030204" pitchFamily="18" charset="0"/>
+                              </a:rPr>
+                            </m:ctrlPr>
+                          </m:sSubSupPr>
+                          <m:e>
+                            <m:r>
+                              <a:rPr lang="en-US" b="0" i="1" smtClean="0">
+                                <a:latin typeface="Cambria Math" panose="02040503050406030204" pitchFamily="18" charset="0"/>
+                              </a:rPr>
+                              <m:t>𝑠</m:t>
+                            </m:r>
+                          </m:e>
+                          <m:sub>
+                            <m:r>
+                              <a:rPr lang="en-US" b="0" i="1" smtClean="0">
+                                <a:latin typeface="Cambria Math" panose="02040503050406030204" pitchFamily="18" charset="0"/>
+                              </a:rPr>
+                              <m:t>𝑚</m:t>
+                            </m:r>
+                            <m:r>
+                              <a:rPr lang="en-US" i="1">
+                                <a:latin typeface="Cambria Math" panose="02040503050406030204" pitchFamily="18" charset="0"/>
+                              </a:rPr>
+                              <m:t>−</m:t>
+                            </m:r>
+                            <m:f>
+                              <m:fPr>
+                                <m:ctrlPr>
+                                  <a:rPr lang="en-US" i="1">
+                                    <a:latin typeface="Cambria Math" panose="02040503050406030204" pitchFamily="18" charset="0"/>
+                                  </a:rPr>
+                                </m:ctrlPr>
+                              </m:fPr>
+                              <m:num>
+                                <m:r>
+                                  <a:rPr lang="en-US" i="1">
+                                    <a:latin typeface="Cambria Math" panose="02040503050406030204" pitchFamily="18" charset="0"/>
+                                  </a:rPr>
+                                  <m:t>1</m:t>
+                                </m:r>
+                              </m:num>
+                              <m:den>
+                                <m:r>
+                                  <a:rPr lang="en-US" i="1">
+                                    <a:latin typeface="Cambria Math" panose="02040503050406030204" pitchFamily="18" charset="0"/>
+                                  </a:rPr>
+                                  <m:t>2</m:t>
+                                </m:r>
+                              </m:den>
+                            </m:f>
+                          </m:sub>
+                          <m:sup>
+                            <m:r>
+                              <a:rPr lang="en-US" i="1">
+                                <a:latin typeface="Cambria Math" panose="02040503050406030204" pitchFamily="18" charset="0"/>
+                              </a:rPr>
+                              <m:t>𝑛</m:t>
+                            </m:r>
+                            <m:r>
+                              <a:rPr lang="en-US" i="1">
+                                <a:latin typeface="Cambria Math" panose="02040503050406030204" pitchFamily="18" charset="0"/>
+                              </a:rPr>
+                              <m:t>+</m:t>
+                            </m:r>
+                            <m:f>
+                              <m:fPr>
+                                <m:ctrlPr>
+                                  <a:rPr lang="en-US" i="1">
+                                    <a:latin typeface="Cambria Math" panose="02040503050406030204" pitchFamily="18" charset="0"/>
+                                  </a:rPr>
+                                </m:ctrlPr>
+                              </m:fPr>
+                              <m:num>
+                                <m:r>
+                                  <a:rPr lang="en-US" i="1">
+                                    <a:latin typeface="Cambria Math" panose="02040503050406030204" pitchFamily="18" charset="0"/>
+                                  </a:rPr>
+                                  <m:t>1</m:t>
+                                </m:r>
+                              </m:num>
+                              <m:den>
+                                <m:r>
+                                  <a:rPr lang="en-US" i="1">
+                                    <a:latin typeface="Cambria Math" panose="02040503050406030204" pitchFamily="18" charset="0"/>
+                                  </a:rPr>
+                                  <m:t>2</m:t>
+                                </m:r>
+                              </m:den>
+                            </m:f>
+                          </m:sup>
+                        </m:sSubSup>
+                      </m:e>
+                    </m:d>
+                  </m:oMath>
+                </a14:m>
+                <a:endParaRPr lang="nb-NO" dirty="0"/>
+              </a:p>
+            </p:txBody>
+          </p:sp>
+        </mc:Choice>
+        <mc:Fallback>
+          <p:sp>
+            <p:nvSpPr>
+              <p:cNvPr id="3" name="Plassholder for innhold 2">
+                <a:extLst>
+                  <a:ext uri="{FF2B5EF4-FFF2-40B4-BE49-F238E27FC236}">
+                    <a16:creationId xmlns:a16="http://schemas.microsoft.com/office/drawing/2014/main" id="{C46A7982-C96E-3D41-9C79-09AD0B0D4B53}"/>
+                  </a:ext>
+                </a:extLst>
+              </p:cNvPr>
+              <p:cNvSpPr>
+                <a:spLocks noGrp="1" noRot="1" noChangeAspect="1" noMove="1" noResize="1" noEditPoints="1" noAdjustHandles="1" noChangeArrowheads="1" noChangeShapeType="1" noTextEdit="1"/>
+              </p:cNvSpPr>
+              <p:nvPr>
+                <p:ph idx="1"/>
+              </p:nvPr>
+            </p:nvSpPr>
+            <p:spPr>
+              <a:xfrm>
+                <a:off x="457200" y="978408"/>
+                <a:ext cx="8229600" cy="4525963"/>
+              </a:xfrm>
+              <a:blipFill>
+                <a:blip r:embed="rId2"/>
+                <a:stretch>
+                  <a:fillRect l="-1080" t="-1961"/>
+                </a:stretch>
+              </a:blipFill>
+            </p:spPr>
+            <p:txBody>
+              <a:bodyPr/>
+              <a:lstStyle/>
+              <a:p>
+                <a:r>
+                  <a:rPr lang="nb-NO">
+                    <a:noFill/>
+                  </a:rPr>
+                  <a:t> </a:t>
+                </a:r>
+              </a:p>
+            </p:txBody>
+          </p:sp>
+        </mc:Fallback>
+      </mc:AlternateContent>
+    </p:spTree>
+    <p:extLst>
+      <p:ext uri="{BB962C8B-B14F-4D97-AF65-F5344CB8AC3E}">
+        <p14:creationId xmlns:p14="http://schemas.microsoft.com/office/powerpoint/2010/main" val="704877759"/>
+      </p:ext>
+    </p:extLst>
+  </p:cSld>
+  <p:clrMapOvr>
+    <a:masterClrMapping/>
+  </p:clrMapOvr>
+</p:sld>
+</file>
+
+<file path=ppt/slides/slide5.xml><?xml version="1.0" encoding="utf-8"?>
+<p:sld xmlns:a="http://schemas.openxmlformats.org/drawingml/2006/main" xmlns:r="http://schemas.openxmlformats.org/officeDocument/2006/relationships" xmlns:p="http://schemas.openxmlformats.org/presentationml/2006/main">
+  <p:cSld>
+    <p:spTree>
+      <p:nvGrpSpPr>
+        <p:cNvPr id="1" name=""/>
+        <p:cNvGrpSpPr/>
+        <p:nvPr/>
+      </p:nvGrpSpPr>
+      <p:grpSpPr>
+        <a:xfrm>
+          <a:off x="0" y="0"/>
+          <a:ext cx="0" cy="0"/>
+          <a:chOff x="0" y="0"/>
+          <a:chExt cx="0" cy="0"/>
+        </a:xfrm>
+      </p:grpSpPr>
+      <p:sp>
+        <p:nvSpPr>
+          <p:cNvPr id="2" name="Tittel 1">
+            <a:extLst>
+              <a:ext uri="{FF2B5EF4-FFF2-40B4-BE49-F238E27FC236}">
+                <a16:creationId xmlns:a16="http://schemas.microsoft.com/office/drawing/2014/main" id="{18D93DDD-51A5-7146-8FEE-3E73008F0CBD}"/>
+              </a:ext>
+            </a:extLst>
+          </p:cNvPr>
+          <p:cNvSpPr>
+            <a:spLocks noGrp="1"/>
+          </p:cNvSpPr>
+          <p:nvPr>
+            <p:ph type="title"/>
+          </p:nvPr>
+        </p:nvSpPr>
+        <p:spPr/>
+        <p:txBody>
+          <a:bodyPr/>
+          <a:lstStyle/>
+          <a:p>
+            <a:r>
+              <a:rPr lang="en-US" dirty="0"/>
+              <a:t>Error Analysis</a:t>
+            </a:r>
+            <a:endParaRPr lang="nb-NO" dirty="0"/>
+          </a:p>
+        </p:txBody>
+      </p:sp>
+      <mc:AlternateContent xmlns:mc="http://schemas.openxmlformats.org/markup-compatibility/2006">
+        <mc:Choice xmlns:a14="http://schemas.microsoft.com/office/drawing/2010/main" Requires="a14">
+          <p:sp>
+            <p:nvSpPr>
+              <p:cNvPr id="3" name="Plassholder for innhold 2">
+                <a:extLst>
+                  <a:ext uri="{FF2B5EF4-FFF2-40B4-BE49-F238E27FC236}">
+                    <a16:creationId xmlns:a16="http://schemas.microsoft.com/office/drawing/2014/main" id="{A2B20F21-B2AA-664A-9A70-FAA3033DFDCD}"/>
+                  </a:ext>
+                </a:extLst>
+              </p:cNvPr>
+              <p:cNvSpPr>
+                <a:spLocks noGrp="1"/>
+              </p:cNvSpPr>
+              <p:nvPr>
+                <p:ph idx="1"/>
+              </p:nvPr>
+            </p:nvSpPr>
+            <p:spPr/>
+            <p:txBody>
+              <a:bodyPr/>
+              <a:lstStyle/>
+              <a:p>
+                <a14:m>
+                  <m:oMath xmlns:m="http://schemas.openxmlformats.org/officeDocument/2006/math">
+                    <m:sSubSup>
+                      <m:sSubSupPr>
+                        <m:ctrlPr>
+                          <a:rPr lang="nb-NO" i="1">
+                            <a:latin typeface="Cambria Math" panose="02040503050406030204" pitchFamily="18" charset="0"/>
+                          </a:rPr>
+                        </m:ctrlPr>
+                      </m:sSubSupPr>
+                      <m:e>
+                        <m:r>
+                          <a:rPr lang="en-US" i="1">
+                            <a:latin typeface="Cambria Math" panose="02040503050406030204" pitchFamily="18" charset="0"/>
+                          </a:rPr>
+                          <m:t>𝑢</m:t>
+                        </m:r>
+                      </m:e>
+                      <m:sub>
+                        <m:r>
+                          <a:rPr lang="en-US" i="1">
+                            <a:latin typeface="Cambria Math" panose="02040503050406030204" pitchFamily="18" charset="0"/>
+                          </a:rPr>
+                          <m:t>𝑚</m:t>
+                        </m:r>
+                      </m:sub>
+                      <m:sup>
+                        <m:r>
+                          <a:rPr lang="en-US" i="1">
+                            <a:latin typeface="Cambria Math" panose="02040503050406030204" pitchFamily="18" charset="0"/>
+                          </a:rPr>
+                          <m:t>𝑛</m:t>
+                        </m:r>
+                        <m:r>
+                          <a:rPr lang="en-US" i="1">
+                            <a:latin typeface="Cambria Math" panose="02040503050406030204" pitchFamily="18" charset="0"/>
+                          </a:rPr>
+                          <m:t>+1</m:t>
+                        </m:r>
+                      </m:sup>
+                    </m:sSubSup>
+                    <m:r>
+                      <a:rPr lang="en-US" i="1">
+                        <a:latin typeface="Cambria Math" panose="02040503050406030204" pitchFamily="18" charset="0"/>
+                      </a:rPr>
+                      <m:t>=</m:t>
+                    </m:r>
+                    <m:f>
+                      <m:fPr>
+                        <m:ctrlPr>
+                          <a:rPr lang="en-US" i="1">
+                            <a:latin typeface="Cambria Math" panose="02040503050406030204" pitchFamily="18" charset="0"/>
+                          </a:rPr>
+                        </m:ctrlPr>
+                      </m:fPr>
+                      <m:num>
+                        <m:sSubSup>
+                          <m:sSubSupPr>
+                            <m:ctrlPr>
+                              <a:rPr lang="en-US" i="1">
+                                <a:latin typeface="Cambria Math" panose="02040503050406030204" pitchFamily="18" charset="0"/>
+                              </a:rPr>
+                            </m:ctrlPr>
+                          </m:sSubSupPr>
+                          <m:e>
+                            <m:r>
+                              <a:rPr lang="en-US" i="1">
+                                <a:latin typeface="Cambria Math" panose="02040503050406030204" pitchFamily="18" charset="0"/>
+                              </a:rPr>
+                              <m:t>𝑢</m:t>
+                            </m:r>
+                          </m:e>
+                          <m:sub>
+                            <m:r>
+                              <a:rPr lang="en-US" i="1">
+                                <a:latin typeface="Cambria Math" panose="02040503050406030204" pitchFamily="18" charset="0"/>
+                              </a:rPr>
+                              <m:t>𝑚</m:t>
+                            </m:r>
+                            <m:r>
+                              <a:rPr lang="en-US" i="1">
+                                <a:latin typeface="Cambria Math" panose="02040503050406030204" pitchFamily="18" charset="0"/>
+                              </a:rPr>
+                              <m:t>−1</m:t>
+                            </m:r>
+                          </m:sub>
+                          <m:sup>
+                            <m:r>
+                              <a:rPr lang="en-US" i="1">
+                                <a:latin typeface="Cambria Math" panose="02040503050406030204" pitchFamily="18" charset="0"/>
+                              </a:rPr>
+                              <m:t>𝑛</m:t>
+                            </m:r>
+                          </m:sup>
+                        </m:sSubSup>
+                        <m:r>
+                          <a:rPr lang="en-US" i="1">
+                            <a:latin typeface="Cambria Math" panose="02040503050406030204" pitchFamily="18" charset="0"/>
+                          </a:rPr>
+                          <m:t>+</m:t>
+                        </m:r>
+                        <m:sSubSup>
+                          <m:sSubSupPr>
+                            <m:ctrlPr>
+                              <a:rPr lang="en-US" i="1">
+                                <a:latin typeface="Cambria Math" panose="02040503050406030204" pitchFamily="18" charset="0"/>
+                              </a:rPr>
+                            </m:ctrlPr>
+                          </m:sSubSupPr>
+                          <m:e>
+                            <m:r>
+                              <a:rPr lang="en-US" i="1">
+                                <a:latin typeface="Cambria Math" panose="02040503050406030204" pitchFamily="18" charset="0"/>
+                              </a:rPr>
+                              <m:t>𝑢</m:t>
+                            </m:r>
+                          </m:e>
+                          <m:sub>
+                            <m:r>
+                              <a:rPr lang="en-US" i="1">
+                                <a:latin typeface="Cambria Math" panose="02040503050406030204" pitchFamily="18" charset="0"/>
+                              </a:rPr>
+                              <m:t>𝑚</m:t>
+                            </m:r>
+                            <m:r>
+                              <a:rPr lang="en-US" i="1">
+                                <a:latin typeface="Cambria Math" panose="02040503050406030204" pitchFamily="18" charset="0"/>
+                              </a:rPr>
+                              <m:t>+1</m:t>
+                            </m:r>
+                          </m:sub>
+                          <m:sup>
+                            <m:r>
+                              <a:rPr lang="en-US" i="1">
+                                <a:latin typeface="Cambria Math" panose="02040503050406030204" pitchFamily="18" charset="0"/>
+                              </a:rPr>
+                              <m:t>𝑛</m:t>
+                            </m:r>
+                          </m:sup>
+                        </m:sSubSup>
+                      </m:num>
+                      <m:den>
+                        <m:r>
+                          <a:rPr lang="en-US" i="1">
+                            <a:latin typeface="Cambria Math" panose="02040503050406030204" pitchFamily="18" charset="0"/>
+                          </a:rPr>
+                          <m:t>2</m:t>
+                        </m:r>
+                      </m:den>
+                    </m:f>
+                    <m:r>
+                      <a:rPr lang="en-US" i="1">
+                        <a:latin typeface="Cambria Math" panose="02040503050406030204" pitchFamily="18" charset="0"/>
+                      </a:rPr>
+                      <m:t>−</m:t>
+                    </m:r>
+                    <m:f>
+                      <m:fPr>
+                        <m:ctrlPr>
+                          <a:rPr lang="en-US" i="1">
+                            <a:latin typeface="Cambria Math" panose="02040503050406030204" pitchFamily="18" charset="0"/>
+                          </a:rPr>
+                        </m:ctrlPr>
+                      </m:fPr>
+                      <m:num>
+                        <m:r>
+                          <a:rPr lang="en-US" i="1">
+                            <a:latin typeface="Cambria Math" panose="02040503050406030204" pitchFamily="18" charset="0"/>
+                          </a:rPr>
+                          <m:t>𝑘</m:t>
+                        </m:r>
+                      </m:num>
+                      <m:den>
+                        <m:r>
+                          <a:rPr lang="en-US" i="1">
+                            <a:latin typeface="Cambria Math" panose="02040503050406030204" pitchFamily="18" charset="0"/>
+                          </a:rPr>
+                          <m:t>2</m:t>
+                        </m:r>
+                        <m:r>
+                          <a:rPr lang="en-US" i="1">
+                            <a:latin typeface="Cambria Math" panose="02040503050406030204" pitchFamily="18" charset="0"/>
+                          </a:rPr>
+                          <m:t>h</m:t>
+                        </m:r>
+                      </m:den>
+                    </m:f>
+                    <m:d>
+                      <m:dPr>
+                        <m:ctrlPr>
+                          <a:rPr lang="en-US" i="1">
+                            <a:latin typeface="Cambria Math" panose="02040503050406030204" pitchFamily="18" charset="0"/>
+                          </a:rPr>
+                        </m:ctrlPr>
+                      </m:dPr>
+                      <m:e>
+                        <m:sSubSup>
+                          <m:sSubSupPr>
+                            <m:ctrlPr>
+                              <a:rPr lang="en-US" i="1">
+                                <a:latin typeface="Cambria Math" panose="02040503050406030204" pitchFamily="18" charset="0"/>
+                              </a:rPr>
+                            </m:ctrlPr>
+                          </m:sSubSupPr>
+                          <m:e>
+                            <m:r>
+                              <a:rPr lang="en-US" i="1">
+                                <a:latin typeface="Cambria Math" panose="02040503050406030204" pitchFamily="18" charset="0"/>
+                              </a:rPr>
+                              <m:t>𝑓</m:t>
+                            </m:r>
+                          </m:e>
+                          <m:sub>
+                            <m:r>
+                              <a:rPr lang="en-US" i="1">
+                                <a:latin typeface="Cambria Math" panose="02040503050406030204" pitchFamily="18" charset="0"/>
+                              </a:rPr>
+                              <m:t>𝑚</m:t>
+                            </m:r>
+                            <m:r>
+                              <a:rPr lang="en-US" i="1">
+                                <a:latin typeface="Cambria Math" panose="02040503050406030204" pitchFamily="18" charset="0"/>
+                              </a:rPr>
+                              <m:t>+1</m:t>
+                            </m:r>
+                          </m:sub>
+                          <m:sup>
+                            <m:r>
+                              <a:rPr lang="en-US" i="1">
+                                <a:latin typeface="Cambria Math" panose="02040503050406030204" pitchFamily="18" charset="0"/>
+                              </a:rPr>
+                              <m:t>𝑛</m:t>
+                            </m:r>
+                          </m:sup>
+                        </m:sSubSup>
+                        <m:r>
+                          <a:rPr lang="en-US" i="1">
+                            <a:latin typeface="Cambria Math" panose="02040503050406030204" pitchFamily="18" charset="0"/>
+                          </a:rPr>
+                          <m:t>−</m:t>
+                        </m:r>
+                        <m:sSubSup>
+                          <m:sSubSupPr>
+                            <m:ctrlPr>
+                              <a:rPr lang="en-US" i="1">
+                                <a:latin typeface="Cambria Math" panose="02040503050406030204" pitchFamily="18" charset="0"/>
+                              </a:rPr>
+                            </m:ctrlPr>
+                          </m:sSubSupPr>
+                          <m:e>
+                            <m:r>
+                              <a:rPr lang="en-US" i="1">
+                                <a:latin typeface="Cambria Math" panose="02040503050406030204" pitchFamily="18" charset="0"/>
+                              </a:rPr>
+                              <m:t>𝑓</m:t>
+                            </m:r>
+                          </m:e>
+                          <m:sub>
+                            <m:r>
+                              <a:rPr lang="en-US" i="1">
+                                <a:latin typeface="Cambria Math" panose="02040503050406030204" pitchFamily="18" charset="0"/>
+                              </a:rPr>
+                              <m:t>𝑚</m:t>
+                            </m:r>
+                            <m:r>
+                              <a:rPr lang="en-US" i="1">
+                                <a:latin typeface="Cambria Math" panose="02040503050406030204" pitchFamily="18" charset="0"/>
+                              </a:rPr>
+                              <m:t>−1</m:t>
+                            </m:r>
+                          </m:sub>
+                          <m:sup>
+                            <m:r>
+                              <a:rPr lang="en-US" i="1">
+                                <a:latin typeface="Cambria Math" panose="02040503050406030204" pitchFamily="18" charset="0"/>
+                              </a:rPr>
+                              <m:t>𝑛</m:t>
+                            </m:r>
+                          </m:sup>
+                        </m:sSubSup>
+                      </m:e>
+                    </m:d>
+                    <m:r>
+                      <a:rPr lang="en-US" i="1">
+                        <a:latin typeface="Cambria Math" panose="02040503050406030204" pitchFamily="18" charset="0"/>
+                      </a:rPr>
+                      <m:t>+</m:t>
+                    </m:r>
+                    <m:r>
+                      <a:rPr lang="en-US" i="1">
+                        <a:latin typeface="Cambria Math" panose="02040503050406030204" pitchFamily="18" charset="0"/>
+                      </a:rPr>
+                      <m:t>𝑘</m:t>
+                    </m:r>
+                    <m:sSubSup>
+                      <m:sSubSupPr>
+                        <m:ctrlPr>
+                          <a:rPr lang="en-US" i="1">
+                            <a:latin typeface="Cambria Math" panose="02040503050406030204" pitchFamily="18" charset="0"/>
+                          </a:rPr>
+                        </m:ctrlPr>
+                      </m:sSubSupPr>
+                      <m:e>
+                        <m:r>
+                          <a:rPr lang="en-US" i="1">
+                            <a:latin typeface="Cambria Math" panose="02040503050406030204" pitchFamily="18" charset="0"/>
+                          </a:rPr>
+                          <m:t>𝑠</m:t>
+                        </m:r>
+                      </m:e>
+                      <m:sub>
+                        <m:r>
+                          <a:rPr lang="en-US" i="1">
+                            <a:latin typeface="Cambria Math" panose="02040503050406030204" pitchFamily="18" charset="0"/>
+                          </a:rPr>
+                          <m:t>𝑗</m:t>
+                        </m:r>
+                      </m:sub>
+                      <m:sup>
+                        <m:r>
+                          <a:rPr lang="en-US" i="1">
+                            <a:latin typeface="Cambria Math" panose="02040503050406030204" pitchFamily="18" charset="0"/>
+                          </a:rPr>
+                          <m:t>𝑛</m:t>
+                        </m:r>
+                      </m:sup>
+                    </m:sSubSup>
+                  </m:oMath>
+                </a14:m>
+                <a:endParaRPr lang="nb-NO" dirty="0"/>
+              </a:p>
+              <a:p>
+                <a14:m>
+                  <m:oMath xmlns:m="http://schemas.openxmlformats.org/officeDocument/2006/math">
+                    <m:r>
+                      <a:rPr lang="nb-NO" i="1">
+                        <a:latin typeface="Cambria Math" charset="0"/>
+                        <a:ea typeface="Cambria Math" charset="0"/>
+                        <a:cs typeface="Cambria Math" charset="0"/>
+                      </a:rPr>
+                      <m:t>𝜏</m:t>
+                    </m:r>
+                    <m:d>
+                      <m:dPr>
+                        <m:ctrlPr>
+                          <a:rPr lang="nb-NO" i="1">
+                            <a:latin typeface="Cambria Math" panose="02040503050406030204" pitchFamily="18" charset="0"/>
+                            <a:ea typeface="Cambria Math" charset="0"/>
+                            <a:cs typeface="Cambria Math" charset="0"/>
+                          </a:rPr>
+                        </m:ctrlPr>
+                      </m:dPr>
+                      <m:e>
+                        <m:r>
+                          <a:rPr lang="nb-NO" i="1">
+                            <a:latin typeface="Cambria Math" charset="0"/>
+                            <a:ea typeface="Cambria Math" charset="0"/>
+                            <a:cs typeface="Cambria Math" charset="0"/>
+                          </a:rPr>
+                          <m:t>h</m:t>
+                        </m:r>
+                        <m:r>
+                          <a:rPr lang="nb-NO" i="1">
+                            <a:latin typeface="Cambria Math" charset="0"/>
+                            <a:ea typeface="Cambria Math" charset="0"/>
+                            <a:cs typeface="Cambria Math" charset="0"/>
+                          </a:rPr>
+                          <m:t>,</m:t>
+                        </m:r>
+                        <m:r>
+                          <a:rPr lang="nb-NO" i="1">
+                            <a:latin typeface="Cambria Math" charset="0"/>
+                            <a:ea typeface="Cambria Math" charset="0"/>
+                            <a:cs typeface="Cambria Math" charset="0"/>
+                          </a:rPr>
+                          <m:t>𝑘</m:t>
+                        </m:r>
+                      </m:e>
+                    </m:d>
+                    <m:r>
+                      <a:rPr lang="nb-NO" i="1">
+                        <a:latin typeface="Cambria Math" charset="0"/>
+                        <a:ea typeface="Cambria Math" charset="0"/>
+                        <a:cs typeface="Cambria Math" charset="0"/>
+                      </a:rPr>
+                      <m:t>= </m:t>
+                    </m:r>
+                    <m:r>
+                      <a:rPr lang="nb-NO" i="1">
+                        <a:latin typeface="Cambria Math" charset="0"/>
+                        <a:ea typeface="Cambria Math" charset="0"/>
+                        <a:cs typeface="Cambria Math" charset="0"/>
+                      </a:rPr>
+                      <m:t>𝒪</m:t>
+                    </m:r>
+                    <m:d>
+                      <m:dPr>
+                        <m:ctrlPr>
+                          <a:rPr lang="nb-NO" i="1">
+                            <a:latin typeface="Cambria Math" panose="02040503050406030204" pitchFamily="18" charset="0"/>
+                            <a:ea typeface="Cambria Math" charset="0"/>
+                            <a:cs typeface="Cambria Math" charset="0"/>
+                          </a:rPr>
+                        </m:ctrlPr>
+                      </m:dPr>
+                      <m:e>
+                        <m:sSup>
+                          <m:sSupPr>
+                            <m:ctrlPr>
+                              <a:rPr lang="nb-NO" i="1">
+                                <a:latin typeface="Cambria Math" panose="02040503050406030204" pitchFamily="18" charset="0"/>
+                                <a:ea typeface="Cambria Math" charset="0"/>
+                                <a:cs typeface="Cambria Math" charset="0"/>
+                              </a:rPr>
+                            </m:ctrlPr>
+                          </m:sSupPr>
+                          <m:e>
+                            <m:r>
+                              <a:rPr lang="nb-NO" i="1">
+                                <a:latin typeface="Cambria Math" charset="0"/>
+                                <a:ea typeface="Cambria Math" charset="0"/>
+                                <a:cs typeface="Cambria Math" charset="0"/>
+                              </a:rPr>
+                              <m:t>h</m:t>
+                            </m:r>
+                          </m:e>
+                          <m:sup>
+                            <m:r>
+                              <a:rPr lang="nb-NO" i="1">
+                                <a:latin typeface="Cambria Math" charset="0"/>
+                                <a:ea typeface="Cambria Math" charset="0"/>
+                                <a:cs typeface="Cambria Math" charset="0"/>
+                              </a:rPr>
+                              <m:t>2</m:t>
+                            </m:r>
+                          </m:sup>
+                        </m:sSup>
+                      </m:e>
+                    </m:d>
+                    <m:r>
+                      <a:rPr lang="nb-NO" i="1">
+                        <a:latin typeface="Cambria Math" charset="0"/>
+                        <a:ea typeface="Cambria Math" charset="0"/>
+                        <a:cs typeface="Cambria Math" charset="0"/>
+                      </a:rPr>
+                      <m:t>+ </m:t>
+                    </m:r>
+                    <m:r>
+                      <a:rPr lang="nb-NO" i="1">
+                        <a:latin typeface="Cambria Math" charset="0"/>
+                        <a:ea typeface="Cambria Math" charset="0"/>
+                        <a:cs typeface="Cambria Math" charset="0"/>
+                      </a:rPr>
+                      <m:t>𝒪</m:t>
+                    </m:r>
+                    <m:d>
+                      <m:dPr>
+                        <m:ctrlPr>
+                          <a:rPr lang="nb-NO" i="1">
+                            <a:latin typeface="Cambria Math" panose="02040503050406030204" pitchFamily="18" charset="0"/>
+                            <a:ea typeface="Cambria Math" charset="0"/>
+                            <a:cs typeface="Cambria Math" charset="0"/>
+                          </a:rPr>
+                        </m:ctrlPr>
+                      </m:dPr>
+                      <m:e>
+                        <m:r>
+                          <a:rPr lang="nb-NO" i="1">
+                            <a:latin typeface="Cambria Math" charset="0"/>
+                            <a:ea typeface="Cambria Math" charset="0"/>
+                            <a:cs typeface="Cambria Math" charset="0"/>
+                          </a:rPr>
+                          <m:t>𝑘</m:t>
+                        </m:r>
+                        <m:sSup>
+                          <m:sSupPr>
+                            <m:ctrlPr>
+                              <a:rPr lang="nb-NO" i="1">
+                                <a:latin typeface="Cambria Math" panose="02040503050406030204" pitchFamily="18" charset="0"/>
+                                <a:ea typeface="Cambria Math" charset="0"/>
+                                <a:cs typeface="Cambria Math" charset="0"/>
+                              </a:rPr>
+                            </m:ctrlPr>
+                          </m:sSupPr>
+                          <m:e>
+                            <m:r>
+                              <a:rPr lang="nb-NO" i="1">
+                                <a:latin typeface="Cambria Math" charset="0"/>
+                                <a:ea typeface="Cambria Math" charset="0"/>
+                                <a:cs typeface="Cambria Math" charset="0"/>
+                              </a:rPr>
+                              <m:t>h</m:t>
+                            </m:r>
+                          </m:e>
+                          <m:sup>
+                            <m:r>
+                              <a:rPr lang="nb-NO" i="1">
+                                <a:latin typeface="Cambria Math" charset="0"/>
+                                <a:ea typeface="Cambria Math" charset="0"/>
+                                <a:cs typeface="Cambria Math" charset="0"/>
+                              </a:rPr>
+                              <m:t>2</m:t>
+                            </m:r>
+                          </m:sup>
+                        </m:sSup>
+                      </m:e>
+                    </m:d>
+                    <m:r>
+                      <a:rPr lang="nb-NO" i="1">
+                        <a:latin typeface="Cambria Math" charset="0"/>
+                        <a:ea typeface="Cambria Math" charset="0"/>
+                        <a:cs typeface="Cambria Math" charset="0"/>
+                      </a:rPr>
+                      <m:t>+ </m:t>
+                    </m:r>
+                    <m:r>
+                      <a:rPr lang="nb-NO" i="1">
+                        <a:latin typeface="Cambria Math" charset="0"/>
+                        <a:ea typeface="Cambria Math" charset="0"/>
+                        <a:cs typeface="Cambria Math" charset="0"/>
+                      </a:rPr>
+                      <m:t>𝒪</m:t>
+                    </m:r>
+                    <m:r>
+                      <a:rPr lang="nb-NO" i="1">
+                        <a:latin typeface="Cambria Math" charset="0"/>
+                        <a:ea typeface="Cambria Math" charset="0"/>
+                        <a:cs typeface="Cambria Math" charset="0"/>
+                      </a:rPr>
+                      <m:t>(</m:t>
+                    </m:r>
+                    <m:sSup>
+                      <m:sSupPr>
+                        <m:ctrlPr>
+                          <a:rPr lang="nb-NO" i="1">
+                            <a:latin typeface="Cambria Math" panose="02040503050406030204" pitchFamily="18" charset="0"/>
+                            <a:ea typeface="Cambria Math" charset="0"/>
+                            <a:cs typeface="Cambria Math" charset="0"/>
+                          </a:rPr>
+                        </m:ctrlPr>
+                      </m:sSupPr>
+                      <m:e>
+                        <m:r>
+                          <a:rPr lang="nb-NO" i="1">
+                            <a:latin typeface="Cambria Math" charset="0"/>
+                            <a:ea typeface="Cambria Math" charset="0"/>
+                            <a:cs typeface="Cambria Math" charset="0"/>
+                          </a:rPr>
+                          <m:t>𝑘</m:t>
+                        </m:r>
+                      </m:e>
+                      <m:sup>
+                        <m:r>
+                          <a:rPr lang="nb-NO" i="1">
+                            <a:latin typeface="Cambria Math" charset="0"/>
+                            <a:ea typeface="Cambria Math" charset="0"/>
+                            <a:cs typeface="Cambria Math" charset="0"/>
+                          </a:rPr>
+                          <m:t>2</m:t>
+                        </m:r>
+                      </m:sup>
+                    </m:sSup>
+                    <m:r>
+                      <a:rPr lang="nb-NO" i="1">
+                        <a:latin typeface="Cambria Math" charset="0"/>
+                        <a:ea typeface="Cambria Math" charset="0"/>
+                        <a:cs typeface="Cambria Math" charset="0"/>
+                      </a:rPr>
+                      <m:t>)</m:t>
+                    </m:r>
+                  </m:oMath>
+                </a14:m>
+                <a:endParaRPr lang="nb-NO" dirty="0"/>
+              </a:p>
+              <a:p>
+                <a:endParaRPr lang="nb-NO" dirty="0"/>
+              </a:p>
+              <a:p>
+                <a:pPr marL="0" indent="0">
+                  <a:buNone/>
+                </a:pPr>
+                <a:r>
+                  <a:rPr lang="nb-NO" dirty="0"/>
+                  <a:t>Lax-Wendroff:</a:t>
+                </a:r>
+              </a:p>
+              <a:p>
+                <a14:m>
+                  <m:oMath xmlns:m="http://schemas.openxmlformats.org/officeDocument/2006/math">
+                    <m:sSubSup>
+                      <m:sSubSupPr>
+                        <m:ctrlPr>
+                          <a:rPr lang="nb-NO" i="1">
+                            <a:latin typeface="Cambria Math" panose="02040503050406030204" pitchFamily="18" charset="0"/>
+                          </a:rPr>
+                        </m:ctrlPr>
+                      </m:sSubSupPr>
+                      <m:e>
+                        <m:r>
+                          <a:rPr lang="en-US" i="1">
+                            <a:latin typeface="Cambria Math" panose="02040503050406030204" pitchFamily="18" charset="0"/>
+                          </a:rPr>
+                          <m:t>𝑢</m:t>
+                        </m:r>
+                      </m:e>
+                      <m:sub>
+                        <m:r>
+                          <a:rPr lang="en-US" i="1">
+                            <a:latin typeface="Cambria Math" panose="02040503050406030204" pitchFamily="18" charset="0"/>
+                          </a:rPr>
+                          <m:t>𝑚</m:t>
+                        </m:r>
+                        <m:r>
+                          <a:rPr lang="en-US" i="1">
+                            <a:latin typeface="Cambria Math" panose="02040503050406030204" pitchFamily="18" charset="0"/>
+                          </a:rPr>
+                          <m:t>+</m:t>
+                        </m:r>
+                        <m:f>
+                          <m:fPr>
+                            <m:ctrlPr>
+                              <a:rPr lang="en-US" i="1">
+                                <a:latin typeface="Cambria Math" panose="02040503050406030204" pitchFamily="18" charset="0"/>
+                              </a:rPr>
+                            </m:ctrlPr>
+                          </m:fPr>
+                          <m:num>
+                            <m:r>
+                              <a:rPr lang="en-US" i="1">
+                                <a:latin typeface="Cambria Math" panose="02040503050406030204" pitchFamily="18" charset="0"/>
+                              </a:rPr>
+                              <m:t>1</m:t>
+                            </m:r>
+                          </m:num>
+                          <m:den>
+                            <m:r>
+                              <a:rPr lang="en-US" i="1">
+                                <a:latin typeface="Cambria Math" panose="02040503050406030204" pitchFamily="18" charset="0"/>
+                              </a:rPr>
+                              <m:t>2</m:t>
+                            </m:r>
+                          </m:den>
+                        </m:f>
+                      </m:sub>
+                      <m:sup>
+                        <m:r>
+                          <a:rPr lang="en-US" i="1">
+                            <a:latin typeface="Cambria Math" panose="02040503050406030204" pitchFamily="18" charset="0"/>
+                          </a:rPr>
+                          <m:t>𝑛</m:t>
+                        </m:r>
+                        <m:r>
+                          <a:rPr lang="en-US" i="1">
+                            <a:latin typeface="Cambria Math" panose="02040503050406030204" pitchFamily="18" charset="0"/>
+                          </a:rPr>
+                          <m:t>+</m:t>
+                        </m:r>
+                        <m:f>
+                          <m:fPr>
+                            <m:ctrlPr>
+                              <a:rPr lang="en-US" i="1">
+                                <a:latin typeface="Cambria Math" panose="02040503050406030204" pitchFamily="18" charset="0"/>
+                              </a:rPr>
+                            </m:ctrlPr>
+                          </m:fPr>
+                          <m:num>
+                            <m:r>
+                              <a:rPr lang="en-US" i="1">
+                                <a:latin typeface="Cambria Math" panose="02040503050406030204" pitchFamily="18" charset="0"/>
+                              </a:rPr>
+                              <m:t>1</m:t>
+                            </m:r>
+                          </m:num>
+                          <m:den>
+                            <m:r>
+                              <a:rPr lang="en-US" i="1">
+                                <a:latin typeface="Cambria Math" panose="02040503050406030204" pitchFamily="18" charset="0"/>
+                              </a:rPr>
+                              <m:t>2</m:t>
+                            </m:r>
+                          </m:den>
+                        </m:f>
+                      </m:sup>
+                    </m:sSubSup>
+                    <m:r>
+                      <a:rPr lang="en-US" i="1">
+                        <a:latin typeface="Cambria Math" panose="02040503050406030204" pitchFamily="18" charset="0"/>
+                      </a:rPr>
+                      <m:t>= </m:t>
+                    </m:r>
+                    <m:f>
+                      <m:fPr>
+                        <m:ctrlPr>
+                          <a:rPr lang="en-US" i="1">
+                            <a:latin typeface="Cambria Math" panose="02040503050406030204" pitchFamily="18" charset="0"/>
+                          </a:rPr>
+                        </m:ctrlPr>
+                      </m:fPr>
+                      <m:num>
+                        <m:r>
+                          <a:rPr lang="en-US" i="1">
+                            <a:latin typeface="Cambria Math" panose="02040503050406030204" pitchFamily="18" charset="0"/>
+                          </a:rPr>
+                          <m:t>1</m:t>
+                        </m:r>
+                      </m:num>
+                      <m:den>
+                        <m:r>
+                          <a:rPr lang="en-US" i="1">
+                            <a:latin typeface="Cambria Math" panose="02040503050406030204" pitchFamily="18" charset="0"/>
+                          </a:rPr>
+                          <m:t>2</m:t>
+                        </m:r>
+                      </m:den>
+                    </m:f>
+                    <m:d>
+                      <m:dPr>
+                        <m:begChr m:val="["/>
+                        <m:endChr m:val="]"/>
+                        <m:ctrlPr>
+                          <a:rPr lang="en-US" i="1">
+                            <a:latin typeface="Cambria Math" panose="02040503050406030204" pitchFamily="18" charset="0"/>
+                          </a:rPr>
+                        </m:ctrlPr>
+                      </m:dPr>
+                      <m:e>
+                        <m:sSubSup>
+                          <m:sSubSupPr>
+                            <m:ctrlPr>
+                              <a:rPr lang="en-US" i="1">
+                                <a:latin typeface="Cambria Math" panose="02040503050406030204" pitchFamily="18" charset="0"/>
+                              </a:rPr>
+                            </m:ctrlPr>
+                          </m:sSubSupPr>
+                          <m:e>
+                            <m:r>
+                              <a:rPr lang="en-US" i="1">
+                                <a:latin typeface="Cambria Math" panose="02040503050406030204" pitchFamily="18" charset="0"/>
+                              </a:rPr>
+                              <m:t>𝑢</m:t>
+                            </m:r>
+                          </m:e>
+                          <m:sub>
+                            <m:r>
+                              <a:rPr lang="en-US" i="1">
+                                <a:latin typeface="Cambria Math" panose="02040503050406030204" pitchFamily="18" charset="0"/>
+                              </a:rPr>
+                              <m:t>𝑚</m:t>
+                            </m:r>
+                            <m:r>
+                              <a:rPr lang="en-US" i="1">
+                                <a:latin typeface="Cambria Math" panose="02040503050406030204" pitchFamily="18" charset="0"/>
+                              </a:rPr>
+                              <m:t>−1</m:t>
+                            </m:r>
+                          </m:sub>
+                          <m:sup>
+                            <m:r>
+                              <a:rPr lang="en-US" i="1">
+                                <a:latin typeface="Cambria Math" panose="02040503050406030204" pitchFamily="18" charset="0"/>
+                              </a:rPr>
+                              <m:t>𝑛</m:t>
+                            </m:r>
+                          </m:sup>
+                        </m:sSubSup>
+                        <m:r>
+                          <a:rPr lang="en-US" i="1">
+                            <a:latin typeface="Cambria Math" panose="02040503050406030204" pitchFamily="18" charset="0"/>
+                          </a:rPr>
+                          <m:t>+</m:t>
+                        </m:r>
+                        <m:sSubSup>
+                          <m:sSubSupPr>
+                            <m:ctrlPr>
+                              <a:rPr lang="en-US" i="1">
+                                <a:latin typeface="Cambria Math" panose="02040503050406030204" pitchFamily="18" charset="0"/>
+                              </a:rPr>
+                            </m:ctrlPr>
+                          </m:sSubSupPr>
+                          <m:e>
+                            <m:r>
+                              <a:rPr lang="en-US" i="1">
+                                <a:latin typeface="Cambria Math" panose="02040503050406030204" pitchFamily="18" charset="0"/>
+                              </a:rPr>
+                              <m:t>𝑢</m:t>
+                            </m:r>
+                          </m:e>
+                          <m:sub>
+                            <m:r>
+                              <a:rPr lang="en-US" i="1">
+                                <a:latin typeface="Cambria Math" panose="02040503050406030204" pitchFamily="18" charset="0"/>
+                              </a:rPr>
+                              <m:t>𝑚</m:t>
+                            </m:r>
+                            <m:r>
+                              <a:rPr lang="en-US" i="1">
+                                <a:latin typeface="Cambria Math" panose="02040503050406030204" pitchFamily="18" charset="0"/>
+                              </a:rPr>
+                              <m:t>+1</m:t>
+                            </m:r>
+                          </m:sub>
+                          <m:sup>
+                            <m:r>
+                              <a:rPr lang="en-US" i="1">
+                                <a:latin typeface="Cambria Math" panose="02040503050406030204" pitchFamily="18" charset="0"/>
+                              </a:rPr>
+                              <m:t>𝑛</m:t>
+                            </m:r>
+                          </m:sup>
+                        </m:sSubSup>
+                        <m:r>
+                          <a:rPr lang="en-US" i="1">
+                            <a:latin typeface="Cambria Math" panose="02040503050406030204" pitchFamily="18" charset="0"/>
+                          </a:rPr>
+                          <m:t>−</m:t>
+                        </m:r>
+                        <m:f>
+                          <m:fPr>
+                            <m:ctrlPr>
+                              <a:rPr lang="en-US" i="1">
+                                <a:latin typeface="Cambria Math" panose="02040503050406030204" pitchFamily="18" charset="0"/>
+                              </a:rPr>
+                            </m:ctrlPr>
+                          </m:fPr>
+                          <m:num>
+                            <m:r>
+                              <a:rPr lang="en-US" i="1">
+                                <a:latin typeface="Cambria Math" panose="02040503050406030204" pitchFamily="18" charset="0"/>
+                              </a:rPr>
+                              <m:t>𝑘</m:t>
+                            </m:r>
+                          </m:num>
+                          <m:den>
+                            <m:r>
+                              <a:rPr lang="en-US" i="1">
+                                <a:latin typeface="Cambria Math" panose="02040503050406030204" pitchFamily="18" charset="0"/>
+                              </a:rPr>
+                              <m:t>h</m:t>
+                            </m:r>
+                          </m:den>
+                        </m:f>
+                        <m:d>
+                          <m:dPr>
+                            <m:ctrlPr>
+                              <a:rPr lang="en-US" i="1">
+                                <a:latin typeface="Cambria Math" panose="02040503050406030204" pitchFamily="18" charset="0"/>
+                              </a:rPr>
+                            </m:ctrlPr>
+                          </m:dPr>
+                          <m:e>
+                            <m:sSubSup>
+                              <m:sSubSupPr>
+                                <m:ctrlPr>
+                                  <a:rPr lang="en-US" i="1">
+                                    <a:latin typeface="Cambria Math" panose="02040503050406030204" pitchFamily="18" charset="0"/>
+                                  </a:rPr>
+                                </m:ctrlPr>
+                              </m:sSubSupPr>
+                              <m:e>
+                                <m:r>
+                                  <a:rPr lang="en-US" i="1">
+                                    <a:latin typeface="Cambria Math" panose="02040503050406030204" pitchFamily="18" charset="0"/>
+                                  </a:rPr>
+                                  <m:t>𝑓</m:t>
+                                </m:r>
+                              </m:e>
+                              <m:sub>
+                                <m:r>
+                                  <a:rPr lang="en-US" i="1">
+                                    <a:latin typeface="Cambria Math" panose="02040503050406030204" pitchFamily="18" charset="0"/>
+                                  </a:rPr>
+                                  <m:t>𝑚</m:t>
+                                </m:r>
+                                <m:r>
+                                  <a:rPr lang="en-US" i="1">
+                                    <a:latin typeface="Cambria Math" panose="02040503050406030204" pitchFamily="18" charset="0"/>
+                                  </a:rPr>
+                                  <m:t>+1</m:t>
+                                </m:r>
+                              </m:sub>
+                              <m:sup>
+                                <m:r>
+                                  <a:rPr lang="en-US" i="1">
+                                    <a:latin typeface="Cambria Math" panose="02040503050406030204" pitchFamily="18" charset="0"/>
+                                  </a:rPr>
+                                  <m:t>𝑛</m:t>
+                                </m:r>
+                              </m:sup>
+                            </m:sSubSup>
+                            <m:r>
+                              <a:rPr lang="en-US" i="1">
+                                <a:latin typeface="Cambria Math" panose="02040503050406030204" pitchFamily="18" charset="0"/>
+                              </a:rPr>
+                              <m:t>−</m:t>
+                            </m:r>
+                            <m:sSubSup>
+                              <m:sSubSupPr>
+                                <m:ctrlPr>
+                                  <a:rPr lang="en-US" i="1">
+                                    <a:latin typeface="Cambria Math" panose="02040503050406030204" pitchFamily="18" charset="0"/>
+                                  </a:rPr>
+                                </m:ctrlPr>
+                              </m:sSubSupPr>
+                              <m:e>
+                                <m:r>
+                                  <a:rPr lang="en-US" i="1">
+                                    <a:latin typeface="Cambria Math" panose="02040503050406030204" pitchFamily="18" charset="0"/>
+                                  </a:rPr>
+                                  <m:t>𝑓</m:t>
+                                </m:r>
+                              </m:e>
+                              <m:sub>
+                                <m:r>
+                                  <a:rPr lang="en-US" i="1">
+                                    <a:latin typeface="Cambria Math" panose="02040503050406030204" pitchFamily="18" charset="0"/>
+                                  </a:rPr>
+                                  <m:t>𝑚</m:t>
+                                </m:r>
+                              </m:sub>
+                              <m:sup>
+                                <m:r>
+                                  <a:rPr lang="en-US" i="1">
+                                    <a:latin typeface="Cambria Math" panose="02040503050406030204" pitchFamily="18" charset="0"/>
+                                  </a:rPr>
+                                  <m:t>𝑛</m:t>
+                                </m:r>
+                              </m:sup>
+                            </m:sSubSup>
+                          </m:e>
+                        </m:d>
+                        <m:r>
+                          <a:rPr lang="en-US" i="1">
+                            <a:latin typeface="Cambria Math" panose="02040503050406030204" pitchFamily="18" charset="0"/>
+                          </a:rPr>
+                          <m:t>+</m:t>
+                        </m:r>
+                        <m:f>
+                          <m:fPr>
+                            <m:ctrlPr>
+                              <a:rPr lang="en-US" i="1">
+                                <a:latin typeface="Cambria Math" panose="02040503050406030204" pitchFamily="18" charset="0"/>
+                              </a:rPr>
+                            </m:ctrlPr>
+                          </m:fPr>
+                          <m:num>
+                            <m:r>
+                              <a:rPr lang="en-US" i="1">
+                                <a:latin typeface="Cambria Math" panose="02040503050406030204" pitchFamily="18" charset="0"/>
+                              </a:rPr>
+                              <m:t>𝑘</m:t>
+                            </m:r>
+                          </m:num>
+                          <m:den>
+                            <m:r>
+                              <a:rPr lang="en-US" i="1">
+                                <a:latin typeface="Cambria Math" panose="02040503050406030204" pitchFamily="18" charset="0"/>
+                              </a:rPr>
+                              <m:t>2</m:t>
+                            </m:r>
+                          </m:den>
+                        </m:f>
+                        <m:d>
+                          <m:dPr>
+                            <m:ctrlPr>
+                              <a:rPr lang="en-US" i="1">
+                                <a:latin typeface="Cambria Math" panose="02040503050406030204" pitchFamily="18" charset="0"/>
+                              </a:rPr>
+                            </m:ctrlPr>
+                          </m:dPr>
+                          <m:e>
+                            <m:sSubSup>
+                              <m:sSubSupPr>
+                                <m:ctrlPr>
+                                  <a:rPr lang="en-US" i="1">
+                                    <a:latin typeface="Cambria Math" panose="02040503050406030204" pitchFamily="18" charset="0"/>
+                                  </a:rPr>
+                                </m:ctrlPr>
+                              </m:sSubSupPr>
+                              <m:e>
+                                <m:r>
+                                  <a:rPr lang="en-US" i="1">
+                                    <a:latin typeface="Cambria Math" panose="02040503050406030204" pitchFamily="18" charset="0"/>
+                                  </a:rPr>
+                                  <m:t>𝑠</m:t>
+                                </m:r>
+                              </m:e>
+                              <m:sub>
+                                <m:r>
+                                  <a:rPr lang="en-US" i="1">
+                                    <a:latin typeface="Cambria Math" panose="02040503050406030204" pitchFamily="18" charset="0"/>
+                                  </a:rPr>
+                                  <m:t>𝑚</m:t>
+                                </m:r>
+                              </m:sub>
+                              <m:sup>
+                                <m:r>
+                                  <a:rPr lang="en-US" i="1">
+                                    <a:latin typeface="Cambria Math" panose="02040503050406030204" pitchFamily="18" charset="0"/>
+                                  </a:rPr>
+                                  <m:t>𝑛</m:t>
+                                </m:r>
+                              </m:sup>
+                            </m:sSubSup>
+                            <m:r>
+                              <a:rPr lang="en-US" i="1">
+                                <a:latin typeface="Cambria Math" panose="02040503050406030204" pitchFamily="18" charset="0"/>
+                              </a:rPr>
+                              <m:t>+</m:t>
+                            </m:r>
+                            <m:sSubSup>
+                              <m:sSubSupPr>
+                                <m:ctrlPr>
+                                  <a:rPr lang="en-US" i="1">
+                                    <a:latin typeface="Cambria Math" panose="02040503050406030204" pitchFamily="18" charset="0"/>
+                                  </a:rPr>
+                                </m:ctrlPr>
+                              </m:sSubSupPr>
+                              <m:e>
+                                <m:r>
+                                  <a:rPr lang="en-US" i="1">
+                                    <a:latin typeface="Cambria Math" panose="02040503050406030204" pitchFamily="18" charset="0"/>
+                                  </a:rPr>
+                                  <m:t>𝑠</m:t>
+                                </m:r>
+                              </m:e>
+                              <m:sub>
+                                <m:r>
+                                  <a:rPr lang="en-US" i="1">
+                                    <a:latin typeface="Cambria Math" panose="02040503050406030204" pitchFamily="18" charset="0"/>
+                                  </a:rPr>
+                                  <m:t>𝑚</m:t>
+                                </m:r>
+                                <m:r>
+                                  <a:rPr lang="en-US" i="1">
+                                    <a:latin typeface="Cambria Math" panose="02040503050406030204" pitchFamily="18" charset="0"/>
+                                  </a:rPr>
+                                  <m:t>+1</m:t>
+                                </m:r>
+                              </m:sub>
+                              <m:sup>
+                                <m:r>
+                                  <a:rPr lang="en-US" i="1">
+                                    <a:latin typeface="Cambria Math" panose="02040503050406030204" pitchFamily="18" charset="0"/>
+                                  </a:rPr>
+                                  <m:t>𝑛</m:t>
+                                </m:r>
+                              </m:sup>
+                            </m:sSubSup>
+                          </m:e>
+                        </m:d>
+                      </m:e>
+                    </m:d>
+                  </m:oMath>
+                </a14:m>
+                <a:endParaRPr lang="en-US" dirty="0"/>
+              </a:p>
+              <a:p>
+                <a14:m>
+                  <m:oMath xmlns:m="http://schemas.openxmlformats.org/officeDocument/2006/math">
+                    <m:sSubSup>
+                      <m:sSubSupPr>
+                        <m:ctrlPr>
+                          <a:rPr lang="nb-NO" i="1">
+                            <a:latin typeface="Cambria Math" panose="02040503050406030204" pitchFamily="18" charset="0"/>
+                          </a:rPr>
+                        </m:ctrlPr>
+                      </m:sSubSupPr>
+                      <m:e>
+                        <m:r>
+                          <a:rPr lang="en-US" i="1">
+                            <a:latin typeface="Cambria Math" panose="02040503050406030204" pitchFamily="18" charset="0"/>
+                          </a:rPr>
+                          <m:t>𝑢</m:t>
+                        </m:r>
+                      </m:e>
+                      <m:sub>
+                        <m:r>
+                          <a:rPr lang="en-US" i="1">
+                            <a:latin typeface="Cambria Math" panose="02040503050406030204" pitchFamily="18" charset="0"/>
+                          </a:rPr>
+                          <m:t>𝑚</m:t>
+                        </m:r>
+                      </m:sub>
+                      <m:sup>
+                        <m:r>
+                          <a:rPr lang="en-US" i="1">
+                            <a:latin typeface="Cambria Math" panose="02040503050406030204" pitchFamily="18" charset="0"/>
+                          </a:rPr>
+                          <m:t>𝑛</m:t>
+                        </m:r>
+                        <m:r>
+                          <a:rPr lang="en-US" i="1">
+                            <a:latin typeface="Cambria Math" panose="02040503050406030204" pitchFamily="18" charset="0"/>
+                          </a:rPr>
+                          <m:t>+1</m:t>
+                        </m:r>
+                      </m:sup>
+                    </m:sSubSup>
+                  </m:oMath>
+                </a14:m>
+                <a:r>
+                  <a:rPr lang="nb-NO" dirty="0"/>
+                  <a:t> = </a:t>
+                </a:r>
+                <a14:m>
+                  <m:oMath xmlns:m="http://schemas.openxmlformats.org/officeDocument/2006/math">
+                    <m:sSubSup>
+                      <m:sSubSupPr>
+                        <m:ctrlPr>
+                          <a:rPr lang="nb-NO" i="1">
+                            <a:latin typeface="Cambria Math" panose="02040503050406030204" pitchFamily="18" charset="0"/>
+                          </a:rPr>
+                        </m:ctrlPr>
+                      </m:sSubSupPr>
+                      <m:e>
+                        <m:r>
+                          <a:rPr lang="en-US" i="1">
+                            <a:latin typeface="Cambria Math" panose="02040503050406030204" pitchFamily="18" charset="0"/>
+                          </a:rPr>
+                          <m:t>𝑢</m:t>
+                        </m:r>
+                      </m:e>
+                      <m:sub>
+                        <m:r>
+                          <a:rPr lang="en-US" i="1">
+                            <a:latin typeface="Cambria Math" panose="02040503050406030204" pitchFamily="18" charset="0"/>
+                          </a:rPr>
+                          <m:t>𝑚</m:t>
+                        </m:r>
+                      </m:sub>
+                      <m:sup>
+                        <m:r>
+                          <a:rPr lang="en-US" i="1">
+                            <a:latin typeface="Cambria Math" panose="02040503050406030204" pitchFamily="18" charset="0"/>
+                          </a:rPr>
+                          <m:t>𝑛</m:t>
+                        </m:r>
+                      </m:sup>
+                    </m:sSubSup>
+                    <m:r>
+                      <a:rPr lang="en-US" i="1">
+                        <a:latin typeface="Cambria Math" panose="02040503050406030204" pitchFamily="18" charset="0"/>
+                      </a:rPr>
+                      <m:t>−</m:t>
+                    </m:r>
+                  </m:oMath>
+                </a14:m>
+                <a:r>
+                  <a:rPr lang="en-US" dirty="0"/>
+                  <a:t> </a:t>
+                </a:r>
+                <a14:m>
+                  <m:oMath xmlns:m="http://schemas.openxmlformats.org/officeDocument/2006/math">
+                    <m:f>
+                      <m:fPr>
+                        <m:ctrlPr>
+                          <a:rPr lang="en-US" i="1">
+                            <a:latin typeface="Cambria Math" panose="02040503050406030204" pitchFamily="18" charset="0"/>
+                          </a:rPr>
+                        </m:ctrlPr>
+                      </m:fPr>
+                      <m:num>
+                        <m:r>
+                          <a:rPr lang="en-US" i="1">
+                            <a:latin typeface="Cambria Math" panose="02040503050406030204" pitchFamily="18" charset="0"/>
+                          </a:rPr>
+                          <m:t>𝑘</m:t>
+                        </m:r>
+                      </m:num>
+                      <m:den>
+                        <m:r>
+                          <a:rPr lang="en-US" i="1">
+                            <a:latin typeface="Cambria Math" panose="02040503050406030204" pitchFamily="18" charset="0"/>
+                          </a:rPr>
+                          <m:t>h</m:t>
+                        </m:r>
+                      </m:den>
+                    </m:f>
+                    <m:d>
+                      <m:dPr>
+                        <m:begChr m:val="["/>
+                        <m:endChr m:val="]"/>
+                        <m:ctrlPr>
+                          <a:rPr lang="en-US" i="1">
+                            <a:latin typeface="Cambria Math" panose="02040503050406030204" pitchFamily="18" charset="0"/>
+                          </a:rPr>
+                        </m:ctrlPr>
+                      </m:dPr>
+                      <m:e>
+                        <m:sSubSup>
+                          <m:sSubSupPr>
+                            <m:ctrlPr>
+                              <a:rPr lang="en-US" i="1">
+                                <a:latin typeface="Cambria Math" panose="02040503050406030204" pitchFamily="18" charset="0"/>
+                              </a:rPr>
+                            </m:ctrlPr>
+                          </m:sSubSupPr>
+                          <m:e>
+                            <m:r>
+                              <a:rPr lang="en-US" i="1">
+                                <a:latin typeface="Cambria Math" panose="02040503050406030204" pitchFamily="18" charset="0"/>
+                              </a:rPr>
+                              <m:t>𝑓</m:t>
+                            </m:r>
+                          </m:e>
+                          <m:sub>
+                            <m:r>
+                              <a:rPr lang="en-US" i="1">
+                                <a:latin typeface="Cambria Math" panose="02040503050406030204" pitchFamily="18" charset="0"/>
+                              </a:rPr>
+                              <m:t>𝑚</m:t>
+                            </m:r>
+                            <m:r>
+                              <a:rPr lang="en-US" i="1">
+                                <a:latin typeface="Cambria Math" panose="02040503050406030204" pitchFamily="18" charset="0"/>
+                              </a:rPr>
+                              <m:t>+</m:t>
+                            </m:r>
+                            <m:f>
+                              <m:fPr>
+                                <m:ctrlPr>
+                                  <a:rPr lang="en-US" i="1">
+                                    <a:latin typeface="Cambria Math" panose="02040503050406030204" pitchFamily="18" charset="0"/>
+                                  </a:rPr>
+                                </m:ctrlPr>
+                              </m:fPr>
+                              <m:num>
+                                <m:r>
+                                  <a:rPr lang="en-US" i="1">
+                                    <a:latin typeface="Cambria Math" panose="02040503050406030204" pitchFamily="18" charset="0"/>
+                                  </a:rPr>
+                                  <m:t>1</m:t>
+                                </m:r>
+                              </m:num>
+                              <m:den>
+                                <m:r>
+                                  <a:rPr lang="en-US" i="1">
+                                    <a:latin typeface="Cambria Math" panose="02040503050406030204" pitchFamily="18" charset="0"/>
+                                  </a:rPr>
+                                  <m:t>2</m:t>
+                                </m:r>
+                              </m:den>
+                            </m:f>
+                          </m:sub>
+                          <m:sup>
+                            <m:r>
+                              <a:rPr lang="en-US" i="1">
+                                <a:latin typeface="Cambria Math" panose="02040503050406030204" pitchFamily="18" charset="0"/>
+                              </a:rPr>
+                              <m:t>𝑛</m:t>
+                            </m:r>
+                            <m:r>
+                              <a:rPr lang="en-US" i="1">
+                                <a:latin typeface="Cambria Math" panose="02040503050406030204" pitchFamily="18" charset="0"/>
+                              </a:rPr>
+                              <m:t>+</m:t>
+                            </m:r>
+                            <m:f>
+                              <m:fPr>
+                                <m:ctrlPr>
+                                  <a:rPr lang="en-US" i="1">
+                                    <a:latin typeface="Cambria Math" panose="02040503050406030204" pitchFamily="18" charset="0"/>
+                                  </a:rPr>
+                                </m:ctrlPr>
+                              </m:fPr>
+                              <m:num>
+                                <m:r>
+                                  <a:rPr lang="en-US" i="1">
+                                    <a:latin typeface="Cambria Math" panose="02040503050406030204" pitchFamily="18" charset="0"/>
+                                  </a:rPr>
+                                  <m:t>1</m:t>
+                                </m:r>
+                              </m:num>
+                              <m:den>
+                                <m:r>
+                                  <a:rPr lang="en-US" i="1">
+                                    <a:latin typeface="Cambria Math" panose="02040503050406030204" pitchFamily="18" charset="0"/>
+                                  </a:rPr>
+                                  <m:t>2</m:t>
+                                </m:r>
+                              </m:den>
+                            </m:f>
+                          </m:sup>
+                        </m:sSubSup>
+                        <m:r>
+                          <a:rPr lang="en-US" i="1">
+                            <a:latin typeface="Cambria Math" panose="02040503050406030204" pitchFamily="18" charset="0"/>
+                          </a:rPr>
+                          <m:t>−</m:t>
+                        </m:r>
+                        <m:sSubSup>
+                          <m:sSubSupPr>
+                            <m:ctrlPr>
+                              <a:rPr lang="en-US" i="1">
+                                <a:latin typeface="Cambria Math" panose="02040503050406030204" pitchFamily="18" charset="0"/>
+                              </a:rPr>
+                            </m:ctrlPr>
+                          </m:sSubSupPr>
+                          <m:e>
+                            <m:r>
+                              <a:rPr lang="en-US" i="1">
+                                <a:latin typeface="Cambria Math" panose="02040503050406030204" pitchFamily="18" charset="0"/>
+                              </a:rPr>
+                              <m:t>𝑓</m:t>
+                            </m:r>
+                          </m:e>
+                          <m:sub>
+                            <m:r>
+                              <a:rPr lang="en-US" i="1">
+                                <a:latin typeface="Cambria Math" panose="02040503050406030204" pitchFamily="18" charset="0"/>
+                              </a:rPr>
+                              <m:t>𝑚</m:t>
+                            </m:r>
+                            <m:r>
+                              <a:rPr lang="en-US" i="1">
+                                <a:latin typeface="Cambria Math" panose="02040503050406030204" pitchFamily="18" charset="0"/>
+                              </a:rPr>
+                              <m:t>−</m:t>
+                            </m:r>
+                            <m:f>
+                              <m:fPr>
+                                <m:ctrlPr>
+                                  <a:rPr lang="en-US" i="1">
+                                    <a:latin typeface="Cambria Math" panose="02040503050406030204" pitchFamily="18" charset="0"/>
+                                  </a:rPr>
+                                </m:ctrlPr>
+                              </m:fPr>
+                              <m:num>
+                                <m:r>
+                                  <a:rPr lang="en-US" i="1">
+                                    <a:latin typeface="Cambria Math" panose="02040503050406030204" pitchFamily="18" charset="0"/>
+                                  </a:rPr>
+                                  <m:t>1</m:t>
+                                </m:r>
+                              </m:num>
+                              <m:den>
+                                <m:r>
+                                  <a:rPr lang="en-US" i="1">
+                                    <a:latin typeface="Cambria Math" panose="02040503050406030204" pitchFamily="18" charset="0"/>
+                                  </a:rPr>
+                                  <m:t>2</m:t>
+                                </m:r>
+                              </m:den>
+                            </m:f>
+                          </m:sub>
+                          <m:sup>
+                            <m:r>
+                              <a:rPr lang="en-US" i="1">
+                                <a:latin typeface="Cambria Math" panose="02040503050406030204" pitchFamily="18" charset="0"/>
+                              </a:rPr>
+                              <m:t>𝑛</m:t>
+                            </m:r>
+                            <m:r>
+                              <a:rPr lang="en-US" i="1">
+                                <a:latin typeface="Cambria Math" panose="02040503050406030204" pitchFamily="18" charset="0"/>
+                              </a:rPr>
+                              <m:t>+</m:t>
+                            </m:r>
+                            <m:f>
+                              <m:fPr>
+                                <m:ctrlPr>
+                                  <a:rPr lang="en-US" i="1">
+                                    <a:latin typeface="Cambria Math" panose="02040503050406030204" pitchFamily="18" charset="0"/>
+                                  </a:rPr>
+                                </m:ctrlPr>
+                              </m:fPr>
+                              <m:num>
+                                <m:r>
+                                  <a:rPr lang="en-US" i="1">
+                                    <a:latin typeface="Cambria Math" panose="02040503050406030204" pitchFamily="18" charset="0"/>
+                                  </a:rPr>
+                                  <m:t>1</m:t>
+                                </m:r>
+                              </m:num>
+                              <m:den>
+                                <m:r>
+                                  <a:rPr lang="en-US" i="1">
+                                    <a:latin typeface="Cambria Math" panose="02040503050406030204" pitchFamily="18" charset="0"/>
+                                  </a:rPr>
+                                  <m:t>2</m:t>
+                                </m:r>
+                              </m:den>
+                            </m:f>
+                          </m:sup>
+                        </m:sSubSup>
+                      </m:e>
+                    </m:d>
+                    <m:r>
+                      <a:rPr lang="en-US" i="1">
+                        <a:latin typeface="Cambria Math" panose="02040503050406030204" pitchFamily="18" charset="0"/>
+                      </a:rPr>
+                      <m:t>+</m:t>
+                    </m:r>
+                    <m:f>
+                      <m:fPr>
+                        <m:ctrlPr>
+                          <a:rPr lang="en-US" i="1">
+                            <a:latin typeface="Cambria Math" panose="02040503050406030204" pitchFamily="18" charset="0"/>
+                          </a:rPr>
+                        </m:ctrlPr>
+                      </m:fPr>
+                      <m:num>
+                        <m:r>
+                          <a:rPr lang="en-US" i="1">
+                            <a:latin typeface="Cambria Math" panose="02040503050406030204" pitchFamily="18" charset="0"/>
+                          </a:rPr>
+                          <m:t>𝑘</m:t>
+                        </m:r>
+                      </m:num>
+                      <m:den>
+                        <m:r>
+                          <a:rPr lang="en-US" i="1">
+                            <a:latin typeface="Cambria Math" panose="02040503050406030204" pitchFamily="18" charset="0"/>
+                          </a:rPr>
+                          <m:t>2</m:t>
+                        </m:r>
+                      </m:den>
+                    </m:f>
+                    <m:d>
+                      <m:dPr>
+                        <m:begChr m:val="["/>
+                        <m:endChr m:val="]"/>
+                        <m:ctrlPr>
+                          <a:rPr lang="en-US" i="1">
+                            <a:latin typeface="Cambria Math" panose="02040503050406030204" pitchFamily="18" charset="0"/>
+                          </a:rPr>
+                        </m:ctrlPr>
+                      </m:dPr>
+                      <m:e>
+                        <m:sSubSup>
+                          <m:sSubSupPr>
+                            <m:ctrlPr>
+                              <a:rPr lang="en-US" i="1">
+                                <a:latin typeface="Cambria Math" panose="02040503050406030204" pitchFamily="18" charset="0"/>
+                              </a:rPr>
+                            </m:ctrlPr>
+                          </m:sSubSupPr>
+                          <m:e>
+                            <m:r>
+                              <a:rPr lang="en-US" i="1">
+                                <a:latin typeface="Cambria Math" panose="02040503050406030204" pitchFamily="18" charset="0"/>
+                              </a:rPr>
+                              <m:t>𝑠</m:t>
+                            </m:r>
+                          </m:e>
+                          <m:sub>
+                            <m:r>
+                              <a:rPr lang="en-US" i="1">
+                                <a:latin typeface="Cambria Math" panose="02040503050406030204" pitchFamily="18" charset="0"/>
+                              </a:rPr>
+                              <m:t>𝑚</m:t>
+                            </m:r>
+                            <m:r>
+                              <a:rPr lang="en-US" i="1">
+                                <a:latin typeface="Cambria Math" panose="02040503050406030204" pitchFamily="18" charset="0"/>
+                              </a:rPr>
+                              <m:t>+</m:t>
+                            </m:r>
+                            <m:f>
+                              <m:fPr>
+                                <m:ctrlPr>
+                                  <a:rPr lang="en-US" i="1">
+                                    <a:latin typeface="Cambria Math" panose="02040503050406030204" pitchFamily="18" charset="0"/>
+                                  </a:rPr>
+                                </m:ctrlPr>
+                              </m:fPr>
+                              <m:num>
+                                <m:r>
+                                  <a:rPr lang="en-US" i="1">
+                                    <a:latin typeface="Cambria Math" panose="02040503050406030204" pitchFamily="18" charset="0"/>
+                                  </a:rPr>
+                                  <m:t>1</m:t>
+                                </m:r>
+                              </m:num>
+                              <m:den>
+                                <m:r>
+                                  <a:rPr lang="en-US" i="1">
+                                    <a:latin typeface="Cambria Math" panose="02040503050406030204" pitchFamily="18" charset="0"/>
+                                  </a:rPr>
+                                  <m:t>2</m:t>
+                                </m:r>
+                              </m:den>
+                            </m:f>
+                          </m:sub>
+                          <m:sup>
+                            <m:r>
+                              <a:rPr lang="en-US" i="1">
+                                <a:latin typeface="Cambria Math" panose="02040503050406030204" pitchFamily="18" charset="0"/>
+                              </a:rPr>
+                              <m:t>𝑛</m:t>
+                            </m:r>
+                            <m:r>
+                              <a:rPr lang="en-US" i="1">
+                                <a:latin typeface="Cambria Math" panose="02040503050406030204" pitchFamily="18" charset="0"/>
+                              </a:rPr>
+                              <m:t>+</m:t>
+                            </m:r>
+                            <m:f>
+                              <m:fPr>
+                                <m:ctrlPr>
+                                  <a:rPr lang="en-US" i="1">
+                                    <a:latin typeface="Cambria Math" panose="02040503050406030204" pitchFamily="18" charset="0"/>
+                                  </a:rPr>
+                                </m:ctrlPr>
+                              </m:fPr>
+                              <m:num>
+                                <m:r>
+                                  <a:rPr lang="en-US" i="1">
+                                    <a:latin typeface="Cambria Math" panose="02040503050406030204" pitchFamily="18" charset="0"/>
+                                  </a:rPr>
+                                  <m:t>1</m:t>
+                                </m:r>
+                              </m:num>
+                              <m:den>
+                                <m:r>
+                                  <a:rPr lang="en-US" i="1">
+                                    <a:latin typeface="Cambria Math" panose="02040503050406030204" pitchFamily="18" charset="0"/>
+                                  </a:rPr>
+                                  <m:t>2</m:t>
+                                </m:r>
+                              </m:den>
+                            </m:f>
+                          </m:sup>
+                        </m:sSubSup>
+                        <m:r>
+                          <a:rPr lang="en-US" i="1">
+                            <a:latin typeface="Cambria Math" panose="02040503050406030204" pitchFamily="18" charset="0"/>
+                          </a:rPr>
+                          <m:t>+</m:t>
+                        </m:r>
+                        <m:sSubSup>
+                          <m:sSubSupPr>
+                            <m:ctrlPr>
+                              <a:rPr lang="en-US" i="1">
+                                <a:latin typeface="Cambria Math" panose="02040503050406030204" pitchFamily="18" charset="0"/>
+                              </a:rPr>
+                            </m:ctrlPr>
+                          </m:sSubSupPr>
+                          <m:e>
+                            <m:r>
+                              <a:rPr lang="en-US" i="1">
+                                <a:latin typeface="Cambria Math" panose="02040503050406030204" pitchFamily="18" charset="0"/>
+                              </a:rPr>
+                              <m:t>𝑠</m:t>
+                            </m:r>
+                          </m:e>
+                          <m:sub>
+                            <m:r>
+                              <a:rPr lang="en-US" i="1">
+                                <a:latin typeface="Cambria Math" panose="02040503050406030204" pitchFamily="18" charset="0"/>
+                              </a:rPr>
+                              <m:t>𝑚</m:t>
+                            </m:r>
+                            <m:r>
+                              <a:rPr lang="en-US" i="1">
+                                <a:latin typeface="Cambria Math" panose="02040503050406030204" pitchFamily="18" charset="0"/>
+                              </a:rPr>
+                              <m:t>−</m:t>
+                            </m:r>
+                            <m:f>
+                              <m:fPr>
+                                <m:ctrlPr>
+                                  <a:rPr lang="en-US" i="1">
+                                    <a:latin typeface="Cambria Math" panose="02040503050406030204" pitchFamily="18" charset="0"/>
+                                  </a:rPr>
+                                </m:ctrlPr>
+                              </m:fPr>
+                              <m:num>
+                                <m:r>
+                                  <a:rPr lang="en-US" i="1">
+                                    <a:latin typeface="Cambria Math" panose="02040503050406030204" pitchFamily="18" charset="0"/>
+                                  </a:rPr>
+                                  <m:t>1</m:t>
+                                </m:r>
+                              </m:num>
+                              <m:den>
+                                <m:r>
+                                  <a:rPr lang="en-US" i="1">
+                                    <a:latin typeface="Cambria Math" panose="02040503050406030204" pitchFamily="18" charset="0"/>
+                                  </a:rPr>
+                                  <m:t>2</m:t>
+                                </m:r>
+                              </m:den>
+                            </m:f>
+                          </m:sub>
+                          <m:sup>
+                            <m:r>
+                              <a:rPr lang="en-US" i="1">
+                                <a:latin typeface="Cambria Math" panose="02040503050406030204" pitchFamily="18" charset="0"/>
+                              </a:rPr>
+                              <m:t>𝑛</m:t>
+                            </m:r>
+                            <m:r>
+                              <a:rPr lang="en-US" i="1">
+                                <a:latin typeface="Cambria Math" panose="02040503050406030204" pitchFamily="18" charset="0"/>
+                              </a:rPr>
+                              <m:t>+</m:t>
+                            </m:r>
+                            <m:f>
+                              <m:fPr>
+                                <m:ctrlPr>
+                                  <a:rPr lang="en-US" i="1">
+                                    <a:latin typeface="Cambria Math" panose="02040503050406030204" pitchFamily="18" charset="0"/>
+                                  </a:rPr>
+                                </m:ctrlPr>
+                              </m:fPr>
+                              <m:num>
+                                <m:r>
+                                  <a:rPr lang="en-US" i="1">
+                                    <a:latin typeface="Cambria Math" panose="02040503050406030204" pitchFamily="18" charset="0"/>
+                                  </a:rPr>
+                                  <m:t>1</m:t>
+                                </m:r>
+                              </m:num>
+                              <m:den>
+                                <m:r>
+                                  <a:rPr lang="en-US" i="1">
+                                    <a:latin typeface="Cambria Math" panose="02040503050406030204" pitchFamily="18" charset="0"/>
+                                  </a:rPr>
+                                  <m:t>2</m:t>
+                                </m:r>
+                              </m:den>
+                            </m:f>
+                          </m:sup>
+                        </m:sSubSup>
+                      </m:e>
+                    </m:d>
+                  </m:oMath>
+                </a14:m>
+                <a:endParaRPr lang="nb-NO" dirty="0"/>
+              </a:p>
+            </p:txBody>
+          </p:sp>
+        </mc:Choice>
+        <mc:Fallback>
+          <p:sp>
+            <p:nvSpPr>
+              <p:cNvPr id="3" name="Plassholder for innhold 2">
+                <a:extLst>
+                  <a:ext uri="{FF2B5EF4-FFF2-40B4-BE49-F238E27FC236}">
+                    <a16:creationId xmlns:a16="http://schemas.microsoft.com/office/drawing/2014/main" id="{A2B20F21-B2AA-664A-9A70-FAA3033DFDCD}"/>
+                  </a:ext>
+                </a:extLst>
+              </p:cNvPr>
+              <p:cNvSpPr>
+                <a:spLocks noGrp="1" noRot="1" noChangeAspect="1" noMove="1" noResize="1" noEditPoints="1" noAdjustHandles="1" noChangeArrowheads="1" noChangeShapeType="1" noTextEdit="1"/>
+              </p:cNvSpPr>
+              <p:nvPr>
+                <p:ph idx="1"/>
+              </p:nvPr>
+            </p:nvSpPr>
+            <p:spPr>
+              <a:blipFill>
+                <a:blip r:embed="rId2"/>
+                <a:stretch>
+                  <a:fillRect l="-1235"/>
+                </a:stretch>
+              </a:blipFill>
+            </p:spPr>
+            <p:txBody>
+              <a:bodyPr/>
+              <a:lstStyle/>
+              <a:p>
+                <a:r>
+                  <a:rPr lang="nb-NO">
+                    <a:noFill/>
+                  </a:rPr>
+                  <a:t> </a:t>
+                </a:r>
+              </a:p>
+            </p:txBody>
+          </p:sp>
+        </mc:Fallback>
+      </mc:AlternateContent>
+    </p:spTree>
+    <p:extLst>
+      <p:ext uri="{BB962C8B-B14F-4D97-AF65-F5344CB8AC3E}">
+        <p14:creationId xmlns:p14="http://schemas.microsoft.com/office/powerpoint/2010/main" val="1320171235"/>
+      </p:ext>
+    </p:extLst>
+  </p:cSld>
+  <p:clrMapOvr>
+    <a:masterClrMapping/>
+  </p:clrMapOvr>
+</p:sld>
+</file>
+
+<file path=ppt/slides/slide6.xml><?xml version="1.0" encoding="utf-8"?>
 <p:sld xmlns:a="http://schemas.openxmlformats.org/drawingml/2006/main" xmlns:r="http://schemas.openxmlformats.org/officeDocument/2006/relationships" xmlns:p="http://schemas.openxmlformats.org/presentationml/2006/main">
   <p:cSld>
     <p:spTree>
@@ -3212,7 +9237,7 @@
 </p:sld>
 </file>
 
-<file path=ppt/slides/slide4.xml><?xml version="1.0" encoding="utf-8"?>
+<file path=ppt/slides/slide7.xml><?xml version="1.0" encoding="utf-8"?>
 <p:sld xmlns:a="http://schemas.openxmlformats.org/drawingml/2006/main" xmlns:r="http://schemas.openxmlformats.org/officeDocument/2006/relationships" xmlns:p="http://schemas.openxmlformats.org/presentationml/2006/main">
   <p:cSld>
     <p:spTree>
@@ -3234,7 +9259,7 @@
           <p:cNvPr id="2" name="Tittel 1">
             <a:extLst>
               <a:ext uri="{FF2B5EF4-FFF2-40B4-BE49-F238E27FC236}">
-                <a16:creationId xmlns:a16="http://schemas.microsoft.com/office/drawing/2014/main" id="{427236F5-CBF4-C343-BB05-C83D38F2FE9D}"/>
+                <a16:creationId xmlns:a16="http://schemas.microsoft.com/office/drawing/2014/main" id="{19204A6D-9819-B44E-A651-ED1F5B17F5EE}"/>
               </a:ext>
             </a:extLst>
           </p:cNvPr>
@@ -3252,413 +9277,97 @@
           <a:p>
             <a:r>
               <a:rPr lang="en-US" dirty="0"/>
-              <a:t>Lax-Friedrichs </a:t>
+              <a:t>Lax-Friedrichs</a:t>
             </a:r>
             <a:endParaRPr lang="nb-NO" dirty="0"/>
           </a:p>
         </p:txBody>
       </p:sp>
-      <mc:AlternateContent xmlns:mc="http://schemas.openxmlformats.org/markup-compatibility/2006">
-        <mc:Choice xmlns:a14="http://schemas.microsoft.com/office/drawing/2010/main" Requires="a14">
-          <p:sp>
-            <p:nvSpPr>
-              <p:cNvPr id="3" name="Plassholder for innhold 2">
-                <a:extLst>
-                  <a:ext uri="{FF2B5EF4-FFF2-40B4-BE49-F238E27FC236}">
-                    <a16:creationId xmlns:a16="http://schemas.microsoft.com/office/drawing/2014/main" id="{CAF08C35-A940-8C4A-8809-9D7225513730}"/>
-                  </a:ext>
-                </a:extLst>
-              </p:cNvPr>
-              <p:cNvSpPr>
-                <a:spLocks noGrp="1"/>
-              </p:cNvSpPr>
-              <p:nvPr>
-                <p:ph idx="1"/>
-              </p:nvPr>
-            </p:nvSpPr>
-            <p:spPr/>
-            <p:txBody>
-              <a:bodyPr/>
-              <a:lstStyle/>
-              <a:p>
-                <a14:m>
-                  <m:oMath xmlns:m="http://schemas.openxmlformats.org/officeDocument/2006/math">
-                    <m:sSubSup>
-                      <m:sSubSupPr>
-                        <m:ctrlPr>
-                          <a:rPr lang="nb-NO" i="1" smtClean="0">
-                            <a:latin typeface="Cambria Math" panose="02040503050406030204" pitchFamily="18" charset="0"/>
-                          </a:rPr>
-                        </m:ctrlPr>
-                      </m:sSubSupPr>
-                      <m:e>
-                        <m:r>
-                          <a:rPr lang="en-US" b="0" i="1" smtClean="0">
-                            <a:latin typeface="Cambria Math" panose="02040503050406030204" pitchFamily="18" charset="0"/>
-                          </a:rPr>
-                          <m:t>𝑢</m:t>
-                        </m:r>
-                      </m:e>
-                      <m:sub>
-                        <m:r>
-                          <a:rPr lang="en-US" b="0" i="1" smtClean="0">
-                            <a:latin typeface="Cambria Math" panose="02040503050406030204" pitchFamily="18" charset="0"/>
-                          </a:rPr>
-                          <m:t>𝑚</m:t>
-                        </m:r>
-                      </m:sub>
-                      <m:sup>
-                        <m:r>
-                          <a:rPr lang="en-US" b="0" i="1" smtClean="0">
-                            <a:latin typeface="Cambria Math" panose="02040503050406030204" pitchFamily="18" charset="0"/>
-                          </a:rPr>
-                          <m:t>𝑛</m:t>
-                        </m:r>
-                        <m:r>
-                          <a:rPr lang="en-US" b="0" i="1" smtClean="0">
-                            <a:latin typeface="Cambria Math" panose="02040503050406030204" pitchFamily="18" charset="0"/>
-                          </a:rPr>
-                          <m:t>+1</m:t>
-                        </m:r>
-                      </m:sup>
-                    </m:sSubSup>
-                    <m:r>
-                      <a:rPr lang="en-US" b="0" i="1" smtClean="0">
-                        <a:latin typeface="Cambria Math" panose="02040503050406030204" pitchFamily="18" charset="0"/>
-                      </a:rPr>
-                      <m:t>=</m:t>
-                    </m:r>
-                    <m:f>
-                      <m:fPr>
-                        <m:ctrlPr>
-                          <a:rPr lang="en-US" b="0" i="1" smtClean="0">
-                            <a:latin typeface="Cambria Math" panose="02040503050406030204" pitchFamily="18" charset="0"/>
-                          </a:rPr>
-                        </m:ctrlPr>
-                      </m:fPr>
-                      <m:num>
-                        <m:sSubSup>
-                          <m:sSubSupPr>
-                            <m:ctrlPr>
-                              <a:rPr lang="en-US" b="0" i="1" smtClean="0">
-                                <a:latin typeface="Cambria Math" panose="02040503050406030204" pitchFamily="18" charset="0"/>
-                              </a:rPr>
-                            </m:ctrlPr>
-                          </m:sSubSupPr>
-                          <m:e>
-                            <m:r>
-                              <a:rPr lang="en-US" b="0" i="1" smtClean="0">
-                                <a:latin typeface="Cambria Math" panose="02040503050406030204" pitchFamily="18" charset="0"/>
-                              </a:rPr>
-                              <m:t>𝑢</m:t>
-                            </m:r>
-                          </m:e>
-                          <m:sub>
-                            <m:r>
-                              <a:rPr lang="en-US" b="0" i="1" smtClean="0">
-                                <a:latin typeface="Cambria Math" panose="02040503050406030204" pitchFamily="18" charset="0"/>
-                              </a:rPr>
-                              <m:t>𝑚</m:t>
-                            </m:r>
-                            <m:r>
-                              <a:rPr lang="en-US" b="0" i="1" smtClean="0">
-                                <a:latin typeface="Cambria Math" panose="02040503050406030204" pitchFamily="18" charset="0"/>
-                              </a:rPr>
-                              <m:t>−1</m:t>
-                            </m:r>
-                          </m:sub>
-                          <m:sup>
-                            <m:r>
-                              <a:rPr lang="en-US" b="0" i="1" smtClean="0">
-                                <a:latin typeface="Cambria Math" panose="02040503050406030204" pitchFamily="18" charset="0"/>
-                              </a:rPr>
-                              <m:t>𝑛</m:t>
-                            </m:r>
-                          </m:sup>
-                        </m:sSubSup>
-                        <m:r>
-                          <a:rPr lang="en-US" b="0" i="1" smtClean="0">
-                            <a:latin typeface="Cambria Math" panose="02040503050406030204" pitchFamily="18" charset="0"/>
-                          </a:rPr>
-                          <m:t>+</m:t>
-                        </m:r>
-                        <m:sSubSup>
-                          <m:sSubSupPr>
-                            <m:ctrlPr>
-                              <a:rPr lang="en-US" b="0" i="1" smtClean="0">
-                                <a:latin typeface="Cambria Math" panose="02040503050406030204" pitchFamily="18" charset="0"/>
-                              </a:rPr>
-                            </m:ctrlPr>
-                          </m:sSubSupPr>
-                          <m:e>
-                            <m:r>
-                              <a:rPr lang="en-US" b="0" i="1" smtClean="0">
-                                <a:latin typeface="Cambria Math" panose="02040503050406030204" pitchFamily="18" charset="0"/>
-                              </a:rPr>
-                              <m:t>𝑢</m:t>
-                            </m:r>
-                          </m:e>
-                          <m:sub>
-                            <m:r>
-                              <a:rPr lang="en-US" b="0" i="1" smtClean="0">
-                                <a:latin typeface="Cambria Math" panose="02040503050406030204" pitchFamily="18" charset="0"/>
-                              </a:rPr>
-                              <m:t>𝑚</m:t>
-                            </m:r>
-                            <m:r>
-                              <a:rPr lang="en-US" b="0" i="1" smtClean="0">
-                                <a:latin typeface="Cambria Math" panose="02040503050406030204" pitchFamily="18" charset="0"/>
-                              </a:rPr>
-                              <m:t>+1</m:t>
-                            </m:r>
-                          </m:sub>
-                          <m:sup>
-                            <m:r>
-                              <a:rPr lang="en-US" b="0" i="1" smtClean="0">
-                                <a:latin typeface="Cambria Math" panose="02040503050406030204" pitchFamily="18" charset="0"/>
-                              </a:rPr>
-                              <m:t>𝑛</m:t>
-                            </m:r>
-                          </m:sup>
-                        </m:sSubSup>
-                      </m:num>
-                      <m:den>
-                        <m:r>
-                          <a:rPr lang="en-US" b="0" i="1" smtClean="0">
-                            <a:latin typeface="Cambria Math" panose="02040503050406030204" pitchFamily="18" charset="0"/>
-                          </a:rPr>
-                          <m:t>2</m:t>
-                        </m:r>
-                      </m:den>
-                    </m:f>
-                    <m:r>
-                      <a:rPr lang="en-US" b="0" i="1" smtClean="0">
-                        <a:latin typeface="Cambria Math" panose="02040503050406030204" pitchFamily="18" charset="0"/>
-                      </a:rPr>
-                      <m:t>−</m:t>
-                    </m:r>
-                    <m:f>
-                      <m:fPr>
-                        <m:ctrlPr>
-                          <a:rPr lang="en-US" b="0" i="1" smtClean="0">
-                            <a:latin typeface="Cambria Math" panose="02040503050406030204" pitchFamily="18" charset="0"/>
-                          </a:rPr>
-                        </m:ctrlPr>
-                      </m:fPr>
-                      <m:num>
-                        <m:r>
-                          <a:rPr lang="en-US" b="0" i="1" smtClean="0">
-                            <a:latin typeface="Cambria Math" panose="02040503050406030204" pitchFamily="18" charset="0"/>
-                          </a:rPr>
-                          <m:t>𝑘</m:t>
-                        </m:r>
-                      </m:num>
-                      <m:den>
-                        <m:r>
-                          <a:rPr lang="en-US" b="0" i="1" smtClean="0">
-                            <a:latin typeface="Cambria Math" panose="02040503050406030204" pitchFamily="18" charset="0"/>
-                          </a:rPr>
-                          <m:t>2</m:t>
-                        </m:r>
-                        <m:r>
-                          <a:rPr lang="en-US" b="0" i="1" smtClean="0">
-                            <a:latin typeface="Cambria Math" panose="02040503050406030204" pitchFamily="18" charset="0"/>
-                          </a:rPr>
-                          <m:t>h</m:t>
-                        </m:r>
-                      </m:den>
-                    </m:f>
-                    <m:d>
-                      <m:dPr>
-                        <m:ctrlPr>
-                          <a:rPr lang="en-US" b="0" i="1" smtClean="0">
-                            <a:latin typeface="Cambria Math" panose="02040503050406030204" pitchFamily="18" charset="0"/>
-                          </a:rPr>
-                        </m:ctrlPr>
-                      </m:dPr>
-                      <m:e>
-                        <m:sSubSup>
-                          <m:sSubSupPr>
-                            <m:ctrlPr>
-                              <a:rPr lang="en-US" b="0" i="1" smtClean="0">
-                                <a:latin typeface="Cambria Math" panose="02040503050406030204" pitchFamily="18" charset="0"/>
-                              </a:rPr>
-                            </m:ctrlPr>
-                          </m:sSubSupPr>
-                          <m:e>
-                            <m:r>
-                              <a:rPr lang="en-US" b="0" i="1" smtClean="0">
-                                <a:latin typeface="Cambria Math" panose="02040503050406030204" pitchFamily="18" charset="0"/>
-                              </a:rPr>
-                              <m:t>𝑓</m:t>
-                            </m:r>
-                          </m:e>
-                          <m:sub>
-                            <m:r>
-                              <a:rPr lang="en-US" b="0" i="1" smtClean="0">
-                                <a:latin typeface="Cambria Math" panose="02040503050406030204" pitchFamily="18" charset="0"/>
-                              </a:rPr>
-                              <m:t>𝑚</m:t>
-                            </m:r>
-                            <m:r>
-                              <a:rPr lang="en-US" b="0" i="1" smtClean="0">
-                                <a:latin typeface="Cambria Math" panose="02040503050406030204" pitchFamily="18" charset="0"/>
-                              </a:rPr>
-                              <m:t>+1</m:t>
-                            </m:r>
-                          </m:sub>
-                          <m:sup>
-                            <m:r>
-                              <a:rPr lang="en-US" b="0" i="1" smtClean="0">
-                                <a:latin typeface="Cambria Math" panose="02040503050406030204" pitchFamily="18" charset="0"/>
-                              </a:rPr>
-                              <m:t>𝑛</m:t>
-                            </m:r>
-                          </m:sup>
-                        </m:sSubSup>
-                        <m:r>
-                          <a:rPr lang="en-US" b="0" i="1" smtClean="0">
-                            <a:latin typeface="Cambria Math" panose="02040503050406030204" pitchFamily="18" charset="0"/>
-                          </a:rPr>
-                          <m:t>−</m:t>
-                        </m:r>
-                        <m:sSubSup>
-                          <m:sSubSupPr>
-                            <m:ctrlPr>
-                              <a:rPr lang="en-US" b="0" i="1" smtClean="0">
-                                <a:latin typeface="Cambria Math" panose="02040503050406030204" pitchFamily="18" charset="0"/>
-                              </a:rPr>
-                            </m:ctrlPr>
-                          </m:sSubSupPr>
-                          <m:e>
-                            <m:r>
-                              <a:rPr lang="en-US" b="0" i="1" smtClean="0">
-                                <a:latin typeface="Cambria Math" panose="02040503050406030204" pitchFamily="18" charset="0"/>
-                              </a:rPr>
-                              <m:t>𝑓</m:t>
-                            </m:r>
-                          </m:e>
-                          <m:sub>
-                            <m:r>
-                              <a:rPr lang="en-US" b="0" i="1" smtClean="0">
-                                <a:latin typeface="Cambria Math" panose="02040503050406030204" pitchFamily="18" charset="0"/>
-                              </a:rPr>
-                              <m:t>𝑚</m:t>
-                            </m:r>
-                            <m:r>
-                              <a:rPr lang="en-US" b="0" i="1" smtClean="0">
-                                <a:latin typeface="Cambria Math" panose="02040503050406030204" pitchFamily="18" charset="0"/>
-                              </a:rPr>
-                              <m:t>−1</m:t>
-                            </m:r>
-                          </m:sub>
-                          <m:sup>
-                            <m:r>
-                              <a:rPr lang="en-US" b="0" i="1" smtClean="0">
-                                <a:latin typeface="Cambria Math" panose="02040503050406030204" pitchFamily="18" charset="0"/>
-                              </a:rPr>
-                              <m:t>𝑛</m:t>
-                            </m:r>
-                          </m:sup>
-                        </m:sSubSup>
-                      </m:e>
-                    </m:d>
-                    <m:r>
-                      <a:rPr lang="en-US" b="0" i="1" smtClean="0">
-                        <a:latin typeface="Cambria Math" panose="02040503050406030204" pitchFamily="18" charset="0"/>
-                      </a:rPr>
-                      <m:t>+</m:t>
-                    </m:r>
-                    <m:r>
-                      <a:rPr lang="en-US" b="0" i="1" smtClean="0">
-                        <a:latin typeface="Cambria Math" panose="02040503050406030204" pitchFamily="18" charset="0"/>
-                      </a:rPr>
-                      <m:t>𝑘</m:t>
-                    </m:r>
-                    <m:sSubSup>
-                      <m:sSubSupPr>
-                        <m:ctrlPr>
-                          <a:rPr lang="en-US" b="0" i="1" smtClean="0">
-                            <a:latin typeface="Cambria Math" panose="02040503050406030204" pitchFamily="18" charset="0"/>
-                          </a:rPr>
-                        </m:ctrlPr>
-                      </m:sSubSupPr>
-                      <m:e>
-                        <m:r>
-                          <a:rPr lang="en-US" b="0" i="1" smtClean="0">
-                            <a:latin typeface="Cambria Math" panose="02040503050406030204" pitchFamily="18" charset="0"/>
-                          </a:rPr>
-                          <m:t>𝑠</m:t>
-                        </m:r>
-                      </m:e>
-                      <m:sub>
-                        <m:r>
-                          <a:rPr lang="en-US" b="0" i="1" smtClean="0">
-                            <a:latin typeface="Cambria Math" panose="02040503050406030204" pitchFamily="18" charset="0"/>
-                          </a:rPr>
-                          <m:t>𝑗</m:t>
-                        </m:r>
-                      </m:sub>
-                      <m:sup>
-                        <m:r>
-                          <a:rPr lang="en-US" b="0" i="1" smtClean="0">
-                            <a:latin typeface="Cambria Math" panose="02040503050406030204" pitchFamily="18" charset="0"/>
-                          </a:rPr>
-                          <m:t>𝑛</m:t>
-                        </m:r>
-                      </m:sup>
-                    </m:sSubSup>
-                  </m:oMath>
-                </a14:m>
-                <a:endParaRPr lang="nb-NO" dirty="0"/>
-              </a:p>
-            </p:txBody>
-          </p:sp>
-        </mc:Choice>
-        <mc:Fallback>
-          <p:sp>
-            <p:nvSpPr>
-              <p:cNvPr id="3" name="Plassholder for innhold 2">
-                <a:extLst>
-                  <a:ext uri="{FF2B5EF4-FFF2-40B4-BE49-F238E27FC236}">
-                    <a16:creationId xmlns:a16="http://schemas.microsoft.com/office/drawing/2014/main" id="{CAF08C35-A940-8C4A-8809-9D7225513730}"/>
-                  </a:ext>
-                </a:extLst>
-              </p:cNvPr>
-              <p:cNvSpPr>
-                <a:spLocks noGrp="1" noRot="1" noChangeAspect="1" noMove="1" noResize="1" noEditPoints="1" noAdjustHandles="1" noChangeArrowheads="1" noChangeShapeType="1" noTextEdit="1"/>
-              </p:cNvSpPr>
-              <p:nvPr>
-                <p:ph idx="1"/>
-              </p:nvPr>
-            </p:nvSpPr>
-            <p:spPr>
-              <a:blipFill>
-                <a:blip r:embed="rId2"/>
-                <a:stretch>
-                  <a:fillRect l="-1080"/>
-                </a:stretch>
-              </a:blipFill>
-            </p:spPr>
-            <p:txBody>
-              <a:bodyPr/>
-              <a:lstStyle/>
-              <a:p>
-                <a:r>
-                  <a:rPr lang="nb-NO">
-                    <a:noFill/>
-                  </a:rPr>
-                  <a:t> </a:t>
-                </a:r>
-              </a:p>
-            </p:txBody>
-          </p:sp>
-        </mc:Fallback>
-      </mc:AlternateContent>
+      <p:pic>
+        <p:nvPicPr>
+          <p:cNvPr id="5" name="Plassholder for innhold 4">
+            <a:extLst>
+              <a:ext uri="{FF2B5EF4-FFF2-40B4-BE49-F238E27FC236}">
+                <a16:creationId xmlns:a16="http://schemas.microsoft.com/office/drawing/2014/main" id="{02CE218F-CBF5-7845-90C2-368E212ABD32}"/>
+              </a:ext>
+            </a:extLst>
+          </p:cNvPr>
+          <p:cNvPicPr>
+            <a:picLocks noGrp="1" noChangeAspect="1"/>
+          </p:cNvPicPr>
+          <p:nvPr>
+            <p:ph idx="1"/>
+          </p:nvPr>
+        </p:nvPicPr>
+        <p:blipFill>
+          <a:blip r:embed="rId2"/>
+          <a:stretch>
+            <a:fillRect/>
+          </a:stretch>
+        </p:blipFill>
+        <p:spPr>
+          <a:xfrm>
+            <a:off x="1651000" y="1691481"/>
+            <a:ext cx="5842000" cy="4343400"/>
+          </a:xfrm>
+        </p:spPr>
+      </p:pic>
+      <p:sp>
+        <p:nvSpPr>
+          <p:cNvPr id="7" name="Tittel 3">
+            <a:extLst>
+              <a:ext uri="{FF2B5EF4-FFF2-40B4-BE49-F238E27FC236}">
+                <a16:creationId xmlns:a16="http://schemas.microsoft.com/office/drawing/2014/main" id="{4147B2E6-E43E-934D-B397-D42673C4615F}"/>
+              </a:ext>
+            </a:extLst>
+          </p:cNvPr>
+          <p:cNvSpPr txBox="1">
+            <a:spLocks/>
+          </p:cNvSpPr>
+          <p:nvPr/>
+        </p:nvSpPr>
+        <p:spPr>
+          <a:xfrm>
+            <a:off x="457200" y="1189278"/>
+            <a:ext cx="4163786" cy="651868"/>
+          </a:xfrm>
+          <a:prstGeom prst="rect">
+            <a:avLst/>
+          </a:prstGeom>
+        </p:spPr>
+        <p:txBody>
+          <a:bodyPr vert="horz" lIns="91440" tIns="45720" rIns="91440" bIns="45720" rtlCol="0" anchor="ctr">
+            <a:normAutofit/>
+          </a:bodyPr>
+          <a:lstStyle>
+            <a:lvl1pPr algn="l" defTabSz="457200" rtl="0" eaLnBrk="1" latinLnBrk="0" hangingPunct="1">
+              <a:spcBef>
+                <a:spcPct val="0"/>
+              </a:spcBef>
+              <a:buNone/>
+              <a:defRPr sz="3600" b="1" i="0" kern="1200">
+                <a:solidFill>
+                  <a:schemeClr val="tx1"/>
+                </a:solidFill>
+                <a:latin typeface="Arial"/>
+                <a:ea typeface="+mj-ea"/>
+                <a:cs typeface="Arial"/>
+              </a:defRPr>
+            </a:lvl1pPr>
+          </a:lstStyle>
+          <a:p>
+            <a:r>
+              <a:rPr lang="en-US" sz="2400" b="0" dirty="0"/>
+              <a:t>Speed of vehicles</a:t>
+            </a:r>
+            <a:endParaRPr lang="nb-NO" sz="2400" b="0" dirty="0"/>
+          </a:p>
+        </p:txBody>
+      </p:sp>
     </p:spTree>
     <p:extLst>
       <p:ext uri="{BB962C8B-B14F-4D97-AF65-F5344CB8AC3E}">
-        <p14:creationId xmlns:p14="http://schemas.microsoft.com/office/powerpoint/2010/main" val="2146305719"/>
+        <p14:creationId xmlns:p14="http://schemas.microsoft.com/office/powerpoint/2010/main" val="2849043952"/>
       </p:ext>
     </p:extLst>
   </p:cSld>
@@ -3668,7 +9377,7 @@
 </p:sld>
 </file>
 
-<file path=ppt/slides/slide5.xml><?xml version="1.0" encoding="utf-8"?>
+<file path=ppt/slides/slide8.xml><?xml version="1.0" encoding="utf-8"?>
 <p:sld xmlns:a="http://schemas.openxmlformats.org/drawingml/2006/main" xmlns:r="http://schemas.openxmlformats.org/officeDocument/2006/relationships" xmlns:p="http://schemas.openxmlformats.org/presentationml/2006/main">
   <p:cSld>
     <p:spTree>
@@ -3690,7 +9399,7 @@
           <p:cNvPr id="2" name="Tittel 1">
             <a:extLst>
               <a:ext uri="{FF2B5EF4-FFF2-40B4-BE49-F238E27FC236}">
-                <a16:creationId xmlns:a16="http://schemas.microsoft.com/office/drawing/2014/main" id="{16E6011C-42C0-4D41-81B0-FD540CA16C2D}"/>
+                <a16:creationId xmlns:a16="http://schemas.microsoft.com/office/drawing/2014/main" id="{409C64B9-7006-BD4A-BFB1-A4EE3D1059C8}"/>
               </a:ext>
             </a:extLst>
           </p:cNvPr>
@@ -3706,39 +9415,99 @@
           <a:bodyPr/>
           <a:lstStyle/>
           <a:p>
-            <a:endParaRPr lang="nb-NO"/>
+            <a:r>
+              <a:rPr lang="en-US" dirty="0"/>
+              <a:t>Lax-Friedrichs</a:t>
+            </a:r>
+            <a:endParaRPr lang="nb-NO" dirty="0"/>
           </a:p>
         </p:txBody>
       </p:sp>
-      <p:sp>
-        <p:nvSpPr>
-          <p:cNvPr id="3" name="Plassholder for innhold 2">
+      <p:pic>
+        <p:nvPicPr>
+          <p:cNvPr id="5" name="Plassholder for innhold 4">
             <a:extLst>
               <a:ext uri="{FF2B5EF4-FFF2-40B4-BE49-F238E27FC236}">
-                <a16:creationId xmlns:a16="http://schemas.microsoft.com/office/drawing/2014/main" id="{355C0154-EF3A-6E4A-8CFB-9F20E7DEC0A3}"/>
+                <a16:creationId xmlns:a16="http://schemas.microsoft.com/office/drawing/2014/main" id="{4EB5700D-FD55-1342-ADDE-0C6E657BA454}"/>
               </a:ext>
             </a:extLst>
           </p:cNvPr>
-          <p:cNvSpPr>
-            <a:spLocks noGrp="1"/>
-          </p:cNvSpPr>
+          <p:cNvPicPr>
+            <a:picLocks noGrp="1" noChangeAspect="1"/>
+          </p:cNvPicPr>
           <p:nvPr>
             <p:ph idx="1"/>
           </p:nvPr>
+        </p:nvPicPr>
+        <p:blipFill>
+          <a:blip r:embed="rId2"/>
+          <a:stretch>
+            <a:fillRect/>
+          </a:stretch>
+        </p:blipFill>
+        <p:spPr>
+          <a:xfrm>
+            <a:off x="1651000" y="1691481"/>
+            <a:ext cx="5842000" cy="4343400"/>
+          </a:xfrm>
+        </p:spPr>
+      </p:pic>
+      <p:sp>
+        <p:nvSpPr>
+          <p:cNvPr id="6" name="Tittel 3">
+            <a:extLst>
+              <a:ext uri="{FF2B5EF4-FFF2-40B4-BE49-F238E27FC236}">
+                <a16:creationId xmlns:a16="http://schemas.microsoft.com/office/drawing/2014/main" id="{9697B60B-CC9B-7348-8D07-892F907D51D8}"/>
+              </a:ext>
+            </a:extLst>
+          </p:cNvPr>
+          <p:cNvSpPr txBox="1">
+            <a:spLocks/>
+          </p:cNvSpPr>
+          <p:nvPr/>
         </p:nvSpPr>
-        <p:spPr/>
+        <p:spPr>
+          <a:xfrm>
+            <a:off x="457200" y="1189278"/>
+            <a:ext cx="4163786" cy="651868"/>
+          </a:xfrm>
+          <a:prstGeom prst="rect">
+            <a:avLst/>
+          </a:prstGeom>
+        </p:spPr>
         <p:txBody>
-          <a:bodyPr/>
-          <a:lstStyle/>
+          <a:bodyPr vert="horz" lIns="91440" tIns="45720" rIns="91440" bIns="45720" rtlCol="0" anchor="ctr">
+            <a:normAutofit/>
+          </a:bodyPr>
+          <a:lstStyle>
+            <a:lvl1pPr algn="l" defTabSz="457200" rtl="0" eaLnBrk="1" latinLnBrk="0" hangingPunct="1">
+              <a:spcBef>
+                <a:spcPct val="0"/>
+              </a:spcBef>
+              <a:buNone/>
+              <a:defRPr sz="3600" b="1" i="0" kern="1200">
+                <a:solidFill>
+                  <a:schemeClr val="tx1"/>
+                </a:solidFill>
+                <a:latin typeface="Arial"/>
+                <a:ea typeface="+mj-ea"/>
+                <a:cs typeface="Arial"/>
+              </a:defRPr>
+            </a:lvl1pPr>
+          </a:lstStyle>
           <a:p>
-            <a:endParaRPr lang="nb-NO"/>
+            <a:r>
+              <a:rPr lang="en-US" sz="2400" b="0" dirty="0"/>
+              <a:t>Convergence in time</a:t>
+            </a:r>
+            <a:endParaRPr lang="nb-NO" sz="2400" b="0" dirty="0"/>
           </a:p>
         </p:txBody>
       </p:sp>
     </p:spTree>
     <p:extLst>
       <p:ext uri="{BB962C8B-B14F-4D97-AF65-F5344CB8AC3E}">
-        <p14:creationId xmlns:p14="http://schemas.microsoft.com/office/powerpoint/2010/main" val="1886652239"/>
+        <p14:creationId xmlns:p14="http://schemas.microsoft.com/office/powerpoint/2010/main" val="2065140379"/>
       </p:ext>
     </p:extLst>
   </p:cSld>
@@ -3748,7 +9517,7 @@
 </p:sld>
 </file>
 
-<file path=ppt/slides/slide6.xml><?xml version="1.0" encoding="utf-8"?>
+<file path=ppt/slides/slide9.xml><?xml version="1.0" encoding="utf-8"?>
 <p:sld xmlns:a="http://schemas.openxmlformats.org/drawingml/2006/main" xmlns:r="http://schemas.openxmlformats.org/officeDocument/2006/relationships" xmlns:p="http://schemas.openxmlformats.org/presentationml/2006/main">
   <p:cSld>
     <p:spTree>
@@ -3939,757 +9708,6 @@
     <p:extLst>
       <p:ext uri="{BB962C8B-B14F-4D97-AF65-F5344CB8AC3E}">
         <p14:creationId xmlns:p14="http://schemas.microsoft.com/office/powerpoint/2010/main" val="698698992"/>
-      </p:ext>
-    </p:extLst>
-  </p:cSld>
-  <p:clrMapOvr>
-    <a:masterClrMapping/>
-  </p:clrMapOvr>
-</p:sld>
-</file>
-
-<file path=ppt/slides/slide7.xml><?xml version="1.0" encoding="utf-8"?>
-<p:sld xmlns:a="http://schemas.openxmlformats.org/drawingml/2006/main" xmlns:r="http://schemas.openxmlformats.org/officeDocument/2006/relationships" xmlns:p="http://schemas.openxmlformats.org/presentationml/2006/main">
-  <p:cSld>
-    <p:spTree>
-      <p:nvGrpSpPr>
-        <p:cNvPr id="1" name=""/>
-        <p:cNvGrpSpPr/>
-        <p:nvPr/>
-      </p:nvGrpSpPr>
-      <p:grpSpPr>
-        <a:xfrm>
-          <a:off x="0" y="0"/>
-          <a:ext cx="0" cy="0"/>
-          <a:chOff x="0" y="0"/>
-          <a:chExt cx="0" cy="0"/>
-        </a:xfrm>
-      </p:grpSpPr>
-      <p:sp>
-        <p:nvSpPr>
-          <p:cNvPr id="5" name="Tittel 4">
-            <a:extLst>
-              <a:ext uri="{FF2B5EF4-FFF2-40B4-BE49-F238E27FC236}">
-                <a16:creationId xmlns:a16="http://schemas.microsoft.com/office/drawing/2014/main" id="{2A2F2AA2-E624-5647-BC00-AC70C38CFE8C}"/>
-              </a:ext>
-            </a:extLst>
-          </p:cNvPr>
-          <p:cNvSpPr>
-            <a:spLocks noGrp="1"/>
-          </p:cNvSpPr>
-          <p:nvPr>
-            <p:ph type="title"/>
-          </p:nvPr>
-        </p:nvSpPr>
-        <p:spPr/>
-        <p:txBody>
-          <a:bodyPr/>
-          <a:lstStyle/>
-          <a:p>
-            <a:r>
-              <a:rPr lang="nb-NO" dirty="0" err="1"/>
-              <a:t>Lax-Wendroff</a:t>
-            </a:r>
-            <a:endParaRPr lang="nb-NO" dirty="0"/>
-          </a:p>
-        </p:txBody>
-      </p:sp>
-      <mc:AlternateContent xmlns:mc="http://schemas.openxmlformats.org/markup-compatibility/2006">
-        <mc:Choice xmlns:a14="http://schemas.microsoft.com/office/drawing/2010/main" Requires="a14">
-          <p:sp>
-            <p:nvSpPr>
-              <p:cNvPr id="6" name="Plassholder for innhold 5">
-                <a:extLst>
-                  <a:ext uri="{FF2B5EF4-FFF2-40B4-BE49-F238E27FC236}">
-                    <a16:creationId xmlns:a16="http://schemas.microsoft.com/office/drawing/2014/main" id="{219025EE-EA4F-A540-9C07-B193DE1F9D04}"/>
-                  </a:ext>
-                </a:extLst>
-              </p:cNvPr>
-              <p:cNvSpPr>
-                <a:spLocks noGrp="1"/>
-              </p:cNvSpPr>
-              <p:nvPr>
-                <p:ph idx="1"/>
-              </p:nvPr>
-            </p:nvSpPr>
-            <p:spPr/>
-            <p:txBody>
-              <a:bodyPr/>
-              <a:lstStyle/>
-              <a:p>
-                <a:endParaRPr lang="en-US" i="1" dirty="0">
-                  <a:latin typeface="Cambria Math" panose="02040503050406030204" pitchFamily="18" charset="0"/>
-                </a:endParaRPr>
-              </a:p>
-              <a:p>
-                <a14:m>
-                  <m:oMath xmlns:m="http://schemas.openxmlformats.org/officeDocument/2006/math">
-                    <m:sSubSup>
-                      <m:sSubSupPr>
-                        <m:ctrlPr>
-                          <a:rPr lang="nb-NO" i="1" smtClean="0">
-                            <a:latin typeface="Cambria Math" panose="02040503050406030204" pitchFamily="18" charset="0"/>
-                          </a:rPr>
-                        </m:ctrlPr>
-                      </m:sSubSupPr>
-                      <m:e>
-                        <m:r>
-                          <a:rPr lang="nb-NO" i="1">
-                            <a:latin typeface="Cambria Math" panose="02040503050406030204" pitchFamily="18" charset="0"/>
-                          </a:rPr>
-                          <m:t>𝜏</m:t>
-                        </m:r>
-                      </m:e>
-                      <m:sub>
-                        <m:r>
-                          <a:rPr lang="en-US" b="0" i="1" smtClean="0">
-                            <a:latin typeface="Cambria Math" panose="02040503050406030204" pitchFamily="18" charset="0"/>
-                          </a:rPr>
-                          <m:t>𝑚</m:t>
-                        </m:r>
-                      </m:sub>
-                      <m:sup>
-                        <m:r>
-                          <a:rPr lang="en-US" b="0" i="1" smtClean="0">
-                            <a:latin typeface="Cambria Math" panose="02040503050406030204" pitchFamily="18" charset="0"/>
-                          </a:rPr>
-                          <m:t>𝑛</m:t>
-                        </m:r>
-                      </m:sup>
-                    </m:sSubSup>
-                  </m:oMath>
-                </a14:m>
-                <a:r>
-                  <a:rPr lang="nb-NO" dirty="0"/>
-                  <a:t>=O(</a:t>
-                </a:r>
-                <a14:m>
-                  <m:oMath xmlns:m="http://schemas.openxmlformats.org/officeDocument/2006/math">
-                    <m:sSup>
-                      <m:sSupPr>
-                        <m:ctrlPr>
-                          <a:rPr lang="nb-NO" i="1" smtClean="0">
-                            <a:latin typeface="Cambria Math" panose="02040503050406030204" pitchFamily="18" charset="0"/>
-                          </a:rPr>
-                        </m:ctrlPr>
-                      </m:sSupPr>
-                      <m:e>
-                        <m:r>
-                          <a:rPr lang="en-US" b="0" i="1" smtClean="0">
-                            <a:latin typeface="Cambria Math" panose="02040503050406030204" pitchFamily="18" charset="0"/>
-                          </a:rPr>
-                          <m:t>𝑘</m:t>
-                        </m:r>
-                      </m:e>
-                      <m:sup>
-                        <m:r>
-                          <a:rPr lang="en-US" b="0" i="1" smtClean="0">
-                            <a:latin typeface="Cambria Math" panose="02040503050406030204" pitchFamily="18" charset="0"/>
-                          </a:rPr>
-                          <m:t>2</m:t>
-                        </m:r>
-                      </m:sup>
-                    </m:sSup>
-                    <m:r>
-                      <a:rPr lang="en-US" b="0" i="1" smtClean="0">
-                        <a:latin typeface="Cambria Math" panose="02040503050406030204" pitchFamily="18" charset="0"/>
-                      </a:rPr>
-                      <m:t>)+</m:t>
-                    </m:r>
-                    <m:r>
-                      <m:rPr>
-                        <m:nor/>
-                      </m:rPr>
-                      <a:rPr lang="nb-NO" dirty="0"/>
-                      <m:t>O</m:t>
-                    </m:r>
-                    <m:sSup>
-                      <m:sSupPr>
-                        <m:ctrlPr>
-                          <a:rPr lang="en-US" b="0" i="1" smtClean="0">
-                            <a:latin typeface="Cambria Math" panose="02040503050406030204" pitchFamily="18" charset="0"/>
-                          </a:rPr>
-                        </m:ctrlPr>
-                      </m:sSupPr>
-                      <m:e>
-                        <m:r>
-                          <a:rPr lang="en-US" b="0" i="1" smtClean="0">
-                            <a:latin typeface="Cambria Math" panose="02040503050406030204" pitchFamily="18" charset="0"/>
-                          </a:rPr>
-                          <m:t>(</m:t>
-                        </m:r>
-                        <m:r>
-                          <a:rPr lang="en-US" b="0" i="1" smtClean="0">
-                            <a:latin typeface="Cambria Math" panose="02040503050406030204" pitchFamily="18" charset="0"/>
-                          </a:rPr>
-                          <m:t>h</m:t>
-                        </m:r>
-                      </m:e>
-                      <m:sup>
-                        <m:r>
-                          <a:rPr lang="en-US" b="0" i="1" smtClean="0">
-                            <a:latin typeface="Cambria Math" panose="02040503050406030204" pitchFamily="18" charset="0"/>
-                          </a:rPr>
-                          <m:t>2</m:t>
-                        </m:r>
-                      </m:sup>
-                    </m:sSup>
-                  </m:oMath>
-                </a14:m>
-                <a:r>
-                  <a:rPr lang="nb-NO" dirty="0"/>
-                  <a:t>)+ O(</a:t>
-                </a:r>
-                <a14:m>
-                  <m:oMath xmlns:m="http://schemas.openxmlformats.org/officeDocument/2006/math">
-                    <m:r>
-                      <a:rPr lang="en-US" i="1">
-                        <a:latin typeface="Cambria Math" panose="02040503050406030204" pitchFamily="18" charset="0"/>
-                      </a:rPr>
-                      <m:t>𝑘</m:t>
-                    </m:r>
-                    <m:r>
-                      <a:rPr lang="en-US" i="1">
-                        <a:latin typeface="Cambria Math" panose="02040503050406030204" pitchFamily="18" charset="0"/>
-                      </a:rPr>
-                      <m:t> </m:t>
-                    </m:r>
-                    <m:sSup>
-                      <m:sSupPr>
-                        <m:ctrlPr>
-                          <a:rPr lang="nb-NO" i="1" smtClean="0">
-                            <a:latin typeface="Cambria Math" panose="02040503050406030204" pitchFamily="18" charset="0"/>
-                          </a:rPr>
-                        </m:ctrlPr>
-                      </m:sSupPr>
-                      <m:e>
-                        <m:r>
-                          <a:rPr lang="en-US" b="0" i="1" smtClean="0">
-                            <a:latin typeface="Cambria Math" panose="02040503050406030204" pitchFamily="18" charset="0"/>
-                          </a:rPr>
-                          <m:t>h</m:t>
-                        </m:r>
-                      </m:e>
-                      <m:sup>
-                        <m:r>
-                          <a:rPr lang="en-US" b="0" i="1" smtClean="0">
-                            <a:latin typeface="Cambria Math" panose="02040503050406030204" pitchFamily="18" charset="0"/>
-                          </a:rPr>
-                          <m:t>2</m:t>
-                        </m:r>
-                      </m:sup>
-                    </m:sSup>
-                  </m:oMath>
-                </a14:m>
-                <a:r>
-                  <a:rPr lang="nb-NO" dirty="0"/>
-                  <a:t>)</a:t>
-                </a:r>
-              </a:p>
-            </p:txBody>
-          </p:sp>
-        </mc:Choice>
-        <mc:Fallback>
-          <p:sp>
-            <p:nvSpPr>
-              <p:cNvPr id="6" name="Plassholder for innhold 5">
-                <a:extLst>
-                  <a:ext uri="{FF2B5EF4-FFF2-40B4-BE49-F238E27FC236}">
-                    <a16:creationId xmlns:a16="http://schemas.microsoft.com/office/drawing/2014/main" id="{219025EE-EA4F-A540-9C07-B193DE1F9D04}"/>
-                  </a:ext>
-                </a:extLst>
-              </p:cNvPr>
-              <p:cNvSpPr>
-                <a:spLocks noGrp="1" noRot="1" noChangeAspect="1" noMove="1" noResize="1" noEditPoints="1" noAdjustHandles="1" noChangeArrowheads="1" noChangeShapeType="1" noTextEdit="1"/>
-              </p:cNvSpPr>
-              <p:nvPr>
-                <p:ph idx="1"/>
-              </p:nvPr>
-            </p:nvSpPr>
-            <p:spPr>
-              <a:blipFill>
-                <a:blip r:embed="rId2"/>
-                <a:stretch>
-                  <a:fillRect l="-1080"/>
-                </a:stretch>
-              </a:blipFill>
-            </p:spPr>
-            <p:txBody>
-              <a:bodyPr/>
-              <a:lstStyle/>
-              <a:p>
-                <a:r>
-                  <a:rPr lang="nb-NO">
-                    <a:noFill/>
-                  </a:rPr>
-                  <a:t> </a:t>
-                </a:r>
-              </a:p>
-            </p:txBody>
-          </p:sp>
-        </mc:Fallback>
-      </mc:AlternateContent>
-      <p:sp>
-        <p:nvSpPr>
-          <p:cNvPr id="7" name="Tittel 3">
-            <a:extLst>
-              <a:ext uri="{FF2B5EF4-FFF2-40B4-BE49-F238E27FC236}">
-                <a16:creationId xmlns:a16="http://schemas.microsoft.com/office/drawing/2014/main" id="{BA17C547-E506-F44B-994F-9A0FA1855AC3}"/>
-              </a:ext>
-            </a:extLst>
-          </p:cNvPr>
-          <p:cNvSpPr txBox="1">
-            <a:spLocks/>
-          </p:cNvSpPr>
-          <p:nvPr/>
-        </p:nvSpPr>
-        <p:spPr>
-          <a:xfrm>
-            <a:off x="457200" y="1189278"/>
-            <a:ext cx="4163786" cy="651868"/>
-          </a:xfrm>
-          <a:prstGeom prst="rect">
-            <a:avLst/>
-          </a:prstGeom>
-        </p:spPr>
-        <p:txBody>
-          <a:bodyPr vert="horz" lIns="91440" tIns="45720" rIns="91440" bIns="45720" rtlCol="0" anchor="ctr">
-            <a:normAutofit/>
-          </a:bodyPr>
-          <a:lstStyle>
-            <a:lvl1pPr algn="l" defTabSz="457200" rtl="0" eaLnBrk="1" latinLnBrk="0" hangingPunct="1">
-              <a:spcBef>
-                <a:spcPct val="0"/>
-              </a:spcBef>
-              <a:buNone/>
-              <a:defRPr sz="3600" b="1" i="0" kern="1200">
-                <a:solidFill>
-                  <a:schemeClr val="tx1"/>
-                </a:solidFill>
-                <a:latin typeface="Arial"/>
-                <a:ea typeface="+mj-ea"/>
-                <a:cs typeface="Arial"/>
-              </a:defRPr>
-            </a:lvl1pPr>
-          </a:lstStyle>
-          <a:p>
-            <a:r>
-              <a:rPr lang="en-US" sz="2400" b="0" dirty="0"/>
-              <a:t>Analysis</a:t>
-            </a:r>
-            <a:endParaRPr lang="nb-NO" sz="2400" b="0" dirty="0"/>
-          </a:p>
-        </p:txBody>
-      </p:sp>
-    </p:spTree>
-    <p:extLst>
-      <p:ext uri="{BB962C8B-B14F-4D97-AF65-F5344CB8AC3E}">
-        <p14:creationId xmlns:p14="http://schemas.microsoft.com/office/powerpoint/2010/main" val="3026782929"/>
-      </p:ext>
-    </p:extLst>
-  </p:cSld>
-  <p:clrMapOvr>
-    <a:masterClrMapping/>
-  </p:clrMapOvr>
-</p:sld>
-</file>
-
-<file path=ppt/slides/slide8.xml><?xml version="1.0" encoding="utf-8"?>
-<p:sld xmlns:a="http://schemas.openxmlformats.org/drawingml/2006/main" xmlns:r="http://schemas.openxmlformats.org/officeDocument/2006/relationships" xmlns:p="http://schemas.openxmlformats.org/presentationml/2006/main">
-  <p:cSld>
-    <p:spTree>
-      <p:nvGrpSpPr>
-        <p:cNvPr id="1" name=""/>
-        <p:cNvGrpSpPr/>
-        <p:nvPr/>
-      </p:nvGrpSpPr>
-      <p:grpSpPr>
-        <a:xfrm>
-          <a:off x="0" y="0"/>
-          <a:ext cx="0" cy="0"/>
-          <a:chOff x="0" y="0"/>
-          <a:chExt cx="0" cy="0"/>
-        </a:xfrm>
-      </p:grpSpPr>
-      <p:sp>
-        <p:nvSpPr>
-          <p:cNvPr id="2" name="Tittel 1">
-            <a:extLst>
-              <a:ext uri="{FF2B5EF4-FFF2-40B4-BE49-F238E27FC236}">
-                <a16:creationId xmlns:a16="http://schemas.microsoft.com/office/drawing/2014/main" id="{A2F1B926-E632-3945-95C9-E6FC355C7B49}"/>
-              </a:ext>
-            </a:extLst>
-          </p:cNvPr>
-          <p:cNvSpPr>
-            <a:spLocks noGrp="1"/>
-          </p:cNvSpPr>
-          <p:nvPr>
-            <p:ph type="title"/>
-          </p:nvPr>
-        </p:nvSpPr>
-        <p:spPr/>
-        <p:txBody>
-          <a:bodyPr/>
-          <a:lstStyle/>
-          <a:p>
-            <a:r>
-              <a:rPr lang="en-US" dirty="0"/>
-              <a:t>Lax-</a:t>
-            </a:r>
-            <a:r>
-              <a:rPr lang="en-US" dirty="0" err="1"/>
-              <a:t>Wendroff</a:t>
-            </a:r>
-            <a:r>
-              <a:rPr lang="en-US" dirty="0"/>
-              <a:t> </a:t>
-            </a:r>
-            <a:endParaRPr lang="nb-NO" dirty="0"/>
-          </a:p>
-        </p:txBody>
-      </p:sp>
-      <p:pic>
-        <p:nvPicPr>
-          <p:cNvPr id="18" name="Plassholder for innhold 17">
-            <a:extLst>
-              <a:ext uri="{FF2B5EF4-FFF2-40B4-BE49-F238E27FC236}">
-                <a16:creationId xmlns:a16="http://schemas.microsoft.com/office/drawing/2014/main" id="{0FC4DAD9-6348-3846-9284-AA83755BD437}"/>
-              </a:ext>
-            </a:extLst>
-          </p:cNvPr>
-          <p:cNvPicPr>
-            <a:picLocks noGrp="1" noChangeAspect="1"/>
-          </p:cNvPicPr>
-          <p:nvPr>
-            <p:ph idx="1"/>
-          </p:nvPr>
-        </p:nvPicPr>
-        <p:blipFill>
-          <a:blip r:embed="rId2"/>
-          <a:stretch>
-            <a:fillRect/>
-          </a:stretch>
-        </p:blipFill>
-        <p:spPr>
-          <a:xfrm>
-            <a:off x="1651000" y="1691481"/>
-            <a:ext cx="5842000" cy="4343400"/>
-          </a:xfrm>
-        </p:spPr>
-      </p:pic>
-      <p:sp>
-        <p:nvSpPr>
-          <p:cNvPr id="19" name="Tittel 3">
-            <a:extLst>
-              <a:ext uri="{FF2B5EF4-FFF2-40B4-BE49-F238E27FC236}">
-                <a16:creationId xmlns:a16="http://schemas.microsoft.com/office/drawing/2014/main" id="{82E934B2-3630-1A40-BECE-E18227CD074C}"/>
-              </a:ext>
-            </a:extLst>
-          </p:cNvPr>
-          <p:cNvSpPr txBox="1">
-            <a:spLocks/>
-          </p:cNvSpPr>
-          <p:nvPr/>
-        </p:nvSpPr>
-        <p:spPr>
-          <a:xfrm>
-            <a:off x="457200" y="1189278"/>
-            <a:ext cx="4163786" cy="651868"/>
-          </a:xfrm>
-          <a:prstGeom prst="rect">
-            <a:avLst/>
-          </a:prstGeom>
-        </p:spPr>
-        <p:txBody>
-          <a:bodyPr vert="horz" lIns="91440" tIns="45720" rIns="91440" bIns="45720" rtlCol="0" anchor="ctr">
-            <a:normAutofit/>
-          </a:bodyPr>
-          <a:lstStyle>
-            <a:lvl1pPr algn="l" defTabSz="457200" rtl="0" eaLnBrk="1" latinLnBrk="0" hangingPunct="1">
-              <a:spcBef>
-                <a:spcPct val="0"/>
-              </a:spcBef>
-              <a:buNone/>
-              <a:defRPr sz="3600" b="1" i="0" kern="1200">
-                <a:solidFill>
-                  <a:schemeClr val="tx1"/>
-                </a:solidFill>
-                <a:latin typeface="Arial"/>
-                <a:ea typeface="+mj-ea"/>
-                <a:cs typeface="Arial"/>
-              </a:defRPr>
-            </a:lvl1pPr>
-          </a:lstStyle>
-          <a:p>
-            <a:r>
-              <a:rPr lang="en-US" sz="2400" b="0" dirty="0"/>
-              <a:t>Convergence plot</a:t>
-            </a:r>
-            <a:endParaRPr lang="nb-NO" sz="2400" b="0" dirty="0"/>
-          </a:p>
-        </p:txBody>
-      </p:sp>
-    </p:spTree>
-    <p:extLst>
-      <p:ext uri="{BB962C8B-B14F-4D97-AF65-F5344CB8AC3E}">
-        <p14:creationId xmlns:p14="http://schemas.microsoft.com/office/powerpoint/2010/main" val="3090891517"/>
-      </p:ext>
-    </p:extLst>
-  </p:cSld>
-  <p:clrMapOvr>
-    <a:masterClrMapping/>
-  </p:clrMapOvr>
-</p:sld>
-</file>
-
-<file path=ppt/slides/slide9.xml><?xml version="1.0" encoding="utf-8"?>
-<p:sld xmlns:a="http://schemas.openxmlformats.org/drawingml/2006/main" xmlns:r="http://schemas.openxmlformats.org/officeDocument/2006/relationships" xmlns:p="http://schemas.openxmlformats.org/presentationml/2006/main">
-  <p:cSld>
-    <p:spTree>
-      <p:nvGrpSpPr>
-        <p:cNvPr id="1" name=""/>
-        <p:cNvGrpSpPr/>
-        <p:nvPr/>
-      </p:nvGrpSpPr>
-      <p:grpSpPr>
-        <a:xfrm>
-          <a:off x="0" y="0"/>
-          <a:ext cx="0" cy="0"/>
-          <a:chOff x="0" y="0"/>
-          <a:chExt cx="0" cy="0"/>
-        </a:xfrm>
-      </p:grpSpPr>
-      <p:sp>
-        <p:nvSpPr>
-          <p:cNvPr id="2" name="Tittel 1">
-            <a:extLst>
-              <a:ext uri="{FF2B5EF4-FFF2-40B4-BE49-F238E27FC236}">
-                <a16:creationId xmlns:a16="http://schemas.microsoft.com/office/drawing/2014/main" id="{11437100-8E15-2F43-8A51-89700639DDA8}"/>
-              </a:ext>
-            </a:extLst>
-          </p:cNvPr>
-          <p:cNvSpPr>
-            <a:spLocks noGrp="1"/>
-          </p:cNvSpPr>
-          <p:nvPr>
-            <p:ph type="title"/>
-          </p:nvPr>
-        </p:nvSpPr>
-        <p:spPr/>
-        <p:txBody>
-          <a:bodyPr/>
-          <a:lstStyle/>
-          <a:p>
-            <a:r>
-              <a:rPr lang="en-US" dirty="0"/>
-              <a:t>References </a:t>
-            </a:r>
-            <a:endParaRPr lang="nb-NO" dirty="0"/>
-          </a:p>
-        </p:txBody>
-      </p:sp>
-      <p:sp>
-        <p:nvSpPr>
-          <p:cNvPr id="3" name="Plassholder for innhold 2">
-            <a:extLst>
-              <a:ext uri="{FF2B5EF4-FFF2-40B4-BE49-F238E27FC236}">
-                <a16:creationId xmlns:a16="http://schemas.microsoft.com/office/drawing/2014/main" id="{1400DA9B-2FD8-DB46-88BC-AA6BC53C2EFD}"/>
-              </a:ext>
-            </a:extLst>
-          </p:cNvPr>
-          <p:cNvSpPr>
-            <a:spLocks noGrp="1"/>
-          </p:cNvSpPr>
-          <p:nvPr>
-            <p:ph idx="1"/>
-          </p:nvPr>
-        </p:nvSpPr>
-        <p:spPr/>
-        <p:txBody>
-          <a:bodyPr/>
-          <a:lstStyle/>
-          <a:p>
-            <a:r>
-              <a:rPr lang="nb-NO" dirty="0"/>
-              <a:t>Lee, H.Y., Lee, H.-W. &amp; Kim, D., (1999), </a:t>
-            </a:r>
-            <a:r>
-              <a:rPr lang="nb-NO" dirty="0" err="1"/>
-              <a:t>Dynamic</a:t>
-            </a:r>
-            <a:r>
-              <a:rPr lang="nb-NO" dirty="0"/>
-              <a:t> </a:t>
-            </a:r>
-            <a:r>
-              <a:rPr lang="nb-NO" dirty="0" err="1"/>
-              <a:t>states</a:t>
-            </a:r>
-            <a:r>
-              <a:rPr lang="nb-NO" dirty="0"/>
-              <a:t> </a:t>
-            </a:r>
-            <a:r>
-              <a:rPr lang="nb-NO" dirty="0" err="1"/>
-              <a:t>of</a:t>
-            </a:r>
-            <a:r>
-              <a:rPr lang="nb-NO" dirty="0"/>
-              <a:t> a </a:t>
-            </a:r>
-            <a:r>
-              <a:rPr lang="nb-NO" dirty="0" err="1"/>
-              <a:t>continuum</a:t>
-            </a:r>
-            <a:r>
-              <a:rPr lang="nb-NO" dirty="0"/>
-              <a:t> </a:t>
-            </a:r>
-            <a:r>
-              <a:rPr lang="nb-NO" dirty="0" err="1"/>
-              <a:t>traffic</a:t>
-            </a:r>
-            <a:r>
-              <a:rPr lang="nb-NO" dirty="0"/>
-              <a:t> </a:t>
-            </a:r>
-            <a:r>
-              <a:rPr lang="nb-NO" dirty="0" err="1"/>
-              <a:t>equation</a:t>
-            </a:r>
-            <a:r>
-              <a:rPr lang="nb-NO" dirty="0"/>
-              <a:t> </a:t>
-            </a:r>
-            <a:r>
-              <a:rPr lang="nb-NO" dirty="0" err="1"/>
-              <a:t>with</a:t>
-            </a:r>
-            <a:r>
-              <a:rPr lang="nb-NO" dirty="0"/>
-              <a:t> on-ramp, </a:t>
-            </a:r>
-            <a:r>
-              <a:rPr lang="nb-NO" dirty="0" err="1"/>
-              <a:t>Physical</a:t>
-            </a:r>
-            <a:r>
-              <a:rPr lang="nb-NO" dirty="0"/>
-              <a:t> </a:t>
-            </a:r>
-            <a:r>
-              <a:rPr lang="nb-NO" dirty="0" err="1"/>
-              <a:t>Review</a:t>
-            </a:r>
-            <a:r>
-              <a:rPr lang="nb-NO" dirty="0"/>
-              <a:t>, 59(5)</a:t>
-            </a:r>
-          </a:p>
-          <a:p>
-            <a:r>
-              <a:rPr lang="nb-NO" dirty="0" err="1"/>
-              <a:t>Helbing</a:t>
-            </a:r>
-            <a:r>
-              <a:rPr lang="nb-NO" dirty="0"/>
-              <a:t>, H., </a:t>
-            </a:r>
-            <a:r>
-              <a:rPr lang="nb-NO" dirty="0" err="1"/>
-              <a:t>Treiber</a:t>
-            </a:r>
-            <a:r>
-              <a:rPr lang="nb-NO" dirty="0"/>
-              <a:t> M., (1999), </a:t>
-            </a:r>
-            <a:r>
-              <a:rPr lang="nb-NO" dirty="0" err="1"/>
-              <a:t>Simulation</a:t>
-            </a:r>
-            <a:r>
-              <a:rPr lang="nb-NO" dirty="0"/>
-              <a:t> </a:t>
-            </a:r>
-            <a:r>
-              <a:rPr lang="nb-NO" dirty="0" err="1"/>
-              <a:t>of</a:t>
-            </a:r>
-            <a:r>
-              <a:rPr lang="nb-NO" dirty="0"/>
-              <a:t> </a:t>
-            </a:r>
-            <a:r>
-              <a:rPr lang="nb-NO" dirty="0" err="1"/>
-              <a:t>Macroscopic</a:t>
-            </a:r>
-            <a:r>
-              <a:rPr lang="nb-NO" dirty="0"/>
-              <a:t> </a:t>
-            </a:r>
-            <a:r>
-              <a:rPr lang="nb-NO" dirty="0" err="1"/>
-              <a:t>Traffic</a:t>
-            </a:r>
-            <a:r>
-              <a:rPr lang="nb-NO" dirty="0"/>
-              <a:t> Equations, </a:t>
-            </a:r>
-            <a:r>
-              <a:rPr lang="nb-NO" dirty="0" err="1"/>
-              <a:t>Institute</a:t>
-            </a:r>
-            <a:r>
-              <a:rPr lang="nb-NO" dirty="0"/>
-              <a:t> </a:t>
-            </a:r>
-            <a:r>
-              <a:rPr lang="nb-NO" dirty="0" err="1"/>
-              <a:t>of</a:t>
-            </a:r>
-            <a:r>
-              <a:rPr lang="nb-NO" dirty="0"/>
-              <a:t> </a:t>
-            </a:r>
-            <a:r>
-              <a:rPr lang="nb-NO" dirty="0" err="1"/>
-              <a:t>Theoretical</a:t>
-            </a:r>
-            <a:r>
-              <a:rPr lang="nb-NO" dirty="0"/>
-              <a:t> </a:t>
-            </a:r>
-            <a:r>
-              <a:rPr lang="nb-NO" dirty="0" err="1"/>
-              <a:t>Physics</a:t>
-            </a:r>
-            <a:r>
-              <a:rPr lang="nb-NO" dirty="0"/>
-              <a:t>, </a:t>
-            </a:r>
-            <a:r>
-              <a:rPr lang="nb-NO" dirty="0" err="1"/>
-              <a:t>University</a:t>
-            </a:r>
-            <a:r>
-              <a:rPr lang="nb-NO" dirty="0"/>
-              <a:t> </a:t>
-            </a:r>
-            <a:r>
-              <a:rPr lang="nb-NO" dirty="0" err="1"/>
-              <a:t>of</a:t>
-            </a:r>
-            <a:r>
-              <a:rPr lang="nb-NO" dirty="0"/>
-              <a:t> Stuttgart</a:t>
-            </a:r>
-          </a:p>
-        </p:txBody>
-      </p:sp>
-    </p:spTree>
-    <p:extLst>
-      <p:ext uri="{BB962C8B-B14F-4D97-AF65-F5344CB8AC3E}">
-        <p14:creationId xmlns:p14="http://schemas.microsoft.com/office/powerpoint/2010/main" val="2036449813"/>
       </p:ext>
     </p:extLst>
   </p:cSld>
@@ -5017,4 +10035,299 @@
   </a:objectDefaults>
   <a:extraClrSchemeLst/>
 </a:theme>
+</file>
+
+<file path=ppt/theme/theme2.xml><?xml version="1.0" encoding="utf-8"?>
+<a:theme xmlns:a="http://schemas.openxmlformats.org/drawingml/2006/main" name="Office-tema">
+  <a:themeElements>
+    <a:clrScheme name="Office">
+      <a:dk1>
+        <a:sysClr val="windowText" lastClr="000000"/>
+      </a:dk1>
+      <a:lt1>
+        <a:sysClr val="window" lastClr="FFFFFF"/>
+      </a:lt1>
+      <a:dk2>
+        <a:srgbClr val="44546A"/>
+      </a:dk2>
+      <a:lt2>
+        <a:srgbClr val="E7E6E6"/>
+      </a:lt2>
+      <a:accent1>
+        <a:srgbClr val="4472C4"/>
+      </a:accent1>
+      <a:accent2>
+        <a:srgbClr val="ED7D31"/>
+      </a:accent2>
+      <a:accent3>
+        <a:srgbClr val="A5A5A5"/>
+      </a:accent3>
+      <a:accent4>
+        <a:srgbClr val="FFC000"/>
+      </a:accent4>
+      <a:accent5>
+        <a:srgbClr val="5B9BD5"/>
+      </a:accent5>
+      <a:accent6>
+        <a:srgbClr val="70AD47"/>
+      </a:accent6>
+      <a:hlink>
+        <a:srgbClr val="0563C1"/>
+      </a:hlink>
+      <a:folHlink>
+        <a:srgbClr val="954F72"/>
+      </a:folHlink>
+    </a:clrScheme>
+    <a:fontScheme name="Office">
+      <a:majorFont>
+        <a:latin typeface="Calibri Light" panose="020F0302020204030204"/>
+        <a:ea typeface=""/>
+        <a:cs typeface=""/>
+        <a:font script="Jpan" typeface="游ゴシック Light"/>
+        <a:font script="Hang" typeface="맑은 고딕"/>
+        <a:font script="Hans" typeface="等线 Light"/>
+        <a:font script="Hant" typeface="新細明體"/>
+        <a:font script="Arab" typeface="Times New Roman"/>
+        <a:font script="Hebr" typeface="Times New Roman"/>
+        <a:font script="Thai" typeface="Angsana New"/>
+        <a:font script="Ethi" typeface="Nyala"/>
+        <a:font script="Beng" typeface="Vrinda"/>
+        <a:font script="Gujr" typeface="Shruti"/>
+        <a:font script="Khmr" typeface="MoolBoran"/>
+        <a:font script="Knda" typeface="Tunga"/>
+        <a:font script="Guru" typeface="Raavi"/>
+        <a:font script="Cans" typeface="Euphemia"/>
+        <a:font script="Cher" typeface="Plantagenet Cherokee"/>
+        <a:font script="Yiii" typeface="Microsoft Yi Baiti"/>
+        <a:font script="Tibt" typeface="Microsoft Himalaya"/>
+        <a:font script="Thaa" typeface="MV Boli"/>
+        <a:font script="Deva" typeface="Mangal"/>
+        <a:font script="Telu" typeface="Gautami"/>
+        <a:font script="Taml" typeface="Latha"/>
+        <a:font script="Syrc" typeface="Estrangelo Edessa"/>
+        <a:font script="Orya" typeface="Kalinga"/>
+        <a:font script="Mlym" typeface="Kartika"/>
+        <a:font script="Laoo" typeface="DokChampa"/>
+        <a:font script="Sinh" typeface="Iskoola Pota"/>
+        <a:font script="Mong" typeface="Mongolian Baiti"/>
+        <a:font script="Viet" typeface="Times New Roman"/>
+        <a:font script="Uigh" typeface="Microsoft Uighur"/>
+        <a:font script="Geor" typeface="Sylfaen"/>
+        <a:font script="Armn" typeface="Arial"/>
+        <a:font script="Bugi" typeface="Leelawadee UI"/>
+        <a:font script="Bopo" typeface="Microsoft JhengHei"/>
+        <a:font script="Java" typeface="Javanese Text"/>
+        <a:font script="Lisu" typeface="Segoe UI"/>
+        <a:font script="Mymr" typeface="Myanmar Text"/>
+        <a:font script="Nkoo" typeface="Ebrima"/>
+        <a:font script="Olck" typeface="Nirmala UI"/>
+        <a:font script="Osma" typeface="Ebrima"/>
+        <a:font script="Phag" typeface="Phagspa"/>
+        <a:font script="Syrn" typeface="Estrangelo Edessa"/>
+        <a:font script="Syrj" typeface="Estrangelo Edessa"/>
+        <a:font script="Syre" typeface="Estrangelo Edessa"/>
+        <a:font script="Sora" typeface="Nirmala UI"/>
+        <a:font script="Tale" typeface="Microsoft Tai Le"/>
+        <a:font script="Talu" typeface="Microsoft New Tai Lue"/>
+        <a:font script="Tfng" typeface="Ebrima"/>
+      </a:majorFont>
+      <a:minorFont>
+        <a:latin typeface="Calibri" panose="020F0502020204030204"/>
+        <a:ea typeface=""/>
+        <a:cs typeface=""/>
+        <a:font script="Jpan" typeface="游ゴシック"/>
+        <a:font script="Hang" typeface="맑은 고딕"/>
+        <a:font script="Hans" typeface="等线"/>
+        <a:font script="Hant" typeface="新細明體"/>
+        <a:font script="Arab" typeface="Arial"/>
+        <a:font script="Hebr" typeface="Arial"/>
+        <a:font script="Thai" typeface="Cordia New"/>
+        <a:font script="Ethi" typeface="Nyala"/>
+        <a:font script="Beng" typeface="Vrinda"/>
+        <a:font script="Gujr" typeface="Shruti"/>
+        <a:font script="Khmr" typeface="DaunPenh"/>
+        <a:font script="Knda" typeface="Tunga"/>
+        <a:font script="Guru" typeface="Raavi"/>
+        <a:font script="Cans" typeface="Euphemia"/>
+        <a:font script="Cher" typeface="Plantagenet Cherokee"/>
+        <a:font script="Yiii" typeface="Microsoft Yi Baiti"/>
+        <a:font script="Tibt" typeface="Microsoft Himalaya"/>
+        <a:font script="Thaa" typeface="MV Boli"/>
+        <a:font script="Deva" typeface="Mangal"/>
+        <a:font script="Telu" typeface="Gautami"/>
+        <a:font script="Taml" typeface="Latha"/>
+        <a:font script="Syrc" typeface="Estrangelo Edessa"/>
+        <a:font script="Orya" typeface="Kalinga"/>
+        <a:font script="Mlym" typeface="Kartika"/>
+        <a:font script="Laoo" typeface="DokChampa"/>
+        <a:font script="Sinh" typeface="Iskoola Pota"/>
+        <a:font script="Mong" typeface="Mongolian Baiti"/>
+        <a:font script="Viet" typeface="Arial"/>
+        <a:font script="Uigh" typeface="Microsoft Uighur"/>
+        <a:font script="Geor" typeface="Sylfaen"/>
+        <a:font script="Armn" typeface="Arial"/>
+        <a:font script="Bugi" typeface="Leelawadee UI"/>
+        <a:font script="Bopo" typeface="Microsoft JhengHei"/>
+        <a:font script="Java" typeface="Javanese Text"/>
+        <a:font script="Lisu" typeface="Segoe UI"/>
+        <a:font script="Mymr" typeface="Myanmar Text"/>
+        <a:font script="Nkoo" typeface="Ebrima"/>
+        <a:font script="Olck" typeface="Nirmala UI"/>
+        <a:font script="Osma" typeface="Ebrima"/>
+        <a:font script="Phag" typeface="Phagspa"/>
+        <a:font script="Syrn" typeface="Estrangelo Edessa"/>
+        <a:font script="Syrj" typeface="Estrangelo Edessa"/>
+        <a:font script="Syre" typeface="Estrangelo Edessa"/>
+        <a:font script="Sora" typeface="Nirmala UI"/>
+        <a:font script="Tale" typeface="Microsoft Tai Le"/>
+        <a:font script="Talu" typeface="Microsoft New Tai Lue"/>
+        <a:font script="Tfng" typeface="Ebrima"/>
+      </a:minorFont>
+    </a:fontScheme>
+    <a:fmtScheme name="Office">
+      <a:fillStyleLst>
+        <a:solidFill>
+          <a:schemeClr val="phClr"/>
+        </a:solidFill>
+        <a:gradFill rotWithShape="1">
+          <a:gsLst>
+            <a:gs pos="0">
+              <a:schemeClr val="phClr">
+                <a:lumMod val="110000"/>
+                <a:satMod val="105000"/>
+                <a:tint val="67000"/>
+              </a:schemeClr>
+            </a:gs>
+            <a:gs pos="50000">
+              <a:schemeClr val="phClr">
+                <a:lumMod val="105000"/>
+                <a:satMod val="103000"/>
+                <a:tint val="73000"/>
+              </a:schemeClr>
+            </a:gs>
+            <a:gs pos="100000">
+              <a:schemeClr val="phClr">
+                <a:lumMod val="105000"/>
+                <a:satMod val="109000"/>
+                <a:tint val="81000"/>
+              </a:schemeClr>
+            </a:gs>
+          </a:gsLst>
+          <a:lin ang="5400000" scaled="0"/>
+        </a:gradFill>
+        <a:gradFill rotWithShape="1">
+          <a:gsLst>
+            <a:gs pos="0">
+              <a:schemeClr val="phClr">
+                <a:satMod val="103000"/>
+                <a:lumMod val="102000"/>
+                <a:tint val="94000"/>
+              </a:schemeClr>
+            </a:gs>
+            <a:gs pos="50000">
+              <a:schemeClr val="phClr">
+                <a:satMod val="110000"/>
+                <a:lumMod val="100000"/>
+                <a:shade val="100000"/>
+              </a:schemeClr>
+            </a:gs>
+            <a:gs pos="100000">
+              <a:schemeClr val="phClr">
+                <a:lumMod val="99000"/>
+                <a:satMod val="120000"/>
+                <a:shade val="78000"/>
+              </a:schemeClr>
+            </a:gs>
+          </a:gsLst>
+          <a:lin ang="5400000" scaled="0"/>
+        </a:gradFill>
+      </a:fillStyleLst>
+      <a:lnStyleLst>
+        <a:ln w="6350" cap="flat" cmpd="sng" algn="ctr">
+          <a:solidFill>
+            <a:schemeClr val="phClr"/>
+          </a:solidFill>
+          <a:prstDash val="solid"/>
+          <a:miter lim="800000"/>
+        </a:ln>
+        <a:ln w="12700" cap="flat" cmpd="sng" algn="ctr">
+          <a:solidFill>
+            <a:schemeClr val="phClr"/>
+          </a:solidFill>
+          <a:prstDash val="solid"/>
+          <a:miter lim="800000"/>
+        </a:ln>
+        <a:ln w="19050" cap="flat" cmpd="sng" algn="ctr">
+          <a:solidFill>
+            <a:schemeClr val="phClr"/>
+          </a:solidFill>
+          <a:prstDash val="solid"/>
+          <a:miter lim="800000"/>
+        </a:ln>
+      </a:lnStyleLst>
+      <a:effectStyleLst>
+        <a:effectStyle>
+          <a:effectLst/>
+        </a:effectStyle>
+        <a:effectStyle>
+          <a:effectLst/>
+        </a:effectStyle>
+        <a:effectStyle>
+          <a:effectLst>
+            <a:outerShdw blurRad="57150" dist="19050" dir="5400000" algn="ctr" rotWithShape="0">
+              <a:srgbClr val="000000">
+                <a:alpha val="63000"/>
+              </a:srgbClr>
+            </a:outerShdw>
+          </a:effectLst>
+        </a:effectStyle>
+      </a:effectStyleLst>
+      <a:bgFillStyleLst>
+        <a:solidFill>
+          <a:schemeClr val="phClr"/>
+        </a:solidFill>
+        <a:solidFill>
+          <a:schemeClr val="phClr">
+            <a:tint val="95000"/>
+            <a:satMod val="170000"/>
+          </a:schemeClr>
+        </a:solidFill>
+        <a:gradFill rotWithShape="1">
+          <a:gsLst>
+            <a:gs pos="0">
+              <a:schemeClr val="phClr">
+                <a:tint val="93000"/>
+                <a:satMod val="150000"/>
+                <a:shade val="98000"/>
+                <a:lumMod val="102000"/>
+              </a:schemeClr>
+            </a:gs>
+            <a:gs pos="50000">
+              <a:schemeClr val="phClr">
+                <a:tint val="98000"/>
+                <a:satMod val="130000"/>
+                <a:shade val="90000"/>
+                <a:lumMod val="103000"/>
+              </a:schemeClr>
+            </a:gs>
+            <a:gs pos="100000">
+              <a:schemeClr val="phClr">
+                <a:shade val="63000"/>
+                <a:satMod val="120000"/>
+              </a:schemeClr>
+            </a:gs>
+          </a:gsLst>
+          <a:lin ang="5400000" scaled="0"/>
+        </a:gradFill>
+      </a:bgFillStyleLst>
+    </a:fmtScheme>
+  </a:themeElements>
+  <a:objectDefaults/>
+  <a:extraClrSchemeLst/>
+  <a:extLst>
+    <a:ext uri="{05A4C25C-085E-4340-85A3-A5531E510DB2}">
+      <thm15:themeFamily xmlns:thm15="http://schemas.microsoft.com/office/thememl/2012/main" name="Office Theme" id="{62F939B6-93AF-4DB8-9C6B-D6C7DFDC589F}" vid="{4A3C46E8-61CC-4603-A589-7422A47A8E4A}"/>
+    </a:ext>
+  </a:extLst>
+</a:theme>
 </file>
--- a/bra_presentasjon.pptx
+++ b/bra_presentasjon.pptx
@@ -5,7 +5,7 @@
     <p:sldMasterId id="2147483648" r:id="rId1"/>
   </p:sldMasterIdLst>
   <p:notesMasterIdLst>
-    <p:notesMasterId r:id="rId15"/>
+    <p:notesMasterId r:id="rId16"/>
   </p:notesMasterIdLst>
   <p:sldIdLst>
     <p:sldId id="256" r:id="rId2"/>
@@ -18,9 +18,10 @@
     <p:sldId id="272" r:id="rId9"/>
     <p:sldId id="264" r:id="rId10"/>
     <p:sldId id="271" r:id="rId11"/>
-    <p:sldId id="261" r:id="rId12"/>
-    <p:sldId id="273" r:id="rId13"/>
-    <p:sldId id="262" r:id="rId14"/>
+    <p:sldId id="275" r:id="rId12"/>
+    <p:sldId id="261" r:id="rId13"/>
+    <p:sldId id="273" r:id="rId14"/>
+    <p:sldId id="262" r:id="rId15"/>
   </p:sldIdLst>
   <p:sldSz cx="9144000" cy="6858000" type="screen4x3"/>
   <p:notesSz cx="6858000" cy="9144000"/>
@@ -516,8 +517,8 @@
         </p:nvSpPr>
         <p:spPr/>
       </p:sp>
-      <mc:AlternateContent xmlns:mc="http://schemas.openxmlformats.org/markup-compatibility/2006">
-        <mc:Choice xmlns:a14="http://schemas.microsoft.com/office/drawing/2010/main" Requires="a14">
+      <mc:AlternateContent xmlns:mc="http://schemas.openxmlformats.org/markup-compatibility/2006" xmlns:a14="http://schemas.microsoft.com/office/drawing/2010/main">
+        <mc:Choice Requires="a14">
           <p:sp>
             <p:nvSpPr>
               <p:cNvPr id="3" name="Plassholder for notater 2"/>
@@ -587,7 +588,7 @@
                       <m:dPr>
                         <m:ctrlPr>
                           <a:rPr lang="en-US" b="0" i="1" smtClean="0">
-                            <a:latin typeface="Cambria Math" panose="02040503050406030204" pitchFamily="18" charset="0"/>
+                            <a:latin typeface="Cambria Math" charset="0"/>
                           </a:rPr>
                         </m:ctrlPr>
                       </m:dPr>
@@ -647,7 +648,7 @@
             </p:txBody>
           </p:sp>
         </mc:Choice>
-        <mc:Fallback>
+        <mc:Fallback xmlns="">
           <p:sp>
             <p:nvSpPr>
               <p:cNvPr id="3" name="Plassholder for notater 2"/>
@@ -854,7 +855,7 @@
           <a:p>
             <a:fld id="{65D79118-6C10-4547-B40E-B3609A63AF49}" type="slidenum">
               <a:rPr lang="nb-NO" smtClean="0"/>
-              <a:t>12</a:t>
+              <a:t>13</a:t>
             </a:fld>
             <a:endParaRPr lang="nb-NO"/>
           </a:p>
@@ -3343,6 +3344,13 @@
   <p:clrMapOvr>
     <a:masterClrMapping/>
   </p:clrMapOvr>
+  <p:timing>
+    <p:tnLst>
+      <p:par>
+        <p:cTn id="1" dur="indefinite" restart="never" nodeType="tmRoot"/>
+      </p:par>
+    </p:tnLst>
+  </p:timing>
 </p:sld>
 </file>
 
@@ -3368,7 +3376,7 @@
           <p:cNvPr id="2" name="Tittel 1">
             <a:extLst>
               <a:ext uri="{FF2B5EF4-FFF2-40B4-BE49-F238E27FC236}">
-                <a16:creationId xmlns:a16="http://schemas.microsoft.com/office/drawing/2014/main" id="{19204A6D-9819-B44E-A651-ED1F5B17F5EE}"/>
+                <a16:creationId xmlns:a16="http://schemas.microsoft.com/office/drawing/2014/main" xmlns="" id="{19204A6D-9819-B44E-A651-ED1F5B17F5EE}"/>
               </a:ext>
             </a:extLst>
           </p:cNvPr>
@@ -3405,7 +3413,7 @@
           <p:cNvPr id="7" name="Tittel 3">
             <a:extLst>
               <a:ext uri="{FF2B5EF4-FFF2-40B4-BE49-F238E27FC236}">
-                <a16:creationId xmlns:a16="http://schemas.microsoft.com/office/drawing/2014/main" id="{4147B2E6-E43E-934D-B397-D42673C4615F}"/>
+                <a16:creationId xmlns:a16="http://schemas.microsoft.com/office/drawing/2014/main" xmlns="" id="{4147B2E6-E43E-934D-B397-D42673C4615F}"/>
               </a:ext>
             </a:extLst>
           </p:cNvPr>
@@ -3454,13 +3462,7 @@
       </p:sp>
       <p:pic>
         <p:nvPicPr>
-          <p:cNvPr id="8" name="Plassholder for innhold 7">
-            <a:extLst>
-              <a:ext uri="{FF2B5EF4-FFF2-40B4-BE49-F238E27FC236}">
-                <a16:creationId xmlns:a16="http://schemas.microsoft.com/office/drawing/2014/main" id="{0246BF0B-65FC-7D43-BB2F-1DE890505C2F}"/>
-              </a:ext>
-            </a:extLst>
-          </p:cNvPr>
+          <p:cNvPr id="4" name="Plassholder for innhold 3"/>
           <p:cNvPicPr>
             <a:picLocks noGrp="1" noChangeAspect="1"/>
           </p:cNvPicPr>
@@ -3469,15 +3471,21 @@
           </p:nvPr>
         </p:nvPicPr>
         <p:blipFill>
-          <a:blip r:embed="rId2"/>
+          <a:blip r:embed="rId2">
+            <a:extLst>
+              <a:ext uri="{28A0092B-C50C-407E-A947-70E740481C1C}">
+                <a14:useLocalDpi xmlns:a14="http://schemas.microsoft.com/office/drawing/2010/main" val="0"/>
+              </a:ext>
+            </a:extLst>
+          </a:blip>
           <a:stretch>
             <a:fillRect/>
           </a:stretch>
         </p:blipFill>
         <p:spPr>
           <a:xfrm>
-            <a:off x="1651000" y="1691481"/>
-            <a:ext cx="5842000" cy="4343400"/>
+            <a:off x="1645920" y="1686909"/>
+            <a:ext cx="5852160" cy="4352544"/>
           </a:xfrm>
         </p:spPr>
       </p:pic>
@@ -3491,6 +3499,13 @@
   <p:clrMapOvr>
     <a:masterClrMapping/>
   </p:clrMapOvr>
+  <p:timing>
+    <p:tnLst>
+      <p:par>
+        <p:cTn id="1" dur="indefinite" restart="never" nodeType="tmRoot"/>
+      </p:par>
+    </p:tnLst>
+  </p:timing>
 </p:sld>
 </file>
 
@@ -3513,10 +3528,164 @@
       </p:grpSpPr>
       <p:sp>
         <p:nvSpPr>
+          <p:cNvPr id="2" name="Tittel 1"/>
+          <p:cNvSpPr>
+            <a:spLocks noGrp="1"/>
+          </p:cNvSpPr>
+          <p:nvPr>
+            <p:ph type="title"/>
+          </p:nvPr>
+        </p:nvSpPr>
+        <p:spPr/>
+        <p:txBody>
+          <a:bodyPr/>
+          <a:lstStyle/>
+          <a:p>
+            <a:r>
+              <a:rPr lang="en-US" dirty="0"/>
+              <a:t>Lax-</a:t>
+            </a:r>
+            <a:r>
+              <a:rPr lang="en-US" dirty="0" err="1"/>
+              <a:t>Wendroff</a:t>
+            </a:r>
+            <a:r>
+              <a:rPr lang="en-US" dirty="0"/>
+              <a:t> </a:t>
+            </a:r>
+            <a:endParaRPr lang="nb-NO" dirty="0"/>
+          </a:p>
+        </p:txBody>
+      </p:sp>
+      <p:pic>
+        <p:nvPicPr>
+          <p:cNvPr id="4" name="Plassholder for innhold 3"/>
+          <p:cNvPicPr>
+            <a:picLocks noGrp="1" noChangeAspect="1"/>
+          </p:cNvPicPr>
+          <p:nvPr>
+            <p:ph idx="1"/>
+          </p:nvPr>
+        </p:nvPicPr>
+        <p:blipFill>
+          <a:blip r:embed="rId2">
+            <a:extLst>
+              <a:ext uri="{28A0092B-C50C-407E-A947-70E740481C1C}">
+                <a14:useLocalDpi xmlns:a14="http://schemas.microsoft.com/office/drawing/2010/main" val="0"/>
+              </a:ext>
+            </a:extLst>
+          </a:blip>
+          <a:stretch>
+            <a:fillRect/>
+          </a:stretch>
+        </p:blipFill>
+        <p:spPr>
+          <a:xfrm>
+            <a:off x="1374754" y="1261872"/>
+            <a:ext cx="6394492" cy="4795869"/>
+          </a:xfrm>
+        </p:spPr>
+      </p:pic>
+      <p:sp>
+        <p:nvSpPr>
+          <p:cNvPr id="5" name="Tittel 3">
+            <a:extLst>
+              <a:ext uri="{FF2B5EF4-FFF2-40B4-BE49-F238E27FC236}">
+                <a16:creationId xmlns:a16="http://schemas.microsoft.com/office/drawing/2014/main" xmlns="" id="{4147B2E6-E43E-934D-B397-D42673C4615F}"/>
+              </a:ext>
+            </a:extLst>
+          </p:cNvPr>
+          <p:cNvSpPr txBox="1">
+            <a:spLocks/>
+          </p:cNvSpPr>
+          <p:nvPr/>
+        </p:nvSpPr>
+        <p:spPr>
+          <a:xfrm>
+            <a:off x="457200" y="1189278"/>
+            <a:ext cx="5596128" cy="651868"/>
+          </a:xfrm>
+          <a:prstGeom prst="rect">
+            <a:avLst/>
+          </a:prstGeom>
+        </p:spPr>
+        <p:txBody>
+          <a:bodyPr vert="horz" lIns="91440" tIns="45720" rIns="91440" bIns="45720" rtlCol="0" anchor="ctr">
+            <a:normAutofit/>
+          </a:bodyPr>
+          <a:lstStyle>
+            <a:lvl1pPr algn="l" defTabSz="457200" rtl="0" eaLnBrk="1" latinLnBrk="0" hangingPunct="1">
+              <a:spcBef>
+                <a:spcPct val="0"/>
+              </a:spcBef>
+              <a:buNone/>
+              <a:defRPr sz="3600" b="1" i="0" kern="1200">
+                <a:solidFill>
+                  <a:schemeClr val="tx1"/>
+                </a:solidFill>
+                <a:latin typeface="Arial"/>
+                <a:ea typeface="+mj-ea"/>
+                <a:cs typeface="Arial"/>
+              </a:defRPr>
+            </a:lvl1pPr>
+          </a:lstStyle>
+          <a:p>
+            <a:r>
+              <a:rPr lang="en-US" sz="2400" b="0" dirty="0" smtClean="0"/>
+              <a:t>Density</a:t>
+            </a:r>
+            <a:r>
+              <a:rPr lang="en-US" sz="2400" b="0" dirty="0" smtClean="0"/>
+              <a:t> </a:t>
+            </a:r>
+            <a:r>
+              <a:rPr lang="en-US" sz="2400" b="0"/>
+              <a:t>of </a:t>
+            </a:r>
+            <a:r>
+              <a:rPr lang="en-US" sz="2400" b="0" smtClean="0"/>
+              <a:t>vehicles in time and space</a:t>
+            </a:r>
+            <a:endParaRPr lang="nb-NO" sz="2400" b="0" dirty="0"/>
+          </a:p>
+        </p:txBody>
+      </p:sp>
+    </p:spTree>
+    <p:extLst>
+      <p:ext uri="{BB962C8B-B14F-4D97-AF65-F5344CB8AC3E}">
+        <p14:creationId xmlns:p14="http://schemas.microsoft.com/office/powerpoint/2010/main" val="1401965965"/>
+      </p:ext>
+    </p:extLst>
+  </p:cSld>
+  <p:clrMapOvr>
+    <a:masterClrMapping/>
+  </p:clrMapOvr>
+</p:sld>
+</file>
+
+<file path=ppt/slides/slide12.xml><?xml version="1.0" encoding="utf-8"?>
+<p:sld xmlns:a="http://schemas.openxmlformats.org/drawingml/2006/main" xmlns:r="http://schemas.openxmlformats.org/officeDocument/2006/relationships" xmlns:p="http://schemas.openxmlformats.org/presentationml/2006/main">
+  <p:cSld>
+    <p:spTree>
+      <p:nvGrpSpPr>
+        <p:cNvPr id="1" name=""/>
+        <p:cNvGrpSpPr/>
+        <p:nvPr/>
+      </p:nvGrpSpPr>
+      <p:grpSpPr>
+        <a:xfrm>
+          <a:off x="0" y="0"/>
+          <a:ext cx="0" cy="0"/>
+          <a:chOff x="0" y="0"/>
+          <a:chExt cx="0" cy="0"/>
+        </a:xfrm>
+      </p:grpSpPr>
+      <p:sp>
+        <p:nvSpPr>
           <p:cNvPr id="2" name="Tittel 1">
             <a:extLst>
               <a:ext uri="{FF2B5EF4-FFF2-40B4-BE49-F238E27FC236}">
-                <a16:creationId xmlns:a16="http://schemas.microsoft.com/office/drawing/2014/main" id="{A2F1B926-E632-3945-95C9-E6FC355C7B49}"/>
+                <a16:creationId xmlns:a16="http://schemas.microsoft.com/office/drawing/2014/main" xmlns="" id="{A2F1B926-E632-3945-95C9-E6FC355C7B49}"/>
               </a:ext>
             </a:extLst>
           </p:cNvPr>
@@ -3553,7 +3722,7 @@
           <p:cNvPr id="18" name="Plassholder for innhold 17">
             <a:extLst>
               <a:ext uri="{FF2B5EF4-FFF2-40B4-BE49-F238E27FC236}">
-                <a16:creationId xmlns:a16="http://schemas.microsoft.com/office/drawing/2014/main" id="{0FC4DAD9-6348-3846-9284-AA83755BD437}"/>
+                <a16:creationId xmlns:a16="http://schemas.microsoft.com/office/drawing/2014/main" xmlns="" id="{0FC4DAD9-6348-3846-9284-AA83755BD437}"/>
               </a:ext>
             </a:extLst>
           </p:cNvPr>
@@ -3582,7 +3751,7 @@
           <p:cNvPr id="19" name="Tittel 3">
             <a:extLst>
               <a:ext uri="{FF2B5EF4-FFF2-40B4-BE49-F238E27FC236}">
-                <a16:creationId xmlns:a16="http://schemas.microsoft.com/office/drawing/2014/main" id="{82E934B2-3630-1A40-BECE-E18227CD074C}"/>
+                <a16:creationId xmlns:a16="http://schemas.microsoft.com/office/drawing/2014/main" xmlns="" id="{82E934B2-3630-1A40-BECE-E18227CD074C}"/>
               </a:ext>
             </a:extLst>
           </p:cNvPr>
@@ -3639,10 +3808,17 @@
   <p:clrMapOvr>
     <a:masterClrMapping/>
   </p:clrMapOvr>
+  <p:timing>
+    <p:tnLst>
+      <p:par>
+        <p:cTn id="1" dur="indefinite" restart="never" nodeType="tmRoot"/>
+      </p:par>
+    </p:tnLst>
+  </p:timing>
 </p:sld>
 </file>
 
-<file path=ppt/slides/slide12.xml><?xml version="1.0" encoding="utf-8"?>
+<file path=ppt/slides/slide13.xml><?xml version="1.0" encoding="utf-8"?>
 <p:sld xmlns:a="http://schemas.openxmlformats.org/drawingml/2006/main" xmlns:r="http://schemas.openxmlformats.org/officeDocument/2006/relationships" xmlns:p="http://schemas.openxmlformats.org/presentationml/2006/main">
   <p:cSld>
     <p:spTree>
@@ -3664,7 +3840,7 @@
           <p:cNvPr id="2" name="Tittel 1">
             <a:extLst>
               <a:ext uri="{FF2B5EF4-FFF2-40B4-BE49-F238E27FC236}">
-                <a16:creationId xmlns:a16="http://schemas.microsoft.com/office/drawing/2014/main" id="{62571D71-2CA9-9D4D-9676-3196EE81A270}"/>
+                <a16:creationId xmlns:a16="http://schemas.microsoft.com/office/drawing/2014/main" xmlns="" id="{62571D71-2CA9-9D4D-9676-3196EE81A270}"/>
               </a:ext>
             </a:extLst>
           </p:cNvPr>
@@ -3696,41 +3872,12 @@
           </a:p>
         </p:txBody>
       </p:sp>
-      <p:pic>
-        <p:nvPicPr>
-          <p:cNvPr id="5" name="Plassholder for innhold 4">
-            <a:extLst>
-              <a:ext uri="{FF2B5EF4-FFF2-40B4-BE49-F238E27FC236}">
-                <a16:creationId xmlns:a16="http://schemas.microsoft.com/office/drawing/2014/main" id="{3B3EA4A5-9FB2-034B-B0D0-ABD6147F1685}"/>
-              </a:ext>
-            </a:extLst>
-          </p:cNvPr>
-          <p:cNvPicPr>
-            <a:picLocks noGrp="1" noChangeAspect="1"/>
-          </p:cNvPicPr>
-          <p:nvPr>
-            <p:ph idx="1"/>
-          </p:nvPr>
-        </p:nvPicPr>
-        <p:blipFill>
-          <a:blip r:embed="rId3"/>
-          <a:stretch>
-            <a:fillRect/>
-          </a:stretch>
-        </p:blipFill>
-        <p:spPr>
-          <a:xfrm>
-            <a:off x="1922145" y="1591514"/>
-            <a:ext cx="5299710" cy="3923429"/>
-          </a:xfrm>
-        </p:spPr>
-      </p:pic>
       <p:sp>
         <p:nvSpPr>
           <p:cNvPr id="7" name="Tittel 3">
             <a:extLst>
               <a:ext uri="{FF2B5EF4-FFF2-40B4-BE49-F238E27FC236}">
-                <a16:creationId xmlns:a16="http://schemas.microsoft.com/office/drawing/2014/main" id="{B161BA67-845A-9248-8FA6-A933372D9ED3}"/>
+                <a16:creationId xmlns:a16="http://schemas.microsoft.com/office/drawing/2014/main" xmlns="" id="{B161BA67-845A-9248-8FA6-A933372D9ED3}"/>
               </a:ext>
             </a:extLst>
           </p:cNvPr>
@@ -3777,6 +3924,35 @@
           </a:p>
         </p:txBody>
       </p:sp>
+      <p:pic>
+        <p:nvPicPr>
+          <p:cNvPr id="4" name="Plassholder for innhold 3"/>
+          <p:cNvPicPr>
+            <a:picLocks noGrp="1" noChangeAspect="1"/>
+          </p:cNvPicPr>
+          <p:nvPr>
+            <p:ph idx="1"/>
+          </p:nvPr>
+        </p:nvPicPr>
+        <p:blipFill>
+          <a:blip r:embed="rId3">
+            <a:extLst>
+              <a:ext uri="{28A0092B-C50C-407E-A947-70E740481C1C}">
+                <a14:useLocalDpi xmlns:a14="http://schemas.microsoft.com/office/drawing/2010/main" val="0"/>
+              </a:ext>
+            </a:extLst>
+          </a:blip>
+          <a:stretch>
+            <a:fillRect/>
+          </a:stretch>
+        </p:blipFill>
+        <p:spPr>
+          <a:xfrm>
+            <a:off x="1370834" y="1841146"/>
+            <a:ext cx="6500304" cy="4538719"/>
+          </a:xfrm>
+        </p:spPr>
+      </p:pic>
     </p:spTree>
     <p:extLst>
       <p:ext uri="{BB962C8B-B14F-4D97-AF65-F5344CB8AC3E}">
@@ -3787,10 +3963,17 @@
   <p:clrMapOvr>
     <a:masterClrMapping/>
   </p:clrMapOvr>
+  <p:timing>
+    <p:tnLst>
+      <p:par>
+        <p:cTn id="1" dur="indefinite" restart="never" nodeType="tmRoot"/>
+      </p:par>
+    </p:tnLst>
+  </p:timing>
 </p:sld>
 </file>
 
-<file path=ppt/slides/slide13.xml><?xml version="1.0" encoding="utf-8"?>
+<file path=ppt/slides/slide14.xml><?xml version="1.0" encoding="utf-8"?>
 <p:sld xmlns:a="http://schemas.openxmlformats.org/drawingml/2006/main" xmlns:r="http://schemas.openxmlformats.org/officeDocument/2006/relationships" xmlns:p="http://schemas.openxmlformats.org/presentationml/2006/main">
   <p:cSld>
     <p:spTree>
@@ -3812,7 +3995,7 @@
           <p:cNvPr id="2" name="Tittel 1">
             <a:extLst>
               <a:ext uri="{FF2B5EF4-FFF2-40B4-BE49-F238E27FC236}">
-                <a16:creationId xmlns:a16="http://schemas.microsoft.com/office/drawing/2014/main" id="{11437100-8E15-2F43-8A51-89700639DDA8}"/>
+                <a16:creationId xmlns:a16="http://schemas.microsoft.com/office/drawing/2014/main" xmlns="" id="{11437100-8E15-2F43-8A51-89700639DDA8}"/>
               </a:ext>
             </a:extLst>
           </p:cNvPr>
@@ -3841,7 +4024,7 @@
           <p:cNvPr id="3" name="Plassholder for innhold 2">
             <a:extLst>
               <a:ext uri="{FF2B5EF4-FFF2-40B4-BE49-F238E27FC236}">
-                <a16:creationId xmlns:a16="http://schemas.microsoft.com/office/drawing/2014/main" id="{1400DA9B-2FD8-DB46-88BC-AA6BC53C2EFD}"/>
+                <a16:creationId xmlns:a16="http://schemas.microsoft.com/office/drawing/2014/main" xmlns="" id="{1400DA9B-2FD8-DB46-88BC-AA6BC53C2EFD}"/>
               </a:ext>
             </a:extLst>
           </p:cNvPr>
@@ -4044,6 +4227,13 @@
   <p:clrMapOvr>
     <a:masterClrMapping/>
   </p:clrMapOvr>
+  <p:timing>
+    <p:tnLst>
+      <p:par>
+        <p:cTn id="1" dur="indefinite" restart="never" nodeType="tmRoot"/>
+      </p:par>
+    </p:tnLst>
+  </p:timing>
 </p:sld>
 </file>
 
@@ -4086,8 +4276,8 @@
           </a:p>
         </p:txBody>
       </p:sp>
-      <mc:AlternateContent xmlns:mc="http://schemas.openxmlformats.org/markup-compatibility/2006">
-        <mc:Choice xmlns:a14="http://schemas.microsoft.com/office/drawing/2010/main" Requires="a14">
+      <mc:AlternateContent xmlns:mc="http://schemas.openxmlformats.org/markup-compatibility/2006" xmlns:a14="http://schemas.microsoft.com/office/drawing/2010/main">
+        <mc:Choice Requires="a14">
           <p:sp>
             <p:nvSpPr>
               <p:cNvPr id="3" name="Plassholder for innhold 2"/>
@@ -4121,7 +4311,7 @@
                       <m:sSubPr>
                         <m:ctrlPr>
                           <a:rPr lang="nb-NO" i="1" smtClean="0">
-                            <a:latin typeface="Cambria Math" panose="02040503050406030204" pitchFamily="18" charset="0"/>
+                            <a:latin typeface="Cambria Math" charset="0"/>
                           </a:rPr>
                         </m:ctrlPr>
                       </m:sSubPr>
@@ -4147,7 +4337,7 @@
                       <m:sSubPr>
                         <m:ctrlPr>
                           <a:rPr lang="en-US" b="0" i="1" smtClean="0">
-                            <a:latin typeface="Cambria Math" panose="02040503050406030204" pitchFamily="18" charset="0"/>
+                            <a:latin typeface="Cambria Math" charset="0"/>
                           </a:rPr>
                         </m:ctrlPr>
                       </m:sSubPr>
@@ -4203,7 +4393,7 @@
                       <m:dPr>
                         <m:ctrlPr>
                           <a:rPr lang="en-US" b="0" i="1" smtClean="0">
-                            <a:latin typeface="Cambria Math" panose="02040503050406030204" pitchFamily="18" charset="0"/>
+                            <a:latin typeface="Cambria Math" charset="0"/>
                           </a:rPr>
                         </m:ctrlPr>
                       </m:dPr>
@@ -4251,7 +4441,7 @@
                       <m:sSubPr>
                         <m:ctrlPr>
                           <a:rPr lang="en-US" i="1" smtClean="0">
-                            <a:latin typeface="Cambria Math" panose="02040503050406030204" pitchFamily="18" charset="0"/>
+                            <a:latin typeface="Cambria Math" charset="0"/>
                           </a:rPr>
                         </m:ctrlPr>
                       </m:sSubPr>
@@ -4288,7 +4478,7 @@
                       <m:sSubPr>
                         <m:ctrlPr>
                           <a:rPr lang="en-US" b="0" i="1" smtClean="0">
-                            <a:latin typeface="Cambria Math" panose="02040503050406030204" pitchFamily="18" charset="0"/>
+                            <a:latin typeface="Cambria Math" charset="0"/>
                           </a:rPr>
                         </m:ctrlPr>
                       </m:sSubPr>
@@ -4321,7 +4511,7 @@
                       <m:fPr>
                         <m:ctrlPr>
                           <a:rPr lang="nb-NO" i="1">
-                            <a:latin typeface="Cambria Math" panose="02040503050406030204" pitchFamily="18" charset="0"/>
+                            <a:latin typeface="Cambria Math" charset="0"/>
                           </a:rPr>
                         </m:ctrlPr>
                       </m:fPr>
@@ -4388,7 +4578,7 @@
                       <m:sSubSupPr>
                         <m:ctrlPr>
                           <a:rPr lang="nb-NO" i="1" dirty="0" smtClean="0">
-                            <a:latin typeface="Cambria Math" panose="02040503050406030204" pitchFamily="18" charset="0"/>
+                            <a:latin typeface="Cambria Math" charset="0"/>
                           </a:rPr>
                         </m:ctrlPr>
                       </m:sSubSupPr>
@@ -4421,7 +4611,7 @@
                       <m:sSubPr>
                         <m:ctrlPr>
                           <a:rPr lang="nb-NO" i="1" dirty="0" smtClean="0">
-                            <a:latin typeface="Cambria Math" panose="02040503050406030204" pitchFamily="18" charset="0"/>
+                            <a:latin typeface="Cambria Math" charset="0"/>
                           </a:rPr>
                         </m:ctrlPr>
                       </m:sSubPr>
@@ -4459,7 +4649,7 @@
                       <m:sSubPr>
                         <m:ctrlPr>
                           <a:rPr lang="en-US" i="1" smtClean="0">
-                            <a:latin typeface="Cambria Math" panose="02040503050406030204" pitchFamily="18" charset="0"/>
+                            <a:latin typeface="Cambria Math" charset="0"/>
                           </a:rPr>
                         </m:ctrlPr>
                       </m:sSubPr>
@@ -4549,7 +4739,7 @@
             </p:txBody>
           </p:sp>
         </mc:Choice>
-        <mc:Fallback>
+        <mc:Fallback xmlns="">
           <p:sp>
             <p:nvSpPr>
               <p:cNvPr id="3" name="Plassholder for innhold 2"/>
@@ -4592,7 +4782,7 @@
           <p:cNvPr id="5" name="Bilde 4">
             <a:extLst>
               <a:ext uri="{FF2B5EF4-FFF2-40B4-BE49-F238E27FC236}">
-                <a16:creationId xmlns:a16="http://schemas.microsoft.com/office/drawing/2014/main" id="{B4254512-3D67-D045-95F2-72D87667FAFF}"/>
+                <a16:creationId xmlns:a16="http://schemas.microsoft.com/office/drawing/2014/main" xmlns="" id="{B4254512-3D67-D045-95F2-72D87667FAFF}"/>
               </a:ext>
             </a:extLst>
           </p:cNvPr>
@@ -4627,6 +4817,13 @@
   <p:clrMapOvr>
     <a:masterClrMapping/>
   </p:clrMapOvr>
+  <p:timing>
+    <p:tnLst>
+      <p:par>
+        <p:cTn id="1" dur="indefinite" restart="never" nodeType="tmRoot"/>
+      </p:par>
+    </p:tnLst>
+  </p:timing>
 </p:sld>
 </file>
 
@@ -4652,7 +4849,7 @@
           <p:cNvPr id="2" name="Tittel 1">
             <a:extLst>
               <a:ext uri="{FF2B5EF4-FFF2-40B4-BE49-F238E27FC236}">
-                <a16:creationId xmlns:a16="http://schemas.microsoft.com/office/drawing/2014/main" id="{D4183CED-2CB0-EF45-94DA-E2E4FC177845}"/>
+                <a16:creationId xmlns:a16="http://schemas.microsoft.com/office/drawing/2014/main" xmlns="" id="{D4183CED-2CB0-EF45-94DA-E2E4FC177845}"/>
               </a:ext>
             </a:extLst>
           </p:cNvPr>
@@ -4672,14 +4869,14 @@
           </a:p>
         </p:txBody>
       </p:sp>
-      <mc:AlternateContent xmlns:mc="http://schemas.openxmlformats.org/markup-compatibility/2006">
-        <mc:Choice xmlns:a14="http://schemas.microsoft.com/office/drawing/2010/main" Requires="a14">
+      <mc:AlternateContent xmlns:mc="http://schemas.openxmlformats.org/markup-compatibility/2006" xmlns:a14="http://schemas.microsoft.com/office/drawing/2010/main">
+        <mc:Choice Requires="a14">
           <p:sp>
             <p:nvSpPr>
               <p:cNvPr id="3" name="Plassholder for innhold 2">
                 <a:extLst>
                   <a:ext uri="{FF2B5EF4-FFF2-40B4-BE49-F238E27FC236}">
-                    <a16:creationId xmlns:a16="http://schemas.microsoft.com/office/drawing/2014/main" id="{C46A7982-C96E-3D41-9C79-09AD0B0D4B53}"/>
+                    <a16:creationId xmlns:a16="http://schemas.microsoft.com/office/drawing/2014/main" xmlns="" id="{C46A7982-C96E-3D41-9C79-09AD0B0D4B53}"/>
                   </a:ext>
                 </a:extLst>
               </p:cNvPr>
@@ -4708,7 +4905,7 @@
                       <m:sSubPr>
                         <m:ctrlPr>
                           <a:rPr lang="en-US" b="0" i="1" smtClean="0">
-                            <a:latin typeface="Cambria Math" panose="02040503050406030204" pitchFamily="18" charset="0"/>
+                            <a:latin typeface="Cambria Math" charset="0"/>
                           </a:rPr>
                         </m:ctrlPr>
                       </m:sSubPr>
@@ -4739,7 +4936,7 @@
                       <m:sSubPr>
                         <m:ctrlPr>
                           <a:rPr lang="en-US" b="0" i="1" smtClean="0">
-                            <a:latin typeface="Cambria Math" panose="02040503050406030204" pitchFamily="18" charset="0"/>
+                            <a:latin typeface="Cambria Math" charset="0"/>
                           </a:rPr>
                         </m:ctrlPr>
                       </m:sSubPr>
@@ -4830,7 +5027,7 @@
                       <m:dPr>
                         <m:ctrlPr>
                           <a:rPr lang="en-US" b="0" i="1" smtClean="0">
-                            <a:latin typeface="Cambria Math" panose="02040503050406030204" pitchFamily="18" charset="0"/>
+                            <a:latin typeface="Cambria Math" charset="0"/>
                           </a:rPr>
                         </m:ctrlPr>
                       </m:dPr>
@@ -4840,7 +5037,7 @@
                             <m:type m:val="noBar"/>
                             <m:ctrlPr>
                               <a:rPr lang="en-US" b="0" i="1" smtClean="0">
-                                <a:latin typeface="Cambria Math" panose="02040503050406030204" pitchFamily="18" charset="0"/>
+                                <a:latin typeface="Cambria Math" charset="0"/>
                               </a:rPr>
                             </m:ctrlPr>
                           </m:fPr>
@@ -4888,7 +5085,7 @@
                       <m:dPr>
                         <m:ctrlPr>
                           <a:rPr lang="en-US" b="0" i="1" smtClean="0">
-                            <a:latin typeface="Cambria Math" panose="02040503050406030204" pitchFamily="18" charset="0"/>
+                            <a:latin typeface="Cambria Math" charset="0"/>
                           </a:rPr>
                         </m:ctrlPr>
                       </m:dPr>
@@ -4911,7 +5108,7 @@
                       <m:dPr>
                         <m:ctrlPr>
                           <a:rPr lang="en-US" b="0" i="1" smtClean="0">
-                            <a:latin typeface="Cambria Math" panose="02040503050406030204" pitchFamily="18" charset="0"/>
+                            <a:latin typeface="Cambria Math" charset="0"/>
                           </a:rPr>
                         </m:ctrlPr>
                       </m:dPr>
@@ -4921,7 +5118,7 @@
                             <m:type m:val="noBar"/>
                             <m:ctrlPr>
                               <a:rPr lang="en-US" b="0" i="1" smtClean="0">
-                                <a:latin typeface="Cambria Math" panose="02040503050406030204" pitchFamily="18" charset="0"/>
+                                <a:latin typeface="Cambria Math" charset="0"/>
                               </a:rPr>
                             </m:ctrlPr>
                           </m:fPr>
@@ -4938,7 +5135,7 @@
                               <m:fPr>
                                 <m:ctrlPr>
                                   <a:rPr lang="en-US" b="0" i="1" smtClean="0">
-                                    <a:latin typeface="Cambria Math" panose="02040503050406030204" pitchFamily="18" charset="0"/>
+                                    <a:latin typeface="Cambria Math" charset="0"/>
                                   </a:rPr>
                                 </m:ctrlPr>
                               </m:fPr>
@@ -4963,7 +5160,7 @@
                               <m:sSupPr>
                                 <m:ctrlPr>
                                   <a:rPr lang="en-US" b="0" i="1" smtClean="0">
-                                    <a:latin typeface="Cambria Math" panose="02040503050406030204" pitchFamily="18" charset="0"/>
+                                    <a:latin typeface="Cambria Math" charset="0"/>
                                   </a:rPr>
                                 </m:ctrlPr>
                               </m:sSupPr>
@@ -5000,7 +5197,7 @@
                               <m:sSubSupPr>
                                 <m:ctrlPr>
                                   <a:rPr lang="en-US" b="0" i="1" smtClean="0">
-                                    <a:latin typeface="Cambria Math" panose="02040503050406030204" pitchFamily="18" charset="0"/>
+                                    <a:latin typeface="Cambria Math" charset="0"/>
                                   </a:rPr>
                                 </m:ctrlPr>
                               </m:sSubSupPr>
@@ -5073,7 +5270,7 @@
                       <m:dPr>
                         <m:ctrlPr>
                           <a:rPr lang="en-US" b="0" i="1" smtClean="0">
-                            <a:latin typeface="Cambria Math" panose="02040503050406030204" pitchFamily="18" charset="0"/>
+                            <a:latin typeface="Cambria Math" charset="0"/>
                           </a:rPr>
                         </m:ctrlPr>
                       </m:dPr>
@@ -5096,7 +5293,7 @@
                       <m:dPr>
                         <m:ctrlPr>
                           <a:rPr lang="en-US" b="0" i="1" smtClean="0">
-                            <a:latin typeface="Cambria Math" panose="02040503050406030204" pitchFamily="18" charset="0"/>
+                            <a:latin typeface="Cambria Math" charset="0"/>
                           </a:rPr>
                         </m:ctrlPr>
                       </m:dPr>
@@ -5106,7 +5303,7 @@
                             <m:type m:val="noBar"/>
                             <m:ctrlPr>
                               <a:rPr lang="en-US" b="0" i="1" smtClean="0">
-                                <a:latin typeface="Cambria Math" panose="02040503050406030204" pitchFamily="18" charset="0"/>
+                                <a:latin typeface="Cambria Math" charset="0"/>
                               </a:rPr>
                             </m:ctrlPr>
                           </m:fPr>
@@ -5121,7 +5318,7 @@
                               <m:dPr>
                                 <m:ctrlPr>
                                   <a:rPr lang="en-US" b="0" i="1" smtClean="0">
-                                    <a:latin typeface="Cambria Math" panose="02040503050406030204" pitchFamily="18" charset="0"/>
+                                    <a:latin typeface="Cambria Math" charset="0"/>
                                   </a:rPr>
                                 </m:ctrlPr>
                               </m:dPr>
@@ -5158,7 +5355,7 @@
                               <m:fPr>
                                 <m:ctrlPr>
                                   <a:rPr lang="en-US" b="0" i="1" smtClean="0">
-                                    <a:latin typeface="Cambria Math" panose="02040503050406030204" pitchFamily="18" charset="0"/>
+                                    <a:latin typeface="Cambria Math" charset="0"/>
                                   </a:rPr>
                                 </m:ctrlPr>
                               </m:fPr>
@@ -5195,7 +5392,7 @@
                               <m:dPr>
                                 <m:ctrlPr>
                                   <a:rPr lang="en-US" b="0" i="1" smtClean="0">
-                                    <a:latin typeface="Cambria Math" panose="02040503050406030204" pitchFamily="18" charset="0"/>
+                                    <a:latin typeface="Cambria Math" charset="0"/>
                                   </a:rPr>
                                 </m:ctrlPr>
                               </m:dPr>
@@ -5231,7 +5428,7 @@
             </p:txBody>
           </p:sp>
         </mc:Choice>
-        <mc:Fallback>
+        <mc:Fallback xmlns="">
           <p:sp>
             <p:nvSpPr>
               <p:cNvPr id="3" name="Plassholder for innhold 2">
@@ -5285,6 +5482,13 @@
   <p:clrMapOvr>
     <a:masterClrMapping/>
   </p:clrMapOvr>
+  <p:timing>
+    <p:tnLst>
+      <p:par>
+        <p:cTn id="1" dur="indefinite" restart="never" nodeType="tmRoot"/>
+      </p:par>
+    </p:tnLst>
+  </p:timing>
 </p:sld>
 </file>
 
@@ -5310,7 +5514,7 @@
           <p:cNvPr id="2" name="Tittel 1">
             <a:extLst>
               <a:ext uri="{FF2B5EF4-FFF2-40B4-BE49-F238E27FC236}">
-                <a16:creationId xmlns:a16="http://schemas.microsoft.com/office/drawing/2014/main" id="{D4183CED-2CB0-EF45-94DA-E2E4FC177845}"/>
+                <a16:creationId xmlns:a16="http://schemas.microsoft.com/office/drawing/2014/main" xmlns="" id="{D4183CED-2CB0-EF45-94DA-E2E4FC177845}"/>
               </a:ext>
             </a:extLst>
           </p:cNvPr>
@@ -5330,14 +5534,14 @@
           </a:p>
         </p:txBody>
       </p:sp>
-      <mc:AlternateContent xmlns:mc="http://schemas.openxmlformats.org/markup-compatibility/2006">
-        <mc:Choice xmlns:a14="http://schemas.microsoft.com/office/drawing/2010/main" Requires="a14">
+      <mc:AlternateContent xmlns:mc="http://schemas.openxmlformats.org/markup-compatibility/2006" xmlns:a14="http://schemas.microsoft.com/office/drawing/2010/main">
+        <mc:Choice Requires="a14">
           <p:sp>
             <p:nvSpPr>
               <p:cNvPr id="3" name="Plassholder for innhold 2">
                 <a:extLst>
                   <a:ext uri="{FF2B5EF4-FFF2-40B4-BE49-F238E27FC236}">
-                    <a16:creationId xmlns:a16="http://schemas.microsoft.com/office/drawing/2014/main" id="{C46A7982-C96E-3D41-9C79-09AD0B0D4B53}"/>
+                    <a16:creationId xmlns:a16="http://schemas.microsoft.com/office/drawing/2014/main" xmlns="" id="{C46A7982-C96E-3D41-9C79-09AD0B0D4B53}"/>
                   </a:ext>
                 </a:extLst>
               </p:cNvPr>
@@ -5378,7 +5582,7 @@
                       <m:sSubPr>
                         <m:ctrlPr>
                           <a:rPr lang="en-US" b="0" i="1" smtClean="0">
-                            <a:latin typeface="Cambria Math" panose="02040503050406030204" pitchFamily="18" charset="0"/>
+                            <a:latin typeface="Cambria Math" charset="0"/>
                           </a:rPr>
                         </m:ctrlPr>
                       </m:sSubPr>
@@ -5409,7 +5613,7 @@
                       <m:sSubPr>
                         <m:ctrlPr>
                           <a:rPr lang="en-US" b="0" i="1" smtClean="0">
-                            <a:latin typeface="Cambria Math" panose="02040503050406030204" pitchFamily="18" charset="0"/>
+                            <a:latin typeface="Cambria Math" charset="0"/>
                           </a:rPr>
                         </m:ctrlPr>
                       </m:sSubPr>
@@ -5500,7 +5704,7 @@
                       <m:dPr>
                         <m:ctrlPr>
                           <a:rPr lang="en-US" b="0" i="1" smtClean="0">
-                            <a:latin typeface="Cambria Math" panose="02040503050406030204" pitchFamily="18" charset="0"/>
+                            <a:latin typeface="Cambria Math" charset="0"/>
                           </a:rPr>
                         </m:ctrlPr>
                       </m:dPr>
@@ -5510,7 +5714,7 @@
                             <m:type m:val="noBar"/>
                             <m:ctrlPr>
                               <a:rPr lang="en-US" b="0" i="1" smtClean="0">
-                                <a:latin typeface="Cambria Math" panose="02040503050406030204" pitchFamily="18" charset="0"/>
+                                <a:latin typeface="Cambria Math" charset="0"/>
                               </a:rPr>
                             </m:ctrlPr>
                           </m:fPr>
@@ -5549,7 +5753,7 @@
                       <m:dPr>
                         <m:ctrlPr>
                           <a:rPr lang="en-US" b="0" i="1" smtClean="0">
-                            <a:latin typeface="Cambria Math" panose="02040503050406030204" pitchFamily="18" charset="0"/>
+                            <a:latin typeface="Cambria Math" charset="0"/>
                           </a:rPr>
                         </m:ctrlPr>
                       </m:dPr>
@@ -5572,7 +5776,7 @@
                       <m:dPr>
                         <m:ctrlPr>
                           <a:rPr lang="en-US" b="0" i="1" smtClean="0">
-                            <a:latin typeface="Cambria Math" panose="02040503050406030204" pitchFamily="18" charset="0"/>
+                            <a:latin typeface="Cambria Math" charset="0"/>
                           </a:rPr>
                         </m:ctrlPr>
                       </m:dPr>
@@ -5582,7 +5786,7 @@
                             <m:type m:val="noBar"/>
                             <m:ctrlPr>
                               <a:rPr lang="en-US" b="0" i="1" smtClean="0">
-                                <a:latin typeface="Cambria Math" panose="02040503050406030204" pitchFamily="18" charset="0"/>
+                                <a:latin typeface="Cambria Math" charset="0"/>
                               </a:rPr>
                             </m:ctrlPr>
                           </m:fPr>
@@ -5599,7 +5803,7 @@
                               <m:fPr>
                                 <m:ctrlPr>
                                   <a:rPr lang="en-US" b="0" i="1" smtClean="0">
-                                    <a:latin typeface="Cambria Math" panose="02040503050406030204" pitchFamily="18" charset="0"/>
+                                    <a:latin typeface="Cambria Math" charset="0"/>
                                   </a:rPr>
                                 </m:ctrlPr>
                               </m:fPr>
@@ -5624,7 +5828,7 @@
                               <m:sSupPr>
                                 <m:ctrlPr>
                                   <a:rPr lang="en-US" b="0" i="1" smtClean="0">
-                                    <a:latin typeface="Cambria Math" panose="02040503050406030204" pitchFamily="18" charset="0"/>
+                                    <a:latin typeface="Cambria Math" charset="0"/>
                                   </a:rPr>
                                 </m:ctrlPr>
                               </m:sSupPr>
@@ -5661,7 +5865,7 @@
                               <m:sSubSupPr>
                                 <m:ctrlPr>
                                   <a:rPr lang="en-US" b="0" i="1" smtClean="0">
-                                    <a:latin typeface="Cambria Math" panose="02040503050406030204" pitchFamily="18" charset="0"/>
+                                    <a:latin typeface="Cambria Math" charset="0"/>
                                   </a:rPr>
                                 </m:ctrlPr>
                               </m:sSubSupPr>
@@ -5733,7 +5937,7 @@
                       <m:dPr>
                         <m:ctrlPr>
                           <a:rPr lang="en-US" b="0" i="1" smtClean="0">
-                            <a:latin typeface="Cambria Math" panose="02040503050406030204" pitchFamily="18" charset="0"/>
+                            <a:latin typeface="Cambria Math" charset="0"/>
                           </a:rPr>
                         </m:ctrlPr>
                       </m:dPr>
@@ -5756,7 +5960,7 @@
                       <m:dPr>
                         <m:ctrlPr>
                           <a:rPr lang="en-US" b="0" i="1" smtClean="0">
-                            <a:latin typeface="Cambria Math" panose="02040503050406030204" pitchFamily="18" charset="0"/>
+                            <a:latin typeface="Cambria Math" charset="0"/>
                           </a:rPr>
                         </m:ctrlPr>
                       </m:dPr>
@@ -5766,7 +5970,7 @@
                             <m:type m:val="noBar"/>
                             <m:ctrlPr>
                               <a:rPr lang="en-US" b="0" i="1" smtClean="0">
-                                <a:latin typeface="Cambria Math" panose="02040503050406030204" pitchFamily="18" charset="0"/>
+                                <a:latin typeface="Cambria Math" charset="0"/>
                               </a:rPr>
                             </m:ctrlPr>
                           </m:fPr>
@@ -5781,7 +5985,7 @@
                               <m:dPr>
                                 <m:ctrlPr>
                                   <a:rPr lang="en-US" b="0" i="1" smtClean="0">
-                                    <a:latin typeface="Cambria Math" panose="02040503050406030204" pitchFamily="18" charset="0"/>
+                                    <a:latin typeface="Cambria Math" charset="0"/>
                                   </a:rPr>
                                 </m:ctrlPr>
                               </m:dPr>
@@ -5818,7 +6022,7 @@
                               <m:fPr>
                                 <m:ctrlPr>
                                   <a:rPr lang="en-US" b="0" i="1" smtClean="0">
-                                    <a:latin typeface="Cambria Math" panose="02040503050406030204" pitchFamily="18" charset="0"/>
+                                    <a:latin typeface="Cambria Math" charset="0"/>
                                   </a:rPr>
                                 </m:ctrlPr>
                               </m:fPr>
@@ -5855,7 +6059,7 @@
                               <m:dPr>
                                 <m:ctrlPr>
                                   <a:rPr lang="en-US" b="0" i="1" smtClean="0">
-                                    <a:latin typeface="Cambria Math" panose="02040503050406030204" pitchFamily="18" charset="0"/>
+                                    <a:latin typeface="Cambria Math" charset="0"/>
                                   </a:rPr>
                                 </m:ctrlPr>
                               </m:dPr>
@@ -5895,7 +6099,7 @@
                       <m:sSubSupPr>
                         <m:ctrlPr>
                           <a:rPr lang="nb-NO" i="1" smtClean="0">
-                            <a:latin typeface="Cambria Math" panose="02040503050406030204" pitchFamily="18" charset="0"/>
+                            <a:latin typeface="Cambria Math" charset="0"/>
                           </a:rPr>
                         </m:ctrlPr>
                       </m:sSubSupPr>
@@ -5940,7 +6144,7 @@
                       <m:fPr>
                         <m:ctrlPr>
                           <a:rPr lang="en-US" b="0" i="1" smtClean="0">
-                            <a:latin typeface="Cambria Math" panose="02040503050406030204" pitchFamily="18" charset="0"/>
+                            <a:latin typeface="Cambria Math" charset="0"/>
                           </a:rPr>
                         </m:ctrlPr>
                       </m:fPr>
@@ -5949,7 +6153,7 @@
                           <m:sSubSupPr>
                             <m:ctrlPr>
                               <a:rPr lang="en-US" b="0" i="1" smtClean="0">
-                                <a:latin typeface="Cambria Math" panose="02040503050406030204" pitchFamily="18" charset="0"/>
+                                <a:latin typeface="Cambria Math" charset="0"/>
                               </a:rPr>
                             </m:ctrlPr>
                           </m:sSubSupPr>
@@ -5994,7 +6198,7 @@
                           <m:sSubSupPr>
                             <m:ctrlPr>
                               <a:rPr lang="en-US" b="0" i="1" smtClean="0">
-                                <a:latin typeface="Cambria Math" panose="02040503050406030204" pitchFamily="18" charset="0"/>
+                                <a:latin typeface="Cambria Math" charset="0"/>
                               </a:rPr>
                             </m:ctrlPr>
                           </m:sSubSupPr>
@@ -6049,7 +6253,7 @@
                       <m:fPr>
                         <m:ctrlPr>
                           <a:rPr lang="en-US" b="0" i="1" smtClean="0">
-                            <a:latin typeface="Cambria Math" panose="02040503050406030204" pitchFamily="18" charset="0"/>
+                            <a:latin typeface="Cambria Math" charset="0"/>
                           </a:rPr>
                         </m:ctrlPr>
                       </m:fPr>
@@ -6080,7 +6284,7 @@
                       <m:dPr>
                         <m:ctrlPr>
                           <a:rPr lang="en-US" b="0" i="1" smtClean="0">
-                            <a:latin typeface="Cambria Math" panose="02040503050406030204" pitchFamily="18" charset="0"/>
+                            <a:latin typeface="Cambria Math" charset="0"/>
                           </a:rPr>
                         </m:ctrlPr>
                       </m:dPr>
@@ -6089,7 +6293,7 @@
                           <m:sSubSupPr>
                             <m:ctrlPr>
                               <a:rPr lang="en-US" b="0" i="1" smtClean="0">
-                                <a:latin typeface="Cambria Math" panose="02040503050406030204" pitchFamily="18" charset="0"/>
+                                <a:latin typeface="Cambria Math" charset="0"/>
                               </a:rPr>
                             </m:ctrlPr>
                           </m:sSubSupPr>
@@ -6134,7 +6338,7 @@
                           <m:sSubSupPr>
                             <m:ctrlPr>
                               <a:rPr lang="en-US" b="0" i="1" smtClean="0">
-                                <a:latin typeface="Cambria Math" panose="02040503050406030204" pitchFamily="18" charset="0"/>
+                                <a:latin typeface="Cambria Math" charset="0"/>
                               </a:rPr>
                             </m:ctrlPr>
                           </m:sSubSupPr>
@@ -6187,7 +6391,7 @@
                       <m:sSubSupPr>
                         <m:ctrlPr>
                           <a:rPr lang="en-US" b="0" i="1" smtClean="0">
-                            <a:latin typeface="Cambria Math" panose="02040503050406030204" pitchFamily="18" charset="0"/>
+                            <a:latin typeface="Cambria Math" charset="0"/>
                           </a:rPr>
                         </m:ctrlPr>
                       </m:sSubSupPr>
@@ -6243,7 +6447,7 @@
                       <m:sSubSupPr>
                         <m:ctrlPr>
                           <a:rPr lang="nb-NO" i="1" smtClean="0">
-                            <a:latin typeface="Cambria Math" panose="02040503050406030204" pitchFamily="18" charset="0"/>
+                            <a:latin typeface="Cambria Math" charset="0"/>
                           </a:rPr>
                         </m:ctrlPr>
                       </m:sSubSupPr>
@@ -6272,7 +6476,7 @@
                           <m:fPr>
                             <m:ctrlPr>
                               <a:rPr lang="en-US" b="0" i="1" smtClean="0">
-                                <a:latin typeface="Cambria Math" panose="02040503050406030204" pitchFamily="18" charset="0"/>
+                                <a:latin typeface="Cambria Math" charset="0"/>
                               </a:rPr>
                             </m:ctrlPr>
                           </m:fPr>
@@ -6311,7 +6515,7 @@
                           <m:fPr>
                             <m:ctrlPr>
                               <a:rPr lang="en-US" b="0" i="1" smtClean="0">
-                                <a:latin typeface="Cambria Math" panose="02040503050406030204" pitchFamily="18" charset="0"/>
+                                <a:latin typeface="Cambria Math" charset="0"/>
                               </a:rPr>
                             </m:ctrlPr>
                           </m:fPr>
@@ -6344,7 +6548,7 @@
                       <m:fPr>
                         <m:ctrlPr>
                           <a:rPr lang="en-US" b="0" i="1" smtClean="0">
-                            <a:latin typeface="Cambria Math" panose="02040503050406030204" pitchFamily="18" charset="0"/>
+                            <a:latin typeface="Cambria Math" charset="0"/>
                           </a:rPr>
                         </m:ctrlPr>
                       </m:fPr>
@@ -6371,7 +6575,7 @@
                         <m:endChr m:val="]"/>
                         <m:ctrlPr>
                           <a:rPr lang="en-US" b="0" i="1" smtClean="0">
-                            <a:latin typeface="Cambria Math" panose="02040503050406030204" pitchFamily="18" charset="0"/>
+                            <a:latin typeface="Cambria Math" charset="0"/>
                           </a:rPr>
                         </m:ctrlPr>
                       </m:dPr>
@@ -6380,7 +6584,7 @@
                           <m:sSubSupPr>
                             <m:ctrlPr>
                               <a:rPr lang="en-US" i="1">
-                                <a:latin typeface="Cambria Math" panose="02040503050406030204" pitchFamily="18" charset="0"/>
+                                <a:latin typeface="Cambria Math" charset="0"/>
                               </a:rPr>
                             </m:ctrlPr>
                           </m:sSubSupPr>
@@ -6425,7 +6629,7 @@
                           <m:sSubSupPr>
                             <m:ctrlPr>
                               <a:rPr lang="en-US" i="1">
-                                <a:latin typeface="Cambria Math" panose="02040503050406030204" pitchFamily="18" charset="0"/>
+                                <a:latin typeface="Cambria Math" charset="0"/>
                               </a:rPr>
                             </m:ctrlPr>
                           </m:sSubSupPr>
@@ -6470,7 +6674,7 @@
                           <m:fPr>
                             <m:ctrlPr>
                               <a:rPr lang="en-US" b="0" i="1" smtClean="0">
-                                <a:latin typeface="Cambria Math" panose="02040503050406030204" pitchFamily="18" charset="0"/>
+                                <a:latin typeface="Cambria Math" charset="0"/>
                               </a:rPr>
                             </m:ctrlPr>
                           </m:fPr>
@@ -6495,7 +6699,7 @@
                           <m:dPr>
                             <m:ctrlPr>
                               <a:rPr lang="en-US" b="0" i="1" smtClean="0">
-                                <a:latin typeface="Cambria Math" panose="02040503050406030204" pitchFamily="18" charset="0"/>
+                                <a:latin typeface="Cambria Math" charset="0"/>
                               </a:rPr>
                             </m:ctrlPr>
                           </m:dPr>
@@ -6504,7 +6708,7 @@
                               <m:sSubSupPr>
                                 <m:ctrlPr>
                                   <a:rPr lang="en-US" i="1">
-                                    <a:latin typeface="Cambria Math" panose="02040503050406030204" pitchFamily="18" charset="0"/>
+                                    <a:latin typeface="Cambria Math" charset="0"/>
                                   </a:rPr>
                                 </m:ctrlPr>
                               </m:sSubSupPr>
@@ -6549,7 +6753,7 @@
                               <m:sSubSupPr>
                                 <m:ctrlPr>
                                   <a:rPr lang="en-US" i="1">
-                                    <a:latin typeface="Cambria Math" panose="02040503050406030204" pitchFamily="18" charset="0"/>
+                                    <a:latin typeface="Cambria Math" charset="0"/>
                                   </a:rPr>
                                 </m:ctrlPr>
                               </m:sSubSupPr>
@@ -6590,7 +6794,7 @@
                           <m:fPr>
                             <m:ctrlPr>
                               <a:rPr lang="en-US" b="0" i="1" smtClean="0">
-                                <a:latin typeface="Cambria Math" panose="02040503050406030204" pitchFamily="18" charset="0"/>
+                                <a:latin typeface="Cambria Math" charset="0"/>
                               </a:rPr>
                             </m:ctrlPr>
                           </m:fPr>
@@ -6615,7 +6819,7 @@
                           <m:dPr>
                             <m:ctrlPr>
                               <a:rPr lang="en-US" b="0" i="1" smtClean="0">
-                                <a:latin typeface="Cambria Math" panose="02040503050406030204" pitchFamily="18" charset="0"/>
+                                <a:latin typeface="Cambria Math" charset="0"/>
                               </a:rPr>
                             </m:ctrlPr>
                           </m:dPr>
@@ -6624,7 +6828,7 @@
                               <m:sSubSupPr>
                                 <m:ctrlPr>
                                   <a:rPr lang="en-US" b="0" i="1" smtClean="0">
-                                    <a:latin typeface="Cambria Math" panose="02040503050406030204" pitchFamily="18" charset="0"/>
+                                    <a:latin typeface="Cambria Math" charset="0"/>
                                   </a:rPr>
                                 </m:ctrlPr>
                               </m:sSubSupPr>
@@ -6663,7 +6867,7 @@
                               <m:sSubSupPr>
                                 <m:ctrlPr>
                                   <a:rPr lang="en-US" b="0" i="1" smtClean="0">
-                                    <a:latin typeface="Cambria Math" panose="02040503050406030204" pitchFamily="18" charset="0"/>
+                                    <a:latin typeface="Cambria Math" charset="0"/>
                                   </a:rPr>
                                 </m:ctrlPr>
                               </m:sSubSupPr>
@@ -6713,7 +6917,7 @@
                       <m:sSubSupPr>
                         <m:ctrlPr>
                           <a:rPr lang="nb-NO" i="1">
-                            <a:latin typeface="Cambria Math" panose="02040503050406030204" pitchFamily="18" charset="0"/>
+                            <a:latin typeface="Cambria Math" charset="0"/>
                           </a:rPr>
                         </m:ctrlPr>
                       </m:sSubSupPr>
@@ -6760,7 +6964,7 @@
                       <m:sSubSupPr>
                         <m:ctrlPr>
                           <a:rPr lang="nb-NO" i="1">
-                            <a:latin typeface="Cambria Math" panose="02040503050406030204" pitchFamily="18" charset="0"/>
+                            <a:latin typeface="Cambria Math" charset="0"/>
                           </a:rPr>
                         </m:ctrlPr>
                       </m:sSubSupPr>
@@ -6807,7 +7011,7 @@
                       <m:fPr>
                         <m:ctrlPr>
                           <a:rPr lang="en-US" i="1">
-                            <a:latin typeface="Cambria Math" panose="02040503050406030204" pitchFamily="18" charset="0"/>
+                            <a:latin typeface="Cambria Math" charset="0"/>
                           </a:rPr>
                         </m:ctrlPr>
                       </m:fPr>
@@ -6834,7 +7038,7 @@
                         <m:endChr m:val="]"/>
                         <m:ctrlPr>
                           <a:rPr lang="en-US" i="1" smtClean="0">
-                            <a:latin typeface="Cambria Math" panose="02040503050406030204" pitchFamily="18" charset="0"/>
+                            <a:latin typeface="Cambria Math" charset="0"/>
                           </a:rPr>
                         </m:ctrlPr>
                       </m:dPr>
@@ -6843,7 +7047,7 @@
                           <m:sSubSupPr>
                             <m:ctrlPr>
                               <a:rPr lang="en-US" i="1">
-                                <a:latin typeface="Cambria Math" panose="02040503050406030204" pitchFamily="18" charset="0"/>
+                                <a:latin typeface="Cambria Math" charset="0"/>
                               </a:rPr>
                             </m:ctrlPr>
                           </m:sSubSupPr>
@@ -6872,7 +7076,7 @@
                               <m:fPr>
                                 <m:ctrlPr>
                                   <a:rPr lang="en-US" i="1" smtClean="0">
-                                    <a:latin typeface="Cambria Math" panose="02040503050406030204" pitchFamily="18" charset="0"/>
+                                    <a:latin typeface="Cambria Math" charset="0"/>
                                   </a:rPr>
                                 </m:ctrlPr>
                               </m:fPr>
@@ -6911,7 +7115,7 @@
                               <m:fPr>
                                 <m:ctrlPr>
                                   <a:rPr lang="en-US" b="0" i="1" smtClean="0">
-                                    <a:latin typeface="Cambria Math" panose="02040503050406030204" pitchFamily="18" charset="0"/>
+                                    <a:latin typeface="Cambria Math" charset="0"/>
                                   </a:rPr>
                                 </m:ctrlPr>
                               </m:fPr>
@@ -6944,7 +7148,7 @@
                           <m:sSubSupPr>
                             <m:ctrlPr>
                               <a:rPr lang="en-US" i="1">
-                                <a:latin typeface="Cambria Math" panose="02040503050406030204" pitchFamily="18" charset="0"/>
+                                <a:latin typeface="Cambria Math" charset="0"/>
                               </a:rPr>
                             </m:ctrlPr>
                           </m:sSubSupPr>
@@ -6973,7 +7177,7 @@
                               <m:fPr>
                                 <m:ctrlPr>
                                   <a:rPr lang="en-US" i="1">
-                                    <a:latin typeface="Cambria Math" panose="02040503050406030204" pitchFamily="18" charset="0"/>
+                                    <a:latin typeface="Cambria Math" charset="0"/>
                                   </a:rPr>
                                 </m:ctrlPr>
                               </m:fPr>
@@ -7012,7 +7216,7 @@
                               <m:fPr>
                                 <m:ctrlPr>
                                   <a:rPr lang="en-US" i="1">
-                                    <a:latin typeface="Cambria Math" panose="02040503050406030204" pitchFamily="18" charset="0"/>
+                                    <a:latin typeface="Cambria Math" charset="0"/>
                                   </a:rPr>
                                 </m:ctrlPr>
                               </m:fPr>
@@ -7047,7 +7251,7 @@
                       <m:fPr>
                         <m:ctrlPr>
                           <a:rPr lang="en-US" b="0" i="1" smtClean="0">
-                            <a:latin typeface="Cambria Math" panose="02040503050406030204" pitchFamily="18" charset="0"/>
+                            <a:latin typeface="Cambria Math" charset="0"/>
                           </a:rPr>
                         </m:ctrlPr>
                       </m:fPr>
@@ -7074,7 +7278,7 @@
                         <m:endChr m:val="]"/>
                         <m:ctrlPr>
                           <a:rPr lang="en-US" b="0" i="1" smtClean="0">
-                            <a:latin typeface="Cambria Math" panose="02040503050406030204" pitchFamily="18" charset="0"/>
+                            <a:latin typeface="Cambria Math" charset="0"/>
                           </a:rPr>
                         </m:ctrlPr>
                       </m:dPr>
@@ -7083,7 +7287,7 @@
                           <m:sSubSupPr>
                             <m:ctrlPr>
                               <a:rPr lang="en-US" i="1">
-                                <a:latin typeface="Cambria Math" panose="02040503050406030204" pitchFamily="18" charset="0"/>
+                                <a:latin typeface="Cambria Math" charset="0"/>
                               </a:rPr>
                             </m:ctrlPr>
                           </m:sSubSupPr>
@@ -7112,7 +7316,7 @@
                               <m:fPr>
                                 <m:ctrlPr>
                                   <a:rPr lang="en-US" i="1">
-                                    <a:latin typeface="Cambria Math" panose="02040503050406030204" pitchFamily="18" charset="0"/>
+                                    <a:latin typeface="Cambria Math" charset="0"/>
                                   </a:rPr>
                                 </m:ctrlPr>
                               </m:fPr>
@@ -7151,7 +7355,7 @@
                               <m:fPr>
                                 <m:ctrlPr>
                                   <a:rPr lang="en-US" i="1">
-                                    <a:latin typeface="Cambria Math" panose="02040503050406030204" pitchFamily="18" charset="0"/>
+                                    <a:latin typeface="Cambria Math" charset="0"/>
                                   </a:rPr>
                                 </m:ctrlPr>
                               </m:fPr>
@@ -7184,7 +7388,7 @@
                           <m:sSubSupPr>
                             <m:ctrlPr>
                               <a:rPr lang="en-US" i="1">
-                                <a:latin typeface="Cambria Math" panose="02040503050406030204" pitchFamily="18" charset="0"/>
+                                <a:latin typeface="Cambria Math" charset="0"/>
                               </a:rPr>
                             </m:ctrlPr>
                           </m:sSubSupPr>
@@ -7213,7 +7417,7 @@
                               <m:fPr>
                                 <m:ctrlPr>
                                   <a:rPr lang="en-US" i="1">
-                                    <a:latin typeface="Cambria Math" panose="02040503050406030204" pitchFamily="18" charset="0"/>
+                                    <a:latin typeface="Cambria Math" charset="0"/>
                                   </a:rPr>
                                 </m:ctrlPr>
                               </m:fPr>
@@ -7252,7 +7456,7 @@
                               <m:fPr>
                                 <m:ctrlPr>
                                   <a:rPr lang="en-US" i="1">
-                                    <a:latin typeface="Cambria Math" panose="02040503050406030204" pitchFamily="18" charset="0"/>
+                                    <a:latin typeface="Cambria Math" charset="0"/>
                                   </a:rPr>
                                 </m:ctrlPr>
                               </m:fPr>
@@ -7284,7 +7488,7 @@
             </p:txBody>
           </p:sp>
         </mc:Choice>
-        <mc:Fallback>
+        <mc:Fallback xmlns="">
           <p:sp>
             <p:nvSpPr>
               <p:cNvPr id="3" name="Plassholder for innhold 2">
@@ -7338,6 +7542,13 @@
   <p:clrMapOvr>
     <a:masterClrMapping/>
   </p:clrMapOvr>
+  <p:timing>
+    <p:tnLst>
+      <p:par>
+        <p:cTn id="1" dur="indefinite" restart="never" nodeType="tmRoot"/>
+      </p:par>
+    </p:tnLst>
+  </p:timing>
 </p:sld>
 </file>
 
@@ -7363,7 +7574,7 @@
           <p:cNvPr id="2" name="Tittel 1">
             <a:extLst>
               <a:ext uri="{FF2B5EF4-FFF2-40B4-BE49-F238E27FC236}">
-                <a16:creationId xmlns:a16="http://schemas.microsoft.com/office/drawing/2014/main" id="{18D93DDD-51A5-7146-8FEE-3E73008F0CBD}"/>
+                <a16:creationId xmlns:a16="http://schemas.microsoft.com/office/drawing/2014/main" xmlns="" id="{18D93DDD-51A5-7146-8FEE-3E73008F0CBD}"/>
               </a:ext>
             </a:extLst>
           </p:cNvPr>
@@ -7387,14 +7598,14 @@
           </a:p>
         </p:txBody>
       </p:sp>
-      <mc:AlternateContent xmlns:mc="http://schemas.openxmlformats.org/markup-compatibility/2006">
-        <mc:Choice xmlns:a14="http://schemas.microsoft.com/office/drawing/2010/main" Requires="a14">
+      <mc:AlternateContent xmlns:mc="http://schemas.openxmlformats.org/markup-compatibility/2006" xmlns:a14="http://schemas.microsoft.com/office/drawing/2010/main">
+        <mc:Choice Requires="a14">
           <p:sp>
             <p:nvSpPr>
               <p:cNvPr id="3" name="Plassholder for innhold 2">
                 <a:extLst>
                   <a:ext uri="{FF2B5EF4-FFF2-40B4-BE49-F238E27FC236}">
-                    <a16:creationId xmlns:a16="http://schemas.microsoft.com/office/drawing/2014/main" id="{A2B20F21-B2AA-664A-9A70-FAA3033DFDCD}"/>
+                    <a16:creationId xmlns:a16="http://schemas.microsoft.com/office/drawing/2014/main" xmlns="" id="{A2B20F21-B2AA-664A-9A70-FAA3033DFDCD}"/>
                   </a:ext>
                 </a:extLst>
               </p:cNvPr>
@@ -7416,7 +7627,7 @@
                       <m:sSubSupPr>
                         <m:ctrlPr>
                           <a:rPr lang="nb-NO" i="1">
-                            <a:latin typeface="Cambria Math" panose="02040503050406030204" pitchFamily="18" charset="0"/>
+                            <a:latin typeface="Cambria Math" charset="0"/>
                           </a:rPr>
                         </m:ctrlPr>
                       </m:sSubSupPr>
@@ -7461,7 +7672,7 @@
                       <m:fPr>
                         <m:ctrlPr>
                           <a:rPr lang="en-US" i="1">
-                            <a:latin typeface="Cambria Math" panose="02040503050406030204" pitchFamily="18" charset="0"/>
+                            <a:latin typeface="Cambria Math" charset="0"/>
                           </a:rPr>
                         </m:ctrlPr>
                       </m:fPr>
@@ -7470,7 +7681,7 @@
                           <m:sSubSupPr>
                             <m:ctrlPr>
                               <a:rPr lang="en-US" i="1">
-                                <a:latin typeface="Cambria Math" panose="02040503050406030204" pitchFamily="18" charset="0"/>
+                                <a:latin typeface="Cambria Math" charset="0"/>
                               </a:rPr>
                             </m:ctrlPr>
                           </m:sSubSupPr>
@@ -7515,7 +7726,7 @@
                           <m:sSubSupPr>
                             <m:ctrlPr>
                               <a:rPr lang="en-US" i="1">
-                                <a:latin typeface="Cambria Math" panose="02040503050406030204" pitchFamily="18" charset="0"/>
+                                <a:latin typeface="Cambria Math" charset="0"/>
                               </a:rPr>
                             </m:ctrlPr>
                           </m:sSubSupPr>
@@ -7570,7 +7781,7 @@
                       <m:fPr>
                         <m:ctrlPr>
                           <a:rPr lang="en-US" i="1">
-                            <a:latin typeface="Cambria Math" panose="02040503050406030204" pitchFamily="18" charset="0"/>
+                            <a:latin typeface="Cambria Math" charset="0"/>
                           </a:rPr>
                         </m:ctrlPr>
                       </m:fPr>
@@ -7601,7 +7812,7 @@
                       <m:dPr>
                         <m:ctrlPr>
                           <a:rPr lang="en-US" i="1">
-                            <a:latin typeface="Cambria Math" panose="02040503050406030204" pitchFamily="18" charset="0"/>
+                            <a:latin typeface="Cambria Math" charset="0"/>
                           </a:rPr>
                         </m:ctrlPr>
                       </m:dPr>
@@ -7610,7 +7821,7 @@
                           <m:sSubSupPr>
                             <m:ctrlPr>
                               <a:rPr lang="en-US" i="1">
-                                <a:latin typeface="Cambria Math" panose="02040503050406030204" pitchFamily="18" charset="0"/>
+                                <a:latin typeface="Cambria Math" charset="0"/>
                               </a:rPr>
                             </m:ctrlPr>
                           </m:sSubSupPr>
@@ -7655,7 +7866,7 @@
                           <m:sSubSupPr>
                             <m:ctrlPr>
                               <a:rPr lang="en-US" i="1">
-                                <a:latin typeface="Cambria Math" panose="02040503050406030204" pitchFamily="18" charset="0"/>
+                                <a:latin typeface="Cambria Math" charset="0"/>
                               </a:rPr>
                             </m:ctrlPr>
                           </m:sSubSupPr>
@@ -7708,7 +7919,7 @@
                       <m:sSubSupPr>
                         <m:ctrlPr>
                           <a:rPr lang="en-US" i="1">
-                            <a:latin typeface="Cambria Math" panose="02040503050406030204" pitchFamily="18" charset="0"/>
+                            <a:latin typeface="Cambria Math" charset="0"/>
                           </a:rPr>
                         </m:ctrlPr>
                       </m:sSubSupPr>
@@ -7756,7 +7967,7 @@
                       <m:dPr>
                         <m:ctrlPr>
                           <a:rPr lang="nb-NO" i="1">
-                            <a:latin typeface="Cambria Math" panose="02040503050406030204" pitchFamily="18" charset="0"/>
+                            <a:latin typeface="Cambria Math" charset="0"/>
                             <a:ea typeface="Cambria Math" charset="0"/>
                             <a:cs typeface="Cambria Math" charset="0"/>
                           </a:rPr>
@@ -7809,7 +8020,7 @@
                       <m:dPr>
                         <m:ctrlPr>
                           <a:rPr lang="nb-NO" i="1">
-                            <a:latin typeface="Cambria Math" panose="02040503050406030204" pitchFamily="18" charset="0"/>
+                            <a:latin typeface="Cambria Math" charset="0"/>
                             <a:ea typeface="Cambria Math" charset="0"/>
                             <a:cs typeface="Cambria Math" charset="0"/>
                           </a:rPr>
@@ -7820,7 +8031,7 @@
                           <m:sSupPr>
                             <m:ctrlPr>
                               <a:rPr lang="nb-NO" i="1">
-                                <a:latin typeface="Cambria Math" panose="02040503050406030204" pitchFamily="18" charset="0"/>
+                                <a:latin typeface="Cambria Math" charset="0"/>
                                 <a:ea typeface="Cambria Math" charset="0"/>
                                 <a:cs typeface="Cambria Math" charset="0"/>
                               </a:rPr>
@@ -7869,7 +8080,7 @@
                       <m:dPr>
                         <m:ctrlPr>
                           <a:rPr lang="nb-NO" i="1">
-                            <a:latin typeface="Cambria Math" panose="02040503050406030204" pitchFamily="18" charset="0"/>
+                            <a:latin typeface="Cambria Math" charset="0"/>
                             <a:ea typeface="Cambria Math" charset="0"/>
                             <a:cs typeface="Cambria Math" charset="0"/>
                           </a:rPr>
@@ -7888,7 +8099,7 @@
                           <m:sSupPr>
                             <m:ctrlPr>
                               <a:rPr lang="nb-NO" i="1">
-                                <a:latin typeface="Cambria Math" panose="02040503050406030204" pitchFamily="18" charset="0"/>
+                                <a:latin typeface="Cambria Math" charset="0"/>
                                 <a:ea typeface="Cambria Math" charset="0"/>
                                 <a:cs typeface="Cambria Math" charset="0"/>
                               </a:rPr>
@@ -7945,7 +8156,7 @@
                       <m:sSupPr>
                         <m:ctrlPr>
                           <a:rPr lang="nb-NO" i="1">
-                            <a:latin typeface="Cambria Math" panose="02040503050406030204" pitchFamily="18" charset="0"/>
+                            <a:latin typeface="Cambria Math" charset="0"/>
                             <a:ea typeface="Cambria Math" charset="0"/>
                             <a:cs typeface="Cambria Math" charset="0"/>
                           </a:rPr>
@@ -8003,7 +8214,7 @@
                       <m:sSubSupPr>
                         <m:ctrlPr>
                           <a:rPr lang="nb-NO" i="1">
-                            <a:latin typeface="Cambria Math" panose="02040503050406030204" pitchFamily="18" charset="0"/>
+                            <a:latin typeface="Cambria Math" charset="0"/>
                           </a:rPr>
                         </m:ctrlPr>
                       </m:sSubSupPr>
@@ -8032,7 +8243,7 @@
                           <m:fPr>
                             <m:ctrlPr>
                               <a:rPr lang="en-US" i="1">
-                                <a:latin typeface="Cambria Math" panose="02040503050406030204" pitchFamily="18" charset="0"/>
+                                <a:latin typeface="Cambria Math" charset="0"/>
                               </a:rPr>
                             </m:ctrlPr>
                           </m:fPr>
@@ -8071,7 +8282,7 @@
                           <m:fPr>
                             <m:ctrlPr>
                               <a:rPr lang="en-US" i="1">
-                                <a:latin typeface="Cambria Math" panose="02040503050406030204" pitchFamily="18" charset="0"/>
+                                <a:latin typeface="Cambria Math" charset="0"/>
                               </a:rPr>
                             </m:ctrlPr>
                           </m:fPr>
@@ -8104,7 +8315,7 @@
                       <m:fPr>
                         <m:ctrlPr>
                           <a:rPr lang="en-US" i="1">
-                            <a:latin typeface="Cambria Math" panose="02040503050406030204" pitchFamily="18" charset="0"/>
+                            <a:latin typeface="Cambria Math" charset="0"/>
                           </a:rPr>
                         </m:ctrlPr>
                       </m:fPr>
@@ -8131,7 +8342,7 @@
                         <m:endChr m:val="]"/>
                         <m:ctrlPr>
                           <a:rPr lang="en-US" i="1">
-                            <a:latin typeface="Cambria Math" panose="02040503050406030204" pitchFamily="18" charset="0"/>
+                            <a:latin typeface="Cambria Math" charset="0"/>
                           </a:rPr>
                         </m:ctrlPr>
                       </m:dPr>
@@ -8140,7 +8351,7 @@
                           <m:sSubSupPr>
                             <m:ctrlPr>
                               <a:rPr lang="en-US" i="1">
-                                <a:latin typeface="Cambria Math" panose="02040503050406030204" pitchFamily="18" charset="0"/>
+                                <a:latin typeface="Cambria Math" charset="0"/>
                               </a:rPr>
                             </m:ctrlPr>
                           </m:sSubSupPr>
@@ -8185,7 +8396,7 @@
                           <m:sSubSupPr>
                             <m:ctrlPr>
                               <a:rPr lang="en-US" i="1">
-                                <a:latin typeface="Cambria Math" panose="02040503050406030204" pitchFamily="18" charset="0"/>
+                                <a:latin typeface="Cambria Math" charset="0"/>
                               </a:rPr>
                             </m:ctrlPr>
                           </m:sSubSupPr>
@@ -8230,7 +8441,7 @@
                           <m:fPr>
                             <m:ctrlPr>
                               <a:rPr lang="en-US" i="1">
-                                <a:latin typeface="Cambria Math" panose="02040503050406030204" pitchFamily="18" charset="0"/>
+                                <a:latin typeface="Cambria Math" charset="0"/>
                               </a:rPr>
                             </m:ctrlPr>
                           </m:fPr>
@@ -8255,7 +8466,7 @@
                           <m:dPr>
                             <m:ctrlPr>
                               <a:rPr lang="en-US" i="1">
-                                <a:latin typeface="Cambria Math" panose="02040503050406030204" pitchFamily="18" charset="0"/>
+                                <a:latin typeface="Cambria Math" charset="0"/>
                               </a:rPr>
                             </m:ctrlPr>
                           </m:dPr>
@@ -8264,7 +8475,7 @@
                               <m:sSubSupPr>
                                 <m:ctrlPr>
                                   <a:rPr lang="en-US" i="1">
-                                    <a:latin typeface="Cambria Math" panose="02040503050406030204" pitchFamily="18" charset="0"/>
+                                    <a:latin typeface="Cambria Math" charset="0"/>
                                   </a:rPr>
                                 </m:ctrlPr>
                               </m:sSubSupPr>
@@ -8309,7 +8520,7 @@
                               <m:sSubSupPr>
                                 <m:ctrlPr>
                                   <a:rPr lang="en-US" i="1">
-                                    <a:latin typeface="Cambria Math" panose="02040503050406030204" pitchFamily="18" charset="0"/>
+                                    <a:latin typeface="Cambria Math" charset="0"/>
                                   </a:rPr>
                                 </m:ctrlPr>
                               </m:sSubSupPr>
@@ -8350,7 +8561,7 @@
                           <m:fPr>
                             <m:ctrlPr>
                               <a:rPr lang="en-US" i="1">
-                                <a:latin typeface="Cambria Math" panose="02040503050406030204" pitchFamily="18" charset="0"/>
+                                <a:latin typeface="Cambria Math" charset="0"/>
                               </a:rPr>
                             </m:ctrlPr>
                           </m:fPr>
@@ -8375,7 +8586,7 @@
                           <m:dPr>
                             <m:ctrlPr>
                               <a:rPr lang="en-US" i="1">
-                                <a:latin typeface="Cambria Math" panose="02040503050406030204" pitchFamily="18" charset="0"/>
+                                <a:latin typeface="Cambria Math" charset="0"/>
                               </a:rPr>
                             </m:ctrlPr>
                           </m:dPr>
@@ -8384,7 +8595,7 @@
                               <m:sSubSupPr>
                                 <m:ctrlPr>
                                   <a:rPr lang="en-US" i="1">
-                                    <a:latin typeface="Cambria Math" panose="02040503050406030204" pitchFamily="18" charset="0"/>
+                                    <a:latin typeface="Cambria Math" charset="0"/>
                                   </a:rPr>
                                 </m:ctrlPr>
                               </m:sSubSupPr>
@@ -8423,7 +8634,7 @@
                               <m:sSubSupPr>
                                 <m:ctrlPr>
                                   <a:rPr lang="en-US" i="1">
-                                    <a:latin typeface="Cambria Math" panose="02040503050406030204" pitchFamily="18" charset="0"/>
+                                    <a:latin typeface="Cambria Math" charset="0"/>
                                   </a:rPr>
                                 </m:ctrlPr>
                               </m:sSubSupPr>
@@ -8473,7 +8684,7 @@
                       <m:sSubSupPr>
                         <m:ctrlPr>
                           <a:rPr lang="nb-NO" i="1">
-                            <a:latin typeface="Cambria Math" panose="02040503050406030204" pitchFamily="18" charset="0"/>
+                            <a:latin typeface="Cambria Math" charset="0"/>
                           </a:rPr>
                         </m:ctrlPr>
                       </m:sSubSupPr>
@@ -8520,7 +8731,7 @@
                       <m:sSubSupPr>
                         <m:ctrlPr>
                           <a:rPr lang="nb-NO" i="1">
-                            <a:latin typeface="Cambria Math" panose="02040503050406030204" pitchFamily="18" charset="0"/>
+                            <a:latin typeface="Cambria Math" charset="0"/>
                           </a:rPr>
                         </m:ctrlPr>
                       </m:sSubSupPr>
@@ -8567,7 +8778,7 @@
                       <m:fPr>
                         <m:ctrlPr>
                           <a:rPr lang="en-US" i="1">
-                            <a:latin typeface="Cambria Math" panose="02040503050406030204" pitchFamily="18" charset="0"/>
+                            <a:latin typeface="Cambria Math" charset="0"/>
                           </a:rPr>
                         </m:ctrlPr>
                       </m:fPr>
@@ -8594,7 +8805,7 @@
                         <m:endChr m:val="]"/>
                         <m:ctrlPr>
                           <a:rPr lang="en-US" i="1">
-                            <a:latin typeface="Cambria Math" panose="02040503050406030204" pitchFamily="18" charset="0"/>
+                            <a:latin typeface="Cambria Math" charset="0"/>
                           </a:rPr>
                         </m:ctrlPr>
                       </m:dPr>
@@ -8603,7 +8814,7 @@
                           <m:sSubSupPr>
                             <m:ctrlPr>
                               <a:rPr lang="en-US" i="1">
-                                <a:latin typeface="Cambria Math" panose="02040503050406030204" pitchFamily="18" charset="0"/>
+                                <a:latin typeface="Cambria Math" charset="0"/>
                               </a:rPr>
                             </m:ctrlPr>
                           </m:sSubSupPr>
@@ -8632,7 +8843,7 @@
                               <m:fPr>
                                 <m:ctrlPr>
                                   <a:rPr lang="en-US" i="1">
-                                    <a:latin typeface="Cambria Math" panose="02040503050406030204" pitchFamily="18" charset="0"/>
+                                    <a:latin typeface="Cambria Math" charset="0"/>
                                   </a:rPr>
                                 </m:ctrlPr>
                               </m:fPr>
@@ -8671,7 +8882,7 @@
                               <m:fPr>
                                 <m:ctrlPr>
                                   <a:rPr lang="en-US" i="1">
-                                    <a:latin typeface="Cambria Math" panose="02040503050406030204" pitchFamily="18" charset="0"/>
+                                    <a:latin typeface="Cambria Math" charset="0"/>
                                   </a:rPr>
                                 </m:ctrlPr>
                               </m:fPr>
@@ -8704,7 +8915,7 @@
                           <m:sSubSupPr>
                             <m:ctrlPr>
                               <a:rPr lang="en-US" i="1">
-                                <a:latin typeface="Cambria Math" panose="02040503050406030204" pitchFamily="18" charset="0"/>
+                                <a:latin typeface="Cambria Math" charset="0"/>
                               </a:rPr>
                             </m:ctrlPr>
                           </m:sSubSupPr>
@@ -8733,7 +8944,7 @@
                               <m:fPr>
                                 <m:ctrlPr>
                                   <a:rPr lang="en-US" i="1">
-                                    <a:latin typeface="Cambria Math" panose="02040503050406030204" pitchFamily="18" charset="0"/>
+                                    <a:latin typeface="Cambria Math" charset="0"/>
                                   </a:rPr>
                                 </m:ctrlPr>
                               </m:fPr>
@@ -8772,7 +8983,7 @@
                               <m:fPr>
                                 <m:ctrlPr>
                                   <a:rPr lang="en-US" i="1">
-                                    <a:latin typeface="Cambria Math" panose="02040503050406030204" pitchFamily="18" charset="0"/>
+                                    <a:latin typeface="Cambria Math" charset="0"/>
                                   </a:rPr>
                                 </m:ctrlPr>
                               </m:fPr>
@@ -8807,7 +9018,7 @@
                       <m:fPr>
                         <m:ctrlPr>
                           <a:rPr lang="en-US" i="1">
-                            <a:latin typeface="Cambria Math" panose="02040503050406030204" pitchFamily="18" charset="0"/>
+                            <a:latin typeface="Cambria Math" charset="0"/>
                           </a:rPr>
                         </m:ctrlPr>
                       </m:fPr>
@@ -8834,7 +9045,7 @@
                         <m:endChr m:val="]"/>
                         <m:ctrlPr>
                           <a:rPr lang="en-US" i="1">
-                            <a:latin typeface="Cambria Math" panose="02040503050406030204" pitchFamily="18" charset="0"/>
+                            <a:latin typeface="Cambria Math" charset="0"/>
                           </a:rPr>
                         </m:ctrlPr>
                       </m:dPr>
@@ -8843,7 +9054,7 @@
                           <m:sSubSupPr>
                             <m:ctrlPr>
                               <a:rPr lang="en-US" i="1">
-                                <a:latin typeface="Cambria Math" panose="02040503050406030204" pitchFamily="18" charset="0"/>
+                                <a:latin typeface="Cambria Math" charset="0"/>
                               </a:rPr>
                             </m:ctrlPr>
                           </m:sSubSupPr>
@@ -8872,7 +9083,7 @@
                               <m:fPr>
                                 <m:ctrlPr>
                                   <a:rPr lang="en-US" i="1">
-                                    <a:latin typeface="Cambria Math" panose="02040503050406030204" pitchFamily="18" charset="0"/>
+                                    <a:latin typeface="Cambria Math" charset="0"/>
                                   </a:rPr>
                                 </m:ctrlPr>
                               </m:fPr>
@@ -8911,7 +9122,7 @@
                               <m:fPr>
                                 <m:ctrlPr>
                                   <a:rPr lang="en-US" i="1">
-                                    <a:latin typeface="Cambria Math" panose="02040503050406030204" pitchFamily="18" charset="0"/>
+                                    <a:latin typeface="Cambria Math" charset="0"/>
                                   </a:rPr>
                                 </m:ctrlPr>
                               </m:fPr>
@@ -8944,7 +9155,7 @@
                           <m:sSubSupPr>
                             <m:ctrlPr>
                               <a:rPr lang="en-US" i="1">
-                                <a:latin typeface="Cambria Math" panose="02040503050406030204" pitchFamily="18" charset="0"/>
+                                <a:latin typeface="Cambria Math" charset="0"/>
                               </a:rPr>
                             </m:ctrlPr>
                           </m:sSubSupPr>
@@ -8973,7 +9184,7 @@
                               <m:fPr>
                                 <m:ctrlPr>
                                   <a:rPr lang="en-US" i="1">
-                                    <a:latin typeface="Cambria Math" panose="02040503050406030204" pitchFamily="18" charset="0"/>
+                                    <a:latin typeface="Cambria Math" charset="0"/>
                                   </a:rPr>
                                 </m:ctrlPr>
                               </m:fPr>
@@ -9012,7 +9223,7 @@
                               <m:fPr>
                                 <m:ctrlPr>
                                   <a:rPr lang="en-US" i="1">
-                                    <a:latin typeface="Cambria Math" panose="02040503050406030204" pitchFamily="18" charset="0"/>
+                                    <a:latin typeface="Cambria Math" charset="0"/>
                                   </a:rPr>
                                 </m:ctrlPr>
                               </m:fPr>
@@ -9044,7 +9255,7 @@
             </p:txBody>
           </p:sp>
         </mc:Choice>
-        <mc:Fallback>
+        <mc:Fallback xmlns="">
           <p:sp>
             <p:nvSpPr>
               <p:cNvPr id="3" name="Plassholder for innhold 2">
@@ -9094,6 +9305,13 @@
   <p:clrMapOvr>
     <a:masterClrMapping/>
   </p:clrMapOvr>
+  <p:timing>
+    <p:tnLst>
+      <p:par>
+        <p:cTn id="1" dur="indefinite" restart="never" nodeType="tmRoot"/>
+      </p:par>
+    </p:tnLst>
+  </p:timing>
 </p:sld>
 </file>
 
@@ -9119,7 +9337,7 @@
           <p:cNvPr id="2" name="Tittel 1">
             <a:extLst>
               <a:ext uri="{FF2B5EF4-FFF2-40B4-BE49-F238E27FC236}">
-                <a16:creationId xmlns:a16="http://schemas.microsoft.com/office/drawing/2014/main" id="{4556845F-256E-EC46-8798-D086CF23C793}"/>
+                <a16:creationId xmlns:a16="http://schemas.microsoft.com/office/drawing/2014/main" xmlns="" id="{4556845F-256E-EC46-8798-D086CF23C793}"/>
               </a:ext>
             </a:extLst>
           </p:cNvPr>
@@ -9143,41 +9361,12 @@
           </a:p>
         </p:txBody>
       </p:sp>
-      <p:pic>
-        <p:nvPicPr>
-          <p:cNvPr id="15" name="Plassholder for innhold 14">
-            <a:extLst>
-              <a:ext uri="{FF2B5EF4-FFF2-40B4-BE49-F238E27FC236}">
-                <a16:creationId xmlns:a16="http://schemas.microsoft.com/office/drawing/2014/main" id="{7E819717-7B1A-B146-9C71-E5EEFB86957E}"/>
-              </a:ext>
-            </a:extLst>
-          </p:cNvPr>
-          <p:cNvPicPr>
-            <a:picLocks noGrp="1" noChangeAspect="1"/>
-          </p:cNvPicPr>
-          <p:nvPr>
-            <p:ph idx="1"/>
-          </p:nvPr>
-        </p:nvPicPr>
-        <p:blipFill>
-          <a:blip r:embed="rId2"/>
-          <a:stretch>
-            <a:fillRect/>
-          </a:stretch>
-        </p:blipFill>
-        <p:spPr>
-          <a:xfrm>
-            <a:off x="533400" y="1691481"/>
-            <a:ext cx="8077200" cy="4343400"/>
-          </a:xfrm>
-        </p:spPr>
-      </p:pic>
       <p:sp>
         <p:nvSpPr>
           <p:cNvPr id="16" name="Tittel 3">
             <a:extLst>
               <a:ext uri="{FF2B5EF4-FFF2-40B4-BE49-F238E27FC236}">
-                <a16:creationId xmlns:a16="http://schemas.microsoft.com/office/drawing/2014/main" id="{0085D2D9-160C-E245-AAB2-FADD6BC3A54B}"/>
+                <a16:creationId xmlns:a16="http://schemas.microsoft.com/office/drawing/2014/main" xmlns="" id="{0085D2D9-160C-E245-AAB2-FADD6BC3A54B}"/>
               </a:ext>
             </a:extLst>
           </p:cNvPr>
@@ -9224,6 +9413,35 @@
           </a:p>
         </p:txBody>
       </p:sp>
+      <p:pic>
+        <p:nvPicPr>
+          <p:cNvPr id="4" name="Plassholder for innhold 3"/>
+          <p:cNvPicPr>
+            <a:picLocks noGrp="1" noChangeAspect="1"/>
+          </p:cNvPicPr>
+          <p:nvPr>
+            <p:ph idx="1"/>
+          </p:nvPr>
+        </p:nvPicPr>
+        <p:blipFill>
+          <a:blip r:embed="rId2">
+            <a:extLst>
+              <a:ext uri="{28A0092B-C50C-407E-A947-70E740481C1C}">
+                <a14:useLocalDpi xmlns:a14="http://schemas.microsoft.com/office/drawing/2010/main" val="0"/>
+              </a:ext>
+            </a:extLst>
+          </a:blip>
+          <a:stretch>
+            <a:fillRect/>
+          </a:stretch>
+        </p:blipFill>
+        <p:spPr>
+          <a:xfrm>
+            <a:off x="1645920" y="1686909"/>
+            <a:ext cx="5852160" cy="4352544"/>
+          </a:xfrm>
+        </p:spPr>
+      </p:pic>
     </p:spTree>
     <p:extLst>
       <p:ext uri="{BB962C8B-B14F-4D97-AF65-F5344CB8AC3E}">
@@ -9234,6 +9452,13 @@
   <p:clrMapOvr>
     <a:masterClrMapping/>
   </p:clrMapOvr>
+  <p:timing>
+    <p:tnLst>
+      <p:par>
+        <p:cTn id="1" dur="indefinite" restart="never" nodeType="tmRoot"/>
+      </p:par>
+    </p:tnLst>
+  </p:timing>
 </p:sld>
 </file>
 
@@ -9259,7 +9484,7 @@
           <p:cNvPr id="2" name="Tittel 1">
             <a:extLst>
               <a:ext uri="{FF2B5EF4-FFF2-40B4-BE49-F238E27FC236}">
-                <a16:creationId xmlns:a16="http://schemas.microsoft.com/office/drawing/2014/main" id="{19204A6D-9819-B44E-A651-ED1F5B17F5EE}"/>
+                <a16:creationId xmlns:a16="http://schemas.microsoft.com/office/drawing/2014/main" xmlns="" id="{19204A6D-9819-B44E-A651-ED1F5B17F5EE}"/>
               </a:ext>
             </a:extLst>
           </p:cNvPr>
@@ -9283,41 +9508,12 @@
           </a:p>
         </p:txBody>
       </p:sp>
-      <p:pic>
-        <p:nvPicPr>
-          <p:cNvPr id="5" name="Plassholder for innhold 4">
-            <a:extLst>
-              <a:ext uri="{FF2B5EF4-FFF2-40B4-BE49-F238E27FC236}">
-                <a16:creationId xmlns:a16="http://schemas.microsoft.com/office/drawing/2014/main" id="{02CE218F-CBF5-7845-90C2-368E212ABD32}"/>
-              </a:ext>
-            </a:extLst>
-          </p:cNvPr>
-          <p:cNvPicPr>
-            <a:picLocks noGrp="1" noChangeAspect="1"/>
-          </p:cNvPicPr>
-          <p:nvPr>
-            <p:ph idx="1"/>
-          </p:nvPr>
-        </p:nvPicPr>
-        <p:blipFill>
-          <a:blip r:embed="rId2"/>
-          <a:stretch>
-            <a:fillRect/>
-          </a:stretch>
-        </p:blipFill>
-        <p:spPr>
-          <a:xfrm>
-            <a:off x="1651000" y="1691481"/>
-            <a:ext cx="5842000" cy="4343400"/>
-          </a:xfrm>
-        </p:spPr>
-      </p:pic>
       <p:sp>
         <p:nvSpPr>
           <p:cNvPr id="7" name="Tittel 3">
             <a:extLst>
               <a:ext uri="{FF2B5EF4-FFF2-40B4-BE49-F238E27FC236}">
-                <a16:creationId xmlns:a16="http://schemas.microsoft.com/office/drawing/2014/main" id="{4147B2E6-E43E-934D-B397-D42673C4615F}"/>
+                <a16:creationId xmlns:a16="http://schemas.microsoft.com/office/drawing/2014/main" xmlns="" id="{4147B2E6-E43E-934D-B397-D42673C4615F}"/>
               </a:ext>
             </a:extLst>
           </p:cNvPr>
@@ -9364,6 +9560,35 @@
           </a:p>
         </p:txBody>
       </p:sp>
+      <p:pic>
+        <p:nvPicPr>
+          <p:cNvPr id="4" name="Plassholder for innhold 3"/>
+          <p:cNvPicPr>
+            <a:picLocks noGrp="1" noChangeAspect="1"/>
+          </p:cNvPicPr>
+          <p:nvPr>
+            <p:ph idx="1"/>
+          </p:nvPr>
+        </p:nvPicPr>
+        <p:blipFill>
+          <a:blip r:embed="rId2">
+            <a:extLst>
+              <a:ext uri="{28A0092B-C50C-407E-A947-70E740481C1C}">
+                <a14:useLocalDpi xmlns:a14="http://schemas.microsoft.com/office/drawing/2010/main" val="0"/>
+              </a:ext>
+            </a:extLst>
+          </a:blip>
+          <a:stretch>
+            <a:fillRect/>
+          </a:stretch>
+        </p:blipFill>
+        <p:spPr>
+          <a:xfrm>
+            <a:off x="1645920" y="1686909"/>
+            <a:ext cx="5852160" cy="4352544"/>
+          </a:xfrm>
+        </p:spPr>
+      </p:pic>
     </p:spTree>
     <p:extLst>
       <p:ext uri="{BB962C8B-B14F-4D97-AF65-F5344CB8AC3E}">
@@ -9374,6 +9599,13 @@
   <p:clrMapOvr>
     <a:masterClrMapping/>
   </p:clrMapOvr>
+  <p:timing>
+    <p:tnLst>
+      <p:par>
+        <p:cTn id="1" dur="indefinite" restart="never" nodeType="tmRoot"/>
+      </p:par>
+    </p:tnLst>
+  </p:timing>
 </p:sld>
 </file>
 
@@ -9399,7 +9631,7 @@
           <p:cNvPr id="2" name="Tittel 1">
             <a:extLst>
               <a:ext uri="{FF2B5EF4-FFF2-40B4-BE49-F238E27FC236}">
-                <a16:creationId xmlns:a16="http://schemas.microsoft.com/office/drawing/2014/main" id="{409C64B9-7006-BD4A-BFB1-A4EE3D1059C8}"/>
+                <a16:creationId xmlns:a16="http://schemas.microsoft.com/office/drawing/2014/main" xmlns="" id="{409C64B9-7006-BD4A-BFB1-A4EE3D1059C8}"/>
               </a:ext>
             </a:extLst>
           </p:cNvPr>
@@ -9428,7 +9660,7 @@
           <p:cNvPr id="5" name="Plassholder for innhold 4">
             <a:extLst>
               <a:ext uri="{FF2B5EF4-FFF2-40B4-BE49-F238E27FC236}">
-                <a16:creationId xmlns:a16="http://schemas.microsoft.com/office/drawing/2014/main" id="{4EB5700D-FD55-1342-ADDE-0C6E657BA454}"/>
+                <a16:creationId xmlns:a16="http://schemas.microsoft.com/office/drawing/2014/main" xmlns="" id="{4EB5700D-FD55-1342-ADDE-0C6E657BA454}"/>
               </a:ext>
             </a:extLst>
           </p:cNvPr>
@@ -9457,7 +9689,7 @@
           <p:cNvPr id="6" name="Tittel 3">
             <a:extLst>
               <a:ext uri="{FF2B5EF4-FFF2-40B4-BE49-F238E27FC236}">
-                <a16:creationId xmlns:a16="http://schemas.microsoft.com/office/drawing/2014/main" id="{9697B60B-CC9B-7348-8D07-892F907D51D8}"/>
+                <a16:creationId xmlns:a16="http://schemas.microsoft.com/office/drawing/2014/main" xmlns="" id="{9697B60B-CC9B-7348-8D07-892F907D51D8}"/>
               </a:ext>
             </a:extLst>
           </p:cNvPr>
@@ -9514,6 +9746,13 @@
   <p:clrMapOvr>
     <a:masterClrMapping/>
   </p:clrMapOvr>
+  <p:timing>
+    <p:tnLst>
+      <p:par>
+        <p:cTn id="1" dur="indefinite" restart="never" nodeType="tmRoot"/>
+      </p:par>
+    </p:tnLst>
+  </p:timing>
 </p:sld>
 </file>
 
@@ -9539,7 +9778,7 @@
           <p:cNvPr id="4" name="Tittel 3">
             <a:extLst>
               <a:ext uri="{FF2B5EF4-FFF2-40B4-BE49-F238E27FC236}">
-                <a16:creationId xmlns:a16="http://schemas.microsoft.com/office/drawing/2014/main" id="{68328E26-3789-DF48-B213-859BC7A7B437}"/>
+                <a16:creationId xmlns:a16="http://schemas.microsoft.com/office/drawing/2014/main" xmlns="" id="{68328E26-3789-DF48-B213-859BC7A7B437}"/>
               </a:ext>
             </a:extLst>
           </p:cNvPr>
@@ -9571,41 +9810,12 @@
           </a:p>
         </p:txBody>
       </p:sp>
-      <p:pic>
-        <p:nvPicPr>
-          <p:cNvPr id="12" name="Plassholder for innhold 11">
-            <a:extLst>
-              <a:ext uri="{FF2B5EF4-FFF2-40B4-BE49-F238E27FC236}">
-                <a16:creationId xmlns:a16="http://schemas.microsoft.com/office/drawing/2014/main" id="{EDAD7794-1633-134C-99C8-E0F3DB2A8ACF}"/>
-              </a:ext>
-            </a:extLst>
-          </p:cNvPr>
-          <p:cNvPicPr>
-            <a:picLocks noGrp="1" noChangeAspect="1"/>
-          </p:cNvPicPr>
-          <p:nvPr>
-            <p:ph idx="1"/>
-          </p:nvPr>
-        </p:nvPicPr>
-        <p:blipFill>
-          <a:blip r:embed="rId2"/>
-          <a:stretch>
-            <a:fillRect/>
-          </a:stretch>
-        </p:blipFill>
-        <p:spPr>
-          <a:xfrm>
-            <a:off x="1651000" y="1691481"/>
-            <a:ext cx="5842000" cy="4343400"/>
-          </a:xfrm>
-        </p:spPr>
-      </p:pic>
       <p:sp>
         <p:nvSpPr>
           <p:cNvPr id="16" name="Tittel 3">
             <a:extLst>
               <a:ext uri="{FF2B5EF4-FFF2-40B4-BE49-F238E27FC236}">
-                <a16:creationId xmlns:a16="http://schemas.microsoft.com/office/drawing/2014/main" id="{73866985-C537-5F48-94C6-A11060B094C9}"/>
+                <a16:creationId xmlns:a16="http://schemas.microsoft.com/office/drawing/2014/main" xmlns="" id="{73866985-C537-5F48-94C6-A11060B094C9}"/>
               </a:ext>
             </a:extLst>
           </p:cNvPr>
@@ -9657,7 +9867,7 @@
           <p:cNvPr id="17" name="Tittel 3">
             <a:extLst>
               <a:ext uri="{FF2B5EF4-FFF2-40B4-BE49-F238E27FC236}">
-                <a16:creationId xmlns:a16="http://schemas.microsoft.com/office/drawing/2014/main" id="{DBA9EC6A-B4E7-7340-B434-47BC57496E6D}"/>
+                <a16:creationId xmlns:a16="http://schemas.microsoft.com/office/drawing/2014/main" xmlns="" id="{DBA9EC6A-B4E7-7340-B434-47BC57496E6D}"/>
               </a:ext>
             </a:extLst>
           </p:cNvPr>
@@ -9704,6 +9914,35 @@
           </a:p>
         </p:txBody>
       </p:sp>
+      <p:pic>
+        <p:nvPicPr>
+          <p:cNvPr id="3" name="Plassholder for innhold 2"/>
+          <p:cNvPicPr>
+            <a:picLocks noGrp="1" noChangeAspect="1"/>
+          </p:cNvPicPr>
+          <p:nvPr>
+            <p:ph idx="1"/>
+          </p:nvPr>
+        </p:nvPicPr>
+        <p:blipFill>
+          <a:blip r:embed="rId2">
+            <a:extLst>
+              <a:ext uri="{28A0092B-C50C-407E-A947-70E740481C1C}">
+                <a14:useLocalDpi xmlns:a14="http://schemas.microsoft.com/office/drawing/2010/main" val="0"/>
+              </a:ext>
+            </a:extLst>
+          </a:blip>
+          <a:stretch>
+            <a:fillRect/>
+          </a:stretch>
+        </p:blipFill>
+        <p:spPr>
+          <a:xfrm>
+            <a:off x="1645920" y="1686909"/>
+            <a:ext cx="5852160" cy="4352544"/>
+          </a:xfrm>
+        </p:spPr>
+      </p:pic>
     </p:spTree>
     <p:extLst>
       <p:ext uri="{BB962C8B-B14F-4D97-AF65-F5344CB8AC3E}">
@@ -9714,6 +9953,13 @@
   <p:clrMapOvr>
     <a:masterClrMapping/>
   </p:clrMapOvr>
+  <p:timing>
+    <p:tnLst>
+      <p:par>
+        <p:cTn id="1" dur="indefinite" restart="never" nodeType="tmRoot"/>
+      </p:par>
+    </p:tnLst>
+  </p:timing>
 </p:sld>
 </file>
 
